--- a/2024_LLM論文要約_9.pptx
+++ b/2024_LLM論文要約_9.pptx
@@ -33,16 +33,21 @@
     <p:sldId id="278" r:id="rId28"/>
     <p:sldId id="279" r:id="rId29"/>
     <p:sldId id="280" r:id="rId30"/>
+    <p:sldId id="281" r:id="rId31"/>
+    <p:sldId id="282" r:id="rId32"/>
+    <p:sldId id="283" r:id="rId33"/>
+    <p:sldId id="284" r:id="rId34"/>
+    <p:sldId id="285" r:id="rId35"/>
   </p:sldIdLst>
   <p:sldSz cy="5143500" cx="9144000"/>
   <p:notesSz cx="6858000" cy="9144000"/>
   <p:embeddedFontLst>
     <p:embeddedFont>
       <p:font typeface="Proxima Nova"/>
-      <p:regular r:id="rId31"/>
-      <p:bold r:id="rId32"/>
-      <p:italic r:id="rId33"/>
-      <p:boldItalic r:id="rId34"/>
+      <p:regular r:id="rId36"/>
+      <p:bold r:id="rId37"/>
+      <p:italic r:id="rId38"/>
+      <p:boldItalic r:id="rId39"/>
     </p:embeddedFont>
   </p:embeddedFontLst>
   <p:defaultTextStyle>
@@ -2421,7 +2426,7 @@
       </p:grpSpPr>
       <p:sp>
         <p:nvSpPr>
-          <p:cNvPr id="177" name="Google Shape;177;g2b3937a3876_0_15:notes"/>
+          <p:cNvPr id="177" name="Google Shape;177;g3040b7f0cf9_0_0:notes"/>
           <p:cNvSpPr/>
           <p:nvPr>
             <p:ph idx="2" type="sldImg"/>
@@ -2456,7 +2461,403 @@
       </p:sp>
       <p:sp>
         <p:nvSpPr>
-          <p:cNvPr id="178" name="Google Shape;178;g2b3937a3876_0_15:notes"/>
+          <p:cNvPr id="178" name="Google Shape;178;g3040b7f0cf9_0_0:notes"/>
+          <p:cNvSpPr txBox="1"/>
+          <p:nvPr>
+            <p:ph idx="1" type="body"/>
+          </p:nvPr>
+        </p:nvSpPr>
+        <p:spPr>
+          <a:xfrm>
+            <a:off x="685800" y="4343400"/>
+            <a:ext cx="5486400" cy="4114800"/>
+          </a:xfrm>
+          <a:prstGeom prst="rect">
+            <a:avLst/>
+          </a:prstGeom>
+        </p:spPr>
+        <p:txBody>
+          <a:bodyPr anchorCtr="0" anchor="t" bIns="91425" lIns="91425" spcFirstLastPara="1" rIns="91425" wrap="square" tIns="91425">
+            <a:noAutofit/>
+          </a:bodyPr>
+          <a:lstStyle/>
+          <a:p>
+            <a:pPr indent="0" lvl="0" marL="0" rtl="0" algn="l">
+              <a:spcBef>
+                <a:spcPts val="0"/>
+              </a:spcBef>
+              <a:spcAft>
+                <a:spcPts val="0"/>
+              </a:spcAft>
+              <a:buNone/>
+            </a:pPr>
+            <a:r>
+              <a:t/>
+            </a:r>
+            <a:endParaRPr/>
+          </a:p>
+        </p:txBody>
+      </p:sp>
+    </p:spTree>
+  </p:cSld>
+  <p:clrMapOvr>
+    <a:masterClrMapping/>
+  </p:clrMapOvr>
+</p:notes>
+</file>
+
+<file path=ppt/notesSlides/notesSlide26.xml><?xml version="1.0" encoding="utf-8"?>
+<p:notes xmlns:a="http://schemas.openxmlformats.org/drawingml/2006/main" xmlns:r="http://schemas.openxmlformats.org/officeDocument/2006/relationships" xmlns:mc="http://schemas.openxmlformats.org/markup-compatibility/2006" xmlns:mv="urn:schemas-microsoft-com:mac:vml" xmlns:p="http://schemas.openxmlformats.org/presentationml/2006/main" xmlns:c="http://schemas.openxmlformats.org/drawingml/2006/chart" xmlns:dgm="http://schemas.openxmlformats.org/drawingml/2006/diagram" xmlns:o="urn:schemas-microsoft-com:office:office" xmlns:v="urn:schemas-microsoft-com:vml" xmlns:pvml="urn:schemas-microsoft-com:office:powerpoint" xmlns:com="http://schemas.openxmlformats.org/drawingml/2006/compatibility" xmlns:p14="http://schemas.microsoft.com/office/powerpoint/2010/main" xmlns:p15="http://schemas.microsoft.com/office/powerpoint/2012/main" xmlns:ahyp="http://schemas.microsoft.com/office/drawing/2018/hyperlinkcolor" showMasterPhAnim="0" showMasterSp="0">
+  <p:cSld>
+    <p:spTree>
+      <p:nvGrpSpPr>
+        <p:cNvPr id="181" name="Shape 181"/>
+        <p:cNvGrpSpPr/>
+        <p:nvPr/>
+      </p:nvGrpSpPr>
+      <p:grpSpPr>
+        <a:xfrm>
+          <a:off x="0" y="0"/>
+          <a:ext cx="0" cy="0"/>
+          <a:chOff x="0" y="0"/>
+          <a:chExt cx="0" cy="0"/>
+        </a:xfrm>
+      </p:grpSpPr>
+      <p:sp>
+        <p:nvSpPr>
+          <p:cNvPr id="182" name="Google Shape;182;g3065f1107c1_0_5:notes"/>
+          <p:cNvSpPr/>
+          <p:nvPr>
+            <p:ph idx="2" type="sldImg"/>
+          </p:nvPr>
+        </p:nvSpPr>
+        <p:spPr>
+          <a:xfrm>
+            <a:off x="381300" y="685800"/>
+            <a:ext cx="6096000" cy="3429000"/>
+          </a:xfrm>
+          <a:custGeom>
+            <a:rect b="b" l="l" r="r" t="t"/>
+            <a:pathLst>
+              <a:path extrusionOk="0" h="120000" w="120000">
+                <a:moveTo>
+                  <a:pt x="0" y="0"/>
+                </a:moveTo>
+                <a:lnTo>
+                  <a:pt x="120000" y="0"/>
+                </a:lnTo>
+                <a:lnTo>
+                  <a:pt x="120000" y="120000"/>
+                </a:lnTo>
+                <a:lnTo>
+                  <a:pt x="0" y="120000"/>
+                </a:lnTo>
+                <a:close/>
+              </a:path>
+            </a:pathLst>
+          </a:custGeom>
+        </p:spPr>
+      </p:sp>
+      <p:sp>
+        <p:nvSpPr>
+          <p:cNvPr id="183" name="Google Shape;183;g3065f1107c1_0_5:notes"/>
+          <p:cNvSpPr txBox="1"/>
+          <p:nvPr>
+            <p:ph idx="1" type="body"/>
+          </p:nvPr>
+        </p:nvSpPr>
+        <p:spPr>
+          <a:xfrm>
+            <a:off x="685800" y="4343400"/>
+            <a:ext cx="5486400" cy="4114800"/>
+          </a:xfrm>
+          <a:prstGeom prst="rect">
+            <a:avLst/>
+          </a:prstGeom>
+        </p:spPr>
+        <p:txBody>
+          <a:bodyPr anchorCtr="0" anchor="t" bIns="91425" lIns="91425" spcFirstLastPara="1" rIns="91425" wrap="square" tIns="91425">
+            <a:noAutofit/>
+          </a:bodyPr>
+          <a:lstStyle/>
+          <a:p>
+            <a:pPr indent="0" lvl="0" marL="0" rtl="0" algn="l">
+              <a:spcBef>
+                <a:spcPts val="0"/>
+              </a:spcBef>
+              <a:spcAft>
+                <a:spcPts val="0"/>
+              </a:spcAft>
+              <a:buNone/>
+            </a:pPr>
+            <a:r>
+              <a:t/>
+            </a:r>
+            <a:endParaRPr/>
+          </a:p>
+        </p:txBody>
+      </p:sp>
+    </p:spTree>
+  </p:cSld>
+  <p:clrMapOvr>
+    <a:masterClrMapping/>
+  </p:clrMapOvr>
+</p:notes>
+</file>
+
+<file path=ppt/notesSlides/notesSlide27.xml><?xml version="1.0" encoding="utf-8"?>
+<p:notes xmlns:a="http://schemas.openxmlformats.org/drawingml/2006/main" xmlns:r="http://schemas.openxmlformats.org/officeDocument/2006/relationships" xmlns:mc="http://schemas.openxmlformats.org/markup-compatibility/2006" xmlns:mv="urn:schemas-microsoft-com:mac:vml" xmlns:p="http://schemas.openxmlformats.org/presentationml/2006/main" xmlns:c="http://schemas.openxmlformats.org/drawingml/2006/chart" xmlns:dgm="http://schemas.openxmlformats.org/drawingml/2006/diagram" xmlns:o="urn:schemas-microsoft-com:office:office" xmlns:v="urn:schemas-microsoft-com:vml" xmlns:pvml="urn:schemas-microsoft-com:office:powerpoint" xmlns:com="http://schemas.openxmlformats.org/drawingml/2006/compatibility" xmlns:p14="http://schemas.microsoft.com/office/powerpoint/2010/main" xmlns:p15="http://schemas.microsoft.com/office/powerpoint/2012/main" xmlns:ahyp="http://schemas.microsoft.com/office/drawing/2018/hyperlinkcolor" showMasterPhAnim="0" showMasterSp="0">
+  <p:cSld>
+    <p:spTree>
+      <p:nvGrpSpPr>
+        <p:cNvPr id="186" name="Shape 186"/>
+        <p:cNvGrpSpPr/>
+        <p:nvPr/>
+      </p:nvGrpSpPr>
+      <p:grpSpPr>
+        <a:xfrm>
+          <a:off x="0" y="0"/>
+          <a:ext cx="0" cy="0"/>
+          <a:chOff x="0" y="0"/>
+          <a:chExt cx="0" cy="0"/>
+        </a:xfrm>
+      </p:grpSpPr>
+      <p:sp>
+        <p:nvSpPr>
+          <p:cNvPr id="187" name="Google Shape;187;g3065f1107c1_0_10:notes"/>
+          <p:cNvSpPr/>
+          <p:nvPr>
+            <p:ph idx="2" type="sldImg"/>
+          </p:nvPr>
+        </p:nvSpPr>
+        <p:spPr>
+          <a:xfrm>
+            <a:off x="381300" y="685800"/>
+            <a:ext cx="6096000" cy="3429000"/>
+          </a:xfrm>
+          <a:custGeom>
+            <a:rect b="b" l="l" r="r" t="t"/>
+            <a:pathLst>
+              <a:path extrusionOk="0" h="120000" w="120000">
+                <a:moveTo>
+                  <a:pt x="0" y="0"/>
+                </a:moveTo>
+                <a:lnTo>
+                  <a:pt x="120000" y="0"/>
+                </a:lnTo>
+                <a:lnTo>
+                  <a:pt x="120000" y="120000"/>
+                </a:lnTo>
+                <a:lnTo>
+                  <a:pt x="0" y="120000"/>
+                </a:lnTo>
+                <a:close/>
+              </a:path>
+            </a:pathLst>
+          </a:custGeom>
+        </p:spPr>
+      </p:sp>
+      <p:sp>
+        <p:nvSpPr>
+          <p:cNvPr id="188" name="Google Shape;188;g3065f1107c1_0_10:notes"/>
+          <p:cNvSpPr txBox="1"/>
+          <p:nvPr>
+            <p:ph idx="1" type="body"/>
+          </p:nvPr>
+        </p:nvSpPr>
+        <p:spPr>
+          <a:xfrm>
+            <a:off x="685800" y="4343400"/>
+            <a:ext cx="5486400" cy="4114800"/>
+          </a:xfrm>
+          <a:prstGeom prst="rect">
+            <a:avLst/>
+          </a:prstGeom>
+        </p:spPr>
+        <p:txBody>
+          <a:bodyPr anchorCtr="0" anchor="t" bIns="91425" lIns="91425" spcFirstLastPara="1" rIns="91425" wrap="square" tIns="91425">
+            <a:noAutofit/>
+          </a:bodyPr>
+          <a:lstStyle/>
+          <a:p>
+            <a:pPr indent="0" lvl="0" marL="0" rtl="0" algn="l">
+              <a:spcBef>
+                <a:spcPts val="0"/>
+              </a:spcBef>
+              <a:spcAft>
+                <a:spcPts val="0"/>
+              </a:spcAft>
+              <a:buNone/>
+            </a:pPr>
+            <a:r>
+              <a:t/>
+            </a:r>
+            <a:endParaRPr/>
+          </a:p>
+        </p:txBody>
+      </p:sp>
+    </p:spTree>
+  </p:cSld>
+  <p:clrMapOvr>
+    <a:masterClrMapping/>
+  </p:clrMapOvr>
+</p:notes>
+</file>
+
+<file path=ppt/notesSlides/notesSlide28.xml><?xml version="1.0" encoding="utf-8"?>
+<p:notes xmlns:a="http://schemas.openxmlformats.org/drawingml/2006/main" xmlns:r="http://schemas.openxmlformats.org/officeDocument/2006/relationships" xmlns:mc="http://schemas.openxmlformats.org/markup-compatibility/2006" xmlns:mv="urn:schemas-microsoft-com:mac:vml" xmlns:p="http://schemas.openxmlformats.org/presentationml/2006/main" xmlns:c="http://schemas.openxmlformats.org/drawingml/2006/chart" xmlns:dgm="http://schemas.openxmlformats.org/drawingml/2006/diagram" xmlns:o="urn:schemas-microsoft-com:office:office" xmlns:v="urn:schemas-microsoft-com:vml" xmlns:pvml="urn:schemas-microsoft-com:office:powerpoint" xmlns:com="http://schemas.openxmlformats.org/drawingml/2006/compatibility" xmlns:p14="http://schemas.microsoft.com/office/powerpoint/2010/main" xmlns:p15="http://schemas.microsoft.com/office/powerpoint/2012/main" xmlns:ahyp="http://schemas.microsoft.com/office/drawing/2018/hyperlinkcolor" showMasterPhAnim="0" showMasterSp="0">
+  <p:cSld>
+    <p:spTree>
+      <p:nvGrpSpPr>
+        <p:cNvPr id="191" name="Shape 191"/>
+        <p:cNvGrpSpPr/>
+        <p:nvPr/>
+      </p:nvGrpSpPr>
+      <p:grpSpPr>
+        <a:xfrm>
+          <a:off x="0" y="0"/>
+          <a:ext cx="0" cy="0"/>
+          <a:chOff x="0" y="0"/>
+          <a:chExt cx="0" cy="0"/>
+        </a:xfrm>
+      </p:grpSpPr>
+      <p:sp>
+        <p:nvSpPr>
+          <p:cNvPr id="192" name="Google Shape;192;g3065f1107c1_0_0:notes"/>
+          <p:cNvSpPr/>
+          <p:nvPr>
+            <p:ph idx="2" type="sldImg"/>
+          </p:nvPr>
+        </p:nvSpPr>
+        <p:spPr>
+          <a:xfrm>
+            <a:off x="381300" y="685800"/>
+            <a:ext cx="6096000" cy="3429000"/>
+          </a:xfrm>
+          <a:custGeom>
+            <a:rect b="b" l="l" r="r" t="t"/>
+            <a:pathLst>
+              <a:path extrusionOk="0" h="120000" w="120000">
+                <a:moveTo>
+                  <a:pt x="0" y="0"/>
+                </a:moveTo>
+                <a:lnTo>
+                  <a:pt x="120000" y="0"/>
+                </a:lnTo>
+                <a:lnTo>
+                  <a:pt x="120000" y="120000"/>
+                </a:lnTo>
+                <a:lnTo>
+                  <a:pt x="0" y="120000"/>
+                </a:lnTo>
+                <a:close/>
+              </a:path>
+            </a:pathLst>
+          </a:custGeom>
+        </p:spPr>
+      </p:sp>
+      <p:sp>
+        <p:nvSpPr>
+          <p:cNvPr id="193" name="Google Shape;193;g3065f1107c1_0_0:notes"/>
+          <p:cNvSpPr txBox="1"/>
+          <p:nvPr>
+            <p:ph idx="1" type="body"/>
+          </p:nvPr>
+        </p:nvSpPr>
+        <p:spPr>
+          <a:xfrm>
+            <a:off x="685800" y="4343400"/>
+            <a:ext cx="5486400" cy="4114800"/>
+          </a:xfrm>
+          <a:prstGeom prst="rect">
+            <a:avLst/>
+          </a:prstGeom>
+        </p:spPr>
+        <p:txBody>
+          <a:bodyPr anchorCtr="0" anchor="t" bIns="91425" lIns="91425" spcFirstLastPara="1" rIns="91425" wrap="square" tIns="91425">
+            <a:noAutofit/>
+          </a:bodyPr>
+          <a:lstStyle/>
+          <a:p>
+            <a:pPr indent="0" lvl="0" marL="0" rtl="0" algn="l">
+              <a:spcBef>
+                <a:spcPts val="0"/>
+              </a:spcBef>
+              <a:spcAft>
+                <a:spcPts val="0"/>
+              </a:spcAft>
+              <a:buNone/>
+            </a:pPr>
+            <a:r>
+              <a:t/>
+            </a:r>
+            <a:endParaRPr/>
+          </a:p>
+        </p:txBody>
+      </p:sp>
+    </p:spTree>
+  </p:cSld>
+  <p:clrMapOvr>
+    <a:masterClrMapping/>
+  </p:clrMapOvr>
+</p:notes>
+</file>
+
+<file path=ppt/notesSlides/notesSlide29.xml><?xml version="1.0" encoding="utf-8"?>
+<p:notes xmlns:a="http://schemas.openxmlformats.org/drawingml/2006/main" xmlns:r="http://schemas.openxmlformats.org/officeDocument/2006/relationships" xmlns:mc="http://schemas.openxmlformats.org/markup-compatibility/2006" xmlns:mv="urn:schemas-microsoft-com:mac:vml" xmlns:p="http://schemas.openxmlformats.org/presentationml/2006/main" xmlns:c="http://schemas.openxmlformats.org/drawingml/2006/chart" xmlns:dgm="http://schemas.openxmlformats.org/drawingml/2006/diagram" xmlns:o="urn:schemas-microsoft-com:office:office" xmlns:v="urn:schemas-microsoft-com:vml" xmlns:pvml="urn:schemas-microsoft-com:office:powerpoint" xmlns:com="http://schemas.openxmlformats.org/drawingml/2006/compatibility" xmlns:p14="http://schemas.microsoft.com/office/powerpoint/2010/main" xmlns:p15="http://schemas.microsoft.com/office/powerpoint/2012/main" xmlns:ahyp="http://schemas.microsoft.com/office/drawing/2018/hyperlinkcolor" showMasterPhAnim="0" showMasterSp="0">
+  <p:cSld>
+    <p:spTree>
+      <p:nvGrpSpPr>
+        <p:cNvPr id="196" name="Shape 196"/>
+        <p:cNvGrpSpPr/>
+        <p:nvPr/>
+      </p:nvGrpSpPr>
+      <p:grpSpPr>
+        <a:xfrm>
+          <a:off x="0" y="0"/>
+          <a:ext cx="0" cy="0"/>
+          <a:chOff x="0" y="0"/>
+          <a:chExt cx="0" cy="0"/>
+        </a:xfrm>
+      </p:grpSpPr>
+      <p:sp>
+        <p:nvSpPr>
+          <p:cNvPr id="197" name="Google Shape;197;g30688edb48d_0_0:notes"/>
+          <p:cNvSpPr/>
+          <p:nvPr>
+            <p:ph idx="2" type="sldImg"/>
+          </p:nvPr>
+        </p:nvSpPr>
+        <p:spPr>
+          <a:xfrm>
+            <a:off x="381300" y="685800"/>
+            <a:ext cx="6096000" cy="3429000"/>
+          </a:xfrm>
+          <a:custGeom>
+            <a:rect b="b" l="l" r="r" t="t"/>
+            <a:pathLst>
+              <a:path extrusionOk="0" h="120000" w="120000">
+                <a:moveTo>
+                  <a:pt x="0" y="0"/>
+                </a:moveTo>
+                <a:lnTo>
+                  <a:pt x="120000" y="0"/>
+                </a:lnTo>
+                <a:lnTo>
+                  <a:pt x="120000" y="120000"/>
+                </a:lnTo>
+                <a:lnTo>
+                  <a:pt x="0" y="120000"/>
+                </a:lnTo>
+                <a:close/>
+              </a:path>
+            </a:pathLst>
+          </a:custGeom>
+        </p:spPr>
+      </p:sp>
+      <p:sp>
+        <p:nvSpPr>
+          <p:cNvPr id="198" name="Google Shape;198;g30688edb48d_0_0:notes"/>
           <p:cNvSpPr txBox="1"/>
           <p:nvPr>
             <p:ph idx="1" type="body"/>
@@ -2556,6 +2957,105 @@
       <p:sp>
         <p:nvSpPr>
           <p:cNvPr id="68" name="Google Shape;68;g285579b5a66_0_0:notes"/>
+          <p:cNvSpPr txBox="1"/>
+          <p:nvPr>
+            <p:ph idx="1" type="body"/>
+          </p:nvPr>
+        </p:nvSpPr>
+        <p:spPr>
+          <a:xfrm>
+            <a:off x="685800" y="4343400"/>
+            <a:ext cx="5486400" cy="4114800"/>
+          </a:xfrm>
+          <a:prstGeom prst="rect">
+            <a:avLst/>
+          </a:prstGeom>
+        </p:spPr>
+        <p:txBody>
+          <a:bodyPr anchorCtr="0" anchor="t" bIns="91425" lIns="91425" spcFirstLastPara="1" rIns="91425" wrap="square" tIns="91425">
+            <a:noAutofit/>
+          </a:bodyPr>
+          <a:lstStyle/>
+          <a:p>
+            <a:pPr indent="0" lvl="0" marL="0" rtl="0" algn="l">
+              <a:spcBef>
+                <a:spcPts val="0"/>
+              </a:spcBef>
+              <a:spcAft>
+                <a:spcPts val="0"/>
+              </a:spcAft>
+              <a:buNone/>
+            </a:pPr>
+            <a:r>
+              <a:t/>
+            </a:r>
+            <a:endParaRPr/>
+          </a:p>
+        </p:txBody>
+      </p:sp>
+    </p:spTree>
+  </p:cSld>
+  <p:clrMapOvr>
+    <a:masterClrMapping/>
+  </p:clrMapOvr>
+</p:notes>
+</file>
+
+<file path=ppt/notesSlides/notesSlide30.xml><?xml version="1.0" encoding="utf-8"?>
+<p:notes xmlns:a="http://schemas.openxmlformats.org/drawingml/2006/main" xmlns:r="http://schemas.openxmlformats.org/officeDocument/2006/relationships" xmlns:mc="http://schemas.openxmlformats.org/markup-compatibility/2006" xmlns:mv="urn:schemas-microsoft-com:mac:vml" xmlns:p="http://schemas.openxmlformats.org/presentationml/2006/main" xmlns:c="http://schemas.openxmlformats.org/drawingml/2006/chart" xmlns:dgm="http://schemas.openxmlformats.org/drawingml/2006/diagram" xmlns:o="urn:schemas-microsoft-com:office:office" xmlns:v="urn:schemas-microsoft-com:vml" xmlns:pvml="urn:schemas-microsoft-com:office:powerpoint" xmlns:com="http://schemas.openxmlformats.org/drawingml/2006/compatibility" xmlns:p14="http://schemas.microsoft.com/office/powerpoint/2010/main" xmlns:p15="http://schemas.microsoft.com/office/powerpoint/2012/main" xmlns:ahyp="http://schemas.microsoft.com/office/drawing/2018/hyperlinkcolor" showMasterPhAnim="0" showMasterSp="0">
+  <p:cSld>
+    <p:spTree>
+      <p:nvGrpSpPr>
+        <p:cNvPr id="201" name="Shape 201"/>
+        <p:cNvGrpSpPr/>
+        <p:nvPr/>
+      </p:nvGrpSpPr>
+      <p:grpSpPr>
+        <a:xfrm>
+          <a:off x="0" y="0"/>
+          <a:ext cx="0" cy="0"/>
+          <a:chOff x="0" y="0"/>
+          <a:chExt cx="0" cy="0"/>
+        </a:xfrm>
+      </p:grpSpPr>
+      <p:sp>
+        <p:nvSpPr>
+          <p:cNvPr id="202" name="Google Shape;202;g2b3937a3876_0_15:notes"/>
+          <p:cNvSpPr/>
+          <p:nvPr>
+            <p:ph idx="2" type="sldImg"/>
+          </p:nvPr>
+        </p:nvSpPr>
+        <p:spPr>
+          <a:xfrm>
+            <a:off x="381300" y="685800"/>
+            <a:ext cx="6096000" cy="3429000"/>
+          </a:xfrm>
+          <a:custGeom>
+            <a:rect b="b" l="l" r="r" t="t"/>
+            <a:pathLst>
+              <a:path extrusionOk="0" h="120000" w="120000">
+                <a:moveTo>
+                  <a:pt x="0" y="0"/>
+                </a:moveTo>
+                <a:lnTo>
+                  <a:pt x="120000" y="0"/>
+                </a:lnTo>
+                <a:lnTo>
+                  <a:pt x="120000" y="120000"/>
+                </a:lnTo>
+                <a:lnTo>
+                  <a:pt x="0" y="120000"/>
+                </a:lnTo>
+                <a:close/>
+              </a:path>
+            </a:pathLst>
+          </a:custGeom>
+        </p:spPr>
+      </p:sp>
+      <p:sp>
+        <p:nvSpPr>
+          <p:cNvPr id="203" name="Google Shape;203;g2b3937a3876_0_15:notes"/>
           <p:cNvSpPr txBox="1"/>
           <p:nvPr>
             <p:ph idx="1" type="body"/>
@@ -23567,38 +24067,6755 @@
           <p:cNvPr id="180" name="Google Shape;180;p37"/>
           <p:cNvSpPr txBox="1"/>
           <p:nvPr>
-            <p:ph type="title"/>
+            <p:ph idx="1" type="body"/>
           </p:nvPr>
         </p:nvSpPr>
         <p:spPr>
           <a:xfrm>
-            <a:off x="510450" y="2057400"/>
-            <a:ext cx="8123100" cy="778800"/>
+            <a:off x="0" y="0"/>
+            <a:ext cx="9144000" cy="5049600"/>
           </a:xfrm>
           <a:prstGeom prst="rect">
             <a:avLst/>
           </a:prstGeom>
         </p:spPr>
         <p:txBody>
-          <a:bodyPr anchorCtr="0" anchor="b" bIns="91425" lIns="91425" spcFirstLastPara="1" rIns="91425" wrap="square" tIns="91425">
-            <a:normAutofit/>
+          <a:bodyPr anchorCtr="0" anchor="t" bIns="91425" lIns="91425" spcFirstLastPara="1" rIns="91425" wrap="square" tIns="91425">
+            <a:noAutofit/>
           </a:bodyPr>
           <a:lstStyle/>
           <a:p>
             <a:pPr indent="0" lvl="0" marL="0" rtl="0" algn="l">
-              <a:spcBef>
-                <a:spcPts val="0"/>
-              </a:spcBef>
-              <a:spcAft>
-                <a:spcPts val="0"/>
-              </a:spcAft>
-              <a:buNone/>
-            </a:pPr>
-            <a:r>
-              <a:rPr lang="ja"/>
-              <a:t>Appendix</a:t>
-            </a:r>
-            <a:endParaRPr/>
+              <a:lnSpc>
+                <a:spcPct val="95000"/>
+              </a:lnSpc>
+              <a:spcBef>
+                <a:spcPts val="1200"/>
+              </a:spcBef>
+              <a:spcAft>
+                <a:spcPts val="0"/>
+              </a:spcAft>
+              <a:buNone/>
+            </a:pPr>
+            <a:r>
+              <a:rPr lang="ja" sz="791"/>
+              <a:t># Improving LLM Reasoning with Multi-Agent Tree-of-Thought Validator Agent マルチエージェント・ツリーオブソート・バリデーターエージェントによるLLM推論の改善</a:t>
+            </a:r>
+            <a:endParaRPr sz="791"/>
+          </a:p>
+          <a:p>
+            <a:pPr indent="0" lvl="0" marL="0" rtl="0" algn="l">
+              <a:lnSpc>
+                <a:spcPct val="95000"/>
+              </a:lnSpc>
+              <a:spcBef>
+                <a:spcPts val="1200"/>
+              </a:spcBef>
+              <a:spcAft>
+                <a:spcPts val="0"/>
+              </a:spcAft>
+              <a:buNone/>
+            </a:pPr>
+            <a:r>
+              <a:t/>
+            </a:r>
+            <a:endParaRPr sz="791"/>
+          </a:p>
+          <a:p>
+            <a:pPr indent="0" lvl="0" marL="0" rtl="0" algn="l">
+              <a:lnSpc>
+                <a:spcPct val="95000"/>
+              </a:lnSpc>
+              <a:spcBef>
+                <a:spcPts val="1200"/>
+              </a:spcBef>
+              <a:spcAft>
+                <a:spcPts val="0"/>
+              </a:spcAft>
+              <a:buNone/>
+            </a:pPr>
+            <a:r>
+              <a:rPr lang="ja" sz="791"/>
+              <a:t>概要: Tree of Thoughts（ToT）でも誤った生成をする場合があり、この問題を解決するために、ToTベースのReasonerエージェントとThought Validatorエージェントを組み合わせた新しいアプローチを提案</a:t>
+            </a:r>
+            <a:endParaRPr sz="791"/>
+          </a:p>
+          <a:p>
+            <a:pPr indent="0" lvl="0" marL="0" rtl="0" algn="l">
+              <a:lnSpc>
+                <a:spcPct val="95000"/>
+              </a:lnSpc>
+              <a:spcBef>
+                <a:spcPts val="1200"/>
+              </a:spcBef>
+              <a:spcAft>
+                <a:spcPts val="0"/>
+              </a:spcAft>
+              <a:buNone/>
+            </a:pPr>
+            <a:r>
+              <a:rPr lang="ja" sz="791"/>
+              <a:t>複数のReasonerエージェントが多様な推論経路を探索し、Thought Validatorがその妥当性を検証します。この方法は誤った推論を排除します</a:t>
+            </a:r>
+            <a:endParaRPr sz="791"/>
+          </a:p>
+          <a:p>
+            <a:pPr indent="0" lvl="0" marL="0" rtl="0" algn="l">
+              <a:lnSpc>
+                <a:spcPct val="95000"/>
+              </a:lnSpc>
+              <a:spcBef>
+                <a:spcPts val="1200"/>
+              </a:spcBef>
+              <a:spcAft>
+                <a:spcPts val="0"/>
+              </a:spcAft>
+              <a:buNone/>
+            </a:pPr>
+            <a:r>
+              <a:t/>
+            </a:r>
+            <a:endParaRPr sz="791"/>
+          </a:p>
+          <a:p>
+            <a:pPr indent="0" lvl="0" marL="0" rtl="0" algn="l">
+              <a:lnSpc>
+                <a:spcPct val="95000"/>
+              </a:lnSpc>
+              <a:spcBef>
+                <a:spcPts val="1200"/>
+              </a:spcBef>
+              <a:spcAft>
+                <a:spcPts val="0"/>
+              </a:spcAft>
+              <a:buNone/>
+            </a:pPr>
+            <a:r>
+              <a:rPr lang="ja" sz="791"/>
+              <a:t>![proposed_approach.png](proposed_approach.png)</a:t>
+            </a:r>
+            <a:endParaRPr sz="791"/>
+          </a:p>
+          <a:p>
+            <a:pPr indent="0" lvl="0" marL="0" rtl="0" algn="l">
+              <a:lnSpc>
+                <a:spcPct val="95000"/>
+              </a:lnSpc>
+              <a:spcBef>
+                <a:spcPts val="1200"/>
+              </a:spcBef>
+              <a:spcAft>
+                <a:spcPts val="0"/>
+              </a:spcAft>
+              <a:buNone/>
+            </a:pPr>
+            <a:r>
+              <a:t/>
+            </a:r>
+            <a:endParaRPr sz="791"/>
+          </a:p>
+          <a:p>
+            <a:pPr indent="0" lvl="0" marL="0" rtl="0" algn="l">
+              <a:lnSpc>
+                <a:spcPct val="95000"/>
+              </a:lnSpc>
+              <a:spcBef>
+                <a:spcPts val="1200"/>
+              </a:spcBef>
+              <a:spcAft>
+                <a:spcPts val="0"/>
+              </a:spcAft>
+              <a:buNone/>
+            </a:pPr>
+            <a:r>
+              <a:rPr lang="ja" sz="791"/>
+              <a:t>- マルチエージェントシステムにおいて、各エージェントが特定の役割を担うことで推論の質を向上させるというアプローチは新しいものではありませんが、従来のReasonerエージェントは浅い推論探索にとどまりがちでした。本論文では、Tree of Thoughts（ToT）を利用して、Reasonerエージェントが多様な推論経路を深く探索できるようにし、推論の信頼性を高めています。</a:t>
+            </a:r>
+            <a:endParaRPr sz="791"/>
+          </a:p>
+          <a:p>
+            <a:pPr indent="0" lvl="0" marL="0" rtl="0" algn="l">
+              <a:lnSpc>
+                <a:spcPct val="95000"/>
+              </a:lnSpc>
+              <a:spcBef>
+                <a:spcPts val="1200"/>
+              </a:spcBef>
+              <a:spcAft>
+                <a:spcPts val="0"/>
+              </a:spcAft>
+              <a:buNone/>
+            </a:pPr>
+            <a:r>
+              <a:rPr lang="ja" sz="791"/>
+              <a:t>- さらに、Thought Validatorエージェントが推論経路を評価し、誤った推論を排除することで、信頼性の向上を実現しています。</a:t>
+            </a:r>
+            <a:endParaRPr sz="791"/>
+          </a:p>
+          <a:p>
+            <a:pPr indent="0" lvl="0" marL="0" rtl="0" algn="l">
+              <a:lnSpc>
+                <a:spcPct val="95000"/>
+              </a:lnSpc>
+              <a:spcBef>
+                <a:spcPts val="1200"/>
+              </a:spcBef>
+              <a:spcAft>
+                <a:spcPts val="0"/>
+              </a:spcAft>
+              <a:buNone/>
+            </a:pPr>
+            <a:r>
+              <a:t/>
+            </a:r>
+            <a:endParaRPr sz="791"/>
+          </a:p>
+          <a:p>
+            <a:pPr indent="0" lvl="0" marL="0" rtl="0" algn="l">
+              <a:lnSpc>
+                <a:spcPct val="95000"/>
+              </a:lnSpc>
+              <a:spcBef>
+                <a:spcPts val="1200"/>
+              </a:spcBef>
+              <a:spcAft>
+                <a:spcPts val="0"/>
+              </a:spcAft>
+              <a:buNone/>
+            </a:pPr>
+            <a:r>
+              <a:rPr lang="ja" sz="791"/>
+              <a:t>### 技術や手法の詳細:</a:t>
+            </a:r>
+            <a:endParaRPr sz="791"/>
+          </a:p>
+          <a:p>
+            <a:pPr indent="0" lvl="0" marL="0" rtl="0" algn="l">
+              <a:lnSpc>
+                <a:spcPct val="95000"/>
+              </a:lnSpc>
+              <a:spcBef>
+                <a:spcPts val="1200"/>
+              </a:spcBef>
+              <a:spcAft>
+                <a:spcPts val="0"/>
+              </a:spcAft>
+              <a:buNone/>
+            </a:pPr>
+            <a:r>
+              <a:t/>
+            </a:r>
+            <a:endParaRPr sz="791"/>
+          </a:p>
+          <a:p>
+            <a:pPr indent="0" lvl="0" marL="0" rtl="0" algn="l">
+              <a:lnSpc>
+                <a:spcPct val="95000"/>
+              </a:lnSpc>
+              <a:spcBef>
+                <a:spcPts val="1200"/>
+              </a:spcBef>
+              <a:spcAft>
+                <a:spcPts val="0"/>
+              </a:spcAft>
+              <a:buNone/>
+            </a:pPr>
+            <a:r>
+              <a:rPr lang="ja" sz="791"/>
+              <a:t>1. **Reasonerエージェント**:</a:t>
+            </a:r>
+            <a:endParaRPr sz="791"/>
+          </a:p>
+          <a:p>
+            <a:pPr indent="0" lvl="0" marL="0" rtl="0" algn="l">
+              <a:lnSpc>
+                <a:spcPct val="95000"/>
+              </a:lnSpc>
+              <a:spcBef>
+                <a:spcPts val="1200"/>
+              </a:spcBef>
+              <a:spcAft>
+                <a:spcPts val="0"/>
+              </a:spcAft>
+              <a:buNone/>
+            </a:pPr>
+            <a:r>
+              <a:rPr lang="ja" sz="791"/>
+              <a:t>    - 複数のReasonerエージェントが並列に動作し、それぞれがToTを用いて異なる推論経路を探索します。各推論経路はツリー構造として表現され、次のステップでの推論を生成します。</a:t>
+            </a:r>
+            <a:endParaRPr sz="791"/>
+          </a:p>
+          <a:p>
+            <a:pPr indent="0" lvl="0" marL="0" rtl="0" algn="l">
+              <a:lnSpc>
+                <a:spcPct val="95000"/>
+              </a:lnSpc>
+              <a:spcBef>
+                <a:spcPts val="1200"/>
+              </a:spcBef>
+              <a:spcAft>
+                <a:spcPts val="0"/>
+              </a:spcAft>
+              <a:buNone/>
+            </a:pPr>
+            <a:r>
+              <a:rPr lang="ja" sz="791"/>
+              <a:t>    - 推論ステップごとに、State Evaluationエージェントが推論の質を評価し、次のステップへと進む経路を選定します。このプロセスが最終段階まで続き、最も高評価の推論が選ばれます。</a:t>
+            </a:r>
+            <a:endParaRPr sz="791"/>
+          </a:p>
+          <a:p>
+            <a:pPr indent="0" lvl="0" marL="0" rtl="0" algn="l">
+              <a:lnSpc>
+                <a:spcPct val="95000"/>
+              </a:lnSpc>
+              <a:spcBef>
+                <a:spcPts val="1200"/>
+              </a:spcBef>
+              <a:spcAft>
+                <a:spcPts val="0"/>
+              </a:spcAft>
+              <a:buNone/>
+            </a:pPr>
+            <a:r>
+              <a:rPr lang="ja" sz="791"/>
+              <a:t>2. **Thought Validatorエージェント**:</a:t>
+            </a:r>
+            <a:endParaRPr sz="791"/>
+          </a:p>
+          <a:p>
+            <a:pPr indent="0" lvl="0" marL="0" rtl="0" algn="l">
+              <a:lnSpc>
+                <a:spcPct val="95000"/>
+              </a:lnSpc>
+              <a:spcBef>
+                <a:spcPts val="1200"/>
+              </a:spcBef>
+              <a:spcAft>
+                <a:spcPts val="0"/>
+              </a:spcAft>
+              <a:buNone/>
+            </a:pPr>
+            <a:r>
+              <a:rPr lang="ja" sz="791"/>
+              <a:t>    - Thought Validatorは、Reasonerエージェントが生成した推論経路を評価し、論理的整合性や事実の正確性をチェックします。推論に誤りがある場合はその経路を無効とし、妥当な推論のみが最終決定に影響を与えるようにします。</a:t>
+            </a:r>
+            <a:endParaRPr sz="791"/>
+          </a:p>
+          <a:p>
+            <a:pPr indent="0" lvl="0" marL="0" rtl="0" algn="l">
+              <a:lnSpc>
+                <a:spcPct val="95000"/>
+              </a:lnSpc>
+              <a:spcBef>
+                <a:spcPts val="1200"/>
+              </a:spcBef>
+              <a:spcAft>
+                <a:spcPts val="0"/>
+              </a:spcAft>
+              <a:buNone/>
+            </a:pPr>
+            <a:r>
+              <a:rPr lang="ja" sz="791"/>
+              <a:t>3. **コンセンサス投票メカニズム**:</a:t>
+            </a:r>
+            <a:endParaRPr sz="791"/>
+          </a:p>
+          <a:p>
+            <a:pPr indent="0" lvl="0" marL="0" rtl="0" algn="l">
+              <a:lnSpc>
+                <a:spcPct val="95000"/>
+              </a:lnSpc>
+              <a:spcBef>
+                <a:spcPts val="1200"/>
+              </a:spcBef>
+              <a:spcAft>
+                <a:spcPts val="0"/>
+              </a:spcAft>
+              <a:buNone/>
+            </a:pPr>
+            <a:r>
+              <a:rPr lang="ja" sz="791"/>
+              <a:t>    - 有効とされた推論経路のみが投票に加わり、最終的な回答が決定されます。コンセンサスが得られない場合、新たな推論ラウンドが開始され、Validatorのフィードバックを反映して次の推論が行われます。</a:t>
+            </a:r>
+            <a:endParaRPr sz="791"/>
+          </a:p>
+          <a:p>
+            <a:pPr indent="0" lvl="0" marL="0" rtl="0" algn="l">
+              <a:lnSpc>
+                <a:spcPct val="95000"/>
+              </a:lnSpc>
+              <a:spcBef>
+                <a:spcPts val="1200"/>
+              </a:spcBef>
+              <a:spcAft>
+                <a:spcPts val="0"/>
+              </a:spcAft>
+              <a:buNone/>
+            </a:pPr>
+            <a:r>
+              <a:rPr lang="ja" sz="791"/>
+              <a:t>4. **反復精練プロセス**:</a:t>
+            </a:r>
+            <a:endParaRPr sz="791"/>
+          </a:p>
+          <a:p>
+            <a:pPr indent="0" lvl="0" marL="0" rtl="0" algn="l">
+              <a:lnSpc>
+                <a:spcPct val="95000"/>
+              </a:lnSpc>
+              <a:spcBef>
+                <a:spcPts val="1200"/>
+              </a:spcBef>
+              <a:spcAft>
+                <a:spcPts val="0"/>
+              </a:spcAft>
+              <a:buNone/>
+            </a:pPr>
+            <a:r>
+              <a:rPr lang="ja" sz="791"/>
+              <a:t>    - もしコンセンサスが得られなかった場合、Validatorからのフィードバックをもとに再推論が行われ、精度向上を図ります。</a:t>
+            </a:r>
+            <a:endParaRPr sz="791"/>
+          </a:p>
+          <a:p>
+            <a:pPr indent="0" lvl="0" marL="0" rtl="0" algn="l">
+              <a:lnSpc>
+                <a:spcPct val="95000"/>
+              </a:lnSpc>
+              <a:spcBef>
+                <a:spcPts val="1200"/>
+              </a:spcBef>
+              <a:spcAft>
+                <a:spcPts val="1200"/>
+              </a:spcAft>
+              <a:buNone/>
+            </a:pPr>
+            <a:r>
+              <a:t/>
+            </a:r>
+            <a:endParaRPr sz="791"/>
+          </a:p>
+        </p:txBody>
+      </p:sp>
+    </p:spTree>
+  </p:cSld>
+  <p:clrMapOvr>
+    <a:masterClrMapping/>
+  </p:clrMapOvr>
+</p:sld>
+</file>
+
+<file path=ppt/slides/slide26.xml><?xml version="1.0" encoding="utf-8"?>
+<p:sld xmlns:a="http://schemas.openxmlformats.org/drawingml/2006/main" xmlns:r="http://schemas.openxmlformats.org/officeDocument/2006/relationships" xmlns:mc="http://schemas.openxmlformats.org/markup-compatibility/2006" xmlns:mv="urn:schemas-microsoft-com:mac:vml" xmlns:p="http://schemas.openxmlformats.org/presentationml/2006/main" xmlns:c="http://schemas.openxmlformats.org/drawingml/2006/chart" xmlns:dgm="http://schemas.openxmlformats.org/drawingml/2006/diagram" xmlns:o="urn:schemas-microsoft-com:office:office" xmlns:v="urn:schemas-microsoft-com:vml" xmlns:pvml="urn:schemas-microsoft-com:office:powerpoint" xmlns:com="http://schemas.openxmlformats.org/drawingml/2006/compatibility" xmlns:p14="http://schemas.microsoft.com/office/powerpoint/2010/main" xmlns:p15="http://schemas.microsoft.com/office/powerpoint/2012/main" xmlns:ahyp="http://schemas.microsoft.com/office/drawing/2018/hyperlinkcolor">
+  <p:cSld>
+    <p:spTree>
+      <p:nvGrpSpPr>
+        <p:cNvPr id="184" name="Shape 184"/>
+        <p:cNvGrpSpPr/>
+        <p:nvPr/>
+      </p:nvGrpSpPr>
+      <p:grpSpPr>
+        <a:xfrm>
+          <a:off x="0" y="0"/>
+          <a:ext cx="0" cy="0"/>
+          <a:chOff x="0" y="0"/>
+          <a:chExt cx="0" cy="0"/>
+        </a:xfrm>
+      </p:grpSpPr>
+      <p:sp>
+        <p:nvSpPr>
+          <p:cNvPr id="185" name="Google Shape;185;p38"/>
+          <p:cNvSpPr txBox="1"/>
+          <p:nvPr>
+            <p:ph idx="1" type="body"/>
+          </p:nvPr>
+        </p:nvSpPr>
+        <p:spPr>
+          <a:xfrm>
+            <a:off x="0" y="0"/>
+            <a:ext cx="9144000" cy="5049600"/>
+          </a:xfrm>
+          <a:prstGeom prst="rect">
+            <a:avLst/>
+          </a:prstGeom>
+        </p:spPr>
+        <p:txBody>
+          <a:bodyPr anchorCtr="0" anchor="t" bIns="91425" lIns="91425" spcFirstLastPara="1" rIns="91425" wrap="square" tIns="91425">
+            <a:noAutofit/>
+          </a:bodyPr>
+          <a:lstStyle/>
+          <a:p>
+            <a:pPr indent="0" lvl="0" marL="0" rtl="0" algn="l">
+              <a:lnSpc>
+                <a:spcPct val="95000"/>
+              </a:lnSpc>
+              <a:spcBef>
+                <a:spcPts val="1200"/>
+              </a:spcBef>
+              <a:spcAft>
+                <a:spcPts val="0"/>
+              </a:spcAft>
+              <a:buNone/>
+            </a:pPr>
+            <a:r>
+              <a:rPr lang="ja" sz="791"/>
+              <a:t># Towards Fair RAG: On the Impact of Fair Ranking in Retrieval-Augmented Generation フェアRAGに向けて: リトリーバル強化生成におけるフェアランキングの影響について」</a:t>
+            </a:r>
+            <a:endParaRPr sz="791"/>
+          </a:p>
+          <a:p>
+            <a:pPr indent="0" lvl="0" marL="0" rtl="0" algn="l">
+              <a:lnSpc>
+                <a:spcPct val="95000"/>
+              </a:lnSpc>
+              <a:spcBef>
+                <a:spcPts val="1200"/>
+              </a:spcBef>
+              <a:spcAft>
+                <a:spcPts val="0"/>
+              </a:spcAft>
+              <a:buNone/>
+            </a:pPr>
+            <a:r>
+              <a:t/>
+            </a:r>
+            <a:endParaRPr sz="791"/>
+          </a:p>
+          <a:p>
+            <a:pPr indent="0" lvl="0" marL="0" rtl="0" algn="l">
+              <a:lnSpc>
+                <a:spcPct val="95000"/>
+              </a:lnSpc>
+              <a:spcBef>
+                <a:spcPts val="1200"/>
+              </a:spcBef>
+              <a:spcAft>
+                <a:spcPts val="0"/>
+              </a:spcAft>
+              <a:buNone/>
+            </a:pPr>
+            <a:r>
+              <a:rPr lang="ja" sz="791"/>
+              <a:t>概要: Fair RAGはユーザーが行った検索や質問に対して一部のコンテンツが過剰に選択されることを防ぎすべての関連アイテムが公平に出現するよう確率的なランキングを使い、関連アイテムを均等に露出の公平性と生成品質を両立しようとします</a:t>
+            </a:r>
+            <a:endParaRPr sz="791"/>
+          </a:p>
+          <a:p>
+            <a:pPr indent="0" lvl="0" marL="0" rtl="0" algn="l">
+              <a:lnSpc>
+                <a:spcPct val="95000"/>
+              </a:lnSpc>
+              <a:spcBef>
+                <a:spcPts val="1200"/>
+              </a:spcBef>
+              <a:spcAft>
+                <a:spcPts val="0"/>
+              </a:spcAft>
+              <a:buNone/>
+            </a:pPr>
+            <a:r>
+              <a:t/>
+            </a:r>
+            <a:endParaRPr sz="791"/>
+          </a:p>
+          <a:p>
+            <a:pPr indent="0" lvl="0" marL="0" rtl="0" algn="l">
+              <a:lnSpc>
+                <a:spcPct val="95000"/>
+              </a:lnSpc>
+              <a:spcBef>
+                <a:spcPts val="1200"/>
+              </a:spcBef>
+              <a:spcAft>
+                <a:spcPts val="0"/>
+              </a:spcAft>
+              <a:buNone/>
+            </a:pPr>
+            <a:r>
+              <a:rPr lang="ja" sz="791"/>
+              <a:t>### 技術や手法</a:t>
+            </a:r>
+            <a:endParaRPr sz="791"/>
+          </a:p>
+          <a:p>
+            <a:pPr indent="0" lvl="0" marL="0" rtl="0" algn="l">
+              <a:lnSpc>
+                <a:spcPct val="95000"/>
+              </a:lnSpc>
+              <a:spcBef>
+                <a:spcPts val="1200"/>
+              </a:spcBef>
+              <a:spcAft>
+                <a:spcPts val="0"/>
+              </a:spcAft>
+              <a:buNone/>
+            </a:pPr>
+            <a:r>
+              <a:t/>
+            </a:r>
+            <a:endParaRPr sz="791"/>
+          </a:p>
+          <a:p>
+            <a:pPr indent="0" lvl="0" marL="0" rtl="0" algn="l">
+              <a:lnSpc>
+                <a:spcPct val="95000"/>
+              </a:lnSpc>
+              <a:spcBef>
+                <a:spcPts val="1200"/>
+              </a:spcBef>
+              <a:spcAft>
+                <a:spcPts val="0"/>
+              </a:spcAft>
+              <a:buNone/>
+            </a:pPr>
+            <a:r>
+              <a:rPr lang="ja" sz="791"/>
+              <a:t>論文で説明されている主な技術や手法は、**フェアランキングをRAGシステムに統合**し、アイテム露出の公平性を高める方法に焦点を当てています。以下、順番に詳細を説明します。</a:t>
+            </a:r>
+            <a:endParaRPr sz="791"/>
+          </a:p>
+          <a:p>
+            <a:pPr indent="0" lvl="0" marL="0" rtl="0" algn="l">
+              <a:lnSpc>
+                <a:spcPct val="95000"/>
+              </a:lnSpc>
+              <a:spcBef>
+                <a:spcPts val="1200"/>
+              </a:spcBef>
+              <a:spcAft>
+                <a:spcPts val="0"/>
+              </a:spcAft>
+              <a:buNone/>
+            </a:pPr>
+            <a:r>
+              <a:t/>
+            </a:r>
+            <a:endParaRPr sz="791"/>
+          </a:p>
+          <a:p>
+            <a:pPr indent="0" lvl="0" marL="0" rtl="0" algn="l">
+              <a:lnSpc>
+                <a:spcPct val="95000"/>
+              </a:lnSpc>
+              <a:spcBef>
+                <a:spcPts val="1200"/>
+              </a:spcBef>
+              <a:spcAft>
+                <a:spcPts val="0"/>
+              </a:spcAft>
+              <a:buNone/>
+            </a:pPr>
+            <a:r>
+              <a:rPr lang="ja" sz="791"/>
+              <a:t>### 1. フェアランキングとRAGシステム</a:t>
+            </a:r>
+            <a:endParaRPr sz="791"/>
+          </a:p>
+          <a:p>
+            <a:pPr indent="0" lvl="0" marL="0" rtl="0" algn="l">
+              <a:lnSpc>
+                <a:spcPct val="95000"/>
+              </a:lnSpc>
+              <a:spcBef>
+                <a:spcPts val="1200"/>
+              </a:spcBef>
+              <a:spcAft>
+                <a:spcPts val="0"/>
+              </a:spcAft>
+              <a:buNone/>
+            </a:pPr>
+            <a:r>
+              <a:t/>
+            </a:r>
+            <a:endParaRPr sz="791"/>
+          </a:p>
+          <a:p>
+            <a:pPr indent="0" lvl="0" marL="0" rtl="0" algn="l">
+              <a:lnSpc>
+                <a:spcPct val="95000"/>
+              </a:lnSpc>
+              <a:spcBef>
+                <a:spcPts val="1200"/>
+              </a:spcBef>
+              <a:spcAft>
+                <a:spcPts val="0"/>
+              </a:spcAft>
+              <a:buNone/>
+            </a:pPr>
+            <a:r>
+              <a:rPr lang="ja" sz="791"/>
+              <a:t>従来のRAGシステムでは、ユーザーのクエリに対して関連性の高いアイテムを固定的にランク付けし、その中から上位k個を選択して生成プロセスに渡す手法が一般的です。しかし、この方法では一部のアイテムが過剰に露出され、他の同じくらい関連性のあるアイテムが無視されることがありました。本論文では、この固定的なランキングを**確率的なランキング（stochastic retriever）**に置き換え、露出の偏りを減らし、関連するすべてのアイテムが均等に表示されるようにします。</a:t>
+            </a:r>
+            <a:endParaRPr sz="791"/>
+          </a:p>
+          <a:p>
+            <a:pPr indent="0" lvl="0" marL="0" rtl="0" algn="l">
+              <a:lnSpc>
+                <a:spcPct val="95000"/>
+              </a:lnSpc>
+              <a:spcBef>
+                <a:spcPts val="1200"/>
+              </a:spcBef>
+              <a:spcAft>
+                <a:spcPts val="0"/>
+              </a:spcAft>
+              <a:buNone/>
+            </a:pPr>
+            <a:r>
+              <a:t/>
+            </a:r>
+            <a:endParaRPr sz="791"/>
+          </a:p>
+          <a:p>
+            <a:pPr indent="0" lvl="0" marL="0" rtl="0" algn="l">
+              <a:lnSpc>
+                <a:spcPct val="95000"/>
+              </a:lnSpc>
+              <a:spcBef>
+                <a:spcPts val="1200"/>
+              </a:spcBef>
+              <a:spcAft>
+                <a:spcPts val="0"/>
+              </a:spcAft>
+              <a:buNone/>
+            </a:pPr>
+            <a:r>
+              <a:rPr lang="ja" sz="791"/>
+              <a:t>### 2. 確率的ランキング</a:t>
+            </a:r>
+            <a:endParaRPr sz="791"/>
+          </a:p>
+          <a:p>
+            <a:pPr indent="0" lvl="0" marL="0" rtl="0" algn="l">
+              <a:lnSpc>
+                <a:spcPct val="95000"/>
+              </a:lnSpc>
+              <a:spcBef>
+                <a:spcPts val="1200"/>
+              </a:spcBef>
+              <a:spcAft>
+                <a:spcPts val="0"/>
+              </a:spcAft>
+              <a:buNone/>
+            </a:pPr>
+            <a:r>
+              <a:t/>
+            </a:r>
+            <a:endParaRPr sz="791"/>
+          </a:p>
+          <a:p>
+            <a:pPr indent="0" lvl="0" marL="0" rtl="0" algn="l">
+              <a:lnSpc>
+                <a:spcPct val="95000"/>
+              </a:lnSpc>
+              <a:spcBef>
+                <a:spcPts val="1200"/>
+              </a:spcBef>
+              <a:spcAft>
+                <a:spcPts val="0"/>
+              </a:spcAft>
+              <a:buNone/>
+            </a:pPr>
+            <a:r>
+              <a:rPr lang="ja" sz="791"/>
+              <a:t>確率的ランキングでは、アイテムの選択がランダム要素を含むため、同じクエリに対しても異なるアイテムが繰り返し露出されるようになります。具体的には、**Plackett-Luceサンプリング**を用いてランキングを生成します。これにより、ランキングにランダム性が導入され、露出の公平性を確保します。</a:t>
+            </a:r>
+            <a:endParaRPr sz="791"/>
+          </a:p>
+          <a:p>
+            <a:pPr indent="0" lvl="0" marL="0" rtl="0" algn="l">
+              <a:lnSpc>
+                <a:spcPct val="95000"/>
+              </a:lnSpc>
+              <a:spcBef>
+                <a:spcPts val="1200"/>
+              </a:spcBef>
+              <a:spcAft>
+                <a:spcPts val="0"/>
+              </a:spcAft>
+              <a:buNone/>
+            </a:pPr>
+            <a:r>
+              <a:t/>
+            </a:r>
+            <a:endParaRPr sz="791"/>
+          </a:p>
+          <a:p>
+            <a:pPr indent="0" lvl="0" marL="0" rtl="0" algn="l">
+              <a:lnSpc>
+                <a:spcPct val="95000"/>
+              </a:lnSpc>
+              <a:spcBef>
+                <a:spcPts val="1200"/>
+              </a:spcBef>
+              <a:spcAft>
+                <a:spcPts val="0"/>
+              </a:spcAft>
+              <a:buNone/>
+            </a:pPr>
+            <a:r>
+              <a:rPr lang="ja" sz="791"/>
+              <a:t>**Plackett-Luceサンプリングの式**：</a:t>
+            </a:r>
+            <a:endParaRPr sz="791"/>
+          </a:p>
+          <a:p>
+            <a:pPr indent="0" lvl="0" marL="0" rtl="0" algn="l">
+              <a:lnSpc>
+                <a:spcPct val="95000"/>
+              </a:lnSpc>
+              <a:spcBef>
+                <a:spcPts val="1200"/>
+              </a:spcBef>
+              <a:spcAft>
+                <a:spcPts val="0"/>
+              </a:spcAft>
+              <a:buNone/>
+            </a:pPr>
+            <a:r>
+              <a:rPr lang="ja" sz="791"/>
+              <a:t>p(d∣L1:i−1)=exp⁡(sˉd)1[d∉L1:i−1]∑d′∈C\L1:i−1exp⁡(sˉd′)p(d|L_{1:i-1}) = \frac{\exp(\bar{s}_d) 1[d \notin L_{1:i-1}]}{\sum_{d' \in C \backslash L_{1:i-1}} \exp(\bar{s}_{d'})}p(d∣L1:i−1​)=∑d′∈C\L1:i−1​​exp(sˉd′​)exp(sˉd​)1[d∈/L1:i−1​]​</a:t>
+            </a:r>
+            <a:endParaRPr sz="791"/>
+          </a:p>
+          <a:p>
+            <a:pPr indent="0" lvl="0" marL="0" rtl="0" algn="l">
+              <a:lnSpc>
+                <a:spcPct val="95000"/>
+              </a:lnSpc>
+              <a:spcBef>
+                <a:spcPts val="1200"/>
+              </a:spcBef>
+              <a:spcAft>
+                <a:spcPts val="0"/>
+              </a:spcAft>
+              <a:buNone/>
+            </a:pPr>
+            <a:r>
+              <a:t/>
+            </a:r>
+            <a:endParaRPr sz="791"/>
+          </a:p>
+          <a:p>
+            <a:pPr indent="0" lvl="0" marL="0" rtl="0" algn="l">
+              <a:lnSpc>
+                <a:spcPct val="95000"/>
+              </a:lnSpc>
+              <a:spcBef>
+                <a:spcPts val="1200"/>
+              </a:spcBef>
+              <a:spcAft>
+                <a:spcPts val="0"/>
+              </a:spcAft>
+              <a:buNone/>
+            </a:pPr>
+            <a:r>
+              <a:rPr lang="ja" sz="791"/>
+              <a:t>ここで、$L_{1</a:t>
+            </a:r>
+            <a:endParaRPr sz="791"/>
+          </a:p>
+          <a:p>
+            <a:pPr indent="0" lvl="0" marL="0" rtl="0" algn="l">
+              <a:lnSpc>
+                <a:spcPct val="95000"/>
+              </a:lnSpc>
+              <a:spcBef>
+                <a:spcPts val="1200"/>
+              </a:spcBef>
+              <a:spcAft>
+                <a:spcPts val="0"/>
+              </a:spcAft>
+              <a:buNone/>
+            </a:pPr>
+            <a:r>
+              <a:t/>
+            </a:r>
+            <a:endParaRPr sz="791"/>
+          </a:p>
+          <a:p>
+            <a:pPr indent="0" lvl="0" marL="0" rtl="0" algn="l">
+              <a:lnSpc>
+                <a:spcPct val="95000"/>
+              </a:lnSpc>
+              <a:spcBef>
+                <a:spcPts val="1200"/>
+              </a:spcBef>
+              <a:spcAft>
+                <a:spcPts val="0"/>
+              </a:spcAft>
+              <a:buNone/>
+            </a:pPr>
+            <a:r>
+              <a:rPr lang="ja" sz="791"/>
+              <a:t>}$はランキングの上位i-1位までのアイテム、$s_d$はアイテムdのスコア、$C$はコーパス全体を表します。</a:t>
+            </a:r>
+            <a:endParaRPr sz="791"/>
+          </a:p>
+          <a:p>
+            <a:pPr indent="0" lvl="0" marL="0" rtl="0" algn="l">
+              <a:lnSpc>
+                <a:spcPct val="95000"/>
+              </a:lnSpc>
+              <a:spcBef>
+                <a:spcPts val="1200"/>
+              </a:spcBef>
+              <a:spcAft>
+                <a:spcPts val="0"/>
+              </a:spcAft>
+              <a:buNone/>
+            </a:pPr>
+            <a:r>
+              <a:t/>
+            </a:r>
+            <a:endParaRPr sz="791"/>
+          </a:p>
+          <a:p>
+            <a:pPr indent="0" lvl="0" marL="0" rtl="0" algn="l">
+              <a:lnSpc>
+                <a:spcPct val="95000"/>
+              </a:lnSpc>
+              <a:spcBef>
+                <a:spcPts val="1200"/>
+              </a:spcBef>
+              <a:spcAft>
+                <a:spcPts val="0"/>
+              </a:spcAft>
+              <a:buNone/>
+            </a:pPr>
+            <a:r>
+              <a:rPr lang="ja" sz="791"/>
+              <a:t>### 3. フェアネスの調整</a:t>
+            </a:r>
+            <a:endParaRPr sz="791"/>
+          </a:p>
+          <a:p>
+            <a:pPr indent="0" lvl="0" marL="0" rtl="0" algn="l">
+              <a:lnSpc>
+                <a:spcPct val="95000"/>
+              </a:lnSpc>
+              <a:spcBef>
+                <a:spcPts val="1200"/>
+              </a:spcBef>
+              <a:spcAft>
+                <a:spcPts val="0"/>
+              </a:spcAft>
+              <a:buNone/>
+            </a:pPr>
+            <a:r>
+              <a:t/>
+            </a:r>
+            <a:endParaRPr sz="791"/>
+          </a:p>
+          <a:p>
+            <a:pPr indent="0" lvl="0" marL="0" rtl="0" algn="l">
+              <a:lnSpc>
+                <a:spcPct val="95000"/>
+              </a:lnSpc>
+              <a:spcBef>
+                <a:spcPts val="1200"/>
+              </a:spcBef>
+              <a:spcAft>
+                <a:spcPts val="0"/>
+              </a:spcAft>
+              <a:buNone/>
+            </a:pPr>
+            <a:r>
+              <a:rPr lang="ja" sz="791"/>
+              <a:t>フェアランキングの効果を制御するために、温度パラメータ（$α$）が導入されています。このパラメータによって、ランダム性の度合いを調整し、高い$α$では従来の固定ランキングに近い動作となり、低い$α$ではランダム性が増加して露出の公平性が高まります。</a:t>
+            </a:r>
+            <a:endParaRPr sz="791"/>
+          </a:p>
+          <a:p>
+            <a:pPr indent="0" lvl="0" marL="0" rtl="0" algn="l">
+              <a:lnSpc>
+                <a:spcPct val="95000"/>
+              </a:lnSpc>
+              <a:spcBef>
+                <a:spcPts val="1200"/>
+              </a:spcBef>
+              <a:spcAft>
+                <a:spcPts val="0"/>
+              </a:spcAft>
+              <a:buNone/>
+            </a:pPr>
+            <a:r>
+              <a:t/>
+            </a:r>
+            <a:endParaRPr sz="791"/>
+          </a:p>
+          <a:p>
+            <a:pPr indent="0" lvl="0" marL="0" rtl="0" algn="l">
+              <a:lnSpc>
+                <a:spcPct val="95000"/>
+              </a:lnSpc>
+              <a:spcBef>
+                <a:spcPts val="1200"/>
+              </a:spcBef>
+              <a:spcAft>
+                <a:spcPts val="0"/>
+              </a:spcAft>
+              <a:buNone/>
+            </a:pPr>
+            <a:r>
+              <a:rPr lang="ja" sz="791"/>
+              <a:t>**温度パラメータの式**：</a:t>
+            </a:r>
+            <a:endParaRPr sz="791"/>
+          </a:p>
+          <a:p>
+            <a:pPr indent="0" lvl="0" marL="0" rtl="0" algn="l">
+              <a:lnSpc>
+                <a:spcPct val="95000"/>
+              </a:lnSpc>
+              <a:spcBef>
+                <a:spcPts val="1200"/>
+              </a:spcBef>
+              <a:spcAft>
+                <a:spcPts val="0"/>
+              </a:spcAft>
+              <a:buNone/>
+            </a:pPr>
+            <a:r>
+              <a:rPr lang="ja" sz="791"/>
+              <a:t>p(d∣L1:i−1)=exp⁡(sdα)1[d∉L1:i−1]∑d′∈C\L1:i−1exp⁡(sd′α)p(d|L_{1:i-1}) = \frac{\exp(s_d^{\alpha})1[d \notin L_{1:i-1}]}{\sum_{d' \in C \backslash L_{1:i-1}} \exp(s_{d'}^{\alpha})}p(d∣L1:i−1​)=∑d′∈C\L1:i−1​​exp(sd′α​)exp(sdα​)1[d∈/L1:i−1​]​</a:t>
+            </a:r>
+            <a:endParaRPr sz="791"/>
+          </a:p>
+          <a:p>
+            <a:pPr indent="0" lvl="0" marL="0" rtl="0" algn="l">
+              <a:lnSpc>
+                <a:spcPct val="95000"/>
+              </a:lnSpc>
+              <a:spcBef>
+                <a:spcPts val="1200"/>
+              </a:spcBef>
+              <a:spcAft>
+                <a:spcPts val="0"/>
+              </a:spcAft>
+              <a:buNone/>
+            </a:pPr>
+            <a:r>
+              <a:t/>
+            </a:r>
+            <a:endParaRPr sz="791"/>
+          </a:p>
+          <a:p>
+            <a:pPr indent="0" lvl="0" marL="0" rtl="0" algn="l">
+              <a:lnSpc>
+                <a:spcPct val="95000"/>
+              </a:lnSpc>
+              <a:spcBef>
+                <a:spcPts val="1200"/>
+              </a:spcBef>
+              <a:spcAft>
+                <a:spcPts val="0"/>
+              </a:spcAft>
+              <a:buNone/>
+            </a:pPr>
+            <a:r>
+              <a:rPr lang="ja" sz="791"/>
+              <a:t>### 4. 評価メトリクス</a:t>
+            </a:r>
+            <a:endParaRPr sz="791"/>
+          </a:p>
+          <a:p>
+            <a:pPr indent="0" lvl="0" marL="0" rtl="0" algn="l">
+              <a:lnSpc>
+                <a:spcPct val="95000"/>
+              </a:lnSpc>
+              <a:spcBef>
+                <a:spcPts val="1200"/>
+              </a:spcBef>
+              <a:spcAft>
+                <a:spcPts val="0"/>
+              </a:spcAft>
+              <a:buNone/>
+            </a:pPr>
+            <a:r>
+              <a:t/>
+            </a:r>
+            <a:endParaRPr sz="791"/>
+          </a:p>
+          <a:p>
+            <a:pPr indent="0" lvl="0" marL="0" rtl="0" algn="l">
+              <a:lnSpc>
+                <a:spcPct val="95000"/>
+              </a:lnSpc>
+              <a:spcBef>
+                <a:spcPts val="1200"/>
+              </a:spcBef>
+              <a:spcAft>
+                <a:spcPts val="0"/>
+              </a:spcAft>
+              <a:buNone/>
+            </a:pPr>
+            <a:r>
+              <a:rPr lang="ja" sz="791"/>
+              <a:t>本研究では、フェアランキングの効果を評価するために、以下の2つの指標が使用されています。</a:t>
+            </a:r>
+            <a:endParaRPr sz="791"/>
+          </a:p>
+          <a:p>
+            <a:pPr indent="0" lvl="0" marL="0" rtl="0" algn="l">
+              <a:lnSpc>
+                <a:spcPct val="95000"/>
+              </a:lnSpc>
+              <a:spcBef>
+                <a:spcPts val="1200"/>
+              </a:spcBef>
+              <a:spcAft>
+                <a:spcPts val="0"/>
+              </a:spcAft>
+              <a:buNone/>
+            </a:pPr>
+            <a:r>
+              <a:t/>
+            </a:r>
+            <a:endParaRPr sz="791"/>
+          </a:p>
+          <a:p>
+            <a:pPr indent="0" lvl="0" marL="0" rtl="0" algn="l">
+              <a:lnSpc>
+                <a:spcPct val="95000"/>
+              </a:lnSpc>
+              <a:spcBef>
+                <a:spcPts val="1200"/>
+              </a:spcBef>
+              <a:spcAft>
+                <a:spcPts val="0"/>
+              </a:spcAft>
+              <a:buNone/>
+            </a:pPr>
+            <a:r>
+              <a:rPr lang="ja" sz="791"/>
+              <a:t>- **期待露出差異（EE-D）**：各アイテムの露出のばらつきを測定し、高いEE-Dは露出が不公平であることを示します。</a:t>
+            </a:r>
+            <a:endParaRPr sz="791"/>
+          </a:p>
+          <a:p>
+            <a:pPr indent="0" lvl="0" marL="0" rtl="0" algn="l">
+              <a:lnSpc>
+                <a:spcPct val="95000"/>
+              </a:lnSpc>
+              <a:spcBef>
+                <a:spcPts val="1200"/>
+              </a:spcBef>
+              <a:spcAft>
+                <a:spcPts val="0"/>
+              </a:spcAft>
+              <a:buNone/>
+            </a:pPr>
+            <a:r>
+              <a:rPr lang="ja" sz="791"/>
+              <a:t>- **期待露出関連度（EE-R）**：アイテムの露出がランキングの品質にどれだけ寄与しているかを測定します。</a:t>
+            </a:r>
+            <a:endParaRPr sz="791"/>
+          </a:p>
+          <a:p>
+            <a:pPr indent="0" lvl="0" marL="0" rtl="0" algn="l">
+              <a:lnSpc>
+                <a:spcPct val="95000"/>
+              </a:lnSpc>
+              <a:spcBef>
+                <a:spcPts val="1200"/>
+              </a:spcBef>
+              <a:spcAft>
+                <a:spcPts val="0"/>
+              </a:spcAft>
+              <a:buNone/>
+            </a:pPr>
+            <a:r>
+              <a:t/>
+            </a:r>
+            <a:endParaRPr sz="791"/>
+          </a:p>
+          <a:p>
+            <a:pPr indent="0" lvl="0" marL="0" rtl="0" algn="l">
+              <a:lnSpc>
+                <a:spcPct val="95000"/>
+              </a:lnSpc>
+              <a:spcBef>
+                <a:spcPts val="1200"/>
+              </a:spcBef>
+              <a:spcAft>
+                <a:spcPts val="0"/>
+              </a:spcAft>
+              <a:buNone/>
+            </a:pPr>
+            <a:r>
+              <a:rPr lang="ja" sz="791"/>
+              <a:t>**期待露出差異の式**：</a:t>
+            </a:r>
+            <a:endParaRPr sz="791"/>
+          </a:p>
+          <a:p>
+            <a:pPr indent="0" lvl="0" marL="0" rtl="0" algn="l">
+              <a:lnSpc>
+                <a:spcPct val="95000"/>
+              </a:lnSpc>
+              <a:spcBef>
+                <a:spcPts val="1200"/>
+              </a:spcBef>
+              <a:spcAft>
+                <a:spcPts val="0"/>
+              </a:spcAft>
+              <a:buNone/>
+            </a:pPr>
+            <a:r>
+              <a:rPr lang="ja" sz="791"/>
+              <a:t>∥ϵ−ϵ∗∥22=∥ϵ∥22−2⟨ϵ,ϵ∗⟩+∥ϵ∗∥22\| \epsilon - \epsilon^* \|^2_2 = \| \epsilon \|^2_2 - 2 \langle \epsilon, \epsilon^* \rangle + \| \epsilon^* \|^2_2∥ϵ−ϵ∗∥22​=∥ϵ∥22​−2⟨ϵ,ϵ∗⟩+∥ϵ∗∥22​</a:t>
+            </a:r>
+            <a:endParaRPr sz="791"/>
+          </a:p>
+          <a:p>
+            <a:pPr indent="0" lvl="0" marL="0" rtl="0" algn="l">
+              <a:lnSpc>
+                <a:spcPct val="95000"/>
+              </a:lnSpc>
+              <a:spcBef>
+                <a:spcPts val="1200"/>
+              </a:spcBef>
+              <a:spcAft>
+                <a:spcPts val="0"/>
+              </a:spcAft>
+              <a:buNone/>
+            </a:pPr>
+            <a:r>
+              <a:t/>
+            </a:r>
+            <a:endParaRPr sz="791"/>
+          </a:p>
+          <a:p>
+            <a:pPr indent="0" lvl="0" marL="0" rtl="0" algn="l">
+              <a:lnSpc>
+                <a:spcPct val="95000"/>
+              </a:lnSpc>
+              <a:spcBef>
+                <a:spcPts val="1200"/>
+              </a:spcBef>
+              <a:spcAft>
+                <a:spcPts val="0"/>
+              </a:spcAft>
+              <a:buNone/>
+            </a:pPr>
+            <a:r>
+              <a:rPr lang="ja" sz="791"/>
+              <a:t>ここで、$\epsilon$はシステムの露出ベクトル、$\epsilon^*$は理想的な露出ベクトルを表します。</a:t>
+            </a:r>
+            <a:endParaRPr sz="791"/>
+          </a:p>
+          <a:p>
+            <a:pPr indent="0" lvl="0" marL="0" rtl="0" algn="l">
+              <a:lnSpc>
+                <a:spcPct val="95000"/>
+              </a:lnSpc>
+              <a:spcBef>
+                <a:spcPts val="1200"/>
+              </a:spcBef>
+              <a:spcAft>
+                <a:spcPts val="0"/>
+              </a:spcAft>
+              <a:buNone/>
+            </a:pPr>
+            <a:r>
+              <a:t/>
+            </a:r>
+            <a:endParaRPr sz="791"/>
+          </a:p>
+          <a:p>
+            <a:pPr indent="0" lvl="0" marL="0" rtl="0" algn="l">
+              <a:lnSpc>
+                <a:spcPct val="95000"/>
+              </a:lnSpc>
+              <a:spcBef>
+                <a:spcPts val="1200"/>
+              </a:spcBef>
+              <a:spcAft>
+                <a:spcPts val="0"/>
+              </a:spcAft>
+              <a:buNone/>
+            </a:pPr>
+            <a:r>
+              <a:rPr lang="ja" sz="791"/>
+              <a:t>### 5. 生成品質の評価</a:t>
+            </a:r>
+            <a:endParaRPr sz="791"/>
+          </a:p>
+          <a:p>
+            <a:pPr indent="0" lvl="0" marL="0" rtl="0" algn="l">
+              <a:lnSpc>
+                <a:spcPct val="95000"/>
+              </a:lnSpc>
+              <a:spcBef>
+                <a:spcPts val="1200"/>
+              </a:spcBef>
+              <a:spcAft>
+                <a:spcPts val="0"/>
+              </a:spcAft>
+              <a:buNone/>
+            </a:pPr>
+            <a:r>
+              <a:t/>
+            </a:r>
+            <a:endParaRPr sz="791"/>
+          </a:p>
+          <a:p>
+            <a:pPr indent="0" lvl="0" marL="0" rtl="0" algn="l">
+              <a:lnSpc>
+                <a:spcPct val="95000"/>
+              </a:lnSpc>
+              <a:spcBef>
+                <a:spcPts val="1200"/>
+              </a:spcBef>
+              <a:spcAft>
+                <a:spcPts val="0"/>
+              </a:spcAft>
+              <a:buNone/>
+            </a:pPr>
+            <a:r>
+              <a:rPr lang="ja" sz="791"/>
+              <a:t>生成されたコンテンツの品質（ユーティリティ）も評価されており、確率的ランキングを使用することで、生成品質が向上する場合があることが実証されています。特に、アイテムの位置が変わることで、生成された応答に含まれる情報がより適切になる場合がありました。</a:t>
+            </a:r>
+            <a:endParaRPr sz="791"/>
+          </a:p>
+          <a:p>
+            <a:pPr indent="0" lvl="0" marL="0" rtl="0" algn="l">
+              <a:lnSpc>
+                <a:spcPct val="95000"/>
+              </a:lnSpc>
+              <a:spcBef>
+                <a:spcPts val="1200"/>
+              </a:spcBef>
+              <a:spcAft>
+                <a:spcPts val="0"/>
+              </a:spcAft>
+              <a:buNone/>
+            </a:pPr>
+            <a:r>
+              <a:t/>
+            </a:r>
+            <a:endParaRPr sz="791"/>
+          </a:p>
+          <a:p>
+            <a:pPr indent="0" lvl="0" marL="0" rtl="0" algn="l">
+              <a:lnSpc>
+                <a:spcPct val="95000"/>
+              </a:lnSpc>
+              <a:spcBef>
+                <a:spcPts val="1200"/>
+              </a:spcBef>
+              <a:spcAft>
+                <a:spcPts val="0"/>
+              </a:spcAft>
+              <a:buNone/>
+            </a:pPr>
+            <a:r>
+              <a:rPr lang="ja" sz="791"/>
+              <a:t>**期待ユーティリティの式**：</a:t>
+            </a:r>
+            <a:endParaRPr sz="791"/>
+          </a:p>
+          <a:p>
+            <a:pPr indent="0" lvl="0" marL="0" rtl="0" algn="l">
+              <a:lnSpc>
+                <a:spcPct val="95000"/>
+              </a:lnSpc>
+              <a:spcBef>
+                <a:spcPts val="1200"/>
+              </a:spcBef>
+              <a:spcAft>
+                <a:spcPts val="0"/>
+              </a:spcAft>
+              <a:buNone/>
+            </a:pPr>
+            <a:r>
+              <a:rPr lang="ja" sz="791"/>
+              <a:t>EU(⟨S,G⟩∣x)=Eσ∼S[μu(y,y^σ)]=1N∑i=1Nμu(y,y^i)EU(\langle S, G \rangle | x) = E_{\sigma \sim S} [\mu_u(y, \hat{y}_{\sigma})] = \frac{1}{N} \sum_{i=1}^N \mu_u(y, \hat{y}_i)EU(⟨S,G⟩∣x)=Eσ∼S​[μu​(y,y^​σ​)]=N1​∑i=1N​μu​(y,y^​i​)</a:t>
+            </a:r>
+            <a:endParaRPr sz="791"/>
+          </a:p>
+          <a:p>
+            <a:pPr indent="0" lvl="0" marL="0" rtl="0" algn="l">
+              <a:lnSpc>
+                <a:spcPct val="95000"/>
+              </a:lnSpc>
+              <a:spcBef>
+                <a:spcPts val="1200"/>
+              </a:spcBef>
+              <a:spcAft>
+                <a:spcPts val="0"/>
+              </a:spcAft>
+              <a:buNone/>
+            </a:pPr>
+            <a:r>
+              <a:t/>
+            </a:r>
+            <a:endParaRPr sz="791"/>
+          </a:p>
+          <a:p>
+            <a:pPr indent="0" lvl="0" marL="0" rtl="0" algn="l">
+              <a:lnSpc>
+                <a:spcPct val="95000"/>
+              </a:lnSpc>
+              <a:spcBef>
+                <a:spcPts val="1200"/>
+              </a:spcBef>
+              <a:spcAft>
+                <a:spcPts val="0"/>
+              </a:spcAft>
+              <a:buNone/>
+            </a:pPr>
+            <a:r>
+              <a:rPr lang="ja" sz="791"/>
+              <a:t>---</a:t>
+            </a:r>
+            <a:endParaRPr sz="791"/>
+          </a:p>
+          <a:p>
+            <a:pPr indent="0" lvl="0" marL="0" rtl="0" algn="l">
+              <a:lnSpc>
+                <a:spcPct val="95000"/>
+              </a:lnSpc>
+              <a:spcBef>
+                <a:spcPts val="1200"/>
+              </a:spcBef>
+              <a:spcAft>
+                <a:spcPts val="0"/>
+              </a:spcAft>
+              <a:buNone/>
+            </a:pPr>
+            <a:r>
+              <a:t/>
+            </a:r>
+            <a:endParaRPr sz="791"/>
+          </a:p>
+          <a:p>
+            <a:pPr indent="0" lvl="0" marL="0" rtl="0" algn="l">
+              <a:lnSpc>
+                <a:spcPct val="95000"/>
+              </a:lnSpc>
+              <a:spcBef>
+                <a:spcPts val="1200"/>
+              </a:spcBef>
+              <a:spcAft>
+                <a:spcPts val="0"/>
+              </a:spcAft>
+              <a:buNone/>
+            </a:pPr>
+            <a:r>
+              <a:rPr lang="ja" sz="791"/>
+              <a:t>### 使用用途</a:t>
+            </a:r>
+            <a:endParaRPr sz="791"/>
+          </a:p>
+          <a:p>
+            <a:pPr indent="0" lvl="0" marL="0" rtl="0" algn="l">
+              <a:lnSpc>
+                <a:spcPct val="95000"/>
+              </a:lnSpc>
+              <a:spcBef>
+                <a:spcPts val="1200"/>
+              </a:spcBef>
+              <a:spcAft>
+                <a:spcPts val="0"/>
+              </a:spcAft>
+              <a:buNone/>
+            </a:pPr>
+            <a:r>
+              <a:t/>
+            </a:r>
+            <a:endParaRPr sz="791"/>
+          </a:p>
+          <a:p>
+            <a:pPr indent="0" lvl="0" marL="0" rtl="0" algn="l">
+              <a:lnSpc>
+                <a:spcPct val="95000"/>
+              </a:lnSpc>
+              <a:spcBef>
+                <a:spcPts val="1200"/>
+              </a:spcBef>
+              <a:spcAft>
+                <a:spcPts val="0"/>
+              </a:spcAft>
+              <a:buNone/>
+            </a:pPr>
+            <a:r>
+              <a:rPr lang="ja" sz="791"/>
+              <a:t>この技術は、以下のようなシステムでの応用が期待されます。</a:t>
+            </a:r>
+            <a:endParaRPr sz="791"/>
+          </a:p>
+          <a:p>
+            <a:pPr indent="0" lvl="0" marL="0" rtl="0" algn="l">
+              <a:lnSpc>
+                <a:spcPct val="95000"/>
+              </a:lnSpc>
+              <a:spcBef>
+                <a:spcPts val="1200"/>
+              </a:spcBef>
+              <a:spcAft>
+                <a:spcPts val="0"/>
+              </a:spcAft>
+              <a:buNone/>
+            </a:pPr>
+            <a:r>
+              <a:t/>
+            </a:r>
+            <a:endParaRPr sz="791"/>
+          </a:p>
+          <a:p>
+            <a:pPr indent="0" lvl="0" marL="0" rtl="0" algn="l">
+              <a:lnSpc>
+                <a:spcPct val="95000"/>
+              </a:lnSpc>
+              <a:spcBef>
+                <a:spcPts val="1200"/>
+              </a:spcBef>
+              <a:spcAft>
+                <a:spcPts val="0"/>
+              </a:spcAft>
+              <a:buNone/>
+            </a:pPr>
+            <a:r>
+              <a:rPr lang="ja" sz="791"/>
+              <a:t>- **質問応答システム**：RAGシステムは質問応答に広く使用されていますが、特にニュースや製品レビューなどの分野では、複数の情報源が関連するため、フェアランキングを導入することで、すべての情報源が均等に扱われるようになります。</a:t>
+            </a:r>
+            <a:endParaRPr sz="791"/>
+          </a:p>
+          <a:p>
+            <a:pPr indent="0" lvl="0" marL="0" rtl="0" algn="l">
+              <a:lnSpc>
+                <a:spcPct val="95000"/>
+              </a:lnSpc>
+              <a:spcBef>
+                <a:spcPts val="1200"/>
+              </a:spcBef>
+              <a:spcAft>
+                <a:spcPts val="0"/>
+              </a:spcAft>
+              <a:buNone/>
+            </a:pPr>
+            <a:r>
+              <a:rPr lang="ja" sz="791"/>
+              <a:t>- **パーソナライゼーション**：パーソナライズされたコンテンツ推薦システムにも適用でき、特定のコンテンツプロバイダーが過剰に露出する問題を解消できます。</a:t>
+            </a:r>
+            <a:endParaRPr sz="791"/>
+          </a:p>
+          <a:p>
+            <a:pPr indent="0" lvl="0" marL="0" rtl="0" algn="l">
+              <a:lnSpc>
+                <a:spcPct val="95000"/>
+              </a:lnSpc>
+              <a:spcBef>
+                <a:spcPts val="1200"/>
+              </a:spcBef>
+              <a:spcAft>
+                <a:spcPts val="0"/>
+              </a:spcAft>
+              <a:buNone/>
+            </a:pPr>
+            <a:r>
+              <a:rPr lang="ja" sz="791"/>
+              <a:t>- **リコメンデーションシステム**：商品推薦システムでは、特定の商品が優先されることなく、すべての商品が公平に露出されることが重要です。</a:t>
+            </a:r>
+            <a:endParaRPr sz="791"/>
+          </a:p>
+          <a:p>
+            <a:pPr indent="0" lvl="0" marL="0" rtl="0" algn="l">
+              <a:lnSpc>
+                <a:spcPct val="95000"/>
+              </a:lnSpc>
+              <a:spcBef>
+                <a:spcPts val="1200"/>
+              </a:spcBef>
+              <a:spcAft>
+                <a:spcPts val="0"/>
+              </a:spcAft>
+              <a:buNone/>
+            </a:pPr>
+            <a:r>
+              <a:t/>
+            </a:r>
+            <a:endParaRPr sz="791"/>
+          </a:p>
+          <a:p>
+            <a:pPr indent="0" lvl="0" marL="0" rtl="0" algn="l">
+              <a:lnSpc>
+                <a:spcPct val="95000"/>
+              </a:lnSpc>
+              <a:spcBef>
+                <a:spcPts val="1200"/>
+              </a:spcBef>
+              <a:spcAft>
+                <a:spcPts val="0"/>
+              </a:spcAft>
+              <a:buNone/>
+            </a:pPr>
+            <a:r>
+              <a:rPr lang="ja" sz="791"/>
+              <a:t>---</a:t>
+            </a:r>
+            <a:endParaRPr sz="791"/>
+          </a:p>
+          <a:p>
+            <a:pPr indent="0" lvl="0" marL="0" rtl="0" algn="l">
+              <a:lnSpc>
+                <a:spcPct val="95000"/>
+              </a:lnSpc>
+              <a:spcBef>
+                <a:spcPts val="1200"/>
+              </a:spcBef>
+              <a:spcAft>
+                <a:spcPts val="0"/>
+              </a:spcAft>
+              <a:buNone/>
+            </a:pPr>
+            <a:r>
+              <a:t/>
+            </a:r>
+            <a:endParaRPr sz="791"/>
+          </a:p>
+          <a:p>
+            <a:pPr indent="0" lvl="0" marL="0" rtl="0" algn="l">
+              <a:lnSpc>
+                <a:spcPct val="95000"/>
+              </a:lnSpc>
+              <a:spcBef>
+                <a:spcPts val="1200"/>
+              </a:spcBef>
+              <a:spcAft>
+                <a:spcPts val="0"/>
+              </a:spcAft>
+              <a:buNone/>
+            </a:pPr>
+            <a:r>
+              <a:rPr lang="ja" sz="791"/>
+              <a:t>### 次に読むべき論文</a:t>
+            </a:r>
+            <a:endParaRPr sz="791"/>
+          </a:p>
+          <a:p>
+            <a:pPr indent="0" lvl="0" marL="0" rtl="0" algn="l">
+              <a:lnSpc>
+                <a:spcPct val="95000"/>
+              </a:lnSpc>
+              <a:spcBef>
+                <a:spcPts val="1200"/>
+              </a:spcBef>
+              <a:spcAft>
+                <a:spcPts val="0"/>
+              </a:spcAft>
+              <a:buNone/>
+            </a:pPr>
+            <a:r>
+              <a:t/>
+            </a:r>
+            <a:endParaRPr sz="791"/>
+          </a:p>
+          <a:p>
+            <a:pPr indent="0" lvl="0" marL="0" rtl="0" algn="l">
+              <a:lnSpc>
+                <a:spcPct val="95000"/>
+              </a:lnSpc>
+              <a:spcBef>
+                <a:spcPts val="1200"/>
+              </a:spcBef>
+              <a:spcAft>
+                <a:spcPts val="0"/>
+              </a:spcAft>
+              <a:buNone/>
+            </a:pPr>
+            <a:r>
+              <a:rPr lang="ja" sz="791"/>
+              <a:t>- **Hamed Zamani et al. "Retrieval-enhanced machine learning: Synthesis and opportunities"**</a:t>
+            </a:r>
+            <a:endParaRPr sz="791"/>
+          </a:p>
+          <a:p>
+            <a:pPr indent="0" lvl="0" marL="0" rtl="0" algn="l">
+              <a:lnSpc>
+                <a:spcPct val="95000"/>
+              </a:lnSpc>
+              <a:spcBef>
+                <a:spcPts val="1200"/>
+              </a:spcBef>
+              <a:spcAft>
+                <a:spcPts val="0"/>
+              </a:spcAft>
+              <a:buNone/>
+            </a:pPr>
+            <a:r>
+              <a:rPr lang="ja" sz="791"/>
+              <a:t>- **Patrick S. H. Lewis et al. "Retrieval-augmented generation for knowledge-intensive NLP tasks"**</a:t>
+            </a:r>
+            <a:endParaRPr sz="791"/>
+          </a:p>
+          <a:p>
+            <a:pPr indent="0" lvl="0" marL="0" rtl="0" algn="l">
+              <a:lnSpc>
+                <a:spcPct val="95000"/>
+              </a:lnSpc>
+              <a:spcBef>
+                <a:spcPts val="1200"/>
+              </a:spcBef>
+              <a:spcAft>
+                <a:spcPts val="1200"/>
+              </a:spcAft>
+              <a:buNone/>
+            </a:pPr>
+            <a:r>
+              <a:t/>
+            </a:r>
+            <a:endParaRPr sz="791"/>
+          </a:p>
+        </p:txBody>
+      </p:sp>
+    </p:spTree>
+  </p:cSld>
+  <p:clrMapOvr>
+    <a:masterClrMapping/>
+  </p:clrMapOvr>
+</p:sld>
+</file>
+
+<file path=ppt/slides/slide27.xml><?xml version="1.0" encoding="utf-8"?>
+<p:sld xmlns:a="http://schemas.openxmlformats.org/drawingml/2006/main" xmlns:r="http://schemas.openxmlformats.org/officeDocument/2006/relationships" xmlns:mc="http://schemas.openxmlformats.org/markup-compatibility/2006" xmlns:mv="urn:schemas-microsoft-com:mac:vml" xmlns:p="http://schemas.openxmlformats.org/presentationml/2006/main" xmlns:c="http://schemas.openxmlformats.org/drawingml/2006/chart" xmlns:dgm="http://schemas.openxmlformats.org/drawingml/2006/diagram" xmlns:o="urn:schemas-microsoft-com:office:office" xmlns:v="urn:schemas-microsoft-com:vml" xmlns:pvml="urn:schemas-microsoft-com:office:powerpoint" xmlns:com="http://schemas.openxmlformats.org/drawingml/2006/compatibility" xmlns:p14="http://schemas.microsoft.com/office/powerpoint/2010/main" xmlns:p15="http://schemas.microsoft.com/office/powerpoint/2012/main" xmlns:ahyp="http://schemas.microsoft.com/office/drawing/2018/hyperlinkcolor">
+  <p:cSld>
+    <p:spTree>
+      <p:nvGrpSpPr>
+        <p:cNvPr id="189" name="Shape 189"/>
+        <p:cNvGrpSpPr/>
+        <p:nvPr/>
+      </p:nvGrpSpPr>
+      <p:grpSpPr>
+        <a:xfrm>
+          <a:off x="0" y="0"/>
+          <a:ext cx="0" cy="0"/>
+          <a:chOff x="0" y="0"/>
+          <a:chExt cx="0" cy="0"/>
+        </a:xfrm>
+      </p:grpSpPr>
+      <p:sp>
+        <p:nvSpPr>
+          <p:cNvPr id="190" name="Google Shape;190;p39"/>
+          <p:cNvSpPr txBox="1"/>
+          <p:nvPr>
+            <p:ph idx="1" type="body"/>
+          </p:nvPr>
+        </p:nvSpPr>
+        <p:spPr>
+          <a:xfrm>
+            <a:off x="0" y="0"/>
+            <a:ext cx="9144000" cy="5049600"/>
+          </a:xfrm>
+          <a:prstGeom prst="rect">
+            <a:avLst/>
+          </a:prstGeom>
+        </p:spPr>
+        <p:txBody>
+          <a:bodyPr anchorCtr="0" anchor="t" bIns="91425" lIns="91425" spcFirstLastPara="1" rIns="91425" wrap="square" tIns="91425">
+            <a:noAutofit/>
+          </a:bodyPr>
+          <a:lstStyle/>
+          <a:p>
+            <a:pPr indent="0" lvl="0" marL="0" rtl="0" algn="l">
+              <a:lnSpc>
+                <a:spcPct val="95000"/>
+              </a:lnSpc>
+              <a:spcBef>
+                <a:spcPts val="1200"/>
+              </a:spcBef>
+              <a:spcAft>
+                <a:spcPts val="0"/>
+              </a:spcAft>
+              <a:buNone/>
+            </a:pPr>
+            <a:r>
+              <a:rPr lang="ja" sz="791"/>
+              <a:t># MAGICORE: Multi-Agent, Iterative, Coarse-to-Fine Refinement for Reasoning MAGICORE: 多エージェント、反復的、粗から細への推論の改良手法</a:t>
+            </a:r>
+            <a:endParaRPr sz="791"/>
+          </a:p>
+          <a:p>
+            <a:pPr indent="0" lvl="0" marL="0" rtl="0" algn="l">
+              <a:lnSpc>
+                <a:spcPct val="95000"/>
+              </a:lnSpc>
+              <a:spcBef>
+                <a:spcPts val="1200"/>
+              </a:spcBef>
+              <a:spcAft>
+                <a:spcPts val="0"/>
+              </a:spcAft>
+              <a:buNone/>
+            </a:pPr>
+            <a:r>
+              <a:t/>
+            </a:r>
+            <a:endParaRPr sz="791"/>
+          </a:p>
+          <a:p>
+            <a:pPr indent="0" lvl="0" marL="0" rtl="0" algn="l">
+              <a:lnSpc>
+                <a:spcPct val="95000"/>
+              </a:lnSpc>
+              <a:spcBef>
+                <a:spcPts val="1200"/>
+              </a:spcBef>
+              <a:spcAft>
+                <a:spcPts val="0"/>
+              </a:spcAft>
+              <a:buNone/>
+            </a:pPr>
+            <a:r>
+              <a:rPr lang="ja" sz="791"/>
+              <a:t>概要: LLMの予測結果は複数の解答を生成しその中で信頼性の高いものを選ぶとよい結果になるが、多く生成しても効果は薄くなっていきます改良はフィードバックを使用し質をあげること、しかし過剰な改良、エラーを局所化し修正できない、改良の不十分さという3つの課題があります。 この課題に対して問題を「簡単」「難しい」と分類し、難しい問題には詳細かつ反復的な多エージェント改良を適用するフレームワークMAGICOREを提案しています</a:t>
+            </a:r>
+            <a:endParaRPr sz="791"/>
+          </a:p>
+          <a:p>
+            <a:pPr indent="0" lvl="0" marL="0" rtl="0" algn="l">
+              <a:lnSpc>
+                <a:spcPct val="95000"/>
+              </a:lnSpc>
+              <a:spcBef>
+                <a:spcPts val="1200"/>
+              </a:spcBef>
+              <a:spcAft>
+                <a:spcPts val="0"/>
+              </a:spcAft>
+              <a:buNone/>
+            </a:pPr>
+            <a:r>
+              <a:t/>
+            </a:r>
+            <a:endParaRPr sz="791"/>
+          </a:p>
+          <a:p>
+            <a:pPr indent="0" lvl="0" marL="0" rtl="0" algn="l">
+              <a:lnSpc>
+                <a:spcPct val="95000"/>
+              </a:lnSpc>
+              <a:spcBef>
+                <a:spcPts val="1200"/>
+              </a:spcBef>
+              <a:spcAft>
+                <a:spcPts val="0"/>
+              </a:spcAft>
+              <a:buNone/>
+            </a:pPr>
+            <a:r>
+              <a:rPr lang="ja" sz="791"/>
+              <a:t>### 先行研究と比べてどこがすごいのか:</a:t>
+            </a:r>
+            <a:endParaRPr sz="791"/>
+          </a:p>
+          <a:p>
+            <a:pPr indent="0" lvl="0" marL="0" rtl="0" algn="l">
+              <a:lnSpc>
+                <a:spcPct val="95000"/>
+              </a:lnSpc>
+              <a:spcBef>
+                <a:spcPts val="1200"/>
+              </a:spcBef>
+              <a:spcAft>
+                <a:spcPts val="0"/>
+              </a:spcAft>
+              <a:buNone/>
+            </a:pPr>
+            <a:r>
+              <a:t/>
+            </a:r>
+            <a:endParaRPr sz="791"/>
+          </a:p>
+          <a:p>
+            <a:pPr indent="0" lvl="0" marL="0" rtl="0" algn="l">
+              <a:lnSpc>
+                <a:spcPct val="95000"/>
+              </a:lnSpc>
+              <a:spcBef>
+                <a:spcPts val="1200"/>
+              </a:spcBef>
+              <a:spcAft>
+                <a:spcPts val="0"/>
+              </a:spcAft>
+              <a:buNone/>
+            </a:pPr>
+            <a:r>
+              <a:rPr lang="ja" sz="791"/>
+              <a:t>MAGICOREは、先行する自己改良や集約手法に比べて以下の点で優れている：</a:t>
+            </a:r>
+            <a:endParaRPr sz="791"/>
+          </a:p>
+          <a:p>
+            <a:pPr indent="0" lvl="0" marL="0" rtl="0" algn="l">
+              <a:lnSpc>
+                <a:spcPct val="95000"/>
+              </a:lnSpc>
+              <a:spcBef>
+                <a:spcPts val="1200"/>
+              </a:spcBef>
+              <a:spcAft>
+                <a:spcPts val="0"/>
+              </a:spcAft>
+              <a:buNone/>
+            </a:pPr>
+            <a:r>
+              <a:t/>
+            </a:r>
+            <a:endParaRPr sz="791"/>
+          </a:p>
+          <a:p>
+            <a:pPr indent="0" lvl="0" marL="0" rtl="0" algn="l">
+              <a:lnSpc>
+                <a:spcPct val="95000"/>
+              </a:lnSpc>
+              <a:spcBef>
+                <a:spcPts val="1200"/>
+              </a:spcBef>
+              <a:spcAft>
+                <a:spcPts val="0"/>
+              </a:spcAft>
+              <a:buNone/>
+            </a:pPr>
+            <a:r>
+              <a:rPr lang="ja" sz="791"/>
+              <a:t>1. **動的リソース割り当て**：問題の難易度に応じてリソースを効率的に配分し、簡単な問題には最低限の集約、難しい問題には詳細な改良を行う。</a:t>
+            </a:r>
+            <a:endParaRPr sz="791"/>
+          </a:p>
+          <a:p>
+            <a:pPr indent="0" lvl="0" marL="0" rtl="0" algn="l">
+              <a:lnSpc>
+                <a:spcPct val="95000"/>
+              </a:lnSpc>
+              <a:spcBef>
+                <a:spcPts val="1200"/>
+              </a:spcBef>
+              <a:spcAft>
+                <a:spcPts val="0"/>
+              </a:spcAft>
+              <a:buNone/>
+            </a:pPr>
+            <a:r>
+              <a:rPr lang="ja" sz="791"/>
+              <a:t>2. **外部の報酬モデルの活用**：モデルが自己改良できる限界を認識し、外部の報酬モデルを使用してエラーの局所化と修正を行う。</a:t>
+            </a:r>
+            <a:endParaRPr sz="791"/>
+          </a:p>
+          <a:p>
+            <a:pPr indent="0" lvl="0" marL="0" rtl="0" algn="l">
+              <a:lnSpc>
+                <a:spcPct val="95000"/>
+              </a:lnSpc>
+              <a:spcBef>
+                <a:spcPts val="1200"/>
+              </a:spcBef>
+              <a:spcAft>
+                <a:spcPts val="0"/>
+              </a:spcAft>
+              <a:buNone/>
+            </a:pPr>
+            <a:r>
+              <a:rPr lang="ja" sz="791"/>
+              <a:t>3. **多エージェントシステム**：Solver、Reviewer、Refinerの3エージェントが協力し、エラーの修正と反復的改良を行う。</a:t>
+            </a:r>
+            <a:endParaRPr sz="791"/>
+          </a:p>
+          <a:p>
+            <a:pPr indent="0" lvl="0" marL="0" rtl="0" algn="l">
+              <a:lnSpc>
+                <a:spcPct val="95000"/>
+              </a:lnSpc>
+              <a:spcBef>
+                <a:spcPts val="1200"/>
+              </a:spcBef>
+              <a:spcAft>
+                <a:spcPts val="0"/>
+              </a:spcAft>
+              <a:buNone/>
+            </a:pPr>
+            <a:r>
+              <a:rPr lang="ja" sz="791"/>
+              <a:t>4. **改良の反復性**：1回の改良ではなく、複数回の改良を繰り返すことで、精度を高める。</a:t>
+            </a:r>
+            <a:endParaRPr sz="791"/>
+          </a:p>
+          <a:p>
+            <a:pPr indent="0" lvl="0" marL="0" rtl="0" algn="l">
+              <a:lnSpc>
+                <a:spcPct val="95000"/>
+              </a:lnSpc>
+              <a:spcBef>
+                <a:spcPts val="1200"/>
+              </a:spcBef>
+              <a:spcAft>
+                <a:spcPts val="0"/>
+              </a:spcAft>
+              <a:buNone/>
+            </a:pPr>
+            <a:r>
+              <a:t/>
+            </a:r>
+            <a:endParaRPr sz="791"/>
+          </a:p>
+          <a:p>
+            <a:pPr indent="0" lvl="0" marL="0" rtl="0" algn="l">
+              <a:lnSpc>
+                <a:spcPct val="95000"/>
+              </a:lnSpc>
+              <a:spcBef>
+                <a:spcPts val="1200"/>
+              </a:spcBef>
+              <a:spcAft>
+                <a:spcPts val="0"/>
+              </a:spcAft>
+              <a:buNone/>
+            </a:pPr>
+            <a:r>
+              <a:rPr lang="ja" sz="791"/>
+              <a:t>---</a:t>
+            </a:r>
+            <a:endParaRPr sz="791"/>
+          </a:p>
+          <a:p>
+            <a:pPr indent="0" lvl="0" marL="0" rtl="0" algn="l">
+              <a:lnSpc>
+                <a:spcPct val="95000"/>
+              </a:lnSpc>
+              <a:spcBef>
+                <a:spcPts val="1200"/>
+              </a:spcBef>
+              <a:spcAft>
+                <a:spcPts val="0"/>
+              </a:spcAft>
+              <a:buNone/>
+            </a:pPr>
+            <a:r>
+              <a:t/>
+            </a:r>
+            <a:endParaRPr sz="791"/>
+          </a:p>
+          <a:p>
+            <a:pPr indent="0" lvl="0" marL="0" rtl="0" algn="l">
+              <a:lnSpc>
+                <a:spcPct val="95000"/>
+              </a:lnSpc>
+              <a:spcBef>
+                <a:spcPts val="1200"/>
+              </a:spcBef>
+              <a:spcAft>
+                <a:spcPts val="0"/>
+              </a:spcAft>
+              <a:buNone/>
+            </a:pPr>
+            <a:r>
+              <a:rPr lang="ja" sz="791"/>
+              <a:t>### 論文で説明している技術や手法:</a:t>
+            </a:r>
+            <a:endParaRPr sz="791"/>
+          </a:p>
+          <a:p>
+            <a:pPr indent="0" lvl="0" marL="0" rtl="0" algn="l">
+              <a:lnSpc>
+                <a:spcPct val="95000"/>
+              </a:lnSpc>
+              <a:spcBef>
+                <a:spcPts val="1200"/>
+              </a:spcBef>
+              <a:spcAft>
+                <a:spcPts val="0"/>
+              </a:spcAft>
+              <a:buNone/>
+            </a:pPr>
+            <a:r>
+              <a:t/>
+            </a:r>
+            <a:endParaRPr sz="791"/>
+          </a:p>
+          <a:p>
+            <a:pPr indent="0" lvl="0" marL="0" rtl="0" algn="l">
+              <a:lnSpc>
+                <a:spcPct val="95000"/>
+              </a:lnSpc>
+              <a:spcBef>
+                <a:spcPts val="1200"/>
+              </a:spcBef>
+              <a:spcAft>
+                <a:spcPts val="0"/>
+              </a:spcAft>
+              <a:buNone/>
+            </a:pPr>
+            <a:r>
+              <a:rPr lang="ja" sz="791"/>
+              <a:t>MAGICOREは、多ステップ推論における性能向上を目的とした**自適応型フレームワーク**であり、以下の要素を含む：</a:t>
+            </a:r>
+            <a:endParaRPr sz="791"/>
+          </a:p>
+          <a:p>
+            <a:pPr indent="0" lvl="0" marL="0" rtl="0" algn="l">
+              <a:lnSpc>
+                <a:spcPct val="95000"/>
+              </a:lnSpc>
+              <a:spcBef>
+                <a:spcPts val="1200"/>
+              </a:spcBef>
+              <a:spcAft>
+                <a:spcPts val="0"/>
+              </a:spcAft>
+              <a:buNone/>
+            </a:pPr>
+            <a:r>
+              <a:t/>
+            </a:r>
+            <a:endParaRPr sz="791"/>
+          </a:p>
+          <a:p>
+            <a:pPr indent="0" lvl="0" marL="0" rtl="0" algn="l">
+              <a:lnSpc>
+                <a:spcPct val="95000"/>
+              </a:lnSpc>
+              <a:spcBef>
+                <a:spcPts val="1200"/>
+              </a:spcBef>
+              <a:spcAft>
+                <a:spcPts val="0"/>
+              </a:spcAft>
+              <a:buNone/>
+            </a:pPr>
+            <a:r>
+              <a:rPr lang="ja" sz="791"/>
+              <a:t>### 1. 難易度分類:</a:t>
+            </a:r>
+            <a:endParaRPr sz="791"/>
+          </a:p>
+          <a:p>
+            <a:pPr indent="0" lvl="0" marL="0" rtl="0" algn="l">
+              <a:lnSpc>
+                <a:spcPct val="95000"/>
+              </a:lnSpc>
+              <a:spcBef>
+                <a:spcPts val="1200"/>
+              </a:spcBef>
+              <a:spcAft>
+                <a:spcPts val="0"/>
+              </a:spcAft>
+              <a:buNone/>
+            </a:pPr>
+            <a:r>
+              <a:t/>
+            </a:r>
+            <a:endParaRPr sz="791"/>
+          </a:p>
+          <a:p>
+            <a:pPr indent="0" lvl="0" marL="0" rtl="0" algn="l">
+              <a:lnSpc>
+                <a:spcPct val="95000"/>
+              </a:lnSpc>
+              <a:spcBef>
+                <a:spcPts val="1200"/>
+              </a:spcBef>
+              <a:spcAft>
+                <a:spcPts val="0"/>
+              </a:spcAft>
+              <a:buNone/>
+            </a:pPr>
+            <a:r>
+              <a:rPr lang="ja" sz="791"/>
+              <a:t>- **問題分類**: 解答が簡単か難しいかを、報酬モデルのスコアを基に自動的に分類する。簡単な問題には、単に解答を集約するだけで良いが、難しい問題には詳細な改良が必要となる。報酬モデル（Reward Model, RM）はステップごとのスコアと最終解答のスコアを提供し、これを基に問題を分類する。</a:t>
+            </a:r>
+            <a:endParaRPr sz="791"/>
+          </a:p>
+          <a:p>
+            <a:pPr indent="0" lvl="0" marL="0" rtl="0" algn="l">
+              <a:lnSpc>
+                <a:spcPct val="95000"/>
+              </a:lnSpc>
+              <a:spcBef>
+                <a:spcPts val="1200"/>
+              </a:spcBef>
+              <a:spcAft>
+                <a:spcPts val="0"/>
+              </a:spcAft>
+              <a:buNone/>
+            </a:pPr>
+            <a:r>
+              <a:t/>
+            </a:r>
+            <a:endParaRPr sz="791"/>
+          </a:p>
+          <a:p>
+            <a:pPr indent="0" lvl="0" marL="0" rtl="0" algn="l">
+              <a:lnSpc>
+                <a:spcPct val="95000"/>
+              </a:lnSpc>
+              <a:spcBef>
+                <a:spcPts val="1200"/>
+              </a:spcBef>
+              <a:spcAft>
+                <a:spcPts val="0"/>
+              </a:spcAft>
+              <a:buNone/>
+            </a:pPr>
+            <a:r>
+              <a:rPr lang="ja" sz="791"/>
+              <a:t>### 2. 多エージェントシステム:</a:t>
+            </a:r>
+            <a:endParaRPr sz="791"/>
+          </a:p>
+          <a:p>
+            <a:pPr indent="0" lvl="0" marL="0" rtl="0" algn="l">
+              <a:lnSpc>
+                <a:spcPct val="95000"/>
+              </a:lnSpc>
+              <a:spcBef>
+                <a:spcPts val="1200"/>
+              </a:spcBef>
+              <a:spcAft>
+                <a:spcPts val="0"/>
+              </a:spcAft>
+              <a:buNone/>
+            </a:pPr>
+            <a:r>
+              <a:t/>
+            </a:r>
+            <a:endParaRPr sz="791"/>
+          </a:p>
+          <a:p>
+            <a:pPr indent="0" lvl="0" marL="0" rtl="0" algn="l">
+              <a:lnSpc>
+                <a:spcPct val="95000"/>
+              </a:lnSpc>
+              <a:spcBef>
+                <a:spcPts val="1200"/>
+              </a:spcBef>
+              <a:spcAft>
+                <a:spcPts val="0"/>
+              </a:spcAft>
+              <a:buNone/>
+            </a:pPr>
+            <a:r>
+              <a:rPr lang="ja" sz="791"/>
+              <a:t>- **解答者（Solver）**: 最初に問題に対する解答を生成する。</a:t>
+            </a:r>
+            <a:endParaRPr sz="791"/>
+          </a:p>
+          <a:p>
+            <a:pPr indent="0" lvl="0" marL="0" rtl="0" algn="l">
+              <a:lnSpc>
+                <a:spcPct val="95000"/>
+              </a:lnSpc>
+              <a:spcBef>
+                <a:spcPts val="1200"/>
+              </a:spcBef>
+              <a:spcAft>
+                <a:spcPts val="0"/>
+              </a:spcAft>
+              <a:buNone/>
+            </a:pPr>
+            <a:r>
+              <a:rPr lang="ja" sz="791"/>
+              <a:t>- **レビュワー（Reviewer）**: ステップごとの報酬スコアを基にエラーのあるステップを特定し、その部分に対するフィードバックを生成する。</a:t>
+            </a:r>
+            <a:endParaRPr sz="791"/>
+          </a:p>
+          <a:p>
+            <a:pPr indent="0" lvl="0" marL="0" rtl="0" algn="l">
+              <a:lnSpc>
+                <a:spcPct val="95000"/>
+              </a:lnSpc>
+              <a:spcBef>
+                <a:spcPts val="1200"/>
+              </a:spcBef>
+              <a:spcAft>
+                <a:spcPts val="0"/>
+              </a:spcAft>
+              <a:buNone/>
+            </a:pPr>
+            <a:r>
+              <a:rPr lang="ja" sz="791"/>
+              <a:t>- **改良者（Refiner）**: レビュワーからのフィードバックを取り入れて解答を修正する。この過程は反復されることもあり、再度レビュワーが修正点を評価し、追加のフィードバックを与えることがある。</a:t>
+            </a:r>
+            <a:endParaRPr sz="791"/>
+          </a:p>
+          <a:p>
+            <a:pPr indent="0" lvl="0" marL="0" rtl="0" algn="l">
+              <a:lnSpc>
+                <a:spcPct val="95000"/>
+              </a:lnSpc>
+              <a:spcBef>
+                <a:spcPts val="1200"/>
+              </a:spcBef>
+              <a:spcAft>
+                <a:spcPts val="0"/>
+              </a:spcAft>
+              <a:buNone/>
+            </a:pPr>
+            <a:r>
+              <a:t/>
+            </a:r>
+            <a:endParaRPr sz="791"/>
+          </a:p>
+          <a:p>
+            <a:pPr indent="0" lvl="0" marL="0" rtl="0" algn="l">
+              <a:lnSpc>
+                <a:spcPct val="95000"/>
+              </a:lnSpc>
+              <a:spcBef>
+                <a:spcPts val="1200"/>
+              </a:spcBef>
+              <a:spcAft>
+                <a:spcPts val="0"/>
+              </a:spcAft>
+              <a:buNone/>
+            </a:pPr>
+            <a:r>
+              <a:rPr lang="ja" sz="791"/>
+              <a:t>### 3. 報酬モデルの使用:</a:t>
+            </a:r>
+            <a:endParaRPr sz="791"/>
+          </a:p>
+          <a:p>
+            <a:pPr indent="0" lvl="0" marL="0" rtl="0" algn="l">
+              <a:lnSpc>
+                <a:spcPct val="95000"/>
+              </a:lnSpc>
+              <a:spcBef>
+                <a:spcPts val="1200"/>
+              </a:spcBef>
+              <a:spcAft>
+                <a:spcPts val="0"/>
+              </a:spcAft>
+              <a:buNone/>
+            </a:pPr>
+            <a:r>
+              <a:t/>
+            </a:r>
+            <a:endParaRPr sz="791"/>
+          </a:p>
+          <a:p>
+            <a:pPr indent="0" lvl="0" marL="0" rtl="0" algn="l">
+              <a:lnSpc>
+                <a:spcPct val="95000"/>
+              </a:lnSpc>
+              <a:spcBef>
+                <a:spcPts val="1200"/>
+              </a:spcBef>
+              <a:spcAft>
+                <a:spcPts val="0"/>
+              </a:spcAft>
+              <a:buNone/>
+            </a:pPr>
+            <a:r>
+              <a:rPr lang="ja" sz="791"/>
+              <a:t>- **報酬モデルの役割**: 外部の報酬モデルを使用して、グローバルな正確性（全体の解答の正しさ）と局所的な正確性（各ステップの正しさ）を評価する。これにより、解答のどの部分がエラーを含んでいるかを明確に特定し、適切な修正を行うことが可能になる。</a:t>
+            </a:r>
+            <a:endParaRPr sz="791"/>
+          </a:p>
+          <a:p>
+            <a:pPr indent="0" lvl="0" marL="0" rtl="0" algn="l">
+              <a:lnSpc>
+                <a:spcPct val="95000"/>
+              </a:lnSpc>
+              <a:spcBef>
+                <a:spcPts val="1200"/>
+              </a:spcBef>
+              <a:spcAft>
+                <a:spcPts val="0"/>
+              </a:spcAft>
+              <a:buNone/>
+            </a:pPr>
+            <a:r>
+              <a:t/>
+            </a:r>
+            <a:endParaRPr sz="791"/>
+          </a:p>
+          <a:p>
+            <a:pPr indent="0" lvl="0" marL="0" rtl="0" algn="l">
+              <a:lnSpc>
+                <a:spcPct val="95000"/>
+              </a:lnSpc>
+              <a:spcBef>
+                <a:spcPts val="1200"/>
+              </a:spcBef>
+              <a:spcAft>
+                <a:spcPts val="0"/>
+              </a:spcAft>
+              <a:buNone/>
+            </a:pPr>
+            <a:r>
+              <a:rPr lang="ja" sz="791"/>
+              <a:t>### 4. 反復的プロセス:</a:t>
+            </a:r>
+            <a:endParaRPr sz="791"/>
+          </a:p>
+          <a:p>
+            <a:pPr indent="0" lvl="0" marL="0" rtl="0" algn="l">
+              <a:lnSpc>
+                <a:spcPct val="95000"/>
+              </a:lnSpc>
+              <a:spcBef>
+                <a:spcPts val="1200"/>
+              </a:spcBef>
+              <a:spcAft>
+                <a:spcPts val="0"/>
+              </a:spcAft>
+              <a:buNone/>
+            </a:pPr>
+            <a:r>
+              <a:t/>
+            </a:r>
+            <a:endParaRPr sz="791"/>
+          </a:p>
+          <a:p>
+            <a:pPr indent="0" lvl="0" marL="0" rtl="0" algn="l">
+              <a:lnSpc>
+                <a:spcPct val="95000"/>
+              </a:lnSpc>
+              <a:spcBef>
+                <a:spcPts val="1200"/>
+              </a:spcBef>
+              <a:spcAft>
+                <a:spcPts val="0"/>
+              </a:spcAft>
+              <a:buNone/>
+            </a:pPr>
+            <a:r>
+              <a:rPr lang="ja" sz="791"/>
+              <a:t>- **反復的改良の流れ**: 難しい問題に対しては、単一の改良では不十分である可能性があるため、解答者、レビュワー、改良者の3者間で複数回の改良を行う。この際、各ステップごとの正確性スコアを使用してエラーを特定し、徐々に解答の質を向上させる。</a:t>
+            </a:r>
+            <a:endParaRPr sz="791"/>
+          </a:p>
+          <a:p>
+            <a:pPr indent="0" lvl="0" marL="0" rtl="0" algn="l">
+              <a:lnSpc>
+                <a:spcPct val="95000"/>
+              </a:lnSpc>
+              <a:spcBef>
+                <a:spcPts val="1200"/>
+              </a:spcBef>
+              <a:spcAft>
+                <a:spcPts val="0"/>
+              </a:spcAft>
+              <a:buNone/>
+            </a:pPr>
+            <a:r>
+              <a:t/>
+            </a:r>
+            <a:endParaRPr sz="791"/>
+          </a:p>
+          <a:p>
+            <a:pPr indent="0" lvl="0" marL="0" rtl="0" algn="l">
+              <a:lnSpc>
+                <a:spcPct val="95000"/>
+              </a:lnSpc>
+              <a:spcBef>
+                <a:spcPts val="1200"/>
+              </a:spcBef>
+              <a:spcAft>
+                <a:spcPts val="0"/>
+              </a:spcAft>
+              <a:buNone/>
+            </a:pPr>
+            <a:r>
+              <a:rPr lang="ja" sz="791"/>
+              <a:t>### 数式:</a:t>
+            </a:r>
+            <a:endParaRPr sz="791"/>
+          </a:p>
+          <a:p>
+            <a:pPr indent="0" lvl="0" marL="0" rtl="0" algn="l">
+              <a:lnSpc>
+                <a:spcPct val="95000"/>
+              </a:lnSpc>
+              <a:spcBef>
+                <a:spcPts val="1200"/>
+              </a:spcBef>
+              <a:spcAft>
+                <a:spcPts val="0"/>
+              </a:spcAft>
+              <a:buNone/>
+            </a:pPr>
+            <a:r>
+              <a:t/>
+            </a:r>
+            <a:endParaRPr sz="791"/>
+          </a:p>
+          <a:p>
+            <a:pPr indent="0" lvl="0" marL="0" rtl="0" algn="l">
+              <a:lnSpc>
+                <a:spcPct val="95000"/>
+              </a:lnSpc>
+              <a:spcBef>
+                <a:spcPts val="1200"/>
+              </a:spcBef>
+              <a:spcAft>
+                <a:spcPts val="0"/>
+              </a:spcAft>
+              <a:buNone/>
+            </a:pPr>
+            <a:r>
+              <a:rPr lang="ja" sz="791"/>
+              <a:t>- **問題分類基準**:C=Sigmoid(Threshold−H(A)​)ここで、H(A) は解答のエントロピーを表し、Sigmoid関数は分類の信頼度を表す。</a:t>
+            </a:r>
+            <a:endParaRPr sz="791"/>
+          </a:p>
+          <a:p>
+            <a:pPr indent="0" lvl="0" marL="0" rtl="0" algn="l">
+              <a:lnSpc>
+                <a:spcPct val="95000"/>
+              </a:lnSpc>
+              <a:spcBef>
+                <a:spcPts val="1200"/>
+              </a:spcBef>
+              <a:spcAft>
+                <a:spcPts val="0"/>
+              </a:spcAft>
+              <a:buNone/>
+            </a:pPr>
+            <a:r>
+              <a:rPr lang="ja" sz="791"/>
+              <a:t>    </a:t>
+            </a:r>
+            <a:endParaRPr sz="791"/>
+          </a:p>
+          <a:p>
+            <a:pPr indent="0" lvl="0" marL="0" rtl="0" algn="l">
+              <a:lnSpc>
+                <a:spcPct val="95000"/>
+              </a:lnSpc>
+              <a:spcBef>
+                <a:spcPts val="1200"/>
+              </a:spcBef>
+              <a:spcAft>
+                <a:spcPts val="0"/>
+              </a:spcAft>
+              <a:buNone/>
+            </a:pPr>
+            <a:r>
+              <a:rPr lang="ja" sz="791"/>
+              <a:t>    C=Sigmoid(−H(A)Threshold)C = \text{Sigmoid}\left(\frac{-H(A)}{\text{Threshold}}\right)</a:t>
+            </a:r>
+            <a:endParaRPr sz="791"/>
+          </a:p>
+          <a:p>
+            <a:pPr indent="0" lvl="0" marL="0" rtl="0" algn="l">
+              <a:lnSpc>
+                <a:spcPct val="95000"/>
+              </a:lnSpc>
+              <a:spcBef>
+                <a:spcPts val="1200"/>
+              </a:spcBef>
+              <a:spcAft>
+                <a:spcPts val="0"/>
+              </a:spcAft>
+              <a:buNone/>
+            </a:pPr>
+            <a:r>
+              <a:rPr lang="ja" sz="791"/>
+              <a:t>    </a:t>
+            </a:r>
+            <a:endParaRPr sz="791"/>
+          </a:p>
+          <a:p>
+            <a:pPr indent="0" lvl="0" marL="0" rtl="0" algn="l">
+              <a:lnSpc>
+                <a:spcPct val="95000"/>
+              </a:lnSpc>
+              <a:spcBef>
+                <a:spcPts val="1200"/>
+              </a:spcBef>
+              <a:spcAft>
+                <a:spcPts val="0"/>
+              </a:spcAft>
+              <a:buNone/>
+            </a:pPr>
+            <a:r>
+              <a:rPr lang="ja" sz="791"/>
+              <a:t>    H(A)H(A)</a:t>
+            </a:r>
+            <a:endParaRPr sz="791"/>
+          </a:p>
+          <a:p>
+            <a:pPr indent="0" lvl="0" marL="0" rtl="0" algn="l">
+              <a:lnSpc>
+                <a:spcPct val="95000"/>
+              </a:lnSpc>
+              <a:spcBef>
+                <a:spcPts val="1200"/>
+              </a:spcBef>
+              <a:spcAft>
+                <a:spcPts val="0"/>
+              </a:spcAft>
+              <a:buNone/>
+            </a:pPr>
+            <a:r>
+              <a:rPr lang="ja" sz="791"/>
+              <a:t>    </a:t>
+            </a:r>
+            <a:endParaRPr sz="791"/>
+          </a:p>
+          <a:p>
+            <a:pPr indent="0" lvl="0" marL="0" rtl="0" algn="l">
+              <a:lnSpc>
+                <a:spcPct val="95000"/>
+              </a:lnSpc>
+              <a:spcBef>
+                <a:spcPts val="1200"/>
+              </a:spcBef>
+              <a:spcAft>
+                <a:spcPts val="0"/>
+              </a:spcAft>
+              <a:buNone/>
+            </a:pPr>
+            <a:r>
+              <a:rPr lang="ja" sz="791"/>
+              <a:t>    - 高信頼度でない場合に、問題を「難しい」と判断し、詳細な改良を適用する。</a:t>
+            </a:r>
+            <a:endParaRPr sz="791"/>
+          </a:p>
+          <a:p>
+            <a:pPr indent="0" lvl="0" marL="0" rtl="0" algn="l">
+              <a:lnSpc>
+                <a:spcPct val="95000"/>
+              </a:lnSpc>
+              <a:spcBef>
+                <a:spcPts val="1200"/>
+              </a:spcBef>
+              <a:spcAft>
+                <a:spcPts val="0"/>
+              </a:spcAft>
+              <a:buNone/>
+            </a:pPr>
+            <a:r>
+              <a:t/>
+            </a:r>
+            <a:endParaRPr sz="791"/>
+          </a:p>
+          <a:p>
+            <a:pPr indent="0" lvl="0" marL="0" rtl="0" algn="l">
+              <a:lnSpc>
+                <a:spcPct val="95000"/>
+              </a:lnSpc>
+              <a:spcBef>
+                <a:spcPts val="1200"/>
+              </a:spcBef>
+              <a:spcAft>
+                <a:spcPts val="0"/>
+              </a:spcAft>
+              <a:buNone/>
+            </a:pPr>
+            <a:r>
+              <a:rPr lang="ja" sz="791"/>
+              <a:t>---</a:t>
+            </a:r>
+            <a:endParaRPr sz="791"/>
+          </a:p>
+          <a:p>
+            <a:pPr indent="0" lvl="0" marL="0" rtl="0" algn="l">
+              <a:lnSpc>
+                <a:spcPct val="95000"/>
+              </a:lnSpc>
+              <a:spcBef>
+                <a:spcPts val="1200"/>
+              </a:spcBef>
+              <a:spcAft>
+                <a:spcPts val="0"/>
+              </a:spcAft>
+              <a:buNone/>
+            </a:pPr>
+            <a:r>
+              <a:t/>
+            </a:r>
+            <a:endParaRPr sz="791"/>
+          </a:p>
+          <a:p>
+            <a:pPr indent="0" lvl="0" marL="0" rtl="0" algn="l">
+              <a:lnSpc>
+                <a:spcPct val="95000"/>
+              </a:lnSpc>
+              <a:spcBef>
+                <a:spcPts val="1200"/>
+              </a:spcBef>
+              <a:spcAft>
+                <a:spcPts val="0"/>
+              </a:spcAft>
+              <a:buNone/>
+            </a:pPr>
+            <a:r>
+              <a:rPr lang="ja" sz="791"/>
+              <a:t>### 使用用途:</a:t>
+            </a:r>
+            <a:endParaRPr sz="791"/>
+          </a:p>
+          <a:p>
+            <a:pPr indent="0" lvl="0" marL="0" rtl="0" algn="l">
+              <a:lnSpc>
+                <a:spcPct val="95000"/>
+              </a:lnSpc>
+              <a:spcBef>
+                <a:spcPts val="1200"/>
+              </a:spcBef>
+              <a:spcAft>
+                <a:spcPts val="0"/>
+              </a:spcAft>
+              <a:buNone/>
+            </a:pPr>
+            <a:r>
+              <a:t/>
+            </a:r>
+            <a:endParaRPr sz="791"/>
+          </a:p>
+          <a:p>
+            <a:pPr indent="0" lvl="0" marL="0" rtl="0" algn="l">
+              <a:lnSpc>
+                <a:spcPct val="95000"/>
+              </a:lnSpc>
+              <a:spcBef>
+                <a:spcPts val="1200"/>
+              </a:spcBef>
+              <a:spcAft>
+                <a:spcPts val="0"/>
+              </a:spcAft>
+              <a:buNone/>
+            </a:pPr>
+            <a:r>
+              <a:rPr lang="ja" sz="791"/>
+              <a:t>1. **数学的推論**: 多ステップの数学的問題に対して、LLMの推論性能を向上させる手法として使用可能。</a:t>
+            </a:r>
+            <a:endParaRPr sz="791"/>
+          </a:p>
+          <a:p>
+            <a:pPr indent="0" lvl="0" marL="0" rtl="0" algn="l">
+              <a:lnSpc>
+                <a:spcPct val="95000"/>
+              </a:lnSpc>
+              <a:spcBef>
+                <a:spcPts val="1200"/>
+              </a:spcBef>
+              <a:spcAft>
+                <a:spcPts val="0"/>
+              </a:spcAft>
+              <a:buNone/>
+            </a:pPr>
+            <a:r>
+              <a:rPr lang="ja" sz="791"/>
+              <a:t>2. **複雑な推論が必要な問題全般**: 複雑な推論タスク（例えば、論理的推論やプログラム生成）において、エラーを局所化し、改良を行うために有効。</a:t>
+            </a:r>
+            <a:endParaRPr sz="791"/>
+          </a:p>
+          <a:p>
+            <a:pPr indent="0" lvl="0" marL="0" rtl="0" algn="l">
+              <a:lnSpc>
+                <a:spcPct val="95000"/>
+              </a:lnSpc>
+              <a:spcBef>
+                <a:spcPts val="1200"/>
+              </a:spcBef>
+              <a:spcAft>
+                <a:spcPts val="1200"/>
+              </a:spcAft>
+              <a:buNone/>
+            </a:pPr>
+            <a:r>
+              <a:t/>
+            </a:r>
+            <a:endParaRPr sz="791"/>
+          </a:p>
+        </p:txBody>
+      </p:sp>
+    </p:spTree>
+  </p:cSld>
+  <p:clrMapOvr>
+    <a:masterClrMapping/>
+  </p:clrMapOvr>
+</p:sld>
+</file>
+
+<file path=ppt/slides/slide28.xml><?xml version="1.0" encoding="utf-8"?>
+<p:sld xmlns:a="http://schemas.openxmlformats.org/drawingml/2006/main" xmlns:r="http://schemas.openxmlformats.org/officeDocument/2006/relationships" xmlns:mc="http://schemas.openxmlformats.org/markup-compatibility/2006" xmlns:mv="urn:schemas-microsoft-com:mac:vml" xmlns:p="http://schemas.openxmlformats.org/presentationml/2006/main" xmlns:c="http://schemas.openxmlformats.org/drawingml/2006/chart" xmlns:dgm="http://schemas.openxmlformats.org/drawingml/2006/diagram" xmlns:o="urn:schemas-microsoft-com:office:office" xmlns:v="urn:schemas-microsoft-com:vml" xmlns:pvml="urn:schemas-microsoft-com:office:powerpoint" xmlns:com="http://schemas.openxmlformats.org/drawingml/2006/compatibility" xmlns:p14="http://schemas.microsoft.com/office/powerpoint/2010/main" xmlns:p15="http://schemas.microsoft.com/office/powerpoint/2012/main" xmlns:ahyp="http://schemas.microsoft.com/office/drawing/2018/hyperlinkcolor">
+  <p:cSld>
+    <p:spTree>
+      <p:nvGrpSpPr>
+        <p:cNvPr id="194" name="Shape 194"/>
+        <p:cNvGrpSpPr/>
+        <p:nvPr/>
+      </p:nvGrpSpPr>
+      <p:grpSpPr>
+        <a:xfrm>
+          <a:off x="0" y="0"/>
+          <a:ext cx="0" cy="0"/>
+          <a:chOff x="0" y="0"/>
+          <a:chExt cx="0" cy="0"/>
+        </a:xfrm>
+      </p:grpSpPr>
+      <p:sp>
+        <p:nvSpPr>
+          <p:cNvPr id="195" name="Google Shape;195;p40"/>
+          <p:cNvSpPr txBox="1"/>
+          <p:nvPr>
+            <p:ph idx="1" type="body"/>
+          </p:nvPr>
+        </p:nvSpPr>
+        <p:spPr>
+          <a:xfrm>
+            <a:off x="0" y="0"/>
+            <a:ext cx="9144000" cy="5049600"/>
+          </a:xfrm>
+          <a:prstGeom prst="rect">
+            <a:avLst/>
+          </a:prstGeom>
+        </p:spPr>
+        <p:txBody>
+          <a:bodyPr anchorCtr="0" anchor="t" bIns="91425" lIns="91425" spcFirstLastPara="1" rIns="91425" wrap="square" tIns="91425">
+            <a:noAutofit/>
+          </a:bodyPr>
+          <a:lstStyle/>
+          <a:p>
+            <a:pPr indent="0" lvl="0" marL="0" rtl="0" algn="l">
+              <a:lnSpc>
+                <a:spcPct val="95000"/>
+              </a:lnSpc>
+              <a:spcBef>
+                <a:spcPts val="1200"/>
+              </a:spcBef>
+              <a:spcAft>
+                <a:spcPts val="0"/>
+              </a:spcAft>
+              <a:buNone/>
+            </a:pPr>
+            <a:r>
+              <a:rPr lang="ja" sz="791"/>
+              <a:t># Retrieval Augmented Generation (RAG) and Beyond: A Comprehensive Survey on How to Make your LLMs use External Data More Wisely Retrieval Augmented Generation（RAG）とその先：LLMに外部データをより賢く活用させるための包括的な調査</a:t>
+            </a:r>
+            <a:endParaRPr sz="791"/>
+          </a:p>
+          <a:p>
+            <a:pPr indent="0" lvl="0" marL="0" rtl="0" algn="l">
+              <a:lnSpc>
+                <a:spcPct val="95000"/>
+              </a:lnSpc>
+              <a:spcBef>
+                <a:spcPts val="1200"/>
+              </a:spcBef>
+              <a:spcAft>
+                <a:spcPts val="0"/>
+              </a:spcAft>
+              <a:buNone/>
+            </a:pPr>
+            <a:r>
+              <a:t/>
+            </a:r>
+            <a:endParaRPr sz="791"/>
+          </a:p>
+          <a:p>
+            <a:pPr indent="0" lvl="0" marL="0" rtl="0" algn="l">
+              <a:lnSpc>
+                <a:spcPct val="95000"/>
+              </a:lnSpc>
+              <a:spcBef>
+                <a:spcPts val="1200"/>
+              </a:spcBef>
+              <a:spcAft>
+                <a:spcPts val="0"/>
+              </a:spcAft>
+              <a:buNone/>
+            </a:pPr>
+            <a:r>
+              <a:rPr lang="ja" sz="791"/>
+              <a:t>概要: RAGを使用する際の難易度をユーザークエリから4つに分類、それぞれの課題と最適手法を整理</a:t>
+            </a:r>
+            <a:endParaRPr sz="791"/>
+          </a:p>
+          <a:p>
+            <a:pPr indent="0" lvl="0" marL="0" rtl="0" algn="l">
+              <a:lnSpc>
+                <a:spcPct val="95000"/>
+              </a:lnSpc>
+              <a:spcBef>
+                <a:spcPts val="1200"/>
+              </a:spcBef>
+              <a:spcAft>
+                <a:spcPts val="0"/>
+              </a:spcAft>
+              <a:buNone/>
+            </a:pPr>
+            <a:r>
+              <a:rPr lang="ja" sz="791"/>
+              <a:t>レベル1：データ内に直接答えが存在するシンプルな質問、レベル2：複数の情報を組み合わせて答えを導く必要がある質問、レベル3：専門的な手順やガイドラインを理解して答える必要がある質問、レベル4：データ内に明示されていない専門知識や経験に基づく推論が必要な質問</a:t>
+            </a:r>
+            <a:endParaRPr sz="791"/>
+          </a:p>
+          <a:p>
+            <a:pPr indent="0" lvl="0" marL="0" rtl="0" algn="l">
+              <a:lnSpc>
+                <a:spcPct val="95000"/>
+              </a:lnSpc>
+              <a:spcBef>
+                <a:spcPts val="1200"/>
+              </a:spcBef>
+              <a:spcAft>
+                <a:spcPts val="0"/>
+              </a:spcAft>
+              <a:buNone/>
+            </a:pPr>
+            <a:r>
+              <a:t/>
+            </a:r>
+            <a:endParaRPr sz="791"/>
+          </a:p>
+          <a:p>
+            <a:pPr indent="0" lvl="0" marL="0" rtl="0" algn="l">
+              <a:lnSpc>
+                <a:spcPct val="95000"/>
+              </a:lnSpc>
+              <a:spcBef>
+                <a:spcPts val="1200"/>
+              </a:spcBef>
+              <a:spcAft>
+                <a:spcPts val="0"/>
+              </a:spcAft>
+              <a:buNone/>
+            </a:pPr>
+            <a:r>
+              <a:rPr lang="ja" sz="791"/>
+              <a:t>**先行研究と比べてどこがすごいのか:**</a:t>
+            </a:r>
+            <a:endParaRPr sz="791"/>
+          </a:p>
+          <a:p>
+            <a:pPr indent="0" lvl="0" marL="0" rtl="0" algn="l">
+              <a:lnSpc>
+                <a:spcPct val="95000"/>
+              </a:lnSpc>
+              <a:spcBef>
+                <a:spcPts val="1200"/>
+              </a:spcBef>
+              <a:spcAft>
+                <a:spcPts val="0"/>
+              </a:spcAft>
+              <a:buNone/>
+            </a:pPr>
+            <a:r>
+              <a:t/>
+            </a:r>
+            <a:endParaRPr sz="791"/>
+          </a:p>
+          <a:p>
+            <a:pPr indent="0" lvl="0" marL="0" rtl="0" algn="l">
+              <a:lnSpc>
+                <a:spcPct val="95000"/>
+              </a:lnSpc>
+              <a:spcBef>
+                <a:spcPts val="1200"/>
+              </a:spcBef>
+              <a:spcAft>
+                <a:spcPts val="0"/>
+              </a:spcAft>
+              <a:buNone/>
+            </a:pPr>
+            <a:r>
+              <a:rPr lang="ja" sz="791"/>
+              <a:t>この論文の卓越性は、LLMと外部データの統合に関する課題を包括的に分類し、それぞれのレベルに適した解決策を提示している点にあります。従来の研究は特定の技術やタスクに焦点を当てることが多かったのに対し、本論文はユーザークエリを4つのレベルに分類し、それぞれのレベルでの課題と最適な手法を体系的に整理しています。これにより、開発者がLLMを専門分野で効果的に活用するための実用的なガイドラインを提供しています。</a:t>
+            </a:r>
+            <a:endParaRPr sz="791"/>
+          </a:p>
+          <a:p>
+            <a:pPr indent="0" lvl="0" marL="0" rtl="0" algn="l">
+              <a:lnSpc>
+                <a:spcPct val="95000"/>
+              </a:lnSpc>
+              <a:spcBef>
+                <a:spcPts val="1200"/>
+              </a:spcBef>
+              <a:spcAft>
+                <a:spcPts val="0"/>
+              </a:spcAft>
+              <a:buNone/>
+            </a:pPr>
+            <a:r>
+              <a:t/>
+            </a:r>
+            <a:endParaRPr sz="791"/>
+          </a:p>
+          <a:p>
+            <a:pPr indent="0" lvl="0" marL="0" rtl="0" algn="l">
+              <a:lnSpc>
+                <a:spcPct val="95000"/>
+              </a:lnSpc>
+              <a:spcBef>
+                <a:spcPts val="1200"/>
+              </a:spcBef>
+              <a:spcAft>
+                <a:spcPts val="0"/>
+              </a:spcAft>
+              <a:buNone/>
+            </a:pPr>
+            <a:r>
+              <a:rPr lang="ja" sz="791"/>
+              <a:t>**技術や手法:**</a:t>
+            </a:r>
+            <a:endParaRPr sz="791"/>
+          </a:p>
+          <a:p>
+            <a:pPr indent="0" lvl="0" marL="0" rtl="0" algn="l">
+              <a:lnSpc>
+                <a:spcPct val="95000"/>
+              </a:lnSpc>
+              <a:spcBef>
+                <a:spcPts val="1200"/>
+              </a:spcBef>
+              <a:spcAft>
+                <a:spcPts val="0"/>
+              </a:spcAft>
+              <a:buNone/>
+            </a:pPr>
+            <a:r>
+              <a:t/>
+            </a:r>
+            <a:endParaRPr sz="791"/>
+          </a:p>
+          <a:p>
+            <a:pPr indent="0" lvl="0" marL="0" rtl="0" algn="l">
+              <a:lnSpc>
+                <a:spcPct val="95000"/>
+              </a:lnSpc>
+              <a:spcBef>
+                <a:spcPts val="1200"/>
+              </a:spcBef>
+              <a:spcAft>
+                <a:spcPts val="0"/>
+              </a:spcAft>
+              <a:buNone/>
+            </a:pPr>
+            <a:r>
+              <a:rPr lang="ja" sz="791"/>
+              <a:t>**レベル1：明示的事実クエリ**</a:t>
+            </a:r>
+            <a:endParaRPr sz="791"/>
+          </a:p>
+          <a:p>
+            <a:pPr indent="0" lvl="0" marL="0" rtl="0" algn="l">
+              <a:lnSpc>
+                <a:spcPct val="95000"/>
+              </a:lnSpc>
+              <a:spcBef>
+                <a:spcPts val="1200"/>
+              </a:spcBef>
+              <a:spcAft>
+                <a:spcPts val="0"/>
+              </a:spcAft>
+              <a:buNone/>
+            </a:pPr>
+            <a:r>
+              <a:t/>
+            </a:r>
+            <a:endParaRPr sz="791"/>
+          </a:p>
+          <a:p>
+            <a:pPr indent="0" lvl="0" marL="0" rtl="0" algn="l">
+              <a:lnSpc>
+                <a:spcPct val="95000"/>
+              </a:lnSpc>
+              <a:spcBef>
+                <a:spcPts val="1200"/>
+              </a:spcBef>
+              <a:spcAft>
+                <a:spcPts val="0"/>
+              </a:spcAft>
+              <a:buNone/>
+            </a:pPr>
+            <a:r>
+              <a:rPr lang="ja" sz="791"/>
+              <a:t>*概要：*</a:t>
+            </a:r>
+            <a:endParaRPr sz="791"/>
+          </a:p>
+          <a:p>
+            <a:pPr indent="0" lvl="0" marL="0" rtl="0" algn="l">
+              <a:lnSpc>
+                <a:spcPct val="95000"/>
+              </a:lnSpc>
+              <a:spcBef>
+                <a:spcPts val="1200"/>
+              </a:spcBef>
+              <a:spcAft>
+                <a:spcPts val="0"/>
+              </a:spcAft>
+              <a:buNone/>
+            </a:pPr>
+            <a:r>
+              <a:t/>
+            </a:r>
+            <a:endParaRPr sz="791"/>
+          </a:p>
+          <a:p>
+            <a:pPr indent="0" lvl="0" marL="0" rtl="0" algn="l">
+              <a:lnSpc>
+                <a:spcPct val="95000"/>
+              </a:lnSpc>
+              <a:spcBef>
+                <a:spcPts val="1200"/>
+              </a:spcBef>
+              <a:spcAft>
+                <a:spcPts val="0"/>
+              </a:spcAft>
+              <a:buNone/>
+            </a:pPr>
+            <a:r>
+              <a:rPr lang="ja" sz="791"/>
+              <a:t>レベル1のクエリは、外部データ内に直接答えが存在するシンプルな質問です。例えば、「2024年のオリンピック開催地はどこですか？」のようなものです。</a:t>
+            </a:r>
+            <a:endParaRPr sz="791"/>
+          </a:p>
+          <a:p>
+            <a:pPr indent="0" lvl="0" marL="0" rtl="0" algn="l">
+              <a:lnSpc>
+                <a:spcPct val="95000"/>
+              </a:lnSpc>
+              <a:spcBef>
+                <a:spcPts val="1200"/>
+              </a:spcBef>
+              <a:spcAft>
+                <a:spcPts val="0"/>
+              </a:spcAft>
+              <a:buNone/>
+            </a:pPr>
+            <a:r>
+              <a:t/>
+            </a:r>
+            <a:endParaRPr sz="791"/>
+          </a:p>
+          <a:p>
+            <a:pPr indent="0" lvl="0" marL="0" rtl="0" algn="l">
+              <a:lnSpc>
+                <a:spcPct val="95000"/>
+              </a:lnSpc>
+              <a:spcBef>
+                <a:spcPts val="1200"/>
+              </a:spcBef>
+              <a:spcAft>
+                <a:spcPts val="0"/>
+              </a:spcAft>
+              <a:buNone/>
+            </a:pPr>
+            <a:r>
+              <a:rPr lang="ja" sz="791"/>
+              <a:t>*最適手法：*</a:t>
+            </a:r>
+            <a:endParaRPr sz="791"/>
+          </a:p>
+          <a:p>
+            <a:pPr indent="0" lvl="0" marL="0" rtl="0" algn="l">
+              <a:lnSpc>
+                <a:spcPct val="95000"/>
+              </a:lnSpc>
+              <a:spcBef>
+                <a:spcPts val="1200"/>
+              </a:spcBef>
+              <a:spcAft>
+                <a:spcPts val="0"/>
+              </a:spcAft>
+              <a:buNone/>
+            </a:pPr>
+            <a:r>
+              <a:t/>
+            </a:r>
+            <a:endParaRPr sz="791"/>
+          </a:p>
+          <a:p>
+            <a:pPr indent="0" lvl="0" marL="0" rtl="0" algn="l">
+              <a:lnSpc>
+                <a:spcPct val="95000"/>
+              </a:lnSpc>
+              <a:spcBef>
+                <a:spcPts val="1200"/>
+              </a:spcBef>
+              <a:spcAft>
+                <a:spcPts val="0"/>
+              </a:spcAft>
+              <a:buNone/>
+            </a:pPr>
+            <a:r>
+              <a:rPr lang="ja" sz="791"/>
+              <a:t>1. **Retrieval-Augmented Generation（RAG）の使用**</a:t>
+            </a:r>
+            <a:endParaRPr sz="791"/>
+          </a:p>
+          <a:p>
+            <a:pPr indent="0" lvl="0" marL="0" rtl="0" algn="l">
+              <a:lnSpc>
+                <a:spcPct val="95000"/>
+              </a:lnSpc>
+              <a:spcBef>
+                <a:spcPts val="1200"/>
+              </a:spcBef>
+              <a:spcAft>
+                <a:spcPts val="0"/>
+              </a:spcAft>
+              <a:buNone/>
+            </a:pPr>
+            <a:r>
+              <a:rPr lang="ja" sz="791"/>
+              <a:t>    - **データ処理の強化：**</a:t>
+            </a:r>
+            <a:endParaRPr sz="791"/>
+          </a:p>
+          <a:p>
+            <a:pPr indent="0" lvl="0" marL="0" rtl="0" algn="l">
+              <a:lnSpc>
+                <a:spcPct val="95000"/>
+              </a:lnSpc>
+              <a:spcBef>
+                <a:spcPts val="1200"/>
+              </a:spcBef>
+              <a:spcAft>
+                <a:spcPts val="0"/>
+              </a:spcAft>
+              <a:buNone/>
+            </a:pPr>
+            <a:r>
+              <a:rPr lang="ja" sz="791"/>
+              <a:t>        - **マルチモーダルドキュメントの解析：**</a:t>
+            </a:r>
+            <a:endParaRPr sz="791"/>
+          </a:p>
+          <a:p>
+            <a:pPr indent="0" lvl="0" marL="0" rtl="0" algn="l">
+              <a:lnSpc>
+                <a:spcPct val="95000"/>
+              </a:lnSpc>
+              <a:spcBef>
+                <a:spcPts val="1200"/>
+              </a:spcBef>
+              <a:spcAft>
+                <a:spcPts val="0"/>
+              </a:spcAft>
+              <a:buNone/>
+            </a:pPr>
+            <a:r>
+              <a:rPr lang="ja" sz="791"/>
+              <a:t>            </a:t>
+            </a:r>
+            <a:endParaRPr sz="791"/>
+          </a:p>
+          <a:p>
+            <a:pPr indent="0" lvl="0" marL="0" rtl="0" algn="l">
+              <a:lnSpc>
+                <a:spcPct val="95000"/>
+              </a:lnSpc>
+              <a:spcBef>
+                <a:spcPts val="1200"/>
+              </a:spcBef>
+              <a:spcAft>
+                <a:spcPts val="0"/>
+              </a:spcAft>
+              <a:buNone/>
+            </a:pPr>
+            <a:r>
+              <a:rPr lang="ja" sz="791"/>
+              <a:t>            外部データにはテキストだけでなく、表、画像、動画などの多様な形式が含まれることがあります。これらをテキスト形式に変換することで、LLMが処理できるようにします。例えば、表をテキストに変換するTable-to-Text手法や、画像をキャプション化する技術を用います。</a:t>
+            </a:r>
+            <a:endParaRPr sz="791"/>
+          </a:p>
+          <a:p>
+            <a:pPr indent="0" lvl="0" marL="0" rtl="0" algn="l">
+              <a:lnSpc>
+                <a:spcPct val="95000"/>
+              </a:lnSpc>
+              <a:spcBef>
+                <a:spcPts val="1200"/>
+              </a:spcBef>
+              <a:spcAft>
+                <a:spcPts val="0"/>
+              </a:spcAft>
+              <a:buNone/>
+            </a:pPr>
+            <a:r>
+              <a:rPr lang="ja" sz="791"/>
+              <a:t>            </a:t>
+            </a:r>
+            <a:endParaRPr sz="791"/>
+          </a:p>
+          <a:p>
+            <a:pPr indent="0" lvl="0" marL="0" rtl="0" algn="l">
+              <a:lnSpc>
+                <a:spcPct val="95000"/>
+              </a:lnSpc>
+              <a:spcBef>
+                <a:spcPts val="1200"/>
+              </a:spcBef>
+              <a:spcAft>
+                <a:spcPts val="0"/>
+              </a:spcAft>
+              <a:buNone/>
+            </a:pPr>
+            <a:r>
+              <a:rPr lang="ja" sz="791"/>
+              <a:t>        - **チャンク化の最適化：**</a:t>
+            </a:r>
+            <a:endParaRPr sz="791"/>
+          </a:p>
+          <a:p>
+            <a:pPr indent="0" lvl="0" marL="0" rtl="0" algn="l">
+              <a:lnSpc>
+                <a:spcPct val="95000"/>
+              </a:lnSpc>
+              <a:spcBef>
+                <a:spcPts val="1200"/>
+              </a:spcBef>
+              <a:spcAft>
+                <a:spcPts val="0"/>
+              </a:spcAft>
+              <a:buNone/>
+            </a:pPr>
+            <a:r>
+              <a:rPr lang="ja" sz="791"/>
+              <a:t>            </a:t>
+            </a:r>
+            <a:endParaRPr sz="791"/>
+          </a:p>
+          <a:p>
+            <a:pPr indent="0" lvl="0" marL="0" rtl="0" algn="l">
+              <a:lnSpc>
+                <a:spcPct val="95000"/>
+              </a:lnSpc>
+              <a:spcBef>
+                <a:spcPts val="1200"/>
+              </a:spcBef>
+              <a:spcAft>
+                <a:spcPts val="0"/>
+              </a:spcAft>
+              <a:buNone/>
+            </a:pPr>
+            <a:r>
+              <a:rPr lang="ja" sz="791"/>
+              <a:t>            長いテキストを適切なサイズに分割（チャンク化）し、文脈を維持しながら情報を整理します。固定長のチャンク化、セマンティックチャンク化、スライディングウィンドウなどの手法を用いて、情報の欠落や冗長を防ぎます。</a:t>
+            </a:r>
+            <a:endParaRPr sz="791"/>
+          </a:p>
+          <a:p>
+            <a:pPr indent="0" lvl="0" marL="0" rtl="0" algn="l">
+              <a:lnSpc>
+                <a:spcPct val="95000"/>
+              </a:lnSpc>
+              <a:spcBef>
+                <a:spcPts val="1200"/>
+              </a:spcBef>
+              <a:spcAft>
+                <a:spcPts val="0"/>
+              </a:spcAft>
+              <a:buNone/>
+            </a:pPr>
+            <a:r>
+              <a:rPr lang="ja" sz="791"/>
+              <a:t>            </a:t>
+            </a:r>
+            <a:endParaRPr sz="791"/>
+          </a:p>
+          <a:p>
+            <a:pPr indent="0" lvl="0" marL="0" rtl="0" algn="l">
+              <a:lnSpc>
+                <a:spcPct val="95000"/>
+              </a:lnSpc>
+              <a:spcBef>
+                <a:spcPts val="1200"/>
+              </a:spcBef>
+              <a:spcAft>
+                <a:spcPts val="0"/>
+              </a:spcAft>
+              <a:buNone/>
+            </a:pPr>
+            <a:r>
+              <a:rPr lang="ja" sz="791"/>
+              <a:t>    - **データ検索の強化：**</a:t>
+            </a:r>
+            <a:endParaRPr sz="791"/>
+          </a:p>
+          <a:p>
+            <a:pPr indent="0" lvl="0" marL="0" rtl="0" algn="l">
+              <a:lnSpc>
+                <a:spcPct val="95000"/>
+              </a:lnSpc>
+              <a:spcBef>
+                <a:spcPts val="1200"/>
+              </a:spcBef>
+              <a:spcAft>
+                <a:spcPts val="0"/>
+              </a:spcAft>
+              <a:buNone/>
+            </a:pPr>
+            <a:r>
+              <a:rPr lang="ja" sz="791"/>
+              <a:t>        - **インデックス作成：**</a:t>
+            </a:r>
+            <a:endParaRPr sz="791"/>
+          </a:p>
+          <a:p>
+            <a:pPr indent="0" lvl="0" marL="0" rtl="0" algn="l">
+              <a:lnSpc>
+                <a:spcPct val="95000"/>
+              </a:lnSpc>
+              <a:spcBef>
+                <a:spcPts val="1200"/>
+              </a:spcBef>
+              <a:spcAft>
+                <a:spcPts val="0"/>
+              </a:spcAft>
+              <a:buNone/>
+            </a:pPr>
+            <a:r>
+              <a:rPr lang="ja" sz="791"/>
+              <a:t>            </a:t>
+            </a:r>
+            <a:endParaRPr sz="791"/>
+          </a:p>
+          <a:p>
+            <a:pPr indent="0" lvl="0" marL="0" rtl="0" algn="l">
+              <a:lnSpc>
+                <a:spcPct val="95000"/>
+              </a:lnSpc>
+              <a:spcBef>
+                <a:spcPts val="1200"/>
+              </a:spcBef>
+              <a:spcAft>
+                <a:spcPts val="0"/>
+              </a:spcAft>
+              <a:buNone/>
+            </a:pPr>
+            <a:r>
+              <a:rPr lang="ja" sz="791"/>
+              <a:t>            データの効率的な検索のために、スパース（例：TF-IDF、BM25）、デンス（例：BERTベースのエンコーダ）、ハイブリッドなインデックスを構築します。これにより、クエリに対する関連度の高いドキュメントを迅速に特定できます。</a:t>
+            </a:r>
+            <a:endParaRPr sz="791"/>
+          </a:p>
+          <a:p>
+            <a:pPr indent="0" lvl="0" marL="0" rtl="0" algn="l">
+              <a:lnSpc>
+                <a:spcPct val="95000"/>
+              </a:lnSpc>
+              <a:spcBef>
+                <a:spcPts val="1200"/>
+              </a:spcBef>
+              <a:spcAft>
+                <a:spcPts val="0"/>
+              </a:spcAft>
+              <a:buNone/>
+            </a:pPr>
+            <a:r>
+              <a:rPr lang="ja" sz="791"/>
+              <a:t>            </a:t>
+            </a:r>
+            <a:endParaRPr sz="791"/>
+          </a:p>
+          <a:p>
+            <a:pPr indent="0" lvl="0" marL="0" rtl="0" algn="l">
+              <a:lnSpc>
+                <a:spcPct val="95000"/>
+              </a:lnSpc>
+              <a:spcBef>
+                <a:spcPts val="1200"/>
+              </a:spcBef>
+              <a:spcAft>
+                <a:spcPts val="0"/>
+              </a:spcAft>
+              <a:buNone/>
+            </a:pPr>
+            <a:r>
+              <a:rPr lang="ja" sz="791"/>
+              <a:t>        - **クエリとドキュメントのアライメント：**</a:t>
+            </a:r>
+            <a:endParaRPr sz="791"/>
+          </a:p>
+          <a:p>
+            <a:pPr indent="0" lvl="0" marL="0" rtl="0" algn="l">
+              <a:lnSpc>
+                <a:spcPct val="95000"/>
+              </a:lnSpc>
+              <a:spcBef>
+                <a:spcPts val="1200"/>
+              </a:spcBef>
+              <a:spcAft>
+                <a:spcPts val="0"/>
+              </a:spcAft>
+              <a:buNone/>
+            </a:pPr>
+            <a:r>
+              <a:rPr lang="ja" sz="791"/>
+              <a:t>            </a:t>
+            </a:r>
+            <a:endParaRPr sz="791"/>
+          </a:p>
+          <a:p>
+            <a:pPr indent="0" lvl="0" marL="0" rtl="0" algn="l">
+              <a:lnSpc>
+                <a:spcPct val="95000"/>
+              </a:lnSpc>
+              <a:spcBef>
+                <a:spcPts val="1200"/>
+              </a:spcBef>
+              <a:spcAft>
+                <a:spcPts val="0"/>
+              </a:spcAft>
+              <a:buNone/>
+            </a:pPr>
+            <a:r>
+              <a:rPr lang="ja" sz="791"/>
+              <a:t>            クエリとドキュメントの意味的な一致を高めるために、クエリのリライトや生成を行います。例えば、HyDE手法では、クエリから仮想的な回答を生成し、それに基づいて関連するドキュメントを検索します。</a:t>
+            </a:r>
+            <a:endParaRPr sz="791"/>
+          </a:p>
+          <a:p>
+            <a:pPr indent="0" lvl="0" marL="0" rtl="0" algn="l">
+              <a:lnSpc>
+                <a:spcPct val="95000"/>
+              </a:lnSpc>
+              <a:spcBef>
+                <a:spcPts val="1200"/>
+              </a:spcBef>
+              <a:spcAft>
+                <a:spcPts val="0"/>
+              </a:spcAft>
+              <a:buNone/>
+            </a:pPr>
+            <a:r>
+              <a:rPr lang="ja" sz="791"/>
+              <a:t>            </a:t>
+            </a:r>
+            <a:endParaRPr sz="791"/>
+          </a:p>
+          <a:p>
+            <a:pPr indent="0" lvl="0" marL="0" rtl="0" algn="l">
+              <a:lnSpc>
+                <a:spcPct val="95000"/>
+              </a:lnSpc>
+              <a:spcBef>
+                <a:spcPts val="1200"/>
+              </a:spcBef>
+              <a:spcAft>
+                <a:spcPts val="0"/>
+              </a:spcAft>
+              <a:buNone/>
+            </a:pPr>
+            <a:r>
+              <a:rPr lang="ja" sz="791"/>
+              <a:t>        - **再ランキングと誤り訂正：**</a:t>
+            </a:r>
+            <a:endParaRPr sz="791"/>
+          </a:p>
+          <a:p>
+            <a:pPr indent="0" lvl="0" marL="0" rtl="0" algn="l">
+              <a:lnSpc>
+                <a:spcPct val="95000"/>
+              </a:lnSpc>
+              <a:spcBef>
+                <a:spcPts val="1200"/>
+              </a:spcBef>
+              <a:spcAft>
+                <a:spcPts val="0"/>
+              </a:spcAft>
+              <a:buNone/>
+            </a:pPr>
+            <a:r>
+              <a:rPr lang="ja" sz="791"/>
+              <a:t>            </a:t>
+            </a:r>
+            <a:endParaRPr sz="791"/>
+          </a:p>
+          <a:p>
+            <a:pPr indent="0" lvl="0" marL="0" rtl="0" algn="l">
+              <a:lnSpc>
+                <a:spcPct val="95000"/>
+              </a:lnSpc>
+              <a:spcBef>
+                <a:spcPts val="1200"/>
+              </a:spcBef>
+              <a:spcAft>
+                <a:spcPts val="0"/>
+              </a:spcAft>
+              <a:buNone/>
+            </a:pPr>
+            <a:r>
+              <a:rPr lang="ja" sz="791"/>
+              <a:t>            初期の検索結果を再評価し、関連性の高い順に並べ替えます。LLMを用いて、検索結果の信頼性や有用性を評価し、不適切な情報を除外します。</a:t>
+            </a:r>
+            <a:endParaRPr sz="791"/>
+          </a:p>
+          <a:p>
+            <a:pPr indent="0" lvl="0" marL="0" rtl="0" algn="l">
+              <a:lnSpc>
+                <a:spcPct val="95000"/>
+              </a:lnSpc>
+              <a:spcBef>
+                <a:spcPts val="1200"/>
+              </a:spcBef>
+              <a:spcAft>
+                <a:spcPts val="0"/>
+              </a:spcAft>
+              <a:buNone/>
+            </a:pPr>
+            <a:r>
+              <a:rPr lang="ja" sz="791"/>
+              <a:t>            </a:t>
+            </a:r>
+            <a:endParaRPr sz="791"/>
+          </a:p>
+          <a:p>
+            <a:pPr indent="0" lvl="0" marL="0" rtl="0" algn="l">
+              <a:lnSpc>
+                <a:spcPct val="95000"/>
+              </a:lnSpc>
+              <a:spcBef>
+                <a:spcPts val="1200"/>
+              </a:spcBef>
+              <a:spcAft>
+                <a:spcPts val="0"/>
+              </a:spcAft>
+              <a:buNone/>
+            </a:pPr>
+            <a:r>
+              <a:rPr lang="ja" sz="791"/>
+              <a:t>        - **反復的検索（Recursive Retrieval）：**</a:t>
+            </a:r>
+            <a:endParaRPr sz="791"/>
+          </a:p>
+          <a:p>
+            <a:pPr indent="0" lvl="0" marL="0" rtl="0" algn="l">
+              <a:lnSpc>
+                <a:spcPct val="95000"/>
+              </a:lnSpc>
+              <a:spcBef>
+                <a:spcPts val="1200"/>
+              </a:spcBef>
+              <a:spcAft>
+                <a:spcPts val="0"/>
+              </a:spcAft>
+              <a:buNone/>
+            </a:pPr>
+            <a:r>
+              <a:rPr lang="ja" sz="791"/>
+              <a:t>            </a:t>
+            </a:r>
+            <a:endParaRPr sz="791"/>
+          </a:p>
+          <a:p>
+            <a:pPr indent="0" lvl="0" marL="0" rtl="0" algn="l">
+              <a:lnSpc>
+                <a:spcPct val="95000"/>
+              </a:lnSpc>
+              <a:spcBef>
+                <a:spcPts val="1200"/>
+              </a:spcBef>
+              <a:spcAft>
+                <a:spcPts val="0"/>
+              </a:spcAft>
+              <a:buNone/>
+            </a:pPr>
+            <a:r>
+              <a:rPr lang="ja" sz="791"/>
+              <a:t>            必要な情報が得られるまで、検索と生成のプロセスを繰り返します。例えば、SEATERやSelf-RAGのような手法で、検索結果の品質を向上させます。</a:t>
+            </a:r>
+            <a:endParaRPr sz="791"/>
+          </a:p>
+          <a:p>
+            <a:pPr indent="0" lvl="0" marL="0" rtl="0" algn="l">
+              <a:lnSpc>
+                <a:spcPct val="95000"/>
+              </a:lnSpc>
+              <a:spcBef>
+                <a:spcPts val="1200"/>
+              </a:spcBef>
+              <a:spcAft>
+                <a:spcPts val="0"/>
+              </a:spcAft>
+              <a:buNone/>
+            </a:pPr>
+            <a:r>
+              <a:rPr lang="ja" sz="791"/>
+              <a:t>            </a:t>
+            </a:r>
+            <a:endParaRPr sz="791"/>
+          </a:p>
+          <a:p>
+            <a:pPr indent="0" lvl="0" marL="0" rtl="0" algn="l">
+              <a:lnSpc>
+                <a:spcPct val="95000"/>
+              </a:lnSpc>
+              <a:spcBef>
+                <a:spcPts val="1200"/>
+              </a:spcBef>
+              <a:spcAft>
+                <a:spcPts val="0"/>
+              </a:spcAft>
+              <a:buNone/>
+            </a:pPr>
+            <a:r>
+              <a:rPr lang="ja" sz="791"/>
+              <a:t>    - **応答生成の強化：**</a:t>
+            </a:r>
+            <a:endParaRPr sz="791"/>
+          </a:p>
+          <a:p>
+            <a:pPr indent="0" lvl="0" marL="0" rtl="0" algn="l">
+              <a:lnSpc>
+                <a:spcPct val="95000"/>
+              </a:lnSpc>
+              <a:spcBef>
+                <a:spcPts val="1200"/>
+              </a:spcBef>
+              <a:spcAft>
+                <a:spcPts val="0"/>
+              </a:spcAft>
+              <a:buNone/>
+            </a:pPr>
+            <a:r>
+              <a:rPr lang="ja" sz="791"/>
+              <a:t>        - **ファインチューニング：**</a:t>
+            </a:r>
+            <a:endParaRPr sz="791"/>
+          </a:p>
+          <a:p>
+            <a:pPr indent="0" lvl="0" marL="0" rtl="0" algn="l">
+              <a:lnSpc>
+                <a:spcPct val="95000"/>
+              </a:lnSpc>
+              <a:spcBef>
+                <a:spcPts val="1200"/>
+              </a:spcBef>
+              <a:spcAft>
+                <a:spcPts val="0"/>
+              </a:spcAft>
+              <a:buNone/>
+            </a:pPr>
+            <a:r>
+              <a:rPr lang="ja" sz="791"/>
+              <a:t>            </a:t>
+            </a:r>
+            <a:endParaRPr sz="791"/>
+          </a:p>
+          <a:p>
+            <a:pPr indent="0" lvl="0" marL="0" rtl="0" algn="l">
+              <a:lnSpc>
+                <a:spcPct val="95000"/>
+              </a:lnSpc>
+              <a:spcBef>
+                <a:spcPts val="1200"/>
+              </a:spcBef>
+              <a:spcAft>
+                <a:spcPts val="0"/>
+              </a:spcAft>
+              <a:buNone/>
+            </a:pPr>
+            <a:r>
+              <a:rPr lang="ja" sz="791"/>
+              <a:t>            LLMが外部データから正確な回答を生成できるように、適切なデータセットでモデルを微調整します。これにより、モデルが誤情報やノイズに影響されにくくなります。</a:t>
+            </a:r>
+            <a:endParaRPr sz="791"/>
+          </a:p>
+          <a:p>
+            <a:pPr indent="0" lvl="0" marL="0" rtl="0" algn="l">
+              <a:lnSpc>
+                <a:spcPct val="95000"/>
+              </a:lnSpc>
+              <a:spcBef>
+                <a:spcPts val="1200"/>
+              </a:spcBef>
+              <a:spcAft>
+                <a:spcPts val="0"/>
+              </a:spcAft>
+              <a:buNone/>
+            </a:pPr>
+            <a:r>
+              <a:rPr lang="ja" sz="791"/>
+              <a:t>            </a:t>
+            </a:r>
+            <a:endParaRPr sz="791"/>
+          </a:p>
+          <a:p>
+            <a:pPr indent="0" lvl="0" marL="0" rtl="0" algn="l">
+              <a:lnSpc>
+                <a:spcPct val="95000"/>
+              </a:lnSpc>
+              <a:spcBef>
+                <a:spcPts val="1200"/>
+              </a:spcBef>
+              <a:spcAft>
+                <a:spcPts val="0"/>
+              </a:spcAft>
+              <a:buNone/>
+            </a:pPr>
+            <a:r>
+              <a:rPr lang="ja" sz="791"/>
+              <a:t>        - **内的知識と外部データの統合：**</a:t>
+            </a:r>
+            <a:endParaRPr sz="791"/>
+          </a:p>
+          <a:p>
+            <a:pPr indent="0" lvl="0" marL="0" rtl="0" algn="l">
+              <a:lnSpc>
+                <a:spcPct val="95000"/>
+              </a:lnSpc>
+              <a:spcBef>
+                <a:spcPts val="1200"/>
+              </a:spcBef>
+              <a:spcAft>
+                <a:spcPts val="0"/>
+              </a:spcAft>
+              <a:buNone/>
+            </a:pPr>
+            <a:r>
+              <a:rPr lang="ja" sz="791"/>
+              <a:t>            </a:t>
+            </a:r>
+            <a:endParaRPr sz="791"/>
+          </a:p>
+          <a:p>
+            <a:pPr indent="0" lvl="0" marL="0" rtl="0" algn="l">
+              <a:lnSpc>
+                <a:spcPct val="95000"/>
+              </a:lnSpc>
+              <a:spcBef>
+                <a:spcPts val="1200"/>
+              </a:spcBef>
+              <a:spcAft>
+                <a:spcPts val="0"/>
+              </a:spcAft>
+              <a:buNone/>
+            </a:pPr>
+            <a:r>
+              <a:rPr lang="ja" sz="791"/>
+              <a:t>            モデルが内部の事前知識と外部から取得したデータを適切に組み合わせ、矛盾を解消するようにトレーニングします。</a:t>
+            </a:r>
+            <a:endParaRPr sz="791"/>
+          </a:p>
+          <a:p>
+            <a:pPr indent="0" lvl="0" marL="0" rtl="0" algn="l">
+              <a:lnSpc>
+                <a:spcPct val="95000"/>
+              </a:lnSpc>
+              <a:spcBef>
+                <a:spcPts val="1200"/>
+              </a:spcBef>
+              <a:spcAft>
+                <a:spcPts val="0"/>
+              </a:spcAft>
+              <a:buNone/>
+            </a:pPr>
+            <a:r>
+              <a:rPr lang="ja" sz="791"/>
+              <a:t>            </a:t>
+            </a:r>
+            <a:endParaRPr sz="791"/>
+          </a:p>
+          <a:p>
+            <a:pPr indent="0" lvl="0" marL="0" rtl="0" algn="l">
+              <a:lnSpc>
+                <a:spcPct val="95000"/>
+              </a:lnSpc>
+              <a:spcBef>
+                <a:spcPts val="1200"/>
+              </a:spcBef>
+              <a:spcAft>
+                <a:spcPts val="0"/>
+              </a:spcAft>
+              <a:buNone/>
+            </a:pPr>
+            <a:r>
+              <a:t/>
+            </a:r>
+            <a:endParaRPr sz="791"/>
+          </a:p>
+          <a:p>
+            <a:pPr indent="0" lvl="0" marL="0" rtl="0" algn="l">
+              <a:lnSpc>
+                <a:spcPct val="95000"/>
+              </a:lnSpc>
+              <a:spcBef>
+                <a:spcPts val="1200"/>
+              </a:spcBef>
+              <a:spcAft>
+                <a:spcPts val="0"/>
+              </a:spcAft>
+              <a:buNone/>
+            </a:pPr>
+            <a:r>
+              <a:rPr lang="ja" sz="791"/>
+              <a:t>---</a:t>
+            </a:r>
+            <a:endParaRPr sz="791"/>
+          </a:p>
+          <a:p>
+            <a:pPr indent="0" lvl="0" marL="0" rtl="0" algn="l">
+              <a:lnSpc>
+                <a:spcPct val="95000"/>
+              </a:lnSpc>
+              <a:spcBef>
+                <a:spcPts val="1200"/>
+              </a:spcBef>
+              <a:spcAft>
+                <a:spcPts val="0"/>
+              </a:spcAft>
+              <a:buNone/>
+            </a:pPr>
+            <a:r>
+              <a:t/>
+            </a:r>
+            <a:endParaRPr sz="791"/>
+          </a:p>
+          <a:p>
+            <a:pPr indent="0" lvl="0" marL="0" rtl="0" algn="l">
+              <a:lnSpc>
+                <a:spcPct val="95000"/>
+              </a:lnSpc>
+              <a:spcBef>
+                <a:spcPts val="1200"/>
+              </a:spcBef>
+              <a:spcAft>
+                <a:spcPts val="0"/>
+              </a:spcAft>
+              <a:buNone/>
+            </a:pPr>
+            <a:r>
+              <a:rPr lang="ja" sz="791"/>
+              <a:t>**レベル2：暗黙的事実クエリ**</a:t>
+            </a:r>
+            <a:endParaRPr sz="791"/>
+          </a:p>
+          <a:p>
+            <a:pPr indent="0" lvl="0" marL="0" rtl="0" algn="l">
+              <a:lnSpc>
+                <a:spcPct val="95000"/>
+              </a:lnSpc>
+              <a:spcBef>
+                <a:spcPts val="1200"/>
+              </a:spcBef>
+              <a:spcAft>
+                <a:spcPts val="0"/>
+              </a:spcAft>
+              <a:buNone/>
+            </a:pPr>
+            <a:r>
+              <a:t/>
+            </a:r>
+            <a:endParaRPr sz="791"/>
+          </a:p>
+          <a:p>
+            <a:pPr indent="0" lvl="0" marL="0" rtl="0" algn="l">
+              <a:lnSpc>
+                <a:spcPct val="95000"/>
+              </a:lnSpc>
+              <a:spcBef>
+                <a:spcPts val="1200"/>
+              </a:spcBef>
+              <a:spcAft>
+                <a:spcPts val="0"/>
+              </a:spcAft>
+              <a:buNone/>
+            </a:pPr>
+            <a:r>
+              <a:rPr lang="ja" sz="791"/>
+              <a:t>*概要：*</a:t>
+            </a:r>
+            <a:endParaRPr sz="791"/>
+          </a:p>
+          <a:p>
+            <a:pPr indent="0" lvl="0" marL="0" rtl="0" algn="l">
+              <a:lnSpc>
+                <a:spcPct val="95000"/>
+              </a:lnSpc>
+              <a:spcBef>
+                <a:spcPts val="1200"/>
+              </a:spcBef>
+              <a:spcAft>
+                <a:spcPts val="0"/>
+              </a:spcAft>
+              <a:buNone/>
+            </a:pPr>
+            <a:r>
+              <a:t/>
+            </a:r>
+            <a:endParaRPr sz="791"/>
+          </a:p>
+          <a:p>
+            <a:pPr indent="0" lvl="0" marL="0" rtl="0" algn="l">
+              <a:lnSpc>
+                <a:spcPct val="95000"/>
+              </a:lnSpc>
+              <a:spcBef>
+                <a:spcPts val="1200"/>
+              </a:spcBef>
+              <a:spcAft>
+                <a:spcPts val="0"/>
+              </a:spcAft>
+              <a:buNone/>
+            </a:pPr>
+            <a:r>
+              <a:rPr lang="ja" sz="791"/>
+              <a:t>レベル2のクエリは、複数の情報を組み合わせて答えを導く必要がある質問です。例えば、「キャンベラが首都の国の現在の与党は？」のように、複数の事実を結びつける必要があります。</a:t>
+            </a:r>
+            <a:endParaRPr sz="791"/>
+          </a:p>
+          <a:p>
+            <a:pPr indent="0" lvl="0" marL="0" rtl="0" algn="l">
+              <a:lnSpc>
+                <a:spcPct val="95000"/>
+              </a:lnSpc>
+              <a:spcBef>
+                <a:spcPts val="1200"/>
+              </a:spcBef>
+              <a:spcAft>
+                <a:spcPts val="0"/>
+              </a:spcAft>
+              <a:buNone/>
+            </a:pPr>
+            <a:r>
+              <a:t/>
+            </a:r>
+            <a:endParaRPr sz="791"/>
+          </a:p>
+          <a:p>
+            <a:pPr indent="0" lvl="0" marL="0" rtl="0" algn="l">
+              <a:lnSpc>
+                <a:spcPct val="95000"/>
+              </a:lnSpc>
+              <a:spcBef>
+                <a:spcPts val="1200"/>
+              </a:spcBef>
+              <a:spcAft>
+                <a:spcPts val="0"/>
+              </a:spcAft>
+              <a:buNone/>
+            </a:pPr>
+            <a:r>
+              <a:rPr lang="ja" sz="791"/>
+              <a:t>*最適手法：*</a:t>
+            </a:r>
+            <a:endParaRPr sz="791"/>
+          </a:p>
+          <a:p>
+            <a:pPr indent="0" lvl="0" marL="0" rtl="0" algn="l">
+              <a:lnSpc>
+                <a:spcPct val="95000"/>
+              </a:lnSpc>
+              <a:spcBef>
+                <a:spcPts val="1200"/>
+              </a:spcBef>
+              <a:spcAft>
+                <a:spcPts val="0"/>
+              </a:spcAft>
+              <a:buNone/>
+            </a:pPr>
+            <a:r>
+              <a:t/>
+            </a:r>
+            <a:endParaRPr sz="791"/>
+          </a:p>
+          <a:p>
+            <a:pPr indent="0" lvl="0" marL="0" rtl="0" algn="l">
+              <a:lnSpc>
+                <a:spcPct val="95000"/>
+              </a:lnSpc>
+              <a:spcBef>
+                <a:spcPts val="1200"/>
+              </a:spcBef>
+              <a:spcAft>
+                <a:spcPts val="0"/>
+              </a:spcAft>
+              <a:buNone/>
+            </a:pPr>
+            <a:r>
+              <a:rPr lang="ja" sz="791"/>
+              <a:t>1. **反復的なRAG（Iterative RAG）**</a:t>
+            </a:r>
+            <a:endParaRPr sz="791"/>
+          </a:p>
+          <a:p>
+            <a:pPr indent="0" lvl="0" marL="0" rtl="0" algn="l">
+              <a:lnSpc>
+                <a:spcPct val="95000"/>
+              </a:lnSpc>
+              <a:spcBef>
+                <a:spcPts val="1200"/>
+              </a:spcBef>
+              <a:spcAft>
+                <a:spcPts val="0"/>
+              </a:spcAft>
+              <a:buNone/>
+            </a:pPr>
+            <a:r>
+              <a:rPr lang="ja" sz="791"/>
+              <a:t>    - **プランニングベースの手法：**</a:t>
+            </a:r>
+            <a:endParaRPr sz="791"/>
+          </a:p>
+          <a:p>
+            <a:pPr indent="0" lvl="0" marL="0" rtl="0" algn="l">
+              <a:lnSpc>
+                <a:spcPct val="95000"/>
+              </a:lnSpc>
+              <a:spcBef>
+                <a:spcPts val="1200"/>
+              </a:spcBef>
+              <a:spcAft>
+                <a:spcPts val="0"/>
+              </a:spcAft>
+              <a:buNone/>
+            </a:pPr>
+            <a:r>
+              <a:rPr lang="ja" sz="791"/>
+              <a:t>        </a:t>
+            </a:r>
+            <a:endParaRPr sz="791"/>
+          </a:p>
+          <a:p>
+            <a:pPr indent="0" lvl="0" marL="0" rtl="0" algn="l">
+              <a:lnSpc>
+                <a:spcPct val="95000"/>
+              </a:lnSpc>
+              <a:spcBef>
+                <a:spcPts val="1200"/>
+              </a:spcBef>
+              <a:spcAft>
+                <a:spcPts val="0"/>
+              </a:spcAft>
+              <a:buNone/>
+            </a:pPr>
+            <a:r>
+              <a:rPr lang="ja" sz="791"/>
+              <a:t>        質問を解決するためのステップバイステップの計画を生成します。ReActやIRCoTなどの手法を用いて、問題をサブタスクに分割し、それぞれに対して検索と推論を行います。</a:t>
+            </a:r>
+            <a:endParaRPr sz="791"/>
+          </a:p>
+          <a:p>
+            <a:pPr indent="0" lvl="0" marL="0" rtl="0" algn="l">
+              <a:lnSpc>
+                <a:spcPct val="95000"/>
+              </a:lnSpc>
+              <a:spcBef>
+                <a:spcPts val="1200"/>
+              </a:spcBef>
+              <a:spcAft>
+                <a:spcPts val="0"/>
+              </a:spcAft>
+              <a:buNone/>
+            </a:pPr>
+            <a:r>
+              <a:rPr lang="ja" sz="791"/>
+              <a:t>        </a:t>
+            </a:r>
+            <a:endParaRPr sz="791"/>
+          </a:p>
+          <a:p>
+            <a:pPr indent="0" lvl="0" marL="0" rtl="0" algn="l">
+              <a:lnSpc>
+                <a:spcPct val="95000"/>
+              </a:lnSpc>
+              <a:spcBef>
+                <a:spcPts val="1200"/>
+              </a:spcBef>
+              <a:spcAft>
+                <a:spcPts val="0"/>
+              </a:spcAft>
+              <a:buNone/>
+            </a:pPr>
+            <a:r>
+              <a:rPr lang="ja" sz="791"/>
+              <a:t>    - **情報ギャップの補填：**</a:t>
+            </a:r>
+            <a:endParaRPr sz="791"/>
+          </a:p>
+          <a:p>
+            <a:pPr indent="0" lvl="0" marL="0" rtl="0" algn="l">
+              <a:lnSpc>
+                <a:spcPct val="95000"/>
+              </a:lnSpc>
+              <a:spcBef>
+                <a:spcPts val="1200"/>
+              </a:spcBef>
+              <a:spcAft>
+                <a:spcPts val="0"/>
+              </a:spcAft>
+              <a:buNone/>
+            </a:pPr>
+            <a:r>
+              <a:rPr lang="ja" sz="791"/>
+              <a:t>        </a:t>
+            </a:r>
+            <a:endParaRPr sz="791"/>
+          </a:p>
+          <a:p>
+            <a:pPr indent="0" lvl="0" marL="0" rtl="0" algn="l">
+              <a:lnSpc>
+                <a:spcPct val="95000"/>
+              </a:lnSpc>
+              <a:spcBef>
+                <a:spcPts val="1200"/>
+              </a:spcBef>
+              <a:spcAft>
+                <a:spcPts val="0"/>
+              </a:spcAft>
+              <a:buNone/>
+            </a:pPr>
+            <a:r>
+              <a:rPr lang="ja" sz="791"/>
+              <a:t>        一度の検索で得られない情報を、追加の検索と生成によって補います。ITRGやFLAREのような手法で、回答の不確実な部分を特定し、さらなる情報収集を行います。</a:t>
+            </a:r>
+            <a:endParaRPr sz="791"/>
+          </a:p>
+          <a:p>
+            <a:pPr indent="0" lvl="0" marL="0" rtl="0" algn="l">
+              <a:lnSpc>
+                <a:spcPct val="95000"/>
+              </a:lnSpc>
+              <a:spcBef>
+                <a:spcPts val="1200"/>
+              </a:spcBef>
+              <a:spcAft>
+                <a:spcPts val="0"/>
+              </a:spcAft>
+              <a:buNone/>
+            </a:pPr>
+            <a:r>
+              <a:rPr lang="ja" sz="791"/>
+              <a:t>        </a:t>
+            </a:r>
+            <a:endParaRPr sz="791"/>
+          </a:p>
+          <a:p>
+            <a:pPr indent="0" lvl="0" marL="0" rtl="0" algn="l">
+              <a:lnSpc>
+                <a:spcPct val="95000"/>
+              </a:lnSpc>
+              <a:spcBef>
+                <a:spcPts val="1200"/>
+              </a:spcBef>
+              <a:spcAft>
+                <a:spcPts val="0"/>
+              </a:spcAft>
+              <a:buNone/>
+            </a:pPr>
+            <a:r>
+              <a:rPr lang="ja" sz="791"/>
+              <a:t>2. **グラフやツリー構造を用いた質問応答**</a:t>
+            </a:r>
+            <a:endParaRPr sz="791"/>
+          </a:p>
+          <a:p>
+            <a:pPr indent="0" lvl="0" marL="0" rtl="0" algn="l">
+              <a:lnSpc>
+                <a:spcPct val="95000"/>
+              </a:lnSpc>
+              <a:spcBef>
+                <a:spcPts val="1200"/>
+              </a:spcBef>
+              <a:spcAft>
+                <a:spcPts val="0"/>
+              </a:spcAft>
+              <a:buNone/>
+            </a:pPr>
+            <a:r>
+              <a:rPr lang="ja" sz="791"/>
+              <a:t>    - **知識グラフの活用：**</a:t>
+            </a:r>
+            <a:endParaRPr sz="791"/>
+          </a:p>
+          <a:p>
+            <a:pPr indent="0" lvl="0" marL="0" rtl="0" algn="l">
+              <a:lnSpc>
+                <a:spcPct val="95000"/>
+              </a:lnSpc>
+              <a:spcBef>
+                <a:spcPts val="1200"/>
+              </a:spcBef>
+              <a:spcAft>
+                <a:spcPts val="0"/>
+              </a:spcAft>
+              <a:buNone/>
+            </a:pPr>
+            <a:r>
+              <a:rPr lang="ja" sz="791"/>
+              <a:t>        </a:t>
+            </a:r>
+            <a:endParaRPr sz="791"/>
+          </a:p>
+          <a:p>
+            <a:pPr indent="0" lvl="0" marL="0" rtl="0" algn="l">
+              <a:lnSpc>
+                <a:spcPct val="95000"/>
+              </a:lnSpc>
+              <a:spcBef>
+                <a:spcPts val="1200"/>
+              </a:spcBef>
+              <a:spcAft>
+                <a:spcPts val="0"/>
+              </a:spcAft>
+              <a:buNone/>
+            </a:pPr>
+            <a:r>
+              <a:rPr lang="ja" sz="791"/>
+              <a:t>        エンティティ間の関係をグラフとしてモデル化し、必要な情報を効率的に検索します。Think-on-GraphやR3などの手法で、LLMが最適な探索パスを決定します。</a:t>
+            </a:r>
+            <a:endParaRPr sz="791"/>
+          </a:p>
+          <a:p>
+            <a:pPr indent="0" lvl="0" marL="0" rtl="0" algn="l">
+              <a:lnSpc>
+                <a:spcPct val="95000"/>
+              </a:lnSpc>
+              <a:spcBef>
+                <a:spcPts val="1200"/>
+              </a:spcBef>
+              <a:spcAft>
+                <a:spcPts val="0"/>
+              </a:spcAft>
+              <a:buNone/>
+            </a:pPr>
+            <a:r>
+              <a:rPr lang="ja" sz="791"/>
+              <a:t>        </a:t>
+            </a:r>
+            <a:endParaRPr sz="791"/>
+          </a:p>
+          <a:p>
+            <a:pPr indent="0" lvl="0" marL="0" rtl="0" algn="l">
+              <a:lnSpc>
+                <a:spcPct val="95000"/>
+              </a:lnSpc>
+              <a:spcBef>
+                <a:spcPts val="1200"/>
+              </a:spcBef>
+              <a:spcAft>
+                <a:spcPts val="0"/>
+              </a:spcAft>
+              <a:buNone/>
+            </a:pPr>
+            <a:r>
+              <a:rPr lang="ja" sz="791"/>
+              <a:t>    - **データチャンクのグラフ/ツリー化：**</a:t>
+            </a:r>
+            <a:endParaRPr sz="791"/>
+          </a:p>
+          <a:p>
+            <a:pPr indent="0" lvl="0" marL="0" rtl="0" algn="l">
+              <a:lnSpc>
+                <a:spcPct val="95000"/>
+              </a:lnSpc>
+              <a:spcBef>
+                <a:spcPts val="1200"/>
+              </a:spcBef>
+              <a:spcAft>
+                <a:spcPts val="0"/>
+              </a:spcAft>
+              <a:buNone/>
+            </a:pPr>
+            <a:r>
+              <a:rPr lang="ja" sz="791"/>
+              <a:t>        </a:t>
+            </a:r>
+            <a:endParaRPr sz="791"/>
+          </a:p>
+          <a:p>
+            <a:pPr indent="0" lvl="0" marL="0" rtl="0" algn="l">
+              <a:lnSpc>
+                <a:spcPct val="95000"/>
+              </a:lnSpc>
+              <a:spcBef>
+                <a:spcPts val="1200"/>
+              </a:spcBef>
+              <a:spcAft>
+                <a:spcPts val="0"/>
+              </a:spcAft>
+              <a:buNone/>
+            </a:pPr>
+            <a:r>
+              <a:rPr lang="ja" sz="791"/>
+              <a:t>        テキストチャンクをノードとし、その間の意味的な関連性をエッジとしてグラフを構築します。MoGGやRAPTORなどの手法で、階層的なクラスタリングを行い、情報を整理します。</a:t>
+            </a:r>
+            <a:endParaRPr sz="791"/>
+          </a:p>
+          <a:p>
+            <a:pPr indent="0" lvl="0" marL="0" rtl="0" algn="l">
+              <a:lnSpc>
+                <a:spcPct val="95000"/>
+              </a:lnSpc>
+              <a:spcBef>
+                <a:spcPts val="1200"/>
+              </a:spcBef>
+              <a:spcAft>
+                <a:spcPts val="0"/>
+              </a:spcAft>
+              <a:buNone/>
+            </a:pPr>
+            <a:r>
+              <a:rPr lang="ja" sz="791"/>
+              <a:t>        </a:t>
+            </a:r>
+            <a:endParaRPr sz="791"/>
+          </a:p>
+          <a:p>
+            <a:pPr indent="0" lvl="0" marL="0" rtl="0" algn="l">
+              <a:lnSpc>
+                <a:spcPct val="95000"/>
+              </a:lnSpc>
+              <a:spcBef>
+                <a:spcPts val="1200"/>
+              </a:spcBef>
+              <a:spcAft>
+                <a:spcPts val="0"/>
+              </a:spcAft>
+              <a:buNone/>
+            </a:pPr>
+            <a:r>
+              <a:rPr lang="ja" sz="791"/>
+              <a:t>3. **自然言語からSQLへの変換（NL2SQL）**</a:t>
+            </a:r>
+            <a:endParaRPr sz="791"/>
+          </a:p>
+          <a:p>
+            <a:pPr indent="0" lvl="0" marL="0" rtl="0" algn="l">
+              <a:lnSpc>
+                <a:spcPct val="95000"/>
+              </a:lnSpc>
+              <a:spcBef>
+                <a:spcPts val="1200"/>
+              </a:spcBef>
+              <a:spcAft>
+                <a:spcPts val="0"/>
+              </a:spcAft>
+              <a:buNone/>
+            </a:pPr>
+            <a:r>
+              <a:rPr lang="ja" sz="791"/>
+              <a:t>    - **テキストベースの質問をSQLクエリに変換：**</a:t>
+            </a:r>
+            <a:endParaRPr sz="791"/>
+          </a:p>
+          <a:p>
+            <a:pPr indent="0" lvl="0" marL="0" rtl="0" algn="l">
+              <a:lnSpc>
+                <a:spcPct val="95000"/>
+              </a:lnSpc>
+              <a:spcBef>
+                <a:spcPts val="1200"/>
+              </a:spcBef>
+              <a:spcAft>
+                <a:spcPts val="0"/>
+              </a:spcAft>
+              <a:buNone/>
+            </a:pPr>
+            <a:r>
+              <a:rPr lang="ja" sz="791"/>
+              <a:t>        </a:t>
+            </a:r>
+            <a:endParaRPr sz="791"/>
+          </a:p>
+          <a:p>
+            <a:pPr indent="0" lvl="0" marL="0" rtl="0" algn="l">
+              <a:lnSpc>
+                <a:spcPct val="95000"/>
+              </a:lnSpc>
+              <a:spcBef>
+                <a:spcPts val="1200"/>
+              </a:spcBef>
+              <a:spcAft>
+                <a:spcPts val="0"/>
+              </a:spcAft>
+              <a:buNone/>
+            </a:pPr>
+            <a:r>
+              <a:rPr lang="ja" sz="791"/>
+              <a:t>        Chat2DBやその他のNL2SQL手法を用いて、構造化データベースから必要な情報を取得します。これにより、大量のデータに対する集計やフィルタリングが可能になります。</a:t>
+            </a:r>
+            <a:endParaRPr sz="791"/>
+          </a:p>
+          <a:p>
+            <a:pPr indent="0" lvl="0" marL="0" rtl="0" algn="l">
+              <a:lnSpc>
+                <a:spcPct val="95000"/>
+              </a:lnSpc>
+              <a:spcBef>
+                <a:spcPts val="1200"/>
+              </a:spcBef>
+              <a:spcAft>
+                <a:spcPts val="0"/>
+              </a:spcAft>
+              <a:buNone/>
+            </a:pPr>
+            <a:r>
+              <a:rPr lang="ja" sz="791"/>
+              <a:t>        </a:t>
+            </a:r>
+            <a:endParaRPr sz="791"/>
+          </a:p>
+          <a:p>
+            <a:pPr indent="0" lvl="0" marL="0" rtl="0" algn="l">
+              <a:lnSpc>
+                <a:spcPct val="95000"/>
+              </a:lnSpc>
+              <a:spcBef>
+                <a:spcPts val="1200"/>
+              </a:spcBef>
+              <a:spcAft>
+                <a:spcPts val="0"/>
+              </a:spcAft>
+              <a:buNone/>
+            </a:pPr>
+            <a:r>
+              <a:t/>
+            </a:r>
+            <a:endParaRPr sz="791"/>
+          </a:p>
+          <a:p>
+            <a:pPr indent="0" lvl="0" marL="0" rtl="0" algn="l">
+              <a:lnSpc>
+                <a:spcPct val="95000"/>
+              </a:lnSpc>
+              <a:spcBef>
+                <a:spcPts val="1200"/>
+              </a:spcBef>
+              <a:spcAft>
+                <a:spcPts val="0"/>
+              </a:spcAft>
+              <a:buNone/>
+            </a:pPr>
+            <a:r>
+              <a:rPr lang="ja" sz="791"/>
+              <a:t>---</a:t>
+            </a:r>
+            <a:endParaRPr sz="791"/>
+          </a:p>
+          <a:p>
+            <a:pPr indent="0" lvl="0" marL="0" rtl="0" algn="l">
+              <a:lnSpc>
+                <a:spcPct val="95000"/>
+              </a:lnSpc>
+              <a:spcBef>
+                <a:spcPts val="1200"/>
+              </a:spcBef>
+              <a:spcAft>
+                <a:spcPts val="0"/>
+              </a:spcAft>
+              <a:buNone/>
+            </a:pPr>
+            <a:r>
+              <a:t/>
+            </a:r>
+            <a:endParaRPr sz="791"/>
+          </a:p>
+          <a:p>
+            <a:pPr indent="0" lvl="0" marL="0" rtl="0" algn="l">
+              <a:lnSpc>
+                <a:spcPct val="95000"/>
+              </a:lnSpc>
+              <a:spcBef>
+                <a:spcPts val="1200"/>
+              </a:spcBef>
+              <a:spcAft>
+                <a:spcPts val="0"/>
+              </a:spcAft>
+              <a:buNone/>
+            </a:pPr>
+            <a:r>
+              <a:rPr lang="ja" sz="791"/>
+              <a:t>**レベル3：解釈可能な推論クエリ**</a:t>
+            </a:r>
+            <a:endParaRPr sz="791"/>
+          </a:p>
+          <a:p>
+            <a:pPr indent="0" lvl="0" marL="0" rtl="0" algn="l">
+              <a:lnSpc>
+                <a:spcPct val="95000"/>
+              </a:lnSpc>
+              <a:spcBef>
+                <a:spcPts val="1200"/>
+              </a:spcBef>
+              <a:spcAft>
+                <a:spcPts val="0"/>
+              </a:spcAft>
+              <a:buNone/>
+            </a:pPr>
+            <a:r>
+              <a:t/>
+            </a:r>
+            <a:endParaRPr sz="791"/>
+          </a:p>
+          <a:p>
+            <a:pPr indent="0" lvl="0" marL="0" rtl="0" algn="l">
+              <a:lnSpc>
+                <a:spcPct val="95000"/>
+              </a:lnSpc>
+              <a:spcBef>
+                <a:spcPts val="1200"/>
+              </a:spcBef>
+              <a:spcAft>
+                <a:spcPts val="0"/>
+              </a:spcAft>
+              <a:buNone/>
+            </a:pPr>
+            <a:r>
+              <a:rPr lang="ja" sz="791"/>
+              <a:t>*概要：*</a:t>
+            </a:r>
+            <a:endParaRPr sz="791"/>
+          </a:p>
+          <a:p>
+            <a:pPr indent="0" lvl="0" marL="0" rtl="0" algn="l">
+              <a:lnSpc>
+                <a:spcPct val="95000"/>
+              </a:lnSpc>
+              <a:spcBef>
+                <a:spcPts val="1200"/>
+              </a:spcBef>
+              <a:spcAft>
+                <a:spcPts val="0"/>
+              </a:spcAft>
+              <a:buNone/>
+            </a:pPr>
+            <a:r>
+              <a:t/>
+            </a:r>
+            <a:endParaRPr sz="791"/>
+          </a:p>
+          <a:p>
+            <a:pPr indent="0" lvl="0" marL="0" rtl="0" algn="l">
+              <a:lnSpc>
+                <a:spcPct val="95000"/>
+              </a:lnSpc>
+              <a:spcBef>
+                <a:spcPts val="1200"/>
+              </a:spcBef>
+              <a:spcAft>
+                <a:spcPts val="0"/>
+              </a:spcAft>
+              <a:buNone/>
+            </a:pPr>
+            <a:r>
+              <a:rPr lang="ja" sz="791"/>
+              <a:t>レベル3のクエリは、専門的なガイドラインや手順を理解して答える必要がある質問です。例えば、医療ガイドラインに基づく診断や、カスタマーサポートのワークフローに従った応答などです。</a:t>
+            </a:r>
+            <a:endParaRPr sz="791"/>
+          </a:p>
+          <a:p>
+            <a:pPr indent="0" lvl="0" marL="0" rtl="0" algn="l">
+              <a:lnSpc>
+                <a:spcPct val="95000"/>
+              </a:lnSpc>
+              <a:spcBef>
+                <a:spcPts val="1200"/>
+              </a:spcBef>
+              <a:spcAft>
+                <a:spcPts val="0"/>
+              </a:spcAft>
+              <a:buNone/>
+            </a:pPr>
+            <a:r>
+              <a:t/>
+            </a:r>
+            <a:endParaRPr sz="791"/>
+          </a:p>
+          <a:p>
+            <a:pPr indent="0" lvl="0" marL="0" rtl="0" algn="l">
+              <a:lnSpc>
+                <a:spcPct val="95000"/>
+              </a:lnSpc>
+              <a:spcBef>
+                <a:spcPts val="1200"/>
+              </a:spcBef>
+              <a:spcAft>
+                <a:spcPts val="0"/>
+              </a:spcAft>
+              <a:buNone/>
+            </a:pPr>
+            <a:r>
+              <a:rPr lang="ja" sz="791"/>
+              <a:t>*最適手法：*</a:t>
+            </a:r>
+            <a:endParaRPr sz="791"/>
+          </a:p>
+          <a:p>
+            <a:pPr indent="0" lvl="0" marL="0" rtl="0" algn="l">
+              <a:lnSpc>
+                <a:spcPct val="95000"/>
+              </a:lnSpc>
+              <a:spcBef>
+                <a:spcPts val="1200"/>
+              </a:spcBef>
+              <a:spcAft>
+                <a:spcPts val="0"/>
+              </a:spcAft>
+              <a:buNone/>
+            </a:pPr>
+            <a:r>
+              <a:t/>
+            </a:r>
+            <a:endParaRPr sz="791"/>
+          </a:p>
+          <a:p>
+            <a:pPr indent="0" lvl="0" marL="0" rtl="0" algn="l">
+              <a:lnSpc>
+                <a:spcPct val="95000"/>
+              </a:lnSpc>
+              <a:spcBef>
+                <a:spcPts val="1200"/>
+              </a:spcBef>
+              <a:spcAft>
+                <a:spcPts val="0"/>
+              </a:spcAft>
+              <a:buNone/>
+            </a:pPr>
+            <a:r>
+              <a:rPr lang="ja" sz="791"/>
+              <a:t>1. **プロンプトチューニング**</a:t>
+            </a:r>
+            <a:endParaRPr sz="791"/>
+          </a:p>
+          <a:p>
+            <a:pPr indent="0" lvl="0" marL="0" rtl="0" algn="l">
+              <a:lnSpc>
+                <a:spcPct val="95000"/>
+              </a:lnSpc>
+              <a:spcBef>
+                <a:spcPts val="1200"/>
+              </a:spcBef>
+              <a:spcAft>
+                <a:spcPts val="0"/>
+              </a:spcAft>
+              <a:buNone/>
+            </a:pPr>
+            <a:r>
+              <a:rPr lang="ja" sz="791"/>
+              <a:t>    - **ドメイン固有の指示をプロンプトとして組み込む：**</a:t>
+            </a:r>
+            <a:endParaRPr sz="791"/>
+          </a:p>
+          <a:p>
+            <a:pPr indent="0" lvl="0" marL="0" rtl="0" algn="l">
+              <a:lnSpc>
+                <a:spcPct val="95000"/>
+              </a:lnSpc>
+              <a:spcBef>
+                <a:spcPts val="1200"/>
+              </a:spcBef>
+              <a:spcAft>
+                <a:spcPts val="0"/>
+              </a:spcAft>
+              <a:buNone/>
+            </a:pPr>
+            <a:r>
+              <a:rPr lang="ja" sz="791"/>
+              <a:t>        </a:t>
+            </a:r>
+            <a:endParaRPr sz="791"/>
+          </a:p>
+          <a:p>
+            <a:pPr indent="0" lvl="0" marL="0" rtl="0" algn="l">
+              <a:lnSpc>
+                <a:spcPct val="95000"/>
+              </a:lnSpc>
+              <a:spcBef>
+                <a:spcPts val="1200"/>
+              </a:spcBef>
+              <a:spcAft>
+                <a:spcPts val="0"/>
+              </a:spcAft>
+              <a:buNone/>
+            </a:pPr>
+            <a:r>
+              <a:rPr lang="ja" sz="791"/>
+              <a:t>        外部データから得られる手順やガイドラインを、LLMへの入力として提供します。これにより、モデルが特定のルールや手順に従って応答できます。</a:t>
+            </a:r>
+            <a:endParaRPr sz="791"/>
+          </a:p>
+          <a:p>
+            <a:pPr indent="0" lvl="0" marL="0" rtl="0" algn="l">
+              <a:lnSpc>
+                <a:spcPct val="95000"/>
+              </a:lnSpc>
+              <a:spcBef>
+                <a:spcPts val="1200"/>
+              </a:spcBef>
+              <a:spcAft>
+                <a:spcPts val="0"/>
+              </a:spcAft>
+              <a:buNone/>
+            </a:pPr>
+            <a:r>
+              <a:rPr lang="ja" sz="791"/>
+              <a:t>        </a:t>
+            </a:r>
+            <a:endParaRPr sz="791"/>
+          </a:p>
+          <a:p>
+            <a:pPr indent="0" lvl="0" marL="0" rtl="0" algn="l">
+              <a:lnSpc>
+                <a:spcPct val="95000"/>
+              </a:lnSpc>
+              <a:spcBef>
+                <a:spcPts val="1200"/>
+              </a:spcBef>
+              <a:spcAft>
+                <a:spcPts val="0"/>
+              </a:spcAft>
+              <a:buNone/>
+            </a:pPr>
+            <a:r>
+              <a:rPr lang="ja" sz="791"/>
+              <a:t>    - **強化学習を用いたプロンプト最適化：**</a:t>
+            </a:r>
+            <a:endParaRPr sz="791"/>
+          </a:p>
+          <a:p>
+            <a:pPr indent="0" lvl="0" marL="0" rtl="0" algn="l">
+              <a:lnSpc>
+                <a:spcPct val="95000"/>
+              </a:lnSpc>
+              <a:spcBef>
+                <a:spcPts val="1200"/>
+              </a:spcBef>
+              <a:spcAft>
+                <a:spcPts val="0"/>
+              </a:spcAft>
+              <a:buNone/>
+            </a:pPr>
+            <a:r>
+              <a:rPr lang="ja" sz="791"/>
+              <a:t>        </a:t>
+            </a:r>
+            <a:endParaRPr sz="791"/>
+          </a:p>
+          <a:p>
+            <a:pPr indent="0" lvl="0" marL="0" rtl="0" algn="l">
+              <a:lnSpc>
+                <a:spcPct val="95000"/>
+              </a:lnSpc>
+              <a:spcBef>
+                <a:spcPts val="1200"/>
+              </a:spcBef>
+              <a:spcAft>
+                <a:spcPts val="0"/>
+              </a:spcAft>
+              <a:buNone/>
+            </a:pPr>
+            <a:r>
+              <a:rPr lang="ja" sz="791"/>
+              <a:t>        TEMPERAやRlpromptなどの手法で、LLMの応答品質を報酬として、最適なプロンプトを自動的に探索します。</a:t>
+            </a:r>
+            <a:endParaRPr sz="791"/>
+          </a:p>
+          <a:p>
+            <a:pPr indent="0" lvl="0" marL="0" rtl="0" algn="l">
+              <a:lnSpc>
+                <a:spcPct val="95000"/>
+              </a:lnSpc>
+              <a:spcBef>
+                <a:spcPts val="1200"/>
+              </a:spcBef>
+              <a:spcAft>
+                <a:spcPts val="0"/>
+              </a:spcAft>
+              <a:buNone/>
+            </a:pPr>
+            <a:r>
+              <a:rPr lang="ja" sz="791"/>
+              <a:t>        </a:t>
+            </a:r>
+            <a:endParaRPr sz="791"/>
+          </a:p>
+          <a:p>
+            <a:pPr indent="0" lvl="0" marL="0" rtl="0" algn="l">
+              <a:lnSpc>
+                <a:spcPct val="95000"/>
+              </a:lnSpc>
+              <a:spcBef>
+                <a:spcPts val="1200"/>
+              </a:spcBef>
+              <a:spcAft>
+                <a:spcPts val="0"/>
+              </a:spcAft>
+              <a:buNone/>
+            </a:pPr>
+            <a:r>
+              <a:rPr lang="ja" sz="791"/>
+              <a:t>    - **LLM自身を用いたプロンプト生成：**</a:t>
+            </a:r>
+            <a:endParaRPr sz="791"/>
+          </a:p>
+          <a:p>
+            <a:pPr indent="0" lvl="0" marL="0" rtl="0" algn="l">
+              <a:lnSpc>
+                <a:spcPct val="95000"/>
+              </a:lnSpc>
+              <a:spcBef>
+                <a:spcPts val="1200"/>
+              </a:spcBef>
+              <a:spcAft>
+                <a:spcPts val="0"/>
+              </a:spcAft>
+              <a:buNone/>
+            </a:pPr>
+            <a:r>
+              <a:rPr lang="ja" sz="791"/>
+              <a:t>        </a:t>
+            </a:r>
+            <a:endParaRPr sz="791"/>
+          </a:p>
+          <a:p>
+            <a:pPr indent="0" lvl="0" marL="0" rtl="0" algn="l">
+              <a:lnSpc>
+                <a:spcPct val="95000"/>
+              </a:lnSpc>
+              <a:spcBef>
+                <a:spcPts val="1200"/>
+              </a:spcBef>
+              <a:spcAft>
+                <a:spcPts val="0"/>
+              </a:spcAft>
+              <a:buNone/>
+            </a:pPr>
+            <a:r>
+              <a:rPr lang="ja" sz="791"/>
+              <a:t>        OPROやReflexionのような手法で、LLMが自らの過去の応答を分析し、改善のためのフィードバックを生成します。</a:t>
+            </a:r>
+            <a:endParaRPr sz="791"/>
+          </a:p>
+          <a:p>
+            <a:pPr indent="0" lvl="0" marL="0" rtl="0" algn="l">
+              <a:lnSpc>
+                <a:spcPct val="95000"/>
+              </a:lnSpc>
+              <a:spcBef>
+                <a:spcPts val="1200"/>
+              </a:spcBef>
+              <a:spcAft>
+                <a:spcPts val="0"/>
+              </a:spcAft>
+              <a:buNone/>
+            </a:pPr>
+            <a:r>
+              <a:rPr lang="ja" sz="791"/>
+              <a:t>        </a:t>
+            </a:r>
+            <a:endParaRPr sz="791"/>
+          </a:p>
+          <a:p>
+            <a:pPr indent="0" lvl="0" marL="0" rtl="0" algn="l">
+              <a:lnSpc>
+                <a:spcPct val="95000"/>
+              </a:lnSpc>
+              <a:spcBef>
+                <a:spcPts val="1200"/>
+              </a:spcBef>
+              <a:spcAft>
+                <a:spcPts val="0"/>
+              </a:spcAft>
+              <a:buNone/>
+            </a:pPr>
+            <a:r>
+              <a:rPr lang="ja" sz="791"/>
+              <a:t>2. **Chain-of-Thought（CoT）プロンプト**</a:t>
+            </a:r>
+            <a:endParaRPr sz="791"/>
+          </a:p>
+          <a:p>
+            <a:pPr indent="0" lvl="0" marL="0" rtl="0" algn="l">
+              <a:lnSpc>
+                <a:spcPct val="95000"/>
+              </a:lnSpc>
+              <a:spcBef>
+                <a:spcPts val="1200"/>
+              </a:spcBef>
+              <a:spcAft>
+                <a:spcPts val="0"/>
+              </a:spcAft>
+              <a:buNone/>
+            </a:pPr>
+            <a:r>
+              <a:rPr lang="ja" sz="791"/>
+              <a:t>    - **思考の連鎖を明示的にモデル化：**</a:t>
+            </a:r>
+            <a:endParaRPr sz="791"/>
+          </a:p>
+          <a:p>
+            <a:pPr indent="0" lvl="0" marL="0" rtl="0" algn="l">
+              <a:lnSpc>
+                <a:spcPct val="95000"/>
+              </a:lnSpc>
+              <a:spcBef>
+                <a:spcPts val="1200"/>
+              </a:spcBef>
+              <a:spcAft>
+                <a:spcPts val="0"/>
+              </a:spcAft>
+              <a:buNone/>
+            </a:pPr>
+            <a:r>
+              <a:rPr lang="ja" sz="791"/>
+              <a:t>        </a:t>
+            </a:r>
+            <a:endParaRPr sz="791"/>
+          </a:p>
+          <a:p>
+            <a:pPr indent="0" lvl="0" marL="0" rtl="0" algn="l">
+              <a:lnSpc>
+                <a:spcPct val="95000"/>
+              </a:lnSpc>
+              <a:spcBef>
+                <a:spcPts val="1200"/>
+              </a:spcBef>
+              <a:spcAft>
+                <a:spcPts val="0"/>
+              </a:spcAft>
+              <a:buNone/>
+            </a:pPr>
+            <a:r>
+              <a:rPr lang="ja" sz="791"/>
+              <a:t>        問題解決の過程をステップバイステップで示すことで、複雑な推論が可能になります。手動でCoTプロンプトを設計するか、Automate-CoTのような自動化手法を用います。</a:t>
+            </a:r>
+            <a:endParaRPr sz="791"/>
+          </a:p>
+          <a:p>
+            <a:pPr indent="0" lvl="0" marL="0" rtl="0" algn="l">
+              <a:lnSpc>
+                <a:spcPct val="95000"/>
+              </a:lnSpc>
+              <a:spcBef>
+                <a:spcPts val="1200"/>
+              </a:spcBef>
+              <a:spcAft>
+                <a:spcPts val="0"/>
+              </a:spcAft>
+              <a:buNone/>
+            </a:pPr>
+            <a:r>
+              <a:rPr lang="ja" sz="791"/>
+              <a:t>        </a:t>
+            </a:r>
+            <a:endParaRPr sz="791"/>
+          </a:p>
+          <a:p>
+            <a:pPr indent="0" lvl="0" marL="0" rtl="0" algn="l">
+              <a:lnSpc>
+                <a:spcPct val="95000"/>
+              </a:lnSpc>
+              <a:spcBef>
+                <a:spcPts val="1200"/>
+              </a:spcBef>
+              <a:spcAft>
+                <a:spcPts val="0"/>
+              </a:spcAft>
+              <a:buNone/>
+            </a:pPr>
+            <a:r>
+              <a:rPr lang="ja" sz="791"/>
+              <a:t>    - **エージェントワークフローの構築：**</a:t>
+            </a:r>
+            <a:endParaRPr sz="791"/>
+          </a:p>
+          <a:p>
+            <a:pPr indent="0" lvl="0" marL="0" rtl="0" algn="l">
+              <a:lnSpc>
+                <a:spcPct val="95000"/>
+              </a:lnSpc>
+              <a:spcBef>
+                <a:spcPts val="1200"/>
+              </a:spcBef>
+              <a:spcAft>
+                <a:spcPts val="0"/>
+              </a:spcAft>
+              <a:buNone/>
+            </a:pPr>
+            <a:r>
+              <a:rPr lang="ja" sz="791"/>
+              <a:t>        </a:t>
+            </a:r>
+            <a:endParaRPr sz="791"/>
+          </a:p>
+          <a:p>
+            <a:pPr indent="0" lvl="0" marL="0" rtl="0" algn="l">
+              <a:lnSpc>
+                <a:spcPct val="95000"/>
+              </a:lnSpc>
+              <a:spcBef>
+                <a:spcPts val="1200"/>
+              </a:spcBef>
+              <a:spcAft>
+                <a:spcPts val="0"/>
+              </a:spcAft>
+              <a:buNone/>
+            </a:pPr>
+            <a:r>
+              <a:rPr lang="ja" sz="791"/>
+              <a:t>        複数のLLMエージェントが協力してタスクを遂行するシステムを構築します。MetaGPTやCoMLなどの手法で、専門分野の知識を持つエージェントを連携させます。</a:t>
+            </a:r>
+            <a:endParaRPr sz="791"/>
+          </a:p>
+          <a:p>
+            <a:pPr indent="0" lvl="0" marL="0" rtl="0" algn="l">
+              <a:lnSpc>
+                <a:spcPct val="95000"/>
+              </a:lnSpc>
+              <a:spcBef>
+                <a:spcPts val="1200"/>
+              </a:spcBef>
+              <a:spcAft>
+                <a:spcPts val="0"/>
+              </a:spcAft>
+              <a:buNone/>
+            </a:pPr>
+            <a:r>
+              <a:rPr lang="ja" sz="791"/>
+              <a:t>        </a:t>
+            </a:r>
+            <a:endParaRPr sz="791"/>
+          </a:p>
+          <a:p>
+            <a:pPr indent="0" lvl="0" marL="0" rtl="0" algn="l">
+              <a:lnSpc>
+                <a:spcPct val="95000"/>
+              </a:lnSpc>
+              <a:spcBef>
+                <a:spcPts val="1200"/>
+              </a:spcBef>
+              <a:spcAft>
+                <a:spcPts val="0"/>
+              </a:spcAft>
+              <a:buNone/>
+            </a:pPr>
+            <a:r>
+              <a:t/>
+            </a:r>
+            <a:endParaRPr sz="791"/>
+          </a:p>
+          <a:p>
+            <a:pPr indent="0" lvl="0" marL="0" rtl="0" algn="l">
+              <a:lnSpc>
+                <a:spcPct val="95000"/>
+              </a:lnSpc>
+              <a:spcBef>
+                <a:spcPts val="1200"/>
+              </a:spcBef>
+              <a:spcAft>
+                <a:spcPts val="0"/>
+              </a:spcAft>
+              <a:buNone/>
+            </a:pPr>
+            <a:r>
+              <a:rPr lang="ja" sz="791"/>
+              <a:t>---</a:t>
+            </a:r>
+            <a:endParaRPr sz="791"/>
+          </a:p>
+          <a:p>
+            <a:pPr indent="0" lvl="0" marL="0" rtl="0" algn="l">
+              <a:lnSpc>
+                <a:spcPct val="95000"/>
+              </a:lnSpc>
+              <a:spcBef>
+                <a:spcPts val="1200"/>
+              </a:spcBef>
+              <a:spcAft>
+                <a:spcPts val="0"/>
+              </a:spcAft>
+              <a:buNone/>
+            </a:pPr>
+            <a:r>
+              <a:t/>
+            </a:r>
+            <a:endParaRPr sz="791"/>
+          </a:p>
+          <a:p>
+            <a:pPr indent="0" lvl="0" marL="0" rtl="0" algn="l">
+              <a:lnSpc>
+                <a:spcPct val="95000"/>
+              </a:lnSpc>
+              <a:spcBef>
+                <a:spcPts val="1200"/>
+              </a:spcBef>
+              <a:spcAft>
+                <a:spcPts val="0"/>
+              </a:spcAft>
+              <a:buNone/>
+            </a:pPr>
+            <a:r>
+              <a:rPr lang="ja" sz="791"/>
+              <a:t>**レベル4：隠れた推論クエリ**</a:t>
+            </a:r>
+            <a:endParaRPr sz="791"/>
+          </a:p>
+          <a:p>
+            <a:pPr indent="0" lvl="0" marL="0" rtl="0" algn="l">
+              <a:lnSpc>
+                <a:spcPct val="95000"/>
+              </a:lnSpc>
+              <a:spcBef>
+                <a:spcPts val="1200"/>
+              </a:spcBef>
+              <a:spcAft>
+                <a:spcPts val="0"/>
+              </a:spcAft>
+              <a:buNone/>
+            </a:pPr>
+            <a:r>
+              <a:t/>
+            </a:r>
+            <a:endParaRPr sz="791"/>
+          </a:p>
+          <a:p>
+            <a:pPr indent="0" lvl="0" marL="0" rtl="0" algn="l">
+              <a:lnSpc>
+                <a:spcPct val="95000"/>
+              </a:lnSpc>
+              <a:spcBef>
+                <a:spcPts val="1200"/>
+              </a:spcBef>
+              <a:spcAft>
+                <a:spcPts val="0"/>
+              </a:spcAft>
+              <a:buNone/>
+            </a:pPr>
+            <a:r>
+              <a:rPr lang="ja" sz="791"/>
+              <a:t>*概要：*</a:t>
+            </a:r>
+            <a:endParaRPr sz="791"/>
+          </a:p>
+          <a:p>
+            <a:pPr indent="0" lvl="0" marL="0" rtl="0" algn="l">
+              <a:lnSpc>
+                <a:spcPct val="95000"/>
+              </a:lnSpc>
+              <a:spcBef>
+                <a:spcPts val="1200"/>
+              </a:spcBef>
+              <a:spcAft>
+                <a:spcPts val="0"/>
+              </a:spcAft>
+              <a:buNone/>
+            </a:pPr>
+            <a:r>
+              <a:t/>
+            </a:r>
+            <a:endParaRPr sz="791"/>
+          </a:p>
+          <a:p>
+            <a:pPr indent="0" lvl="0" marL="0" rtl="0" algn="l">
+              <a:lnSpc>
+                <a:spcPct val="95000"/>
+              </a:lnSpc>
+              <a:spcBef>
+                <a:spcPts val="1200"/>
+              </a:spcBef>
+              <a:spcAft>
+                <a:spcPts val="0"/>
+              </a:spcAft>
+              <a:buNone/>
+            </a:pPr>
+            <a:r>
+              <a:rPr lang="ja" sz="791"/>
+              <a:t>レベル4のクエリは、データ内に明示されていない専門知識や経験に基づく推論が必要な質問です。過去の事例や膨大な知識を元に、新たな問題に対処する必要があります。</a:t>
+            </a:r>
+            <a:endParaRPr sz="791"/>
+          </a:p>
+          <a:p>
+            <a:pPr indent="0" lvl="0" marL="0" rtl="0" algn="l">
+              <a:lnSpc>
+                <a:spcPct val="95000"/>
+              </a:lnSpc>
+              <a:spcBef>
+                <a:spcPts val="1200"/>
+              </a:spcBef>
+              <a:spcAft>
+                <a:spcPts val="0"/>
+              </a:spcAft>
+              <a:buNone/>
+            </a:pPr>
+            <a:r>
+              <a:t/>
+            </a:r>
+            <a:endParaRPr sz="791"/>
+          </a:p>
+          <a:p>
+            <a:pPr indent="0" lvl="0" marL="0" rtl="0" algn="l">
+              <a:lnSpc>
+                <a:spcPct val="95000"/>
+              </a:lnSpc>
+              <a:spcBef>
+                <a:spcPts val="1200"/>
+              </a:spcBef>
+              <a:spcAft>
+                <a:spcPts val="0"/>
+              </a:spcAft>
+              <a:buNone/>
+            </a:pPr>
+            <a:r>
+              <a:rPr lang="ja" sz="791"/>
+              <a:t>*最適手法：*</a:t>
+            </a:r>
+            <a:endParaRPr sz="791"/>
+          </a:p>
+          <a:p>
+            <a:pPr indent="0" lvl="0" marL="0" rtl="0" algn="l">
+              <a:lnSpc>
+                <a:spcPct val="95000"/>
+              </a:lnSpc>
+              <a:spcBef>
+                <a:spcPts val="1200"/>
+              </a:spcBef>
+              <a:spcAft>
+                <a:spcPts val="0"/>
+              </a:spcAft>
+              <a:buNone/>
+            </a:pPr>
+            <a:r>
+              <a:t/>
+            </a:r>
+            <a:endParaRPr sz="791"/>
+          </a:p>
+          <a:p>
+            <a:pPr indent="0" lvl="0" marL="0" rtl="0" algn="l">
+              <a:lnSpc>
+                <a:spcPct val="95000"/>
+              </a:lnSpc>
+              <a:spcBef>
+                <a:spcPts val="1200"/>
+              </a:spcBef>
+              <a:spcAft>
+                <a:spcPts val="0"/>
+              </a:spcAft>
+              <a:buNone/>
+            </a:pPr>
+            <a:r>
+              <a:rPr lang="ja" sz="791"/>
+              <a:t>1. **オフライン学習**</a:t>
+            </a:r>
+            <a:endParaRPr sz="791"/>
+          </a:p>
+          <a:p>
+            <a:pPr indent="0" lvl="0" marL="0" rtl="0" algn="l">
+              <a:lnSpc>
+                <a:spcPct val="95000"/>
+              </a:lnSpc>
+              <a:spcBef>
+                <a:spcPts val="1200"/>
+              </a:spcBef>
+              <a:spcAft>
+                <a:spcPts val="0"/>
+              </a:spcAft>
+              <a:buNone/>
+            </a:pPr>
+            <a:r>
+              <a:rPr lang="ja" sz="791"/>
+              <a:t>    - **ルールやガイドラインの抽出：**</a:t>
+            </a:r>
+            <a:endParaRPr sz="791"/>
+          </a:p>
+          <a:p>
+            <a:pPr indent="0" lvl="0" marL="0" rtl="0" algn="l">
+              <a:lnSpc>
+                <a:spcPct val="95000"/>
+              </a:lnSpc>
+              <a:spcBef>
+                <a:spcPts val="1200"/>
+              </a:spcBef>
+              <a:spcAft>
+                <a:spcPts val="0"/>
+              </a:spcAft>
+              <a:buNone/>
+            </a:pPr>
+            <a:r>
+              <a:rPr lang="ja" sz="791"/>
+              <a:t>        </a:t>
+            </a:r>
+            <a:endParaRPr sz="791"/>
+          </a:p>
+          <a:p>
+            <a:pPr indent="0" lvl="0" marL="0" rtl="0" algn="l">
+              <a:lnSpc>
+                <a:spcPct val="95000"/>
+              </a:lnSpc>
+              <a:spcBef>
+                <a:spcPts val="1200"/>
+              </a:spcBef>
+              <a:spcAft>
+                <a:spcPts val="0"/>
+              </a:spcAft>
+              <a:buNone/>
+            </a:pPr>
+            <a:r>
+              <a:rPr lang="ja" sz="791"/>
+              <a:t>        過去のデータから共通のパターンや原則を見つけ出し、モデルに組み込みます。例えば、GLやLEAPのような手法で、過去の誤答から学習し、一般的な原則を形成します。</a:t>
+            </a:r>
+            <a:endParaRPr sz="791"/>
+          </a:p>
+          <a:p>
+            <a:pPr indent="0" lvl="0" marL="0" rtl="0" algn="l">
+              <a:lnSpc>
+                <a:spcPct val="95000"/>
+              </a:lnSpc>
+              <a:spcBef>
+                <a:spcPts val="1200"/>
+              </a:spcBef>
+              <a:spcAft>
+                <a:spcPts val="0"/>
+              </a:spcAft>
+              <a:buNone/>
+            </a:pPr>
+            <a:r>
+              <a:rPr lang="ja" sz="791"/>
+              <a:t>        </a:t>
+            </a:r>
+            <a:endParaRPr sz="791"/>
+          </a:p>
+          <a:p>
+            <a:pPr indent="0" lvl="0" marL="0" rtl="0" algn="l">
+              <a:lnSpc>
+                <a:spcPct val="95000"/>
+              </a:lnSpc>
+              <a:spcBef>
+                <a:spcPts val="1200"/>
+              </a:spcBef>
+              <a:spcAft>
+                <a:spcPts val="0"/>
+              </a:spcAft>
+              <a:buNone/>
+            </a:pPr>
+            <a:r>
+              <a:rPr lang="ja" sz="791"/>
+              <a:t>    - **自己教師あり学習：**</a:t>
+            </a:r>
+            <a:endParaRPr sz="791"/>
+          </a:p>
+          <a:p>
+            <a:pPr indent="0" lvl="0" marL="0" rtl="0" algn="l">
+              <a:lnSpc>
+                <a:spcPct val="95000"/>
+              </a:lnSpc>
+              <a:spcBef>
+                <a:spcPts val="1200"/>
+              </a:spcBef>
+              <a:spcAft>
+                <a:spcPts val="0"/>
+              </a:spcAft>
+              <a:buNone/>
+            </a:pPr>
+            <a:r>
+              <a:rPr lang="ja" sz="791"/>
+              <a:t>        </a:t>
+            </a:r>
+            <a:endParaRPr sz="791"/>
+          </a:p>
+          <a:p>
+            <a:pPr indent="0" lvl="0" marL="0" rtl="0" algn="l">
+              <a:lnSpc>
+                <a:spcPct val="95000"/>
+              </a:lnSpc>
+              <a:spcBef>
+                <a:spcPts val="1200"/>
+              </a:spcBef>
+              <a:spcAft>
+                <a:spcPts val="0"/>
+              </a:spcAft>
+              <a:buNone/>
+            </a:pPr>
+            <a:r>
+              <a:rPr lang="ja" sz="791"/>
+              <a:t>        LLMが自ら生成した推論過程を学習し、未知の問題にも対応できるようにします。STaRやLXSなどの手法で、モデルの推論能力を強化します。</a:t>
+            </a:r>
+            <a:endParaRPr sz="791"/>
+          </a:p>
+          <a:p>
+            <a:pPr indent="0" lvl="0" marL="0" rtl="0" algn="l">
+              <a:lnSpc>
+                <a:spcPct val="95000"/>
+              </a:lnSpc>
+              <a:spcBef>
+                <a:spcPts val="1200"/>
+              </a:spcBef>
+              <a:spcAft>
+                <a:spcPts val="0"/>
+              </a:spcAft>
+              <a:buNone/>
+            </a:pPr>
+            <a:r>
+              <a:rPr lang="ja" sz="791"/>
+              <a:t>        </a:t>
+            </a:r>
+            <a:endParaRPr sz="791"/>
+          </a:p>
+          <a:p>
+            <a:pPr indent="0" lvl="0" marL="0" rtl="0" algn="l">
+              <a:lnSpc>
+                <a:spcPct val="95000"/>
+              </a:lnSpc>
+              <a:spcBef>
+                <a:spcPts val="1200"/>
+              </a:spcBef>
+              <a:spcAft>
+                <a:spcPts val="0"/>
+              </a:spcAft>
+              <a:buNone/>
+            </a:pPr>
+            <a:r>
+              <a:rPr lang="ja" sz="791"/>
+              <a:t>2. **インコンテキストラーニング（ICL）**</a:t>
+            </a:r>
+            <a:endParaRPr sz="791"/>
+          </a:p>
+          <a:p>
+            <a:pPr indent="0" lvl="0" marL="0" rtl="0" algn="l">
+              <a:lnSpc>
+                <a:spcPct val="95000"/>
+              </a:lnSpc>
+              <a:spcBef>
+                <a:spcPts val="1200"/>
+              </a:spcBef>
+              <a:spcAft>
+                <a:spcPts val="0"/>
+              </a:spcAft>
+              <a:buNone/>
+            </a:pPr>
+            <a:r>
+              <a:rPr lang="ja" sz="791"/>
+              <a:t>    - **関連する例をコンテキストとして提示：**</a:t>
+            </a:r>
+            <a:endParaRPr sz="791"/>
+          </a:p>
+          <a:p>
+            <a:pPr indent="0" lvl="0" marL="0" rtl="0" algn="l">
+              <a:lnSpc>
+                <a:spcPct val="95000"/>
+              </a:lnSpc>
+              <a:spcBef>
+                <a:spcPts val="1200"/>
+              </a:spcBef>
+              <a:spcAft>
+                <a:spcPts val="0"/>
+              </a:spcAft>
+              <a:buNone/>
+            </a:pPr>
+            <a:r>
+              <a:rPr lang="ja" sz="791"/>
+              <a:t>        </a:t>
+            </a:r>
+            <a:endParaRPr sz="791"/>
+          </a:p>
+          <a:p>
+            <a:pPr indent="0" lvl="0" marL="0" rtl="0" algn="l">
+              <a:lnSpc>
+                <a:spcPct val="95000"/>
+              </a:lnSpc>
+              <a:spcBef>
+                <a:spcPts val="1200"/>
+              </a:spcBef>
+              <a:spcAft>
+                <a:spcPts val="0"/>
+              </a:spcAft>
+              <a:buNone/>
+            </a:pPr>
+            <a:r>
+              <a:rPr lang="ja" sz="791"/>
+              <a:t>        モデルが少数の事例から学習し、新たな問題に適用します。OpenICLなどのフレームワークで、最適なデモンストレーションを選択します。</a:t>
+            </a:r>
+            <a:endParaRPr sz="791"/>
+          </a:p>
+          <a:p>
+            <a:pPr indent="0" lvl="0" marL="0" rtl="0" algn="l">
+              <a:lnSpc>
+                <a:spcPct val="95000"/>
+              </a:lnSpc>
+              <a:spcBef>
+                <a:spcPts val="1200"/>
+              </a:spcBef>
+              <a:spcAft>
+                <a:spcPts val="0"/>
+              </a:spcAft>
+              <a:buNone/>
+            </a:pPr>
+            <a:r>
+              <a:rPr lang="ja" sz="791"/>
+              <a:t>        </a:t>
+            </a:r>
+            <a:endParaRPr sz="791"/>
+          </a:p>
+          <a:p>
+            <a:pPr indent="0" lvl="0" marL="0" rtl="0" algn="l">
+              <a:lnSpc>
+                <a:spcPct val="95000"/>
+              </a:lnSpc>
+              <a:spcBef>
+                <a:spcPts val="1200"/>
+              </a:spcBef>
+              <a:spcAft>
+                <a:spcPts val="0"/>
+              </a:spcAft>
+              <a:buNone/>
+            </a:pPr>
+            <a:r>
+              <a:rPr lang="ja" sz="791"/>
+              <a:t>    - **デモンストレーションの最適化：**</a:t>
+            </a:r>
+            <a:endParaRPr sz="791"/>
+          </a:p>
+          <a:p>
+            <a:pPr indent="0" lvl="0" marL="0" rtl="0" algn="l">
+              <a:lnSpc>
+                <a:spcPct val="95000"/>
+              </a:lnSpc>
+              <a:spcBef>
+                <a:spcPts val="1200"/>
+              </a:spcBef>
+              <a:spcAft>
+                <a:spcPts val="0"/>
+              </a:spcAft>
+              <a:buNone/>
+            </a:pPr>
+            <a:r>
+              <a:rPr lang="ja" sz="791"/>
+              <a:t>        </a:t>
+            </a:r>
+            <a:endParaRPr sz="791"/>
+          </a:p>
+          <a:p>
+            <a:pPr indent="0" lvl="0" marL="0" rtl="0" algn="l">
+              <a:lnSpc>
+                <a:spcPct val="95000"/>
+              </a:lnSpc>
+              <a:spcBef>
+                <a:spcPts val="1200"/>
+              </a:spcBef>
+              <a:spcAft>
+                <a:spcPts val="0"/>
+              </a:spcAft>
+              <a:buNone/>
+            </a:pPr>
+            <a:r>
+              <a:rPr lang="ja" sz="791"/>
+              <a:t>        モデルの性能を向上させるために、関連性の高い例を選び、必要に応じて多様性を持たせます。Auto-CoTやDUPなどの手法で、モデルの理解力を高めます。</a:t>
+            </a:r>
+            <a:endParaRPr sz="791"/>
+          </a:p>
+          <a:p>
+            <a:pPr indent="0" lvl="0" marL="0" rtl="0" algn="l">
+              <a:lnSpc>
+                <a:spcPct val="95000"/>
+              </a:lnSpc>
+              <a:spcBef>
+                <a:spcPts val="1200"/>
+              </a:spcBef>
+              <a:spcAft>
+                <a:spcPts val="0"/>
+              </a:spcAft>
+              <a:buNone/>
+            </a:pPr>
+            <a:r>
+              <a:rPr lang="ja" sz="791"/>
+              <a:t>        </a:t>
+            </a:r>
+            <a:endParaRPr sz="791"/>
+          </a:p>
+          <a:p>
+            <a:pPr indent="0" lvl="0" marL="0" rtl="0" algn="l">
+              <a:lnSpc>
+                <a:spcPct val="95000"/>
+              </a:lnSpc>
+              <a:spcBef>
+                <a:spcPts val="1200"/>
+              </a:spcBef>
+              <a:spcAft>
+                <a:spcPts val="0"/>
+              </a:spcAft>
+              <a:buNone/>
+            </a:pPr>
+            <a:r>
+              <a:rPr lang="ja" sz="791"/>
+              <a:t>3. **ファインチューニング**</a:t>
+            </a:r>
+            <a:endParaRPr sz="791"/>
+          </a:p>
+          <a:p>
+            <a:pPr indent="0" lvl="0" marL="0" rtl="0" algn="l">
+              <a:lnSpc>
+                <a:spcPct val="95000"/>
+              </a:lnSpc>
+              <a:spcBef>
+                <a:spcPts val="1200"/>
+              </a:spcBef>
+              <a:spcAft>
+                <a:spcPts val="0"/>
+              </a:spcAft>
+              <a:buNone/>
+            </a:pPr>
+            <a:r>
+              <a:rPr lang="ja" sz="791"/>
+              <a:t>    - **専門的なデータでのモデル微調整：**</a:t>
+            </a:r>
+            <a:endParaRPr sz="791"/>
+          </a:p>
+          <a:p>
+            <a:pPr indent="0" lvl="0" marL="0" rtl="0" algn="l">
+              <a:lnSpc>
+                <a:spcPct val="95000"/>
+              </a:lnSpc>
+              <a:spcBef>
+                <a:spcPts val="1200"/>
+              </a:spcBef>
+              <a:spcAft>
+                <a:spcPts val="0"/>
+              </a:spcAft>
+              <a:buNone/>
+            </a:pPr>
+            <a:r>
+              <a:rPr lang="ja" sz="791"/>
+              <a:t>        </a:t>
+            </a:r>
+            <a:endParaRPr sz="791"/>
+          </a:p>
+          <a:p>
+            <a:pPr indent="0" lvl="0" marL="0" rtl="0" algn="l">
+              <a:lnSpc>
+                <a:spcPct val="95000"/>
+              </a:lnSpc>
+              <a:spcBef>
+                <a:spcPts val="1200"/>
+              </a:spcBef>
+              <a:spcAft>
+                <a:spcPts val="0"/>
+              </a:spcAft>
+              <a:buNone/>
+            </a:pPr>
+            <a:r>
+              <a:rPr lang="ja" sz="791"/>
+              <a:t>        医療、法律、金融などのドメイン固有のデータでLLMを再訓練し、専門知識を直接モデルに組み込みます。ChatDoctorやFinGPTなどのプロジェクトが該当します。</a:t>
+            </a:r>
+            <a:endParaRPr sz="791"/>
+          </a:p>
+          <a:p>
+            <a:pPr indent="0" lvl="0" marL="0" rtl="0" algn="l">
+              <a:lnSpc>
+                <a:spcPct val="95000"/>
+              </a:lnSpc>
+              <a:spcBef>
+                <a:spcPts val="1200"/>
+              </a:spcBef>
+              <a:spcAft>
+                <a:spcPts val="0"/>
+              </a:spcAft>
+              <a:buNone/>
+            </a:pPr>
+            <a:r>
+              <a:rPr lang="ja" sz="791"/>
+              <a:t>        </a:t>
+            </a:r>
+            <a:endParaRPr sz="791"/>
+          </a:p>
+          <a:p>
+            <a:pPr indent="0" lvl="0" marL="0" rtl="0" algn="l">
+              <a:lnSpc>
+                <a:spcPct val="95000"/>
+              </a:lnSpc>
+              <a:spcBef>
+                <a:spcPts val="1200"/>
+              </a:spcBef>
+              <a:spcAft>
+                <a:spcPts val="0"/>
+              </a:spcAft>
+              <a:buNone/>
+            </a:pPr>
+            <a:r>
+              <a:rPr lang="ja" sz="791"/>
+              <a:t>    - **効率的なチューニング手法の活用：**</a:t>
+            </a:r>
+            <a:endParaRPr sz="791"/>
+          </a:p>
+          <a:p>
+            <a:pPr indent="0" lvl="0" marL="0" rtl="0" algn="l">
+              <a:lnSpc>
+                <a:spcPct val="95000"/>
+              </a:lnSpc>
+              <a:spcBef>
+                <a:spcPts val="1200"/>
+              </a:spcBef>
+              <a:spcAft>
+                <a:spcPts val="0"/>
+              </a:spcAft>
+              <a:buNone/>
+            </a:pPr>
+            <a:r>
+              <a:rPr lang="ja" sz="791"/>
+              <a:t>        </a:t>
+            </a:r>
+            <a:endParaRPr sz="791"/>
+          </a:p>
+          <a:p>
+            <a:pPr indent="0" lvl="0" marL="0" rtl="0" algn="l">
+              <a:lnSpc>
+                <a:spcPct val="95000"/>
+              </a:lnSpc>
+              <a:spcBef>
+                <a:spcPts val="1200"/>
+              </a:spcBef>
+              <a:spcAft>
+                <a:spcPts val="0"/>
+              </a:spcAft>
+              <a:buNone/>
+            </a:pPr>
+            <a:r>
+              <a:rPr lang="ja" sz="791"/>
+              <a:t>        LoRAやAdapterなどの軽量な微調整手法を用いて、計算コストを削減しつつモデルを最適化します。</a:t>
+            </a:r>
+            <a:endParaRPr sz="791"/>
+          </a:p>
+          <a:p>
+            <a:pPr indent="0" lvl="0" marL="0" rtl="0" algn="l">
+              <a:lnSpc>
+                <a:spcPct val="95000"/>
+              </a:lnSpc>
+              <a:spcBef>
+                <a:spcPts val="1200"/>
+              </a:spcBef>
+              <a:spcAft>
+                <a:spcPts val="0"/>
+              </a:spcAft>
+              <a:buNone/>
+            </a:pPr>
+            <a:r>
+              <a:rPr lang="ja" sz="791"/>
+              <a:t>        </a:t>
+            </a:r>
+            <a:endParaRPr sz="791"/>
+          </a:p>
+          <a:p>
+            <a:pPr indent="0" lvl="0" marL="0" rtl="0" algn="l">
+              <a:lnSpc>
+                <a:spcPct val="95000"/>
+              </a:lnSpc>
+              <a:spcBef>
+                <a:spcPts val="1200"/>
+              </a:spcBef>
+              <a:spcAft>
+                <a:spcPts val="0"/>
+              </a:spcAft>
+              <a:buNone/>
+            </a:pPr>
+            <a:r>
+              <a:t/>
+            </a:r>
+            <a:endParaRPr sz="791"/>
+          </a:p>
+          <a:p>
+            <a:pPr indent="0" lvl="0" marL="0" rtl="0" algn="l">
+              <a:lnSpc>
+                <a:spcPct val="95000"/>
+              </a:lnSpc>
+              <a:spcBef>
+                <a:spcPts val="1200"/>
+              </a:spcBef>
+              <a:spcAft>
+                <a:spcPts val="0"/>
+              </a:spcAft>
+              <a:buNone/>
+            </a:pPr>
+            <a:r>
+              <a:rPr lang="ja" sz="791"/>
+              <a:t>**使用用途:**</a:t>
+            </a:r>
+            <a:endParaRPr sz="791"/>
+          </a:p>
+          <a:p>
+            <a:pPr indent="0" lvl="0" marL="0" rtl="0" algn="l">
+              <a:lnSpc>
+                <a:spcPct val="95000"/>
+              </a:lnSpc>
+              <a:spcBef>
+                <a:spcPts val="1200"/>
+              </a:spcBef>
+              <a:spcAft>
+                <a:spcPts val="0"/>
+              </a:spcAft>
+              <a:buNone/>
+            </a:pPr>
+            <a:r>
+              <a:t/>
+            </a:r>
+            <a:endParaRPr sz="791"/>
+          </a:p>
+          <a:p>
+            <a:pPr indent="0" lvl="0" marL="0" rtl="0" algn="l">
+              <a:lnSpc>
+                <a:spcPct val="95000"/>
+              </a:lnSpc>
+              <a:spcBef>
+                <a:spcPts val="1200"/>
+              </a:spcBef>
+              <a:spcAft>
+                <a:spcPts val="0"/>
+              </a:spcAft>
+              <a:buNone/>
+            </a:pPr>
+            <a:r>
+              <a:rPr lang="ja" sz="791"/>
+              <a:t>- **専門的な質問応答システム**</a:t>
+            </a:r>
+            <a:endParaRPr sz="791"/>
+          </a:p>
+          <a:p>
+            <a:pPr indent="0" lvl="0" marL="0" rtl="0" algn="l">
+              <a:lnSpc>
+                <a:spcPct val="95000"/>
+              </a:lnSpc>
+              <a:spcBef>
+                <a:spcPts val="1200"/>
+              </a:spcBef>
+              <a:spcAft>
+                <a:spcPts val="0"/>
+              </a:spcAft>
+              <a:buNone/>
+            </a:pPr>
+            <a:r>
+              <a:rPr lang="ja" sz="791"/>
+              <a:t>    </a:t>
+            </a:r>
+            <a:endParaRPr sz="791"/>
+          </a:p>
+          <a:p>
+            <a:pPr indent="0" lvl="0" marL="0" rtl="0" algn="l">
+              <a:lnSpc>
+                <a:spcPct val="95000"/>
+              </a:lnSpc>
+              <a:spcBef>
+                <a:spcPts val="1200"/>
+              </a:spcBef>
+              <a:spcAft>
+                <a:spcPts val="0"/>
+              </a:spcAft>
+              <a:buNone/>
+            </a:pPr>
+            <a:r>
+              <a:rPr lang="ja" sz="791"/>
+              <a:t>    医療、法律、金融などの分野で、専門知識に基づく正確な回答を提供。</a:t>
+            </a:r>
+            <a:endParaRPr sz="791"/>
+          </a:p>
+          <a:p>
+            <a:pPr indent="0" lvl="0" marL="0" rtl="0" algn="l">
+              <a:lnSpc>
+                <a:spcPct val="95000"/>
+              </a:lnSpc>
+              <a:spcBef>
+                <a:spcPts val="1200"/>
+              </a:spcBef>
+              <a:spcAft>
+                <a:spcPts val="0"/>
+              </a:spcAft>
+              <a:buNone/>
+            </a:pPr>
+            <a:r>
+              <a:rPr lang="ja" sz="791"/>
+              <a:t>    </a:t>
+            </a:r>
+            <a:endParaRPr sz="791"/>
+          </a:p>
+          <a:p>
+            <a:pPr indent="0" lvl="0" marL="0" rtl="0" algn="l">
+              <a:lnSpc>
+                <a:spcPct val="95000"/>
+              </a:lnSpc>
+              <a:spcBef>
+                <a:spcPts val="1200"/>
+              </a:spcBef>
+              <a:spcAft>
+                <a:spcPts val="0"/>
+              </a:spcAft>
+              <a:buNone/>
+            </a:pPr>
+            <a:r>
+              <a:rPr lang="ja" sz="791"/>
+              <a:t>- **知識ベースのエキスパートシステム**</a:t>
+            </a:r>
+            <a:endParaRPr sz="791"/>
+          </a:p>
+          <a:p>
+            <a:pPr indent="0" lvl="0" marL="0" rtl="0" algn="l">
+              <a:lnSpc>
+                <a:spcPct val="95000"/>
+              </a:lnSpc>
+              <a:spcBef>
+                <a:spcPts val="1200"/>
+              </a:spcBef>
+              <a:spcAft>
+                <a:spcPts val="0"/>
+              </a:spcAft>
+              <a:buNone/>
+            </a:pPr>
+            <a:r>
+              <a:rPr lang="ja" sz="791"/>
+              <a:t>    </a:t>
+            </a:r>
+            <a:endParaRPr sz="791"/>
+          </a:p>
+          <a:p>
+            <a:pPr indent="0" lvl="0" marL="0" rtl="0" algn="l">
+              <a:lnSpc>
+                <a:spcPct val="95000"/>
+              </a:lnSpc>
+              <a:spcBef>
+                <a:spcPts val="1200"/>
+              </a:spcBef>
+              <a:spcAft>
+                <a:spcPts val="0"/>
+              </a:spcAft>
+              <a:buNone/>
+            </a:pPr>
+            <a:r>
+              <a:rPr lang="ja" sz="791"/>
+              <a:t>    外部データを活用して、ユーザーの意思決定を支援するシステムの構築。</a:t>
+            </a:r>
+            <a:endParaRPr sz="791"/>
+          </a:p>
+          <a:p>
+            <a:pPr indent="0" lvl="0" marL="0" rtl="0" algn="l">
+              <a:lnSpc>
+                <a:spcPct val="95000"/>
+              </a:lnSpc>
+              <a:spcBef>
+                <a:spcPts val="1200"/>
+              </a:spcBef>
+              <a:spcAft>
+                <a:spcPts val="0"/>
+              </a:spcAft>
+              <a:buNone/>
+            </a:pPr>
+            <a:r>
+              <a:rPr lang="ja" sz="791"/>
+              <a:t>    </a:t>
+            </a:r>
+            <a:endParaRPr sz="791"/>
+          </a:p>
+          <a:p>
+            <a:pPr indent="0" lvl="0" marL="0" rtl="0" algn="l">
+              <a:lnSpc>
+                <a:spcPct val="95000"/>
+              </a:lnSpc>
+              <a:spcBef>
+                <a:spcPts val="1200"/>
+              </a:spcBef>
+              <a:spcAft>
+                <a:spcPts val="0"/>
+              </a:spcAft>
+              <a:buNone/>
+            </a:pPr>
+            <a:r>
+              <a:rPr lang="ja" sz="791"/>
+              <a:t>- **情報検索と要約**</a:t>
+            </a:r>
+            <a:endParaRPr sz="791"/>
+          </a:p>
+          <a:p>
+            <a:pPr indent="0" lvl="0" marL="0" rtl="0" algn="l">
+              <a:lnSpc>
+                <a:spcPct val="95000"/>
+              </a:lnSpc>
+              <a:spcBef>
+                <a:spcPts val="1200"/>
+              </a:spcBef>
+              <a:spcAft>
+                <a:spcPts val="0"/>
+              </a:spcAft>
+              <a:buNone/>
+            </a:pPr>
+            <a:r>
+              <a:rPr lang="ja" sz="791"/>
+              <a:t>    </a:t>
+            </a:r>
+            <a:endParaRPr sz="791"/>
+          </a:p>
+          <a:p>
+            <a:pPr indent="0" lvl="0" marL="0" rtl="0" algn="l">
+              <a:lnSpc>
+                <a:spcPct val="95000"/>
+              </a:lnSpc>
+              <a:spcBef>
+                <a:spcPts val="1200"/>
+              </a:spcBef>
+              <a:spcAft>
+                <a:spcPts val="0"/>
+              </a:spcAft>
+              <a:buNone/>
+            </a:pPr>
+            <a:r>
+              <a:rPr lang="ja" sz="791"/>
+              <a:t>    大量のドキュメントから必要な情報を効率的に抽出し、要約を提供。</a:t>
+            </a:r>
+            <a:endParaRPr sz="791"/>
+          </a:p>
+          <a:p>
+            <a:pPr indent="0" lvl="0" marL="0" rtl="0" algn="l">
+              <a:lnSpc>
+                <a:spcPct val="95000"/>
+              </a:lnSpc>
+              <a:spcBef>
+                <a:spcPts val="1200"/>
+              </a:spcBef>
+              <a:spcAft>
+                <a:spcPts val="1200"/>
+              </a:spcAft>
+              <a:buNone/>
+            </a:pPr>
+            <a:r>
+              <a:t/>
+            </a:r>
+            <a:endParaRPr sz="791"/>
+          </a:p>
+        </p:txBody>
+      </p:sp>
+    </p:spTree>
+  </p:cSld>
+  <p:clrMapOvr>
+    <a:masterClrMapping/>
+  </p:clrMapOvr>
+</p:sld>
+</file>
+
+<file path=ppt/slides/slide29.xml><?xml version="1.0" encoding="utf-8"?>
+<p:sld xmlns:a="http://schemas.openxmlformats.org/drawingml/2006/main" xmlns:r="http://schemas.openxmlformats.org/officeDocument/2006/relationships" xmlns:mc="http://schemas.openxmlformats.org/markup-compatibility/2006" xmlns:mv="urn:schemas-microsoft-com:mac:vml" xmlns:p="http://schemas.openxmlformats.org/presentationml/2006/main" xmlns:c="http://schemas.openxmlformats.org/drawingml/2006/chart" xmlns:dgm="http://schemas.openxmlformats.org/drawingml/2006/diagram" xmlns:o="urn:schemas-microsoft-com:office:office" xmlns:v="urn:schemas-microsoft-com:vml" xmlns:pvml="urn:schemas-microsoft-com:office:powerpoint" xmlns:com="http://schemas.openxmlformats.org/drawingml/2006/compatibility" xmlns:p14="http://schemas.microsoft.com/office/powerpoint/2010/main" xmlns:p15="http://schemas.microsoft.com/office/powerpoint/2012/main" xmlns:ahyp="http://schemas.microsoft.com/office/drawing/2018/hyperlinkcolor">
+  <p:cSld>
+    <p:spTree>
+      <p:nvGrpSpPr>
+        <p:cNvPr id="199" name="Shape 199"/>
+        <p:cNvGrpSpPr/>
+        <p:nvPr/>
+      </p:nvGrpSpPr>
+      <p:grpSpPr>
+        <a:xfrm>
+          <a:off x="0" y="0"/>
+          <a:ext cx="0" cy="0"/>
+          <a:chOff x="0" y="0"/>
+          <a:chExt cx="0" cy="0"/>
+        </a:xfrm>
+      </p:grpSpPr>
+      <p:sp>
+        <p:nvSpPr>
+          <p:cNvPr id="200" name="Google Shape;200;p41"/>
+          <p:cNvSpPr txBox="1"/>
+          <p:nvPr>
+            <p:ph idx="1" type="body"/>
+          </p:nvPr>
+        </p:nvSpPr>
+        <p:spPr>
+          <a:xfrm>
+            <a:off x="0" y="0"/>
+            <a:ext cx="9144000" cy="5049600"/>
+          </a:xfrm>
+          <a:prstGeom prst="rect">
+            <a:avLst/>
+          </a:prstGeom>
+        </p:spPr>
+        <p:txBody>
+          <a:bodyPr anchorCtr="0" anchor="t" bIns="91425" lIns="91425" spcFirstLastPara="1" rIns="91425" wrap="square" tIns="91425">
+            <a:noAutofit/>
+          </a:bodyPr>
+          <a:lstStyle/>
+          <a:p>
+            <a:pPr indent="0" lvl="0" marL="0" rtl="0" algn="l">
+              <a:lnSpc>
+                <a:spcPct val="95000"/>
+              </a:lnSpc>
+              <a:spcBef>
+                <a:spcPts val="1200"/>
+              </a:spcBef>
+              <a:spcAft>
+                <a:spcPts val="0"/>
+              </a:spcAft>
+              <a:buNone/>
+            </a:pPr>
+            <a:r>
+              <a:rPr lang="ja" sz="791"/>
+              <a:t># COMPOSITIONAL HARDNESS OF CODE IN LARGE LANGUAGE MODELS - A PROBABILISTIC PERSPECTIVE 大規模言語モデルにおけるコードの合成的困難性 - 確率的視点から</a:t>
+            </a:r>
+            <a:endParaRPr sz="791"/>
+          </a:p>
+          <a:p>
+            <a:pPr indent="0" lvl="0" marL="0" rtl="0" algn="l">
+              <a:lnSpc>
+                <a:spcPct val="95000"/>
+              </a:lnSpc>
+              <a:spcBef>
+                <a:spcPts val="1200"/>
+              </a:spcBef>
+              <a:spcAft>
+                <a:spcPts val="0"/>
+              </a:spcAft>
+              <a:buNone/>
+            </a:pPr>
+            <a:r>
+              <a:t/>
+            </a:r>
+            <a:endParaRPr sz="791"/>
+          </a:p>
+          <a:p>
+            <a:pPr indent="0" lvl="0" marL="0" rtl="0" algn="l">
+              <a:lnSpc>
+                <a:spcPct val="95000"/>
+              </a:lnSpc>
+              <a:spcBef>
+                <a:spcPts val="1200"/>
+              </a:spcBef>
+              <a:spcAft>
+                <a:spcPts val="0"/>
+              </a:spcAft>
+              <a:buNone/>
+            </a:pPr>
+            <a:r>
+              <a:rPr lang="ja" sz="791"/>
+              <a:t>概要: LLMが同じコンテキスト内で複数のサブタスクを実行するときに回の長さと比例して指数関数的に合成困難性が増えます</a:t>
+            </a:r>
+            <a:endParaRPr sz="791"/>
+          </a:p>
+          <a:p>
+            <a:pPr indent="0" lvl="0" marL="0" rtl="0" algn="l">
+              <a:lnSpc>
+                <a:spcPct val="95000"/>
+              </a:lnSpc>
+              <a:spcBef>
+                <a:spcPts val="1200"/>
+              </a:spcBef>
+              <a:spcAft>
+                <a:spcPts val="0"/>
+              </a:spcAft>
+              <a:buNone/>
+            </a:pPr>
+            <a:r>
+              <a:rPr lang="ja" sz="791"/>
+              <a:t>この場合、問題を複数のエージェントに分散させると効率的になるということを生成複雑性N(P,x)を問題xに対する正解yの逆数1/P(y|x)として定義しました</a:t>
+            </a:r>
+            <a:endParaRPr sz="791"/>
+          </a:p>
+          <a:p>
+            <a:pPr indent="0" lvl="0" marL="0" rtl="0" algn="l">
+              <a:lnSpc>
+                <a:spcPct val="95000"/>
+              </a:lnSpc>
+              <a:spcBef>
+                <a:spcPts val="1200"/>
+              </a:spcBef>
+              <a:spcAft>
+                <a:spcPts val="0"/>
+              </a:spcAft>
+              <a:buNone/>
+            </a:pPr>
+            <a:r>
+              <a:t/>
+            </a:r>
+            <a:endParaRPr sz="791"/>
+          </a:p>
+          <a:p>
+            <a:pPr indent="0" lvl="0" marL="0" rtl="0" algn="l">
+              <a:lnSpc>
+                <a:spcPct val="95000"/>
+              </a:lnSpc>
+              <a:spcBef>
+                <a:spcPts val="1200"/>
+              </a:spcBef>
+              <a:spcAft>
+                <a:spcPts val="0"/>
+              </a:spcAft>
+              <a:buNone/>
+            </a:pPr>
+            <a:r>
+              <a:rPr lang="ja" sz="791"/>
+              <a:t>**技術や手法**</a:t>
+            </a:r>
+            <a:endParaRPr sz="791"/>
+          </a:p>
+          <a:p>
+            <a:pPr indent="0" lvl="0" marL="0" rtl="0" algn="l">
+              <a:lnSpc>
+                <a:spcPct val="95000"/>
+              </a:lnSpc>
+              <a:spcBef>
+                <a:spcPts val="1200"/>
+              </a:spcBef>
+              <a:spcAft>
+                <a:spcPts val="0"/>
+              </a:spcAft>
+              <a:buNone/>
+            </a:pPr>
+            <a:r>
+              <a:t/>
+            </a:r>
+            <a:endParaRPr sz="791"/>
+          </a:p>
+          <a:p>
+            <a:pPr indent="0" lvl="0" marL="0" rtl="0" algn="l">
+              <a:lnSpc>
+                <a:spcPct val="95000"/>
+              </a:lnSpc>
+              <a:spcBef>
+                <a:spcPts val="1200"/>
+              </a:spcBef>
+              <a:spcAft>
+                <a:spcPts val="0"/>
+              </a:spcAft>
+              <a:buNone/>
+            </a:pPr>
+            <a:r>
+              <a:rPr lang="ja" sz="791"/>
+              <a:t>本研究では、以下の技術と手法を詳細に説明しています。</a:t>
+            </a:r>
+            <a:endParaRPr sz="791"/>
+          </a:p>
+          <a:p>
+            <a:pPr indent="0" lvl="0" marL="0" rtl="0" algn="l">
+              <a:lnSpc>
+                <a:spcPct val="95000"/>
+              </a:lnSpc>
+              <a:spcBef>
+                <a:spcPts val="1200"/>
+              </a:spcBef>
+              <a:spcAft>
+                <a:spcPts val="0"/>
+              </a:spcAft>
+              <a:buNone/>
+            </a:pPr>
+            <a:r>
+              <a:t/>
+            </a:r>
+            <a:endParaRPr sz="791"/>
+          </a:p>
+          <a:p>
+            <a:pPr indent="0" lvl="0" marL="0" rtl="0" algn="l">
+              <a:lnSpc>
+                <a:spcPct val="95000"/>
+              </a:lnSpc>
+              <a:spcBef>
+                <a:spcPts val="1200"/>
+              </a:spcBef>
+              <a:spcAft>
+                <a:spcPts val="0"/>
+              </a:spcAft>
+              <a:buNone/>
+            </a:pPr>
+            <a:r>
+              <a:rPr lang="ja" sz="791"/>
+              <a:t>1. **生成複雑性メトリックの定義**: 生成複雑性 N(P,x)N(P, x)N(P,x) を、問題 xxx に対する正しい解 yyy の確率の逆数として定義します。N(P,x)=P(y∣x)1​</a:t>
+            </a:r>
+            <a:endParaRPr sz="791"/>
+          </a:p>
+          <a:p>
+            <a:pPr indent="0" lvl="0" marL="0" rtl="0" algn="l">
+              <a:lnSpc>
+                <a:spcPct val="95000"/>
+              </a:lnSpc>
+              <a:spcBef>
+                <a:spcPts val="1200"/>
+              </a:spcBef>
+              <a:spcAft>
+                <a:spcPts val="0"/>
+              </a:spcAft>
+              <a:buNone/>
+            </a:pPr>
+            <a:r>
+              <a:rPr lang="ja" sz="791"/>
+              <a:t>    </a:t>
+            </a:r>
+            <a:endParaRPr sz="791"/>
+          </a:p>
+          <a:p>
+            <a:pPr indent="0" lvl="0" marL="0" rtl="0" algn="l">
+              <a:lnSpc>
+                <a:spcPct val="95000"/>
+              </a:lnSpc>
+              <a:spcBef>
+                <a:spcPts val="1200"/>
+              </a:spcBef>
+              <a:spcAft>
+                <a:spcPts val="0"/>
+              </a:spcAft>
+              <a:buNone/>
+            </a:pPr>
+            <a:r>
+              <a:rPr lang="ja" sz="791"/>
+              <a:t>    N(P,x)=1P(y∣x)N(P, x) = \frac{1}{P(y|x)}</a:t>
+            </a:r>
+            <a:endParaRPr sz="791"/>
+          </a:p>
+          <a:p>
+            <a:pPr indent="0" lvl="0" marL="0" rtl="0" algn="l">
+              <a:lnSpc>
+                <a:spcPct val="95000"/>
+              </a:lnSpc>
+              <a:spcBef>
+                <a:spcPts val="1200"/>
+              </a:spcBef>
+              <a:spcAft>
+                <a:spcPts val="0"/>
+              </a:spcAft>
+              <a:buNone/>
+            </a:pPr>
+            <a:r>
+              <a:rPr lang="ja" sz="791"/>
+              <a:t>    </a:t>
+            </a:r>
+            <a:endParaRPr sz="791"/>
+          </a:p>
+          <a:p>
+            <a:pPr indent="0" lvl="0" marL="0" rtl="0" algn="l">
+              <a:lnSpc>
+                <a:spcPct val="95000"/>
+              </a:lnSpc>
+              <a:spcBef>
+                <a:spcPts val="1200"/>
+              </a:spcBef>
+              <a:spcAft>
+                <a:spcPts val="0"/>
+              </a:spcAft>
+              <a:buNone/>
+            </a:pPr>
+            <a:r>
+              <a:rPr lang="ja" sz="791"/>
+              <a:t>    これは、少なくとも1つの正しい解を得るために必要なモデルの生成回数を示します。</a:t>
+            </a:r>
+            <a:endParaRPr sz="791"/>
+          </a:p>
+          <a:p>
+            <a:pPr indent="0" lvl="0" marL="0" rtl="0" algn="l">
+              <a:lnSpc>
+                <a:spcPct val="95000"/>
+              </a:lnSpc>
+              <a:spcBef>
+                <a:spcPts val="1200"/>
+              </a:spcBef>
+              <a:spcAft>
+                <a:spcPts val="0"/>
+              </a:spcAft>
+              <a:buNone/>
+            </a:pPr>
+            <a:r>
+              <a:rPr lang="ja" sz="791"/>
+              <a:t>    </a:t>
+            </a:r>
+            <a:endParaRPr sz="791"/>
+          </a:p>
+          <a:p>
+            <a:pPr indent="0" lvl="0" marL="0" rtl="0" algn="l">
+              <a:lnSpc>
+                <a:spcPct val="95000"/>
+              </a:lnSpc>
+              <a:spcBef>
+                <a:spcPts val="1200"/>
+              </a:spcBef>
+              <a:spcAft>
+                <a:spcPts val="0"/>
+              </a:spcAft>
+              <a:buNone/>
+            </a:pPr>
+            <a:r>
+              <a:rPr lang="ja" sz="791"/>
+              <a:t>2. **合成問題のモデル化**: 合成問題を2つの単純なコード問題の組み合わせとしてモデル化し、その解が各サブ問題の解の連結で表せると仮定します。</a:t>
+            </a:r>
+            <a:endParaRPr sz="791"/>
+          </a:p>
+          <a:p>
+            <a:pPr indent="0" lvl="0" marL="0" rtl="0" algn="l">
+              <a:lnSpc>
+                <a:spcPct val="95000"/>
+              </a:lnSpc>
+              <a:spcBef>
+                <a:spcPts val="1200"/>
+              </a:spcBef>
+              <a:spcAft>
+                <a:spcPts val="0"/>
+              </a:spcAft>
+              <a:buNone/>
+            </a:pPr>
+            <a:r>
+              <a:rPr lang="ja" sz="791"/>
+              <a:t>3. **スクリーン効果の導入**: オートレグレッシブなLLMが合成問題を解く際、以前に生成されたトークンが後続のトークン生成にノイズを導入し、正しい解の生成確率を減少させる「スクリーン効果」があると仮定します。</a:t>
+            </a:r>
+            <a:endParaRPr sz="791"/>
+          </a:p>
+          <a:p>
+            <a:pPr indent="0" lvl="0" marL="0" rtl="0" algn="l">
+              <a:lnSpc>
+                <a:spcPct val="95000"/>
+              </a:lnSpc>
+              <a:spcBef>
+                <a:spcPts val="1200"/>
+              </a:spcBef>
+              <a:spcAft>
+                <a:spcPts val="0"/>
+              </a:spcAft>
+              <a:buNone/>
+            </a:pPr>
+            <a:r>
+              <a:rPr lang="ja" sz="791"/>
+              <a:t>4. **理論的証明**: 確率論的手法と濃度不等式を用いて、合成問題の生成複雑性が各サブ問題の生成複雑性の積よりも指数関数的に大きくなることを証明します。具体的には、以下の不等式を導出します。N(P,x)≥N(P,x1​)N(P,x2​)⋅eΔ(L1​+L2​)/4</a:t>
+            </a:r>
+            <a:endParaRPr sz="791"/>
+          </a:p>
+          <a:p>
+            <a:pPr indent="0" lvl="0" marL="0" rtl="0" algn="l">
+              <a:lnSpc>
+                <a:spcPct val="95000"/>
+              </a:lnSpc>
+              <a:spcBef>
+                <a:spcPts val="1200"/>
+              </a:spcBef>
+              <a:spcAft>
+                <a:spcPts val="0"/>
+              </a:spcAft>
+              <a:buNone/>
+            </a:pPr>
+            <a:r>
+              <a:rPr lang="ja" sz="791"/>
+              <a:t>    </a:t>
+            </a:r>
+            <a:endParaRPr sz="791"/>
+          </a:p>
+          <a:p>
+            <a:pPr indent="0" lvl="0" marL="0" rtl="0" algn="l">
+              <a:lnSpc>
+                <a:spcPct val="95000"/>
+              </a:lnSpc>
+              <a:spcBef>
+                <a:spcPts val="1200"/>
+              </a:spcBef>
+              <a:spcAft>
+                <a:spcPts val="0"/>
+              </a:spcAft>
+              <a:buNone/>
+            </a:pPr>
+            <a:r>
+              <a:rPr lang="ja" sz="791"/>
+              <a:t>    N(P,x)≥N(P,x1)N(P,x2)⋅eΔ(L1+L2)/4N(P, x) \geq N(P, x_1)N(P, x_2) \cdot e^{\Delta(L_1 + L_2)/4}</a:t>
+            </a:r>
+            <a:endParaRPr sz="791"/>
+          </a:p>
+          <a:p>
+            <a:pPr indent="0" lvl="0" marL="0" rtl="0" algn="l">
+              <a:lnSpc>
+                <a:spcPct val="95000"/>
+              </a:lnSpc>
+              <a:spcBef>
+                <a:spcPts val="1200"/>
+              </a:spcBef>
+              <a:spcAft>
+                <a:spcPts val="0"/>
+              </a:spcAft>
+              <a:buNone/>
+            </a:pPr>
+            <a:r>
+              <a:rPr lang="ja" sz="791"/>
+              <a:t>    </a:t>
+            </a:r>
+            <a:endParaRPr sz="791"/>
+          </a:p>
+          <a:p>
+            <a:pPr indent="0" lvl="0" marL="0" rtl="0" algn="l">
+              <a:lnSpc>
+                <a:spcPct val="95000"/>
+              </a:lnSpc>
+              <a:spcBef>
+                <a:spcPts val="1200"/>
+              </a:spcBef>
+              <a:spcAft>
+                <a:spcPts val="0"/>
+              </a:spcAft>
+              <a:buNone/>
+            </a:pPr>
+            <a:r>
+              <a:rPr lang="ja" sz="791"/>
+              <a:t>    ここで、Δ\DeltaΔ はリノーマライゼーション項の平均、L1,L2L_1, L_2L1​,L2​ は各サブ問題の解の長さです。</a:t>
+            </a:r>
+            <a:endParaRPr sz="791"/>
+          </a:p>
+          <a:p>
+            <a:pPr indent="0" lvl="0" marL="0" rtl="0" algn="l">
+              <a:lnSpc>
+                <a:spcPct val="95000"/>
+              </a:lnSpc>
+              <a:spcBef>
+                <a:spcPts val="1200"/>
+              </a:spcBef>
+              <a:spcAft>
+                <a:spcPts val="0"/>
+              </a:spcAft>
+              <a:buNone/>
+            </a:pPr>
+            <a:r>
+              <a:rPr lang="ja" sz="791"/>
+              <a:t>    </a:t>
+            </a:r>
+            <a:endParaRPr sz="791"/>
+          </a:p>
+          <a:p>
+            <a:pPr indent="0" lvl="0" marL="0" rtl="0" algn="l">
+              <a:lnSpc>
+                <a:spcPct val="95000"/>
+              </a:lnSpc>
+              <a:spcBef>
+                <a:spcPts val="1200"/>
+              </a:spcBef>
+              <a:spcAft>
+                <a:spcPts val="0"/>
+              </a:spcAft>
+              <a:buNone/>
+            </a:pPr>
+            <a:r>
+              <a:rPr lang="ja" sz="791"/>
+              <a:t>5. **実験的検証**: Llama 3などの実際のLLMを用いて、理論的な結果を実証します。具体的には、コード生成タスクにおける合成問題とサブ問題の生成複雑性を比較し、理論的な予測と一致することを確認しています。</a:t>
+            </a:r>
+            <a:endParaRPr sz="791"/>
+          </a:p>
+          <a:p>
+            <a:pPr indent="0" lvl="0" marL="0" rtl="0" algn="l">
+              <a:lnSpc>
+                <a:spcPct val="95000"/>
+              </a:lnSpc>
+              <a:spcBef>
+                <a:spcPts val="1200"/>
+              </a:spcBef>
+              <a:spcAft>
+                <a:spcPts val="0"/>
+              </a:spcAft>
+              <a:buNone/>
+            </a:pPr>
+            <a:r>
+              <a:rPr lang="ja" sz="791"/>
+              <a:t>6. **スクリーン効果の影響分析**: ノイズがログイットやトークンの確率分布に与える影響を解析し、その結果が合成問題の難易度を増加させる要因であることを示しています。</a:t>
+            </a:r>
+            <a:endParaRPr sz="791"/>
+          </a:p>
+          <a:p>
+            <a:pPr indent="0" lvl="0" marL="0" rtl="0" algn="l">
+              <a:lnSpc>
+                <a:spcPct val="95000"/>
+              </a:lnSpc>
+              <a:spcBef>
+                <a:spcPts val="1200"/>
+              </a:spcBef>
+              <a:spcAft>
+                <a:spcPts val="0"/>
+              </a:spcAft>
+              <a:buNone/>
+            </a:pPr>
+            <a:r>
+              <a:t/>
+            </a:r>
+            <a:endParaRPr sz="791"/>
+          </a:p>
+          <a:p>
+            <a:pPr indent="0" lvl="0" marL="0" rtl="0" algn="l">
+              <a:lnSpc>
+                <a:spcPct val="95000"/>
+              </a:lnSpc>
+              <a:spcBef>
+                <a:spcPts val="1200"/>
+              </a:spcBef>
+              <a:spcAft>
+                <a:spcPts val="0"/>
+              </a:spcAft>
+              <a:buNone/>
+            </a:pPr>
+            <a:r>
+              <a:rPr lang="ja" sz="791"/>
+              <a:t>---</a:t>
+            </a:r>
+            <a:endParaRPr sz="791"/>
+          </a:p>
+          <a:p>
+            <a:pPr indent="0" lvl="0" marL="0" rtl="0" algn="l">
+              <a:lnSpc>
+                <a:spcPct val="95000"/>
+              </a:lnSpc>
+              <a:spcBef>
+                <a:spcPts val="1200"/>
+              </a:spcBef>
+              <a:spcAft>
+                <a:spcPts val="0"/>
+              </a:spcAft>
+              <a:buNone/>
+            </a:pPr>
+            <a:r>
+              <a:t/>
+            </a:r>
+            <a:endParaRPr sz="791"/>
+          </a:p>
+          <a:p>
+            <a:pPr indent="0" lvl="0" marL="0" rtl="0" algn="l">
+              <a:lnSpc>
+                <a:spcPct val="95000"/>
+              </a:lnSpc>
+              <a:spcBef>
+                <a:spcPts val="1200"/>
+              </a:spcBef>
+              <a:spcAft>
+                <a:spcPts val="0"/>
+              </a:spcAft>
+              <a:buNone/>
+            </a:pPr>
+            <a:r>
+              <a:rPr lang="ja" sz="791"/>
+              <a:t>**使用用途**</a:t>
+            </a:r>
+            <a:endParaRPr sz="791"/>
+          </a:p>
+          <a:p>
+            <a:pPr indent="0" lvl="0" marL="0" rtl="0" algn="l">
+              <a:lnSpc>
+                <a:spcPct val="95000"/>
+              </a:lnSpc>
+              <a:spcBef>
+                <a:spcPts val="1200"/>
+              </a:spcBef>
+              <a:spcAft>
+                <a:spcPts val="0"/>
+              </a:spcAft>
+              <a:buNone/>
+            </a:pPr>
+            <a:r>
+              <a:t/>
+            </a:r>
+            <a:endParaRPr sz="791"/>
+          </a:p>
+          <a:p>
+            <a:pPr indent="0" lvl="0" marL="0" rtl="0" algn="l">
+              <a:lnSpc>
+                <a:spcPct val="95000"/>
+              </a:lnSpc>
+              <a:spcBef>
+                <a:spcPts val="1200"/>
+              </a:spcBef>
+              <a:spcAft>
+                <a:spcPts val="0"/>
+              </a:spcAft>
+              <a:buNone/>
+            </a:pPr>
+            <a:r>
+              <a:rPr lang="ja" sz="791"/>
+              <a:t>この研究の結果は、LLMを用いたコード生成や複雑なタスクの解決において、タスクを複数のエージェントに分散することの有効性を示唆しています。これにより、大規模なプログラム生成や複雑な問題解決において、より効率的なアプローチを設計する際の指針となります。</a:t>
+            </a:r>
+            <a:endParaRPr sz="791"/>
+          </a:p>
+          <a:p>
+            <a:pPr indent="0" lvl="0" marL="0" rtl="0" algn="l">
+              <a:lnSpc>
+                <a:spcPct val="95000"/>
+              </a:lnSpc>
+              <a:spcBef>
+                <a:spcPts val="1200"/>
+              </a:spcBef>
+              <a:spcAft>
+                <a:spcPts val="1200"/>
+              </a:spcAft>
+              <a:buNone/>
+            </a:pPr>
+            <a:r>
+              <a:t/>
+            </a:r>
+            <a:endParaRPr sz="791"/>
           </a:p>
         </p:txBody>
       </p:sp>
@@ -24972,6 +32189,71 @@
 </p:sld>
 </file>
 
+<file path=ppt/slides/slide30.xml><?xml version="1.0" encoding="utf-8"?>
+<p:sld xmlns:a="http://schemas.openxmlformats.org/drawingml/2006/main" xmlns:r="http://schemas.openxmlformats.org/officeDocument/2006/relationships" xmlns:mc="http://schemas.openxmlformats.org/markup-compatibility/2006" xmlns:mv="urn:schemas-microsoft-com:mac:vml" xmlns:p="http://schemas.openxmlformats.org/presentationml/2006/main" xmlns:c="http://schemas.openxmlformats.org/drawingml/2006/chart" xmlns:dgm="http://schemas.openxmlformats.org/drawingml/2006/diagram" xmlns:o="urn:schemas-microsoft-com:office:office" xmlns:v="urn:schemas-microsoft-com:vml" xmlns:pvml="urn:schemas-microsoft-com:office:powerpoint" xmlns:com="http://schemas.openxmlformats.org/drawingml/2006/compatibility" xmlns:p14="http://schemas.microsoft.com/office/powerpoint/2010/main" xmlns:p15="http://schemas.microsoft.com/office/powerpoint/2012/main" xmlns:ahyp="http://schemas.microsoft.com/office/drawing/2018/hyperlinkcolor">
+  <p:cSld>
+    <p:spTree>
+      <p:nvGrpSpPr>
+        <p:cNvPr id="204" name="Shape 204"/>
+        <p:cNvGrpSpPr/>
+        <p:nvPr/>
+      </p:nvGrpSpPr>
+      <p:grpSpPr>
+        <a:xfrm>
+          <a:off x="0" y="0"/>
+          <a:ext cx="0" cy="0"/>
+          <a:chOff x="0" y="0"/>
+          <a:chExt cx="0" cy="0"/>
+        </a:xfrm>
+      </p:grpSpPr>
+      <p:sp>
+        <p:nvSpPr>
+          <p:cNvPr id="205" name="Google Shape;205;p42"/>
+          <p:cNvSpPr txBox="1"/>
+          <p:nvPr>
+            <p:ph type="title"/>
+          </p:nvPr>
+        </p:nvSpPr>
+        <p:spPr>
+          <a:xfrm>
+            <a:off x="510450" y="2057400"/>
+            <a:ext cx="8123100" cy="778800"/>
+          </a:xfrm>
+          <a:prstGeom prst="rect">
+            <a:avLst/>
+          </a:prstGeom>
+        </p:spPr>
+        <p:txBody>
+          <a:bodyPr anchorCtr="0" anchor="b" bIns="91425" lIns="91425" spcFirstLastPara="1" rIns="91425" wrap="square" tIns="91425">
+            <a:normAutofit/>
+          </a:bodyPr>
+          <a:lstStyle/>
+          <a:p>
+            <a:pPr indent="0" lvl="0" marL="0" rtl="0" algn="l">
+              <a:spcBef>
+                <a:spcPts val="0"/>
+              </a:spcBef>
+              <a:spcAft>
+                <a:spcPts val="0"/>
+              </a:spcAft>
+              <a:buNone/>
+            </a:pPr>
+            <a:r>
+              <a:rPr lang="ja"/>
+              <a:t>Appendix</a:t>
+            </a:r>
+            <a:endParaRPr/>
+          </a:p>
+        </p:txBody>
+      </p:sp>
+    </p:spTree>
+  </p:cSld>
+  <p:clrMapOvr>
+    <a:masterClrMapping/>
+  </p:clrMapOvr>
+</p:sld>
+</file>
+
 <file path=ppt/slides/slide4.xml><?xml version="1.0" encoding="utf-8"?>
 <p:sld xmlns:a="http://schemas.openxmlformats.org/drawingml/2006/main" xmlns:r="http://schemas.openxmlformats.org/officeDocument/2006/relationships" xmlns:mc="http://schemas.openxmlformats.org/markup-compatibility/2006" xmlns:mv="urn:schemas-microsoft-com:mac:vml" xmlns:p="http://schemas.openxmlformats.org/presentationml/2006/main" xmlns:c="http://schemas.openxmlformats.org/drawingml/2006/chart" xmlns:dgm="http://schemas.openxmlformats.org/drawingml/2006/diagram" xmlns:o="urn:schemas-microsoft-com:office:office" xmlns:v="urn:schemas-microsoft-com:vml" xmlns:pvml="urn:schemas-microsoft-com:office:powerpoint" xmlns:com="http://schemas.openxmlformats.org/drawingml/2006/compatibility" xmlns:p14="http://schemas.microsoft.com/office/powerpoint/2010/main" xmlns:p15="http://schemas.microsoft.com/office/powerpoint/2012/main" xmlns:ahyp="http://schemas.microsoft.com/office/drawing/2018/hyperlinkcolor">
   <p:cSld>
@@ -29228,6 +36510,285 @@
 </file>
 
 <file path=ppt/theme/theme1.xml><?xml version="1.0" encoding="utf-8"?>
+<a:theme xmlns:a="http://schemas.openxmlformats.org/drawingml/2006/main" xmlns:r="http://schemas.openxmlformats.org/officeDocument/2006/relationships" name="Spearmint">
+  <a:themeElements>
+    <a:clrScheme name="Spearmint">
+      <a:dk1>
+        <a:srgbClr val="202729"/>
+      </a:dk1>
+      <a:lt1>
+        <a:srgbClr val="FFFFFF"/>
+      </a:lt1>
+      <a:dk2>
+        <a:srgbClr val="4BA173"/>
+      </a:dk2>
+      <a:lt2>
+        <a:srgbClr val="63D297"/>
+      </a:lt2>
+      <a:accent1>
+        <a:srgbClr val="353744"/>
+      </a:accent1>
+      <a:accent2>
+        <a:srgbClr val="424242"/>
+      </a:accent2>
+      <a:accent3>
+        <a:srgbClr val="616161"/>
+      </a:accent3>
+      <a:accent4>
+        <a:srgbClr val="F0F0F0"/>
+      </a:accent4>
+      <a:accent5>
+        <a:srgbClr val="FF5252"/>
+      </a:accent5>
+      <a:accent6>
+        <a:srgbClr val="FFF176"/>
+      </a:accent6>
+      <a:hlink>
+        <a:srgbClr val="FF5252"/>
+      </a:hlink>
+      <a:folHlink>
+        <a:srgbClr val="FF5252"/>
+      </a:folHlink>
+    </a:clrScheme>
+    <a:fontScheme name="Office">
+      <a:majorFont>
+        <a:latin typeface="Arial"/>
+        <a:ea typeface=""/>
+        <a:cs typeface=""/>
+        <a:font script="Jpan" typeface="ＭＳ Ｐゴシック"/>
+        <a:font script="Hang" typeface="맑은 고딕"/>
+        <a:font script="Hans" typeface="宋体"/>
+        <a:font script="Hant" typeface="新細明體"/>
+        <a:font script="Arab" typeface="Times New Roman"/>
+        <a:font script="Hebr" typeface="Times New Roman"/>
+        <a:font script="Thai" typeface="Angsana New"/>
+        <a:font script="Ethi" typeface="Nyala"/>
+        <a:font script="Beng" typeface="Vrinda"/>
+        <a:font script="Gujr" typeface="Shruti"/>
+        <a:font script="Khmr" typeface="MoolBoran"/>
+        <a:font script="Knda" typeface="Tunga"/>
+        <a:font script="Guru" typeface="Raavi"/>
+        <a:font script="Cans" typeface="Euphemia"/>
+        <a:font script="Cher" typeface="Plantagenet Cherokee"/>
+        <a:font script="Yiii" typeface="Microsoft Yi Baiti"/>
+        <a:font script="Tibt" typeface="Microsoft Himalaya"/>
+        <a:font script="Thaa" typeface="MV Boli"/>
+        <a:font script="Deva" typeface="Mangal"/>
+        <a:font script="Telu" typeface="Gautami"/>
+        <a:font script="Taml" typeface="Latha"/>
+        <a:font script="Syrc" typeface="Estrangelo Edessa"/>
+        <a:font script="Orya" typeface="Kalinga"/>
+        <a:font script="Mlym" typeface="Kartika"/>
+        <a:font script="Laoo" typeface="DokChampa"/>
+        <a:font script="Sinh" typeface="Iskoola Pota"/>
+        <a:font script="Mong" typeface="Mongolian Baiti"/>
+        <a:font script="Viet" typeface="Times New Roman"/>
+        <a:font script="Uigh" typeface="Microsoft Uighur"/>
+        <a:font script="Geor" typeface="Sylfaen"/>
+      </a:majorFont>
+      <a:minorFont>
+        <a:latin typeface="Arial"/>
+        <a:ea typeface=""/>
+        <a:cs typeface=""/>
+        <a:font script="Jpan" typeface="ＭＳ Ｐゴシック"/>
+        <a:font script="Hang" typeface="맑은 고딕"/>
+        <a:font script="Hans" typeface="宋体"/>
+        <a:font script="Hant" typeface="新細明體"/>
+        <a:font script="Arab" typeface="Arial"/>
+        <a:font script="Hebr" typeface="Arial"/>
+        <a:font script="Thai" typeface="Cordia New"/>
+        <a:font script="Ethi" typeface="Nyala"/>
+        <a:font script="Beng" typeface="Vrinda"/>
+        <a:font script="Gujr" typeface="Shruti"/>
+        <a:font script="Khmr" typeface="DaunPenh"/>
+        <a:font script="Knda" typeface="Tunga"/>
+        <a:font script="Guru" typeface="Raavi"/>
+        <a:font script="Cans" typeface="Euphemia"/>
+        <a:font script="Cher" typeface="Plantagenet Cherokee"/>
+        <a:font script="Yiii" typeface="Microsoft Yi Baiti"/>
+        <a:font script="Tibt" typeface="Microsoft Himalaya"/>
+        <a:font script="Thaa" typeface="MV Boli"/>
+        <a:font script="Deva" typeface="Mangal"/>
+        <a:font script="Telu" typeface="Gautami"/>
+        <a:font script="Taml" typeface="Latha"/>
+        <a:font script="Syrc" typeface="Estrangelo Edessa"/>
+        <a:font script="Orya" typeface="Kalinga"/>
+        <a:font script="Mlym" typeface="Kartika"/>
+        <a:font script="Laoo" typeface="DokChampa"/>
+        <a:font script="Sinh" typeface="Iskoola Pota"/>
+        <a:font script="Mong" typeface="Mongolian Baiti"/>
+        <a:font script="Viet" typeface="Arial"/>
+        <a:font script="Uigh" typeface="Microsoft Uighur"/>
+        <a:font script="Geor" typeface="Sylfaen"/>
+      </a:minorFont>
+    </a:fontScheme>
+    <a:fmtScheme name="Office">
+      <a:fillStyleLst>
+        <a:solidFill>
+          <a:schemeClr val="phClr"/>
+        </a:solidFill>
+        <a:gradFill rotWithShape="1">
+          <a:gsLst>
+            <a:gs pos="0">
+              <a:schemeClr val="phClr">
+                <a:tint val="50000"/>
+                <a:satMod val="300000"/>
+              </a:schemeClr>
+            </a:gs>
+            <a:gs pos="35000">
+              <a:schemeClr val="phClr">
+                <a:tint val="37000"/>
+                <a:satMod val="300000"/>
+              </a:schemeClr>
+            </a:gs>
+            <a:gs pos="100000">
+              <a:schemeClr val="phClr">
+                <a:tint val="15000"/>
+                <a:satMod val="350000"/>
+              </a:schemeClr>
+            </a:gs>
+          </a:gsLst>
+          <a:lin ang="16200000" scaled="1"/>
+        </a:gradFill>
+        <a:gradFill rotWithShape="1">
+          <a:gsLst>
+            <a:gs pos="0">
+              <a:schemeClr val="phClr">
+                <a:tint val="100000"/>
+                <a:shade val="100000"/>
+                <a:satMod val="130000"/>
+              </a:schemeClr>
+            </a:gs>
+            <a:gs pos="100000">
+              <a:schemeClr val="phClr">
+                <a:tint val="50000"/>
+                <a:shade val="100000"/>
+                <a:satMod val="350000"/>
+              </a:schemeClr>
+            </a:gs>
+          </a:gsLst>
+          <a:lin ang="16200000" scaled="0"/>
+        </a:gradFill>
+      </a:fillStyleLst>
+      <a:lnStyleLst>
+        <a:ln w="9525" cap="flat" cmpd="sng" algn="ctr">
+          <a:solidFill>
+            <a:schemeClr val="phClr">
+              <a:shade val="95000"/>
+              <a:satMod val="105000"/>
+            </a:schemeClr>
+          </a:solidFill>
+          <a:prstDash val="solid"/>
+        </a:ln>
+        <a:ln w="25400" cap="flat" cmpd="sng" algn="ctr">
+          <a:solidFill>
+            <a:schemeClr val="phClr"/>
+          </a:solidFill>
+          <a:prstDash val="solid"/>
+        </a:ln>
+        <a:ln w="38100" cap="flat" cmpd="sng" algn="ctr">
+          <a:solidFill>
+            <a:schemeClr val="phClr"/>
+          </a:solidFill>
+          <a:prstDash val="solid"/>
+        </a:ln>
+      </a:lnStyleLst>
+      <a:effectStyleLst>
+        <a:effectStyle>
+          <a:effectLst>
+            <a:outerShdw blurRad="40000" dist="20000" dir="5400000" rotWithShape="0">
+              <a:srgbClr val="000000">
+                <a:alpha val="38000"/>
+              </a:srgbClr>
+            </a:outerShdw>
+          </a:effectLst>
+        </a:effectStyle>
+        <a:effectStyle>
+          <a:effectLst>
+            <a:outerShdw blurRad="40000" dist="23000" dir="5400000" rotWithShape="0">
+              <a:srgbClr val="000000">
+                <a:alpha val="35000"/>
+              </a:srgbClr>
+            </a:outerShdw>
+          </a:effectLst>
+        </a:effectStyle>
+        <a:effectStyle>
+          <a:effectLst>
+            <a:outerShdw blurRad="40000" dist="23000" dir="5400000" rotWithShape="0">
+              <a:srgbClr val="000000">
+                <a:alpha val="35000"/>
+              </a:srgbClr>
+            </a:outerShdw>
+          </a:effectLst>
+          <a:scene3d>
+            <a:camera prst="orthographicFront">
+              <a:rot lat="0" lon="0" rev="0"/>
+            </a:camera>
+            <a:lightRig rig="threePt" dir="t">
+              <a:rot lat="0" lon="0" rev="1200000"/>
+            </a:lightRig>
+          </a:scene3d>
+          <a:sp3d>
+            <a:bevelT w="63500" h="25400"/>
+          </a:sp3d>
+        </a:effectStyle>
+      </a:effectStyleLst>
+      <a:bgFillStyleLst>
+        <a:solidFill>
+          <a:schemeClr val="phClr"/>
+        </a:solidFill>
+        <a:gradFill rotWithShape="1">
+          <a:gsLst>
+            <a:gs pos="0">
+              <a:schemeClr val="phClr">
+                <a:tint val="40000"/>
+                <a:satMod val="350000"/>
+              </a:schemeClr>
+            </a:gs>
+            <a:gs pos="40000">
+              <a:schemeClr val="phClr">
+                <a:tint val="45000"/>
+                <a:shade val="99000"/>
+                <a:satMod val="350000"/>
+              </a:schemeClr>
+            </a:gs>
+            <a:gs pos="100000">
+              <a:schemeClr val="phClr">
+                <a:shade val="20000"/>
+                <a:satMod val="255000"/>
+              </a:schemeClr>
+            </a:gs>
+          </a:gsLst>
+          <a:path path="circle">
+            <a:fillToRect l="50000" t="-80000" r="50000" b="180000"/>
+          </a:path>
+        </a:gradFill>
+        <a:gradFill rotWithShape="1">
+          <a:gsLst>
+            <a:gs pos="0">
+              <a:schemeClr val="phClr">
+                <a:tint val="80000"/>
+                <a:satMod val="300000"/>
+              </a:schemeClr>
+            </a:gs>
+            <a:gs pos="100000">
+              <a:schemeClr val="phClr">
+                <a:shade val="30000"/>
+                <a:satMod val="200000"/>
+              </a:schemeClr>
+            </a:gs>
+          </a:gsLst>
+          <a:path path="circle">
+            <a:fillToRect l="50000" t="50000" r="50000" b="50000"/>
+          </a:path>
+        </a:gradFill>
+      </a:bgFillStyleLst>
+    </a:fmtScheme>
+  </a:themeElements>
+</a:theme>
+</file>
+
+<file path=ppt/theme/theme2.xml><?xml version="1.0" encoding="utf-8"?>
 <a:theme xmlns:a="http://schemas.openxmlformats.org/drawingml/2006/main" xmlns:r="http://schemas.openxmlformats.org/officeDocument/2006/relationships">
   <a:themeElements>
     <a:clrScheme name="Default">
@@ -29504,283 +37065,4 @@
     </a:fmtScheme>
   </a:themeElements>
 </a:theme>
-</file>
-
-<file path=ppt/theme/theme2.xml><?xml version="1.0" encoding="utf-8"?>
-<a:theme xmlns:a="http://schemas.openxmlformats.org/drawingml/2006/main" xmlns:r="http://schemas.openxmlformats.org/officeDocument/2006/relationships" name="Spearmint">
-  <a:themeElements>
-    <a:clrScheme name="Spearmint">
-      <a:dk1>
-        <a:srgbClr val="202729"/>
-      </a:dk1>
-      <a:lt1>
-        <a:srgbClr val="FFFFFF"/>
-      </a:lt1>
-      <a:dk2>
-        <a:srgbClr val="4BA173"/>
-      </a:dk2>
-      <a:lt2>
-        <a:srgbClr val="63D297"/>
-      </a:lt2>
-      <a:accent1>
-        <a:srgbClr val="353744"/>
-      </a:accent1>
-      <a:accent2>
-        <a:srgbClr val="424242"/>
-      </a:accent2>
-      <a:accent3>
-        <a:srgbClr val="616161"/>
-      </a:accent3>
-      <a:accent4>
-        <a:srgbClr val="F0F0F0"/>
-      </a:accent4>
-      <a:accent5>
-        <a:srgbClr val="FF5252"/>
-      </a:accent5>
-      <a:accent6>
-        <a:srgbClr val="FFF176"/>
-      </a:accent6>
-      <a:hlink>
-        <a:srgbClr val="FF5252"/>
-      </a:hlink>
-      <a:folHlink>
-        <a:srgbClr val="FF5252"/>
-      </a:folHlink>
-    </a:clrScheme>
-    <a:fontScheme name="Office">
-      <a:majorFont>
-        <a:latin typeface="Arial"/>
-        <a:ea typeface=""/>
-        <a:cs typeface=""/>
-        <a:font script="Jpan" typeface="ＭＳ Ｐゴシック"/>
-        <a:font script="Hang" typeface="맑은 고딕"/>
-        <a:font script="Hans" typeface="宋体"/>
-        <a:font script="Hant" typeface="新細明體"/>
-        <a:font script="Arab" typeface="Times New Roman"/>
-        <a:font script="Hebr" typeface="Times New Roman"/>
-        <a:font script="Thai" typeface="Angsana New"/>
-        <a:font script="Ethi" typeface="Nyala"/>
-        <a:font script="Beng" typeface="Vrinda"/>
-        <a:font script="Gujr" typeface="Shruti"/>
-        <a:font script="Khmr" typeface="MoolBoran"/>
-        <a:font script="Knda" typeface="Tunga"/>
-        <a:font script="Guru" typeface="Raavi"/>
-        <a:font script="Cans" typeface="Euphemia"/>
-        <a:font script="Cher" typeface="Plantagenet Cherokee"/>
-        <a:font script="Yiii" typeface="Microsoft Yi Baiti"/>
-        <a:font script="Tibt" typeface="Microsoft Himalaya"/>
-        <a:font script="Thaa" typeface="MV Boli"/>
-        <a:font script="Deva" typeface="Mangal"/>
-        <a:font script="Telu" typeface="Gautami"/>
-        <a:font script="Taml" typeface="Latha"/>
-        <a:font script="Syrc" typeface="Estrangelo Edessa"/>
-        <a:font script="Orya" typeface="Kalinga"/>
-        <a:font script="Mlym" typeface="Kartika"/>
-        <a:font script="Laoo" typeface="DokChampa"/>
-        <a:font script="Sinh" typeface="Iskoola Pota"/>
-        <a:font script="Mong" typeface="Mongolian Baiti"/>
-        <a:font script="Viet" typeface="Times New Roman"/>
-        <a:font script="Uigh" typeface="Microsoft Uighur"/>
-        <a:font script="Geor" typeface="Sylfaen"/>
-      </a:majorFont>
-      <a:minorFont>
-        <a:latin typeface="Arial"/>
-        <a:ea typeface=""/>
-        <a:cs typeface=""/>
-        <a:font script="Jpan" typeface="ＭＳ Ｐゴシック"/>
-        <a:font script="Hang" typeface="맑은 고딕"/>
-        <a:font script="Hans" typeface="宋体"/>
-        <a:font script="Hant" typeface="新細明體"/>
-        <a:font script="Arab" typeface="Arial"/>
-        <a:font script="Hebr" typeface="Arial"/>
-        <a:font script="Thai" typeface="Cordia New"/>
-        <a:font script="Ethi" typeface="Nyala"/>
-        <a:font script="Beng" typeface="Vrinda"/>
-        <a:font script="Gujr" typeface="Shruti"/>
-        <a:font script="Khmr" typeface="DaunPenh"/>
-        <a:font script="Knda" typeface="Tunga"/>
-        <a:font script="Guru" typeface="Raavi"/>
-        <a:font script="Cans" typeface="Euphemia"/>
-        <a:font script="Cher" typeface="Plantagenet Cherokee"/>
-        <a:font script="Yiii" typeface="Microsoft Yi Baiti"/>
-        <a:font script="Tibt" typeface="Microsoft Himalaya"/>
-        <a:font script="Thaa" typeface="MV Boli"/>
-        <a:font script="Deva" typeface="Mangal"/>
-        <a:font script="Telu" typeface="Gautami"/>
-        <a:font script="Taml" typeface="Latha"/>
-        <a:font script="Syrc" typeface="Estrangelo Edessa"/>
-        <a:font script="Orya" typeface="Kalinga"/>
-        <a:font script="Mlym" typeface="Kartika"/>
-        <a:font script="Laoo" typeface="DokChampa"/>
-        <a:font script="Sinh" typeface="Iskoola Pota"/>
-        <a:font script="Mong" typeface="Mongolian Baiti"/>
-        <a:font script="Viet" typeface="Arial"/>
-        <a:font script="Uigh" typeface="Microsoft Uighur"/>
-        <a:font script="Geor" typeface="Sylfaen"/>
-      </a:minorFont>
-    </a:fontScheme>
-    <a:fmtScheme name="Office">
-      <a:fillStyleLst>
-        <a:solidFill>
-          <a:schemeClr val="phClr"/>
-        </a:solidFill>
-        <a:gradFill rotWithShape="1">
-          <a:gsLst>
-            <a:gs pos="0">
-              <a:schemeClr val="phClr">
-                <a:tint val="50000"/>
-                <a:satMod val="300000"/>
-              </a:schemeClr>
-            </a:gs>
-            <a:gs pos="35000">
-              <a:schemeClr val="phClr">
-                <a:tint val="37000"/>
-                <a:satMod val="300000"/>
-              </a:schemeClr>
-            </a:gs>
-            <a:gs pos="100000">
-              <a:schemeClr val="phClr">
-                <a:tint val="15000"/>
-                <a:satMod val="350000"/>
-              </a:schemeClr>
-            </a:gs>
-          </a:gsLst>
-          <a:lin ang="16200000" scaled="1"/>
-        </a:gradFill>
-        <a:gradFill rotWithShape="1">
-          <a:gsLst>
-            <a:gs pos="0">
-              <a:schemeClr val="phClr">
-                <a:tint val="100000"/>
-                <a:shade val="100000"/>
-                <a:satMod val="130000"/>
-              </a:schemeClr>
-            </a:gs>
-            <a:gs pos="100000">
-              <a:schemeClr val="phClr">
-                <a:tint val="50000"/>
-                <a:shade val="100000"/>
-                <a:satMod val="350000"/>
-              </a:schemeClr>
-            </a:gs>
-          </a:gsLst>
-          <a:lin ang="16200000" scaled="0"/>
-        </a:gradFill>
-      </a:fillStyleLst>
-      <a:lnStyleLst>
-        <a:ln w="9525" cap="flat" cmpd="sng" algn="ctr">
-          <a:solidFill>
-            <a:schemeClr val="phClr">
-              <a:shade val="95000"/>
-              <a:satMod val="105000"/>
-            </a:schemeClr>
-          </a:solidFill>
-          <a:prstDash val="solid"/>
-        </a:ln>
-        <a:ln w="25400" cap="flat" cmpd="sng" algn="ctr">
-          <a:solidFill>
-            <a:schemeClr val="phClr"/>
-          </a:solidFill>
-          <a:prstDash val="solid"/>
-        </a:ln>
-        <a:ln w="38100" cap="flat" cmpd="sng" algn="ctr">
-          <a:solidFill>
-            <a:schemeClr val="phClr"/>
-          </a:solidFill>
-          <a:prstDash val="solid"/>
-        </a:ln>
-      </a:lnStyleLst>
-      <a:effectStyleLst>
-        <a:effectStyle>
-          <a:effectLst>
-            <a:outerShdw blurRad="40000" dist="20000" dir="5400000" rotWithShape="0">
-              <a:srgbClr val="000000">
-                <a:alpha val="38000"/>
-              </a:srgbClr>
-            </a:outerShdw>
-          </a:effectLst>
-        </a:effectStyle>
-        <a:effectStyle>
-          <a:effectLst>
-            <a:outerShdw blurRad="40000" dist="23000" dir="5400000" rotWithShape="0">
-              <a:srgbClr val="000000">
-                <a:alpha val="35000"/>
-              </a:srgbClr>
-            </a:outerShdw>
-          </a:effectLst>
-        </a:effectStyle>
-        <a:effectStyle>
-          <a:effectLst>
-            <a:outerShdw blurRad="40000" dist="23000" dir="5400000" rotWithShape="0">
-              <a:srgbClr val="000000">
-                <a:alpha val="35000"/>
-              </a:srgbClr>
-            </a:outerShdw>
-          </a:effectLst>
-          <a:scene3d>
-            <a:camera prst="orthographicFront">
-              <a:rot lat="0" lon="0" rev="0"/>
-            </a:camera>
-            <a:lightRig rig="threePt" dir="t">
-              <a:rot lat="0" lon="0" rev="1200000"/>
-            </a:lightRig>
-          </a:scene3d>
-          <a:sp3d>
-            <a:bevelT w="63500" h="25400"/>
-          </a:sp3d>
-        </a:effectStyle>
-      </a:effectStyleLst>
-      <a:bgFillStyleLst>
-        <a:solidFill>
-          <a:schemeClr val="phClr"/>
-        </a:solidFill>
-        <a:gradFill rotWithShape="1">
-          <a:gsLst>
-            <a:gs pos="0">
-              <a:schemeClr val="phClr">
-                <a:tint val="40000"/>
-                <a:satMod val="350000"/>
-              </a:schemeClr>
-            </a:gs>
-            <a:gs pos="40000">
-              <a:schemeClr val="phClr">
-                <a:tint val="45000"/>
-                <a:shade val="99000"/>
-                <a:satMod val="350000"/>
-              </a:schemeClr>
-            </a:gs>
-            <a:gs pos="100000">
-              <a:schemeClr val="phClr">
-                <a:shade val="20000"/>
-                <a:satMod val="255000"/>
-              </a:schemeClr>
-            </a:gs>
-          </a:gsLst>
-          <a:path path="circle">
-            <a:fillToRect l="50000" t="-80000" r="50000" b="180000"/>
-          </a:path>
-        </a:gradFill>
-        <a:gradFill rotWithShape="1">
-          <a:gsLst>
-            <a:gs pos="0">
-              <a:schemeClr val="phClr">
-                <a:tint val="80000"/>
-                <a:satMod val="300000"/>
-              </a:schemeClr>
-            </a:gs>
-            <a:gs pos="100000">
-              <a:schemeClr val="phClr">
-                <a:shade val="30000"/>
-                <a:satMod val="200000"/>
-              </a:schemeClr>
-            </a:gs>
-          </a:gsLst>
-          <a:path path="circle">
-            <a:fillToRect l="50000" t="50000" r="50000" b="50000"/>
-          </a:path>
-        </a:gradFill>
-      </a:bgFillStyleLst>
-    </a:fmtScheme>
-  </a:themeElements>
-</a:theme>
 </file>
--- a/2024_LLM論文要約_9.pptx
+++ b/2024_LLM論文要約_9.pptx
@@ -38,16 +38,18 @@
     <p:sldId id="283" r:id="rId33"/>
     <p:sldId id="284" r:id="rId34"/>
     <p:sldId id="285" r:id="rId35"/>
+    <p:sldId id="286" r:id="rId36"/>
+    <p:sldId id="287" r:id="rId37"/>
   </p:sldIdLst>
   <p:sldSz cy="5143500" cx="9144000"/>
   <p:notesSz cx="6858000" cy="9144000"/>
   <p:embeddedFontLst>
     <p:embeddedFont>
       <p:font typeface="Proxima Nova"/>
-      <p:regular r:id="rId36"/>
-      <p:bold r:id="rId37"/>
-      <p:italic r:id="rId38"/>
-      <p:boldItalic r:id="rId39"/>
+      <p:regular r:id="rId38"/>
+      <p:bold r:id="rId39"/>
+      <p:italic r:id="rId40"/>
+      <p:boldItalic r:id="rId41"/>
     </p:embeddedFont>
   </p:embeddedFontLst>
   <p:defaultTextStyle>
@@ -3020,7 +3022,7 @@
       </p:grpSpPr>
       <p:sp>
         <p:nvSpPr>
-          <p:cNvPr id="202" name="Google Shape;202;g2b3937a3876_0_15:notes"/>
+          <p:cNvPr id="202" name="Google Shape;202;g306cee577e4_0_0:notes"/>
           <p:cNvSpPr/>
           <p:nvPr>
             <p:ph idx="2" type="sldImg"/>
@@ -3055,7 +3057,205 @@
       </p:sp>
       <p:sp>
         <p:nvSpPr>
-          <p:cNvPr id="203" name="Google Shape;203;g2b3937a3876_0_15:notes"/>
+          <p:cNvPr id="203" name="Google Shape;203;g306cee577e4_0_0:notes"/>
+          <p:cNvSpPr txBox="1"/>
+          <p:nvPr>
+            <p:ph idx="1" type="body"/>
+          </p:nvPr>
+        </p:nvSpPr>
+        <p:spPr>
+          <a:xfrm>
+            <a:off x="685800" y="4343400"/>
+            <a:ext cx="5486400" cy="4114800"/>
+          </a:xfrm>
+          <a:prstGeom prst="rect">
+            <a:avLst/>
+          </a:prstGeom>
+        </p:spPr>
+        <p:txBody>
+          <a:bodyPr anchorCtr="0" anchor="t" bIns="91425" lIns="91425" spcFirstLastPara="1" rIns="91425" wrap="square" tIns="91425">
+            <a:noAutofit/>
+          </a:bodyPr>
+          <a:lstStyle/>
+          <a:p>
+            <a:pPr indent="0" lvl="0" marL="0" rtl="0" algn="l">
+              <a:spcBef>
+                <a:spcPts val="0"/>
+              </a:spcBef>
+              <a:spcAft>
+                <a:spcPts val="0"/>
+              </a:spcAft>
+              <a:buNone/>
+            </a:pPr>
+            <a:r>
+              <a:t/>
+            </a:r>
+            <a:endParaRPr/>
+          </a:p>
+        </p:txBody>
+      </p:sp>
+    </p:spTree>
+  </p:cSld>
+  <p:clrMapOvr>
+    <a:masterClrMapping/>
+  </p:clrMapOvr>
+</p:notes>
+</file>
+
+<file path=ppt/notesSlides/notesSlide31.xml><?xml version="1.0" encoding="utf-8"?>
+<p:notes xmlns:a="http://schemas.openxmlformats.org/drawingml/2006/main" xmlns:r="http://schemas.openxmlformats.org/officeDocument/2006/relationships" xmlns:mc="http://schemas.openxmlformats.org/markup-compatibility/2006" xmlns:mv="urn:schemas-microsoft-com:mac:vml" xmlns:p="http://schemas.openxmlformats.org/presentationml/2006/main" xmlns:c="http://schemas.openxmlformats.org/drawingml/2006/chart" xmlns:dgm="http://schemas.openxmlformats.org/drawingml/2006/diagram" xmlns:o="urn:schemas-microsoft-com:office:office" xmlns:v="urn:schemas-microsoft-com:vml" xmlns:pvml="urn:schemas-microsoft-com:office:powerpoint" xmlns:com="http://schemas.openxmlformats.org/drawingml/2006/compatibility" xmlns:p14="http://schemas.microsoft.com/office/powerpoint/2010/main" xmlns:p15="http://schemas.microsoft.com/office/powerpoint/2012/main" xmlns:ahyp="http://schemas.microsoft.com/office/drawing/2018/hyperlinkcolor" showMasterPhAnim="0" showMasterSp="0">
+  <p:cSld>
+    <p:spTree>
+      <p:nvGrpSpPr>
+        <p:cNvPr id="206" name="Shape 206"/>
+        <p:cNvGrpSpPr/>
+        <p:nvPr/>
+      </p:nvGrpSpPr>
+      <p:grpSpPr>
+        <a:xfrm>
+          <a:off x="0" y="0"/>
+          <a:ext cx="0" cy="0"/>
+          <a:chOff x="0" y="0"/>
+          <a:chExt cx="0" cy="0"/>
+        </a:xfrm>
+      </p:grpSpPr>
+      <p:sp>
+        <p:nvSpPr>
+          <p:cNvPr id="207" name="Google Shape;207;g306cee577e4_0_5:notes"/>
+          <p:cNvSpPr/>
+          <p:nvPr>
+            <p:ph idx="2" type="sldImg"/>
+          </p:nvPr>
+        </p:nvSpPr>
+        <p:spPr>
+          <a:xfrm>
+            <a:off x="381300" y="685800"/>
+            <a:ext cx="6096000" cy="3429000"/>
+          </a:xfrm>
+          <a:custGeom>
+            <a:rect b="b" l="l" r="r" t="t"/>
+            <a:pathLst>
+              <a:path extrusionOk="0" h="120000" w="120000">
+                <a:moveTo>
+                  <a:pt x="0" y="0"/>
+                </a:moveTo>
+                <a:lnTo>
+                  <a:pt x="120000" y="0"/>
+                </a:lnTo>
+                <a:lnTo>
+                  <a:pt x="120000" y="120000"/>
+                </a:lnTo>
+                <a:lnTo>
+                  <a:pt x="0" y="120000"/>
+                </a:lnTo>
+                <a:close/>
+              </a:path>
+            </a:pathLst>
+          </a:custGeom>
+        </p:spPr>
+      </p:sp>
+      <p:sp>
+        <p:nvSpPr>
+          <p:cNvPr id="208" name="Google Shape;208;g306cee577e4_0_5:notes"/>
+          <p:cNvSpPr txBox="1"/>
+          <p:nvPr>
+            <p:ph idx="1" type="body"/>
+          </p:nvPr>
+        </p:nvSpPr>
+        <p:spPr>
+          <a:xfrm>
+            <a:off x="685800" y="4343400"/>
+            <a:ext cx="5486400" cy="4114800"/>
+          </a:xfrm>
+          <a:prstGeom prst="rect">
+            <a:avLst/>
+          </a:prstGeom>
+        </p:spPr>
+        <p:txBody>
+          <a:bodyPr anchorCtr="0" anchor="t" bIns="91425" lIns="91425" spcFirstLastPara="1" rIns="91425" wrap="square" tIns="91425">
+            <a:noAutofit/>
+          </a:bodyPr>
+          <a:lstStyle/>
+          <a:p>
+            <a:pPr indent="0" lvl="0" marL="0" rtl="0" algn="l">
+              <a:spcBef>
+                <a:spcPts val="0"/>
+              </a:spcBef>
+              <a:spcAft>
+                <a:spcPts val="0"/>
+              </a:spcAft>
+              <a:buNone/>
+            </a:pPr>
+            <a:r>
+              <a:t/>
+            </a:r>
+            <a:endParaRPr/>
+          </a:p>
+        </p:txBody>
+      </p:sp>
+    </p:spTree>
+  </p:cSld>
+  <p:clrMapOvr>
+    <a:masterClrMapping/>
+  </p:clrMapOvr>
+</p:notes>
+</file>
+
+<file path=ppt/notesSlides/notesSlide32.xml><?xml version="1.0" encoding="utf-8"?>
+<p:notes xmlns:a="http://schemas.openxmlformats.org/drawingml/2006/main" xmlns:r="http://schemas.openxmlformats.org/officeDocument/2006/relationships" xmlns:mc="http://schemas.openxmlformats.org/markup-compatibility/2006" xmlns:mv="urn:schemas-microsoft-com:mac:vml" xmlns:p="http://schemas.openxmlformats.org/presentationml/2006/main" xmlns:c="http://schemas.openxmlformats.org/drawingml/2006/chart" xmlns:dgm="http://schemas.openxmlformats.org/drawingml/2006/diagram" xmlns:o="urn:schemas-microsoft-com:office:office" xmlns:v="urn:schemas-microsoft-com:vml" xmlns:pvml="urn:schemas-microsoft-com:office:powerpoint" xmlns:com="http://schemas.openxmlformats.org/drawingml/2006/compatibility" xmlns:p14="http://schemas.microsoft.com/office/powerpoint/2010/main" xmlns:p15="http://schemas.microsoft.com/office/powerpoint/2012/main" xmlns:ahyp="http://schemas.microsoft.com/office/drawing/2018/hyperlinkcolor" showMasterPhAnim="0" showMasterSp="0">
+  <p:cSld>
+    <p:spTree>
+      <p:nvGrpSpPr>
+        <p:cNvPr id="211" name="Shape 211"/>
+        <p:cNvGrpSpPr/>
+        <p:nvPr/>
+      </p:nvGrpSpPr>
+      <p:grpSpPr>
+        <a:xfrm>
+          <a:off x="0" y="0"/>
+          <a:ext cx="0" cy="0"/>
+          <a:chOff x="0" y="0"/>
+          <a:chExt cx="0" cy="0"/>
+        </a:xfrm>
+      </p:grpSpPr>
+      <p:sp>
+        <p:nvSpPr>
+          <p:cNvPr id="212" name="Google Shape;212;g2b3937a3876_0_15:notes"/>
+          <p:cNvSpPr/>
+          <p:nvPr>
+            <p:ph idx="2" type="sldImg"/>
+          </p:nvPr>
+        </p:nvSpPr>
+        <p:spPr>
+          <a:xfrm>
+            <a:off x="381300" y="685800"/>
+            <a:ext cx="6096000" cy="3429000"/>
+          </a:xfrm>
+          <a:custGeom>
+            <a:rect b="b" l="l" r="r" t="t"/>
+            <a:pathLst>
+              <a:path extrusionOk="0" h="120000" w="120000">
+                <a:moveTo>
+                  <a:pt x="0" y="0"/>
+                </a:moveTo>
+                <a:lnTo>
+                  <a:pt x="120000" y="0"/>
+                </a:lnTo>
+                <a:lnTo>
+                  <a:pt x="120000" y="120000"/>
+                </a:lnTo>
+                <a:lnTo>
+                  <a:pt x="0" y="120000"/>
+                </a:lnTo>
+                <a:close/>
+              </a:path>
+            </a:pathLst>
+          </a:custGeom>
+        </p:spPr>
+      </p:sp>
+      <p:sp>
+        <p:nvSpPr>
+          <p:cNvPr id="213" name="Google Shape;213;g2b3937a3876_0_15:notes"/>
           <p:cNvSpPr txBox="1"/>
           <p:nvPr>
             <p:ph idx="1" type="body"/>
@@ -32211,6 +32411,4491 @@
           <p:cNvPr id="205" name="Google Shape;205;p42"/>
           <p:cNvSpPr txBox="1"/>
           <p:nvPr>
+            <p:ph idx="1" type="body"/>
+          </p:nvPr>
+        </p:nvSpPr>
+        <p:spPr>
+          <a:xfrm>
+            <a:off x="0" y="0"/>
+            <a:ext cx="9144000" cy="5049600"/>
+          </a:xfrm>
+          <a:prstGeom prst="rect">
+            <a:avLst/>
+          </a:prstGeom>
+        </p:spPr>
+        <p:txBody>
+          <a:bodyPr anchorCtr="0" anchor="t" bIns="91425" lIns="91425" spcFirstLastPara="1" rIns="91425" wrap="square" tIns="91425">
+            <a:noAutofit/>
+          </a:bodyPr>
+          <a:lstStyle/>
+          <a:p>
+            <a:pPr indent="0" lvl="0" marL="0" rtl="0" algn="l">
+              <a:lnSpc>
+                <a:spcPct val="95000"/>
+              </a:lnSpc>
+              <a:spcBef>
+                <a:spcPts val="1200"/>
+              </a:spcBef>
+              <a:spcAft>
+                <a:spcPts val="0"/>
+              </a:spcAft>
+              <a:buNone/>
+            </a:pPr>
+            <a:r>
+              <a:rPr lang="ja" sz="791"/>
+              <a:t># T3: A Novel Zero-shot Transfer Learning Framework Iteratively Training on an Assistant Task for a Target Task</a:t>
+            </a:r>
+            <a:endParaRPr sz="791"/>
+          </a:p>
+          <a:p>
+            <a:pPr indent="0" lvl="0" marL="0" rtl="0" algn="l">
+              <a:lnSpc>
+                <a:spcPct val="95000"/>
+              </a:lnSpc>
+              <a:spcBef>
+                <a:spcPts val="1200"/>
+              </a:spcBef>
+              <a:spcAft>
+                <a:spcPts val="0"/>
+              </a:spcAft>
+              <a:buNone/>
+            </a:pPr>
+            <a:r>
+              <a:t/>
+            </a:r>
+            <a:endParaRPr sz="791"/>
+          </a:p>
+          <a:p>
+            <a:pPr indent="0" lvl="0" marL="0" rtl="0" algn="l">
+              <a:lnSpc>
+                <a:spcPct val="95000"/>
+              </a:lnSpc>
+              <a:spcBef>
+                <a:spcPts val="1200"/>
+              </a:spcBef>
+              <a:spcAft>
+                <a:spcPts val="0"/>
+              </a:spcAft>
+              <a:buNone/>
+            </a:pPr>
+            <a:r>
+              <a:rPr lang="ja" sz="791"/>
+              <a:t>概要: 長文要約は、訓練データが不足し、詳細な文脈処理が必要でこれを解決するために、ゼロショット転移学習フレームワークであるT3を提案</a:t>
+            </a:r>
+            <a:endParaRPr sz="791"/>
+          </a:p>
+          <a:p>
+            <a:pPr indent="0" lvl="0" marL="0" rtl="0" algn="l">
+              <a:lnSpc>
+                <a:spcPct val="95000"/>
+              </a:lnSpc>
+              <a:spcBef>
+                <a:spcPts val="1200"/>
+              </a:spcBef>
+              <a:spcAft>
+                <a:spcPts val="0"/>
+              </a:spcAft>
+              <a:buNone/>
+            </a:pPr>
+            <a:r>
+              <a:rPr lang="ja" sz="791"/>
+              <a:t>T3フレームワークは、データが豊富で構造的・意味的に類似したアシスタントタスク（質問応答）を活用し、ゼロショットで目標タスク（長文要約）の性能を向上させます。これにより、データ不足の問題を克服し、モデルがより深い文脈理解と情報抽出を行えるようになります</a:t>
+            </a:r>
+            <a:endParaRPr sz="791"/>
+          </a:p>
+          <a:p>
+            <a:pPr indent="0" lvl="0" marL="0" rtl="0" algn="l">
+              <a:lnSpc>
+                <a:spcPct val="95000"/>
+              </a:lnSpc>
+              <a:spcBef>
+                <a:spcPts val="1200"/>
+              </a:spcBef>
+              <a:spcAft>
+                <a:spcPts val="0"/>
+              </a:spcAft>
+              <a:buNone/>
+            </a:pPr>
+            <a:r>
+              <a:t/>
+            </a:r>
+            <a:endParaRPr sz="791"/>
+          </a:p>
+          <a:p>
+            <a:pPr indent="0" lvl="0" marL="0" rtl="0" algn="l">
+              <a:lnSpc>
+                <a:spcPct val="95000"/>
+              </a:lnSpc>
+              <a:spcBef>
+                <a:spcPts val="1200"/>
+              </a:spcBef>
+              <a:spcAft>
+                <a:spcPts val="0"/>
+              </a:spcAft>
+              <a:buNone/>
+            </a:pPr>
+            <a:r>
+              <a:rPr lang="ja" sz="791"/>
+              <a:t>![x1.png](x1.png)</a:t>
+            </a:r>
+            <a:endParaRPr sz="791"/>
+          </a:p>
+          <a:p>
+            <a:pPr indent="0" lvl="0" marL="0" rtl="0" algn="l">
+              <a:lnSpc>
+                <a:spcPct val="95000"/>
+              </a:lnSpc>
+              <a:spcBef>
+                <a:spcPts val="1200"/>
+              </a:spcBef>
+              <a:spcAft>
+                <a:spcPts val="0"/>
+              </a:spcAft>
+              <a:buNone/>
+            </a:pPr>
+            <a:r>
+              <a:t/>
+            </a:r>
+            <a:endParaRPr sz="791"/>
+          </a:p>
+          <a:p>
+            <a:pPr indent="0" lvl="0" marL="0" rtl="0" algn="l">
+              <a:lnSpc>
+                <a:spcPct val="95000"/>
+              </a:lnSpc>
+              <a:spcBef>
+                <a:spcPts val="1200"/>
+              </a:spcBef>
+              <a:spcAft>
+                <a:spcPts val="0"/>
+              </a:spcAft>
+              <a:buNone/>
+            </a:pPr>
+            <a:r>
+              <a:rPr lang="ja" sz="791"/>
+              <a:t>![x2.png](x2.png)</a:t>
+            </a:r>
+            <a:endParaRPr sz="791"/>
+          </a:p>
+          <a:p>
+            <a:pPr indent="0" lvl="0" marL="0" rtl="0" algn="l">
+              <a:lnSpc>
+                <a:spcPct val="95000"/>
+              </a:lnSpc>
+              <a:spcBef>
+                <a:spcPts val="1200"/>
+              </a:spcBef>
+              <a:spcAft>
+                <a:spcPts val="0"/>
+              </a:spcAft>
+              <a:buNone/>
+            </a:pPr>
+            <a:r>
+              <a:t/>
+            </a:r>
+            <a:endParaRPr sz="791"/>
+          </a:p>
+          <a:p>
+            <a:pPr indent="0" lvl="0" marL="0" rtl="0" algn="l">
+              <a:lnSpc>
+                <a:spcPct val="95000"/>
+              </a:lnSpc>
+              <a:spcBef>
+                <a:spcPts val="1200"/>
+              </a:spcBef>
+              <a:spcAft>
+                <a:spcPts val="0"/>
+              </a:spcAft>
+              <a:buNone/>
+            </a:pPr>
+            <a:r>
+              <a:rPr lang="ja" sz="791"/>
+              <a:t>**技術や手法**</a:t>
+            </a:r>
+            <a:endParaRPr sz="791"/>
+          </a:p>
+          <a:p>
+            <a:pPr indent="0" lvl="0" marL="0" rtl="0" algn="l">
+              <a:lnSpc>
+                <a:spcPct val="95000"/>
+              </a:lnSpc>
+              <a:spcBef>
+                <a:spcPts val="1200"/>
+              </a:spcBef>
+              <a:spcAft>
+                <a:spcPts val="0"/>
+              </a:spcAft>
+              <a:buNone/>
+            </a:pPr>
+            <a:r>
+              <a:t/>
+            </a:r>
+            <a:endParaRPr sz="791"/>
+          </a:p>
+          <a:p>
+            <a:pPr indent="0" lvl="0" marL="0" rtl="0" algn="l">
+              <a:lnSpc>
+                <a:spcPct val="95000"/>
+              </a:lnSpc>
+              <a:spcBef>
+                <a:spcPts val="1200"/>
+              </a:spcBef>
+              <a:spcAft>
+                <a:spcPts val="0"/>
+              </a:spcAft>
+              <a:buNone/>
+            </a:pPr>
+            <a:r>
+              <a:rPr lang="ja" sz="791"/>
+              <a:t>1. **T3フレームワークの提案**: T3（Transfer learning framework iteratively training on an Assistant Task for a Target Task）は、アシスタントタスクでモデルを反復的に訓練し、その経験を目標タスクに転移する新しいゼロショット学習フレームワークです。</a:t>
+            </a:r>
+            <a:endParaRPr sz="791"/>
+          </a:p>
+          <a:p>
+            <a:pPr indent="0" lvl="0" marL="0" rtl="0" algn="l">
+              <a:lnSpc>
+                <a:spcPct val="95000"/>
+              </a:lnSpc>
+              <a:spcBef>
+                <a:spcPts val="1200"/>
+              </a:spcBef>
+              <a:spcAft>
+                <a:spcPts val="0"/>
+              </a:spcAft>
+              <a:buNone/>
+            </a:pPr>
+            <a:r>
+              <a:rPr lang="ja" sz="791"/>
+              <a:t>2. **アシスタントタスクの選択基準**:</a:t>
+            </a:r>
+            <a:endParaRPr sz="791"/>
+          </a:p>
+          <a:p>
+            <a:pPr indent="0" lvl="0" marL="0" rtl="0" algn="l">
+              <a:lnSpc>
+                <a:spcPct val="95000"/>
+              </a:lnSpc>
+              <a:spcBef>
+                <a:spcPts val="1200"/>
+              </a:spcBef>
+              <a:spcAft>
+                <a:spcPts val="0"/>
+              </a:spcAft>
+              <a:buNone/>
+            </a:pPr>
+            <a:r>
+              <a:rPr lang="ja" sz="791"/>
+              <a:t>    - **データの豊富さ**: アシスタントタスクは、十分なオープンソースデータセットが存在する必要があります。</a:t>
+            </a:r>
+            <a:endParaRPr sz="791"/>
+          </a:p>
+          <a:p>
+            <a:pPr indent="0" lvl="0" marL="0" rtl="0" algn="l">
+              <a:lnSpc>
+                <a:spcPct val="95000"/>
+              </a:lnSpc>
+              <a:spcBef>
+                <a:spcPts val="1200"/>
+              </a:spcBef>
+              <a:spcAft>
+                <a:spcPts val="0"/>
+              </a:spcAft>
+              <a:buNone/>
+            </a:pPr>
+            <a:r>
+              <a:rPr lang="ja" sz="791"/>
+              <a:t>    - **構造的・意味的類似性**: アシスタントタスクと目標タスクは、構造または意味のレベルで類似している必要があります。</a:t>
+            </a:r>
+            <a:endParaRPr sz="791"/>
+          </a:p>
+          <a:p>
+            <a:pPr indent="0" lvl="0" marL="0" rtl="0" algn="l">
+              <a:lnSpc>
+                <a:spcPct val="95000"/>
+              </a:lnSpc>
+              <a:spcBef>
+                <a:spcPts val="1200"/>
+              </a:spcBef>
+              <a:spcAft>
+                <a:spcPts val="0"/>
+              </a:spcAft>
+              <a:buNone/>
+            </a:pPr>
+            <a:r>
+              <a:rPr lang="ja" sz="791"/>
+              <a:t>3. **質問応答（QA）をアシスタントタスクとして利用**:</a:t>
+            </a:r>
+            <a:endParaRPr sz="791"/>
+          </a:p>
+          <a:p>
+            <a:pPr indent="0" lvl="0" marL="0" rtl="0" algn="l">
+              <a:lnSpc>
+                <a:spcPct val="95000"/>
+              </a:lnSpc>
+              <a:spcBef>
+                <a:spcPts val="1200"/>
+              </a:spcBef>
+              <a:spcAft>
+                <a:spcPts val="0"/>
+              </a:spcAft>
+              <a:buNone/>
+            </a:pPr>
+            <a:r>
+              <a:rPr lang="ja" sz="791"/>
+              <a:t>    - **理由**: QAタスクは長文テキストと豊富なコンテクスト情報を含み、多様なデータセットが存在します。</a:t>
+            </a:r>
+            <a:endParaRPr sz="791"/>
+          </a:p>
+          <a:p>
+            <a:pPr indent="0" lvl="0" marL="0" rtl="0" algn="l">
+              <a:lnSpc>
+                <a:spcPct val="95000"/>
+              </a:lnSpc>
+              <a:spcBef>
+                <a:spcPts val="1200"/>
+              </a:spcBef>
+              <a:spcAft>
+                <a:spcPts val="0"/>
+              </a:spcAft>
+              <a:buNone/>
+            </a:pPr>
+            <a:r>
+              <a:rPr lang="ja" sz="791"/>
+              <a:t>    - **手法**: モデルはQAタスクで訓練され、得られた知識や経験を長文要約タスクに適用します。</a:t>
+            </a:r>
+            <a:endParaRPr sz="791"/>
+          </a:p>
+          <a:p>
+            <a:pPr indent="0" lvl="0" marL="0" rtl="0" algn="l">
+              <a:lnSpc>
+                <a:spcPct val="95000"/>
+              </a:lnSpc>
+              <a:spcBef>
+                <a:spcPts val="1200"/>
+              </a:spcBef>
+              <a:spcAft>
+                <a:spcPts val="0"/>
+              </a:spcAft>
+              <a:buNone/>
+            </a:pPr>
+            <a:r>
+              <a:rPr lang="ja" sz="791"/>
+              <a:t>4. **反復的訓練と経験の蓄積**:</a:t>
+            </a:r>
+            <a:endParaRPr sz="791"/>
+          </a:p>
+          <a:p>
+            <a:pPr indent="0" lvl="0" marL="0" rtl="0" algn="l">
+              <a:lnSpc>
+                <a:spcPct val="95000"/>
+              </a:lnSpc>
+              <a:spcBef>
+                <a:spcPts val="1200"/>
+              </a:spcBef>
+              <a:spcAft>
+                <a:spcPts val="0"/>
+              </a:spcAft>
+              <a:buNone/>
+            </a:pPr>
+            <a:r>
+              <a:rPr lang="ja" sz="791"/>
+              <a:t>    - **経験の更新**: モデルは生成したQAペアと既存のQAペアを比較し、自動的に有用なルール（経験）を学習・更新します。</a:t>
+            </a:r>
+            <a:endParaRPr sz="791"/>
+          </a:p>
+          <a:p>
+            <a:pPr indent="0" lvl="0" marL="0" rtl="0" algn="l">
+              <a:lnSpc>
+                <a:spcPct val="95000"/>
+              </a:lnSpc>
+              <a:spcBef>
+                <a:spcPts val="1200"/>
+              </a:spcBef>
+              <a:spcAft>
+                <a:spcPts val="0"/>
+              </a:spcAft>
+              <a:buNone/>
+            </a:pPr>
+            <a:r>
+              <a:rPr lang="ja" sz="791"/>
+              <a:t>    - **アルゴリズム**: このプロセスは、論文のAlgorithm 1（Appendix A.1）で詳細に説明されています。</a:t>
+            </a:r>
+            <a:endParaRPr sz="791"/>
+          </a:p>
+          <a:p>
+            <a:pPr indent="0" lvl="0" marL="0" rtl="0" algn="l">
+              <a:lnSpc>
+                <a:spcPct val="95000"/>
+              </a:lnSpc>
+              <a:spcBef>
+                <a:spcPts val="1200"/>
+              </a:spcBef>
+              <a:spcAft>
+                <a:spcPts val="0"/>
+              </a:spcAft>
+              <a:buNone/>
+            </a:pPr>
+            <a:r>
+              <a:rPr lang="ja" sz="791"/>
+              <a:t>5. **評価手法**:</a:t>
+            </a:r>
+            <a:endParaRPr sz="791"/>
+          </a:p>
+          <a:p>
+            <a:pPr indent="0" lvl="0" marL="0" rtl="0" algn="l">
+              <a:lnSpc>
+                <a:spcPct val="95000"/>
+              </a:lnSpc>
+              <a:spcBef>
+                <a:spcPts val="1200"/>
+              </a:spcBef>
+              <a:spcAft>
+                <a:spcPts val="0"/>
+              </a:spcAft>
+              <a:buNone/>
+            </a:pPr>
+            <a:r>
+              <a:rPr lang="ja" sz="791"/>
+              <a:t>    - **評価指標**: ROUGE、BLEU、Factscoreなどの指標を使用。</a:t>
+            </a:r>
+            <a:endParaRPr sz="791"/>
+          </a:p>
+          <a:p>
+            <a:pPr indent="0" lvl="0" marL="0" rtl="0" algn="l">
+              <a:lnSpc>
+                <a:spcPct val="95000"/>
+              </a:lnSpc>
+              <a:spcBef>
+                <a:spcPts val="1200"/>
+              </a:spcBef>
+              <a:spcAft>
+                <a:spcPts val="0"/>
+              </a:spcAft>
+              <a:buNone/>
+            </a:pPr>
+            <a:r>
+              <a:rPr lang="ja" sz="791"/>
+              <a:t>    - **結果**: ベースラインLLMと比較して、ROUGEで最大約14％、BLEUで35％、Factscoreで16％の改善を達成。</a:t>
+            </a:r>
+            <a:endParaRPr sz="791"/>
+          </a:p>
+          <a:p>
+            <a:pPr indent="0" lvl="0" marL="0" rtl="0" algn="l">
+              <a:lnSpc>
+                <a:spcPct val="95000"/>
+              </a:lnSpc>
+              <a:spcBef>
+                <a:spcPts val="1200"/>
+              </a:spcBef>
+              <a:spcAft>
+                <a:spcPts val="0"/>
+              </a:spcAft>
+              <a:buNone/>
+            </a:pPr>
+            <a:r>
+              <a:rPr lang="ja" sz="791"/>
+              <a:t>6. **数式の適用**:</a:t>
+            </a:r>
+            <a:endParaRPr sz="791"/>
+          </a:p>
+          <a:p>
+            <a:pPr indent="0" lvl="0" marL="0" rtl="0" algn="l">
+              <a:lnSpc>
+                <a:spcPct val="95000"/>
+              </a:lnSpc>
+              <a:spcBef>
+                <a:spcPts val="1200"/>
+              </a:spcBef>
+              <a:spcAft>
+                <a:spcPts val="0"/>
+              </a:spcAft>
+              <a:buNone/>
+            </a:pPr>
+            <a:r>
+              <a:rPr lang="ja" sz="791"/>
+              <a:t>    - **可読性の計算**:R=206.835−1.015×(TSETW​)−84.6×(TWTSY​)</a:t>
+            </a:r>
+            <a:endParaRPr sz="791"/>
+          </a:p>
+          <a:p>
+            <a:pPr indent="0" lvl="0" marL="0" rtl="0" algn="l">
+              <a:lnSpc>
+                <a:spcPct val="95000"/>
+              </a:lnSpc>
+              <a:spcBef>
+                <a:spcPts val="1200"/>
+              </a:spcBef>
+              <a:spcAft>
+                <a:spcPts val="0"/>
+              </a:spcAft>
+              <a:buNone/>
+            </a:pPr>
+            <a:r>
+              <a:rPr lang="ja" sz="791"/>
+              <a:t>        </a:t>
+            </a:r>
+            <a:endParaRPr sz="791"/>
+          </a:p>
+          <a:p>
+            <a:pPr indent="0" lvl="0" marL="0" rtl="0" algn="l">
+              <a:lnSpc>
+                <a:spcPct val="95000"/>
+              </a:lnSpc>
+              <a:spcBef>
+                <a:spcPts val="1200"/>
+              </a:spcBef>
+              <a:spcAft>
+                <a:spcPts val="0"/>
+              </a:spcAft>
+              <a:buNone/>
+            </a:pPr>
+            <a:r>
+              <a:rPr lang="ja" sz="791"/>
+              <a:t>        R=206.835−1.015×(TWTSE)−84.6×(TSYTW)R = 206.835 - 1.015 \times \left( \frac{TW}{TSE} \right) - 84.6 \times \left( \frac{TSY}{TW} \right)</a:t>
+            </a:r>
+            <a:endParaRPr sz="791"/>
+          </a:p>
+          <a:p>
+            <a:pPr indent="0" lvl="0" marL="0" rtl="0" algn="l">
+              <a:lnSpc>
+                <a:spcPct val="95000"/>
+              </a:lnSpc>
+              <a:spcBef>
+                <a:spcPts val="1200"/>
+              </a:spcBef>
+              <a:spcAft>
+                <a:spcPts val="0"/>
+              </a:spcAft>
+              <a:buNone/>
+            </a:pPr>
+            <a:r>
+              <a:rPr lang="ja" sz="791"/>
+              <a:t>        </a:t>
+            </a:r>
+            <a:endParaRPr sz="791"/>
+          </a:p>
+          <a:p>
+            <a:pPr indent="0" lvl="0" marL="0" rtl="0" algn="l">
+              <a:lnSpc>
+                <a:spcPct val="95000"/>
+              </a:lnSpc>
+              <a:spcBef>
+                <a:spcPts val="1200"/>
+              </a:spcBef>
+              <a:spcAft>
+                <a:spcPts val="0"/>
+              </a:spcAft>
+              <a:buNone/>
+            </a:pPr>
+            <a:r>
+              <a:rPr lang="ja" sz="791"/>
+              <a:t>        - TWTWTW: 総単語数</a:t>
+            </a:r>
+            <a:endParaRPr sz="791"/>
+          </a:p>
+          <a:p>
+            <a:pPr indent="0" lvl="0" marL="0" rtl="0" algn="l">
+              <a:lnSpc>
+                <a:spcPct val="95000"/>
+              </a:lnSpc>
+              <a:spcBef>
+                <a:spcPts val="1200"/>
+              </a:spcBef>
+              <a:spcAft>
+                <a:spcPts val="0"/>
+              </a:spcAft>
+              <a:buNone/>
+            </a:pPr>
+            <a:r>
+              <a:rPr lang="ja" sz="791"/>
+              <a:t>        - TSETSETSE: 総文数</a:t>
+            </a:r>
+            <a:endParaRPr sz="791"/>
+          </a:p>
+          <a:p>
+            <a:pPr indent="0" lvl="0" marL="0" rtl="0" algn="l">
+              <a:lnSpc>
+                <a:spcPct val="95000"/>
+              </a:lnSpc>
+              <a:spcBef>
+                <a:spcPts val="1200"/>
+              </a:spcBef>
+              <a:spcAft>
+                <a:spcPts val="0"/>
+              </a:spcAft>
+              <a:buNone/>
+            </a:pPr>
+            <a:r>
+              <a:rPr lang="ja" sz="791"/>
+              <a:t>        - TSYTSYTSY: 総音節数</a:t>
+            </a:r>
+            <a:endParaRPr sz="791"/>
+          </a:p>
+          <a:p>
+            <a:pPr indent="0" lvl="0" marL="0" rtl="0" algn="l">
+              <a:lnSpc>
+                <a:spcPct val="95000"/>
+              </a:lnSpc>
+              <a:spcBef>
+                <a:spcPts val="1200"/>
+              </a:spcBef>
+              <a:spcAft>
+                <a:spcPts val="0"/>
+              </a:spcAft>
+              <a:buNone/>
+            </a:pPr>
+            <a:r>
+              <a:rPr lang="ja" sz="791"/>
+              <a:t>    - **圧縮率の計算**:C=テキストの長さ要約の長さ​</a:t>
+            </a:r>
+            <a:endParaRPr sz="791"/>
+          </a:p>
+          <a:p>
+            <a:pPr indent="0" lvl="0" marL="0" rtl="0" algn="l">
+              <a:lnSpc>
+                <a:spcPct val="95000"/>
+              </a:lnSpc>
+              <a:spcBef>
+                <a:spcPts val="1200"/>
+              </a:spcBef>
+              <a:spcAft>
+                <a:spcPts val="0"/>
+              </a:spcAft>
+              <a:buNone/>
+            </a:pPr>
+            <a:r>
+              <a:rPr lang="ja" sz="791"/>
+              <a:t>        </a:t>
+            </a:r>
+            <a:endParaRPr sz="791"/>
+          </a:p>
+          <a:p>
+            <a:pPr indent="0" lvl="0" marL="0" rtl="0" algn="l">
+              <a:lnSpc>
+                <a:spcPct val="95000"/>
+              </a:lnSpc>
+              <a:spcBef>
+                <a:spcPts val="1200"/>
+              </a:spcBef>
+              <a:spcAft>
+                <a:spcPts val="0"/>
+              </a:spcAft>
+              <a:buNone/>
+            </a:pPr>
+            <a:r>
+              <a:rPr lang="ja" sz="791"/>
+              <a:t>        C=要約の長さテキストの長さC = \frac{\text{要約の長さ}}{\text{テキストの長さ}}</a:t>
+            </a:r>
+            <a:endParaRPr sz="791"/>
+          </a:p>
+          <a:p>
+            <a:pPr indent="0" lvl="0" marL="0" rtl="0" algn="l">
+              <a:lnSpc>
+                <a:spcPct val="95000"/>
+              </a:lnSpc>
+              <a:spcBef>
+                <a:spcPts val="1200"/>
+              </a:spcBef>
+              <a:spcAft>
+                <a:spcPts val="0"/>
+              </a:spcAft>
+              <a:buNone/>
+            </a:pPr>
+            <a:r>
+              <a:rPr lang="ja" sz="791"/>
+              <a:t>        </a:t>
+            </a:r>
+            <a:endParaRPr sz="791"/>
+          </a:p>
+          <a:p>
+            <a:pPr indent="0" lvl="0" marL="0" rtl="0" algn="l">
+              <a:lnSpc>
+                <a:spcPct val="95000"/>
+              </a:lnSpc>
+              <a:spcBef>
+                <a:spcPts val="1200"/>
+              </a:spcBef>
+              <a:spcAft>
+                <a:spcPts val="0"/>
+              </a:spcAft>
+              <a:buNone/>
+            </a:pPr>
+            <a:r>
+              <a:t/>
+            </a:r>
+            <a:endParaRPr sz="791"/>
+          </a:p>
+          <a:p>
+            <a:pPr indent="0" lvl="0" marL="0" rtl="0" algn="l">
+              <a:lnSpc>
+                <a:spcPct val="95000"/>
+              </a:lnSpc>
+              <a:spcBef>
+                <a:spcPts val="1200"/>
+              </a:spcBef>
+              <a:spcAft>
+                <a:spcPts val="0"/>
+              </a:spcAft>
+              <a:buNone/>
+            </a:pPr>
+            <a:r>
+              <a:rPr lang="ja" sz="791"/>
+              <a:t>---</a:t>
+            </a:r>
+            <a:endParaRPr sz="791"/>
+          </a:p>
+          <a:p>
+            <a:pPr indent="0" lvl="0" marL="0" rtl="0" algn="l">
+              <a:lnSpc>
+                <a:spcPct val="95000"/>
+              </a:lnSpc>
+              <a:spcBef>
+                <a:spcPts val="1200"/>
+              </a:spcBef>
+              <a:spcAft>
+                <a:spcPts val="0"/>
+              </a:spcAft>
+              <a:buNone/>
+            </a:pPr>
+            <a:r>
+              <a:t/>
+            </a:r>
+            <a:endParaRPr sz="791"/>
+          </a:p>
+          <a:p>
+            <a:pPr indent="0" lvl="0" marL="0" rtl="0" algn="l">
+              <a:lnSpc>
+                <a:spcPct val="95000"/>
+              </a:lnSpc>
+              <a:spcBef>
+                <a:spcPts val="1200"/>
+              </a:spcBef>
+              <a:spcAft>
+                <a:spcPts val="0"/>
+              </a:spcAft>
+              <a:buNone/>
+            </a:pPr>
+            <a:r>
+              <a:rPr lang="ja" sz="791"/>
+              <a:t>**使用用途**</a:t>
+            </a:r>
+            <a:endParaRPr sz="791"/>
+          </a:p>
+          <a:p>
+            <a:pPr indent="0" lvl="0" marL="0" rtl="0" algn="l">
+              <a:lnSpc>
+                <a:spcPct val="95000"/>
+              </a:lnSpc>
+              <a:spcBef>
+                <a:spcPts val="1200"/>
+              </a:spcBef>
+              <a:spcAft>
+                <a:spcPts val="0"/>
+              </a:spcAft>
+              <a:buNone/>
+            </a:pPr>
+            <a:r>
+              <a:t/>
+            </a:r>
+            <a:endParaRPr sz="791"/>
+          </a:p>
+          <a:p>
+            <a:pPr indent="0" lvl="0" marL="0" rtl="0" algn="l">
+              <a:lnSpc>
+                <a:spcPct val="95000"/>
+              </a:lnSpc>
+              <a:spcBef>
+                <a:spcPts val="1200"/>
+              </a:spcBef>
+              <a:spcAft>
+                <a:spcPts val="0"/>
+              </a:spcAft>
+              <a:buNone/>
+            </a:pPr>
+            <a:r>
+              <a:rPr lang="ja" sz="791"/>
+              <a:t>- **長文要約の改善**: ニュース記事、学術論文、物語などの長文テキストの要約性能を向上させる。</a:t>
+            </a:r>
+            <a:endParaRPr sz="791"/>
+          </a:p>
+          <a:p>
+            <a:pPr indent="0" lvl="0" marL="0" rtl="0" algn="l">
+              <a:lnSpc>
+                <a:spcPct val="95000"/>
+              </a:lnSpc>
+              <a:spcBef>
+                <a:spcPts val="1200"/>
+              </a:spcBef>
+              <a:spcAft>
+                <a:spcPts val="0"/>
+              </a:spcAft>
+              <a:buNone/>
+            </a:pPr>
+            <a:r>
+              <a:rPr lang="ja" sz="791"/>
+              <a:t>- **他タスクへの応用**: T3フレームワークは、他のアシスタントタスクと目標タスクの組み合わせにも適用可能であり、機械翻訳や感情分析などの分野でも効果が期待される。</a:t>
+            </a:r>
+            <a:endParaRPr sz="791"/>
+          </a:p>
+          <a:p>
+            <a:pPr indent="0" lvl="0" marL="0" rtl="0" algn="l">
+              <a:lnSpc>
+                <a:spcPct val="95000"/>
+              </a:lnSpc>
+              <a:spcBef>
+                <a:spcPts val="1200"/>
+              </a:spcBef>
+              <a:spcAft>
+                <a:spcPts val="0"/>
+              </a:spcAft>
+              <a:buNone/>
+            </a:pPr>
+            <a:r>
+              <a:t/>
+            </a:r>
+            <a:endParaRPr sz="791"/>
+          </a:p>
+          <a:p>
+            <a:pPr indent="0" lvl="0" marL="0" rtl="0" algn="l">
+              <a:lnSpc>
+                <a:spcPct val="95000"/>
+              </a:lnSpc>
+              <a:spcBef>
+                <a:spcPts val="1200"/>
+              </a:spcBef>
+              <a:spcAft>
+                <a:spcPts val="0"/>
+              </a:spcAft>
+              <a:buNone/>
+            </a:pPr>
+            <a:r>
+              <a:rPr lang="ja" sz="791"/>
+              <a:t>---</a:t>
+            </a:r>
+            <a:endParaRPr sz="791"/>
+          </a:p>
+          <a:p>
+            <a:pPr indent="0" lvl="0" marL="0" rtl="0" algn="l">
+              <a:lnSpc>
+                <a:spcPct val="95000"/>
+              </a:lnSpc>
+              <a:spcBef>
+                <a:spcPts val="1200"/>
+              </a:spcBef>
+              <a:spcAft>
+                <a:spcPts val="0"/>
+              </a:spcAft>
+              <a:buNone/>
+            </a:pPr>
+            <a:r>
+              <a:t/>
+            </a:r>
+            <a:endParaRPr sz="791"/>
+          </a:p>
+          <a:p>
+            <a:pPr indent="0" lvl="0" marL="0" rtl="0" algn="l">
+              <a:lnSpc>
+                <a:spcPct val="95000"/>
+              </a:lnSpc>
+              <a:spcBef>
+                <a:spcPts val="1200"/>
+              </a:spcBef>
+              <a:spcAft>
+                <a:spcPts val="0"/>
+              </a:spcAft>
+              <a:buNone/>
+            </a:pPr>
+            <a:r>
+              <a:rPr lang="ja" sz="791"/>
+              <a:t>**次に読むべき論文**</a:t>
+            </a:r>
+            <a:endParaRPr sz="791"/>
+          </a:p>
+          <a:p>
+            <a:pPr indent="0" lvl="0" marL="0" rtl="0" algn="l">
+              <a:lnSpc>
+                <a:spcPct val="95000"/>
+              </a:lnSpc>
+              <a:spcBef>
+                <a:spcPts val="1200"/>
+              </a:spcBef>
+              <a:spcAft>
+                <a:spcPts val="0"/>
+              </a:spcAft>
+              <a:buNone/>
+            </a:pPr>
+            <a:r>
+              <a:t/>
+            </a:r>
+            <a:endParaRPr sz="791"/>
+          </a:p>
+          <a:p>
+            <a:pPr indent="0" lvl="0" marL="0" rtl="0" algn="l">
+              <a:lnSpc>
+                <a:spcPct val="95000"/>
+              </a:lnSpc>
+              <a:spcBef>
+                <a:spcPts val="1200"/>
+              </a:spcBef>
+              <a:spcAft>
+                <a:spcPts val="0"/>
+              </a:spcAft>
+              <a:buNone/>
+            </a:pPr>
+            <a:r>
+              <a:rPr lang="ja" sz="791"/>
+              <a:t>- **Schick, T., &amp; Schütze, H. (2021)**: "Few-shot Text Generation with Pattern-Exploiting Training" （パターン活用訓練による少数ショットテキスト生成）</a:t>
+            </a:r>
+            <a:endParaRPr sz="791"/>
+          </a:p>
+          <a:p>
+            <a:pPr indent="0" lvl="0" marL="0" rtl="0" algn="l">
+              <a:lnSpc>
+                <a:spcPct val="95000"/>
+              </a:lnSpc>
+              <a:spcBef>
+                <a:spcPts val="1200"/>
+              </a:spcBef>
+              <a:spcAft>
+                <a:spcPts val="0"/>
+              </a:spcAft>
+              <a:buNone/>
+            </a:pPr>
+            <a:r>
+              <a:rPr lang="ja" sz="791"/>
+              <a:t>- **Kojima, T., Gu, S. S., Reid, M., Matsuo, Y., &amp; Iwasawa, Y. (2023)**: "Large Language Models are Zero-Shot Reasoners" （大規模言語モデルはゼロショット推論者である）</a:t>
+            </a:r>
+            <a:endParaRPr sz="791"/>
+          </a:p>
+          <a:p>
+            <a:pPr indent="0" lvl="0" marL="0" rtl="0" algn="l">
+              <a:lnSpc>
+                <a:spcPct val="95000"/>
+              </a:lnSpc>
+              <a:spcBef>
+                <a:spcPts val="1200"/>
+              </a:spcBef>
+              <a:spcAft>
+                <a:spcPts val="0"/>
+              </a:spcAft>
+              <a:buNone/>
+            </a:pPr>
+            <a:r>
+              <a:rPr lang="ja" sz="791"/>
+              <a:t>- **Zhao, C., Ouyang, S., Yu, Z., Wu, M., &amp; Li, L. (2023)**: "Pre-trained Language Models Can Be Fully Zero-Shot Learners" （事前学習済み言語モデルは完全なゼロショット学習者になり得る）</a:t>
+            </a:r>
+            <a:endParaRPr sz="791"/>
+          </a:p>
+          <a:p>
+            <a:pPr indent="0" lvl="0" marL="0" rtl="0" algn="l">
+              <a:lnSpc>
+                <a:spcPct val="95000"/>
+              </a:lnSpc>
+              <a:spcBef>
+                <a:spcPts val="1200"/>
+              </a:spcBef>
+              <a:spcAft>
+                <a:spcPts val="0"/>
+              </a:spcAft>
+              <a:buNone/>
+            </a:pPr>
+            <a:r>
+              <a:t/>
+            </a:r>
+            <a:endParaRPr sz="791"/>
+          </a:p>
+          <a:p>
+            <a:pPr indent="0" lvl="0" marL="0" rtl="0" algn="l">
+              <a:lnSpc>
+                <a:spcPct val="95000"/>
+              </a:lnSpc>
+              <a:spcBef>
+                <a:spcPts val="1200"/>
+              </a:spcBef>
+              <a:spcAft>
+                <a:spcPts val="0"/>
+              </a:spcAft>
+              <a:buNone/>
+            </a:pPr>
+            <a:r>
+              <a:rPr lang="ja" sz="791"/>
+              <a:t>---</a:t>
+            </a:r>
+            <a:endParaRPr sz="791"/>
+          </a:p>
+          <a:p>
+            <a:pPr indent="0" lvl="0" marL="0" rtl="0" algn="l">
+              <a:lnSpc>
+                <a:spcPct val="95000"/>
+              </a:lnSpc>
+              <a:spcBef>
+                <a:spcPts val="1200"/>
+              </a:spcBef>
+              <a:spcAft>
+                <a:spcPts val="0"/>
+              </a:spcAft>
+              <a:buNone/>
+            </a:pPr>
+            <a:r>
+              <a:t/>
+            </a:r>
+            <a:endParaRPr sz="791"/>
+          </a:p>
+          <a:p>
+            <a:pPr indent="0" lvl="0" marL="0" rtl="0" algn="l">
+              <a:lnSpc>
+                <a:spcPct val="95000"/>
+              </a:lnSpc>
+              <a:spcBef>
+                <a:spcPts val="1200"/>
+              </a:spcBef>
+              <a:spcAft>
+                <a:spcPts val="0"/>
+              </a:spcAft>
+              <a:buNone/>
+            </a:pPr>
+            <a:r>
+              <a:rPr lang="ja" sz="791"/>
+              <a:t>**技術や手法の詳細説明**</a:t>
+            </a:r>
+            <a:endParaRPr sz="791"/>
+          </a:p>
+          <a:p>
+            <a:pPr indent="0" lvl="0" marL="0" rtl="0" algn="l">
+              <a:lnSpc>
+                <a:spcPct val="95000"/>
+              </a:lnSpc>
+              <a:spcBef>
+                <a:spcPts val="1200"/>
+              </a:spcBef>
+              <a:spcAft>
+                <a:spcPts val="0"/>
+              </a:spcAft>
+              <a:buNone/>
+            </a:pPr>
+            <a:r>
+              <a:t/>
+            </a:r>
+            <a:endParaRPr sz="791"/>
+          </a:p>
+          <a:p>
+            <a:pPr indent="0" lvl="0" marL="0" rtl="0" algn="l">
+              <a:lnSpc>
+                <a:spcPct val="95000"/>
+              </a:lnSpc>
+              <a:spcBef>
+                <a:spcPts val="1200"/>
+              </a:spcBef>
+              <a:spcAft>
+                <a:spcPts val="0"/>
+              </a:spcAft>
+              <a:buNone/>
+            </a:pPr>
+            <a:r>
+              <a:rPr lang="ja" sz="791"/>
+              <a:t>1. **T3フレームワークの構造**:</a:t>
+            </a:r>
+            <a:endParaRPr sz="791"/>
+          </a:p>
+          <a:p>
+            <a:pPr indent="0" lvl="0" marL="0" rtl="0" algn="l">
+              <a:lnSpc>
+                <a:spcPct val="95000"/>
+              </a:lnSpc>
+              <a:spcBef>
+                <a:spcPts val="1200"/>
+              </a:spcBef>
+              <a:spcAft>
+                <a:spcPts val="0"/>
+              </a:spcAft>
+              <a:buNone/>
+            </a:pPr>
+            <a:r>
+              <a:rPr lang="ja" sz="791"/>
+              <a:t>    - **ステップ1：アシスタントタスクでの訓練**: モデルはまず、データが豊富なアシスタントタスク（QAタスク）で訓練されます。</a:t>
+            </a:r>
+            <a:endParaRPr sz="791"/>
+          </a:p>
+          <a:p>
+            <a:pPr indent="0" lvl="0" marL="0" rtl="0" algn="l">
+              <a:lnSpc>
+                <a:spcPct val="95000"/>
+              </a:lnSpc>
+              <a:spcBef>
+                <a:spcPts val="1200"/>
+              </a:spcBef>
+              <a:spcAft>
+                <a:spcPts val="0"/>
+              </a:spcAft>
+              <a:buNone/>
+            </a:pPr>
+            <a:r>
+              <a:rPr lang="ja" sz="791"/>
+              <a:t>    - **ステップ2：経験の蓄積**: 訓練中にモデルが得た知識やルールを「経験」として蓄積します。</a:t>
+            </a:r>
+            <a:endParaRPr sz="791"/>
+          </a:p>
+          <a:p>
+            <a:pPr indent="0" lvl="0" marL="0" rtl="0" algn="l">
+              <a:lnSpc>
+                <a:spcPct val="95000"/>
+              </a:lnSpc>
+              <a:spcBef>
+                <a:spcPts val="1200"/>
+              </a:spcBef>
+              <a:spcAft>
+                <a:spcPts val="0"/>
+              </a:spcAft>
+              <a:buNone/>
+            </a:pPr>
+            <a:r>
+              <a:rPr lang="ja" sz="791"/>
+              <a:t>    - **ステップ3：目標タスクへの適用**: 蓄積した経験を用いて、モデルは目標タスク（長文要約）をゼロショットで実行します。</a:t>
+            </a:r>
+            <a:endParaRPr sz="791"/>
+          </a:p>
+          <a:p>
+            <a:pPr indent="0" lvl="0" marL="0" rtl="0" algn="l">
+              <a:lnSpc>
+                <a:spcPct val="95000"/>
+              </a:lnSpc>
+              <a:spcBef>
+                <a:spcPts val="1200"/>
+              </a:spcBef>
+              <a:spcAft>
+                <a:spcPts val="0"/>
+              </a:spcAft>
+              <a:buNone/>
+            </a:pPr>
+            <a:r>
+              <a:rPr lang="ja" sz="791"/>
+              <a:t>2. **反復的訓練戦略**:</a:t>
+            </a:r>
+            <a:endParaRPr sz="791"/>
+          </a:p>
+          <a:p>
+            <a:pPr indent="0" lvl="0" marL="0" rtl="0" algn="l">
+              <a:lnSpc>
+                <a:spcPct val="95000"/>
+              </a:lnSpc>
+              <a:spcBef>
+                <a:spcPts val="1200"/>
+              </a:spcBef>
+              <a:spcAft>
+                <a:spcPts val="0"/>
+              </a:spcAft>
+              <a:buNone/>
+            </a:pPr>
+            <a:r>
+              <a:rPr lang="ja" sz="791"/>
+              <a:t>    - モデルはQAタスクでのパフォーマンスを評価し、経験を更新します。</a:t>
+            </a:r>
+            <a:endParaRPr sz="791"/>
+          </a:p>
+          <a:p>
+            <a:pPr indent="0" lvl="0" marL="0" rtl="0" algn="l">
+              <a:lnSpc>
+                <a:spcPct val="95000"/>
+              </a:lnSpc>
+              <a:spcBef>
+                <a:spcPts val="1200"/>
+              </a:spcBef>
+              <a:spcAft>
+                <a:spcPts val="0"/>
+              </a:spcAft>
+              <a:buNone/>
+            </a:pPr>
+            <a:r>
+              <a:rPr lang="ja" sz="791"/>
+              <a:t>    - その後、目標タスクでの結果を評価し、必要に応じて再度アシスタントタスクでの訓練と経験の更新を行います。</a:t>
+            </a:r>
+            <a:endParaRPr sz="791"/>
+          </a:p>
+          <a:p>
+            <a:pPr indent="0" lvl="0" marL="0" rtl="0" algn="l">
+              <a:lnSpc>
+                <a:spcPct val="95000"/>
+              </a:lnSpc>
+              <a:spcBef>
+                <a:spcPts val="1200"/>
+              </a:spcBef>
+              <a:spcAft>
+                <a:spcPts val="0"/>
+              </a:spcAft>
+              <a:buNone/>
+            </a:pPr>
+            <a:r>
+              <a:rPr lang="ja" sz="791"/>
+              <a:t>3. **経験の更新方法**:</a:t>
+            </a:r>
+            <a:endParaRPr sz="791"/>
+          </a:p>
+          <a:p>
+            <a:pPr indent="0" lvl="0" marL="0" rtl="0" algn="l">
+              <a:lnSpc>
+                <a:spcPct val="95000"/>
+              </a:lnSpc>
+              <a:spcBef>
+                <a:spcPts val="1200"/>
+              </a:spcBef>
+              <a:spcAft>
+                <a:spcPts val="0"/>
+              </a:spcAft>
+              <a:buNone/>
+            </a:pPr>
+            <a:r>
+              <a:rPr lang="ja" sz="791"/>
+              <a:t>    - **可読性（Readability）**、**圧縮率（Compression Rate）**、**類似度（Similarity）**などの指標を用いて、モデルの出力を評価します。</a:t>
+            </a:r>
+            <a:endParaRPr sz="791"/>
+          </a:p>
+          <a:p>
+            <a:pPr indent="0" lvl="0" marL="0" rtl="0" algn="l">
+              <a:lnSpc>
+                <a:spcPct val="95000"/>
+              </a:lnSpc>
+              <a:spcBef>
+                <a:spcPts val="1200"/>
+              </a:spcBef>
+              <a:spcAft>
+                <a:spcPts val="0"/>
+              </a:spcAft>
+              <a:buNone/>
+            </a:pPr>
+            <a:r>
+              <a:rPr lang="ja" sz="791"/>
+              <a:t>    - これらの評価結果に基づいて、モデルは自動的に自身の生成プロセスを改善します。</a:t>
+            </a:r>
+            <a:endParaRPr sz="791"/>
+          </a:p>
+          <a:p>
+            <a:pPr indent="0" lvl="0" marL="0" rtl="0" algn="l">
+              <a:lnSpc>
+                <a:spcPct val="95000"/>
+              </a:lnSpc>
+              <a:spcBef>
+                <a:spcPts val="1200"/>
+              </a:spcBef>
+              <a:spcAft>
+                <a:spcPts val="0"/>
+              </a:spcAft>
+              <a:buNone/>
+            </a:pPr>
+            <a:r>
+              <a:rPr lang="ja" sz="791"/>
+              <a:t>4. **QAタスクの役割**:</a:t>
+            </a:r>
+            <a:endParaRPr sz="791"/>
+          </a:p>
+          <a:p>
+            <a:pPr indent="0" lvl="0" marL="0" rtl="0" algn="l">
+              <a:lnSpc>
+                <a:spcPct val="95000"/>
+              </a:lnSpc>
+              <a:spcBef>
+                <a:spcPts val="1200"/>
+              </a:spcBef>
+              <a:spcAft>
+                <a:spcPts val="0"/>
+              </a:spcAft>
+              <a:buNone/>
+            </a:pPr>
+            <a:r>
+              <a:rPr lang="ja" sz="791"/>
+              <a:t>    - 質問応答ペアは、テキストの重要な情報やコンテクストを抽出するのに有効です。</a:t>
+            </a:r>
+            <a:endParaRPr sz="791"/>
+          </a:p>
+          <a:p>
+            <a:pPr indent="0" lvl="0" marL="0" rtl="0" algn="l">
+              <a:lnSpc>
+                <a:spcPct val="95000"/>
+              </a:lnSpc>
+              <a:spcBef>
+                <a:spcPts val="1200"/>
+              </a:spcBef>
+              <a:spcAft>
+                <a:spcPts val="0"/>
+              </a:spcAft>
+              <a:buNone/>
+            </a:pPr>
+            <a:r>
+              <a:rPr lang="ja" sz="791"/>
+              <a:t>    - モデルはQAタスクを通じて、詳細な文脈理解と情報抽出の能力を高めます。</a:t>
+            </a:r>
+            <a:endParaRPr sz="791"/>
+          </a:p>
+          <a:p>
+            <a:pPr indent="0" lvl="0" marL="0" rtl="0" algn="l">
+              <a:lnSpc>
+                <a:spcPct val="95000"/>
+              </a:lnSpc>
+              <a:spcBef>
+                <a:spcPts val="1200"/>
+              </a:spcBef>
+              <a:spcAft>
+                <a:spcPts val="0"/>
+              </a:spcAft>
+              <a:buNone/>
+            </a:pPr>
+            <a:r>
+              <a:rPr lang="ja" sz="791"/>
+              <a:t>5. **アルゴリズムの詳細（Algorithm 1）**:</a:t>
+            </a:r>
+            <a:endParaRPr sz="791"/>
+          </a:p>
+          <a:p>
+            <a:pPr indent="0" lvl="0" marL="0" rtl="0" algn="l">
+              <a:lnSpc>
+                <a:spcPct val="95000"/>
+              </a:lnSpc>
+              <a:spcBef>
+                <a:spcPts val="1200"/>
+              </a:spcBef>
+              <a:spcAft>
+                <a:spcPts val="0"/>
+              </a:spcAft>
+              <a:buNone/>
+            </a:pPr>
+            <a:r>
+              <a:rPr lang="ja" sz="791"/>
+              <a:t>    - **入力**: テキストデータセットD、対応するQAラベルセットQA、初期化された経験ExpQAとExpSum。</a:t>
+            </a:r>
+            <a:endParaRPr sz="791"/>
+          </a:p>
+          <a:p>
+            <a:pPr indent="0" lvl="0" marL="0" rtl="0" algn="l">
+              <a:lnSpc>
+                <a:spcPct val="95000"/>
+              </a:lnSpc>
+              <a:spcBef>
+                <a:spcPts val="1200"/>
+              </a:spcBef>
+              <a:spcAft>
+                <a:spcPts val="0"/>
+              </a:spcAft>
+              <a:buNone/>
+            </a:pPr>
+            <a:r>
+              <a:rPr lang="ja" sz="791"/>
+              <a:t>    - **プロセス**:</a:t>
+            </a:r>
+            <a:endParaRPr sz="791"/>
+          </a:p>
+          <a:p>
+            <a:pPr indent="0" lvl="0" marL="0" rtl="0" algn="l">
+              <a:lnSpc>
+                <a:spcPct val="95000"/>
+              </a:lnSpc>
+              <a:spcBef>
+                <a:spcPts val="1200"/>
+              </a:spcBef>
+              <a:spcAft>
+                <a:spcPts val="0"/>
+              </a:spcAft>
+              <a:buNone/>
+            </a:pPr>
+            <a:r>
+              <a:rPr lang="ja" sz="791"/>
+              <a:t>        - 各テキストについて、モデルはQAペアを生成し、経験ExpQAを更新します。</a:t>
+            </a:r>
+            <a:endParaRPr sz="791"/>
+          </a:p>
+          <a:p>
+            <a:pPr indent="0" lvl="0" marL="0" rtl="0" algn="l">
+              <a:lnSpc>
+                <a:spcPct val="95000"/>
+              </a:lnSpc>
+              <a:spcBef>
+                <a:spcPts val="1200"/>
+              </a:spcBef>
+              <a:spcAft>
+                <a:spcPts val="0"/>
+              </a:spcAft>
+              <a:buNone/>
+            </a:pPr>
+            <a:r>
+              <a:rPr lang="ja" sz="791"/>
+              <a:t>        - その後、生成したQAペアと蓄積した経験を用いて要約を生成し、経験ExpSumを更新します。</a:t>
+            </a:r>
+            <a:endParaRPr sz="791"/>
+          </a:p>
+          <a:p>
+            <a:pPr indent="0" lvl="0" marL="0" rtl="0" algn="l">
+              <a:lnSpc>
+                <a:spcPct val="95000"/>
+              </a:lnSpc>
+              <a:spcBef>
+                <a:spcPts val="1200"/>
+              </a:spcBef>
+              <a:spcAft>
+                <a:spcPts val="0"/>
+              </a:spcAft>
+              <a:buNone/>
+            </a:pPr>
+            <a:r>
+              <a:rPr lang="ja" sz="791"/>
+              <a:t>        - このプロセスを設定された条件が満たされるまで繰り返します。</a:t>
+            </a:r>
+            <a:endParaRPr sz="791"/>
+          </a:p>
+          <a:p>
+            <a:pPr indent="0" lvl="0" marL="0" rtl="0" algn="l">
+              <a:lnSpc>
+                <a:spcPct val="95000"/>
+              </a:lnSpc>
+              <a:spcBef>
+                <a:spcPts val="1200"/>
+              </a:spcBef>
+              <a:spcAft>
+                <a:spcPts val="0"/>
+              </a:spcAft>
+              <a:buNone/>
+            </a:pPr>
+            <a:r>
+              <a:rPr lang="ja" sz="791"/>
+              <a:t>6. **評価方法**:</a:t>
+            </a:r>
+            <a:endParaRPr sz="791"/>
+          </a:p>
+          <a:p>
+            <a:pPr indent="0" lvl="0" marL="0" rtl="0" algn="l">
+              <a:lnSpc>
+                <a:spcPct val="95000"/>
+              </a:lnSpc>
+              <a:spcBef>
+                <a:spcPts val="1200"/>
+              </a:spcBef>
+              <a:spcAft>
+                <a:spcPts val="0"/>
+              </a:spcAft>
+              <a:buNone/>
+            </a:pPr>
+            <a:r>
+              <a:rPr lang="ja" sz="791"/>
+              <a:t>    - **ROUGEスコア**: 生成された要約と参照要約の間のn-gramの重なりを評価。</a:t>
+            </a:r>
+            <a:endParaRPr sz="791"/>
+          </a:p>
+          <a:p>
+            <a:pPr indent="0" lvl="0" marL="0" rtl="0" algn="l">
+              <a:lnSpc>
+                <a:spcPct val="95000"/>
+              </a:lnSpc>
+              <a:spcBef>
+                <a:spcPts val="1200"/>
+              </a:spcBef>
+              <a:spcAft>
+                <a:spcPts val="0"/>
+              </a:spcAft>
+              <a:buNone/>
+            </a:pPr>
+            <a:r>
+              <a:rPr lang="ja" sz="791"/>
+              <a:t>    - **BLEUスコア**: 生成テキストと参照テキストの一致度を評価。</a:t>
+            </a:r>
+            <a:endParaRPr sz="791"/>
+          </a:p>
+          <a:p>
+            <a:pPr indent="0" lvl="0" marL="0" rtl="0" algn="l">
+              <a:lnSpc>
+                <a:spcPct val="95000"/>
+              </a:lnSpc>
+              <a:spcBef>
+                <a:spcPts val="1200"/>
+              </a:spcBef>
+              <a:spcAft>
+                <a:spcPts val="0"/>
+              </a:spcAft>
+              <a:buNone/>
+            </a:pPr>
+            <a:r>
+              <a:rPr lang="ja" sz="791"/>
+              <a:t>    - **Factscore**: 生成された要約の事実性を評価。</a:t>
+            </a:r>
+            <a:endParaRPr sz="791"/>
+          </a:p>
+          <a:p>
+            <a:pPr indent="0" lvl="0" marL="0" rtl="0" algn="l">
+              <a:lnSpc>
+                <a:spcPct val="95000"/>
+              </a:lnSpc>
+              <a:spcBef>
+                <a:spcPts val="1200"/>
+              </a:spcBef>
+              <a:spcAft>
+                <a:spcPts val="0"/>
+              </a:spcAft>
+              <a:buNone/>
+            </a:pPr>
+            <a:r>
+              <a:t/>
+            </a:r>
+            <a:endParaRPr sz="791"/>
+          </a:p>
+          <a:p>
+            <a:pPr indent="0" lvl="0" marL="0" rtl="0" algn="l">
+              <a:lnSpc>
+                <a:spcPct val="95000"/>
+              </a:lnSpc>
+              <a:spcBef>
+                <a:spcPts val="1200"/>
+              </a:spcBef>
+              <a:spcAft>
+                <a:spcPts val="0"/>
+              </a:spcAft>
+              <a:buNone/>
+            </a:pPr>
+            <a:r>
+              <a:rPr lang="ja" sz="791"/>
+              <a:t>---</a:t>
+            </a:r>
+            <a:endParaRPr sz="791"/>
+          </a:p>
+          <a:p>
+            <a:pPr indent="0" lvl="0" marL="0" rtl="0" algn="l">
+              <a:lnSpc>
+                <a:spcPct val="95000"/>
+              </a:lnSpc>
+              <a:spcBef>
+                <a:spcPts val="1200"/>
+              </a:spcBef>
+              <a:spcAft>
+                <a:spcPts val="0"/>
+              </a:spcAft>
+              <a:buNone/>
+            </a:pPr>
+            <a:r>
+              <a:t/>
+            </a:r>
+            <a:endParaRPr sz="791"/>
+          </a:p>
+          <a:p>
+            <a:pPr indent="0" lvl="0" marL="0" rtl="0" algn="l">
+              <a:lnSpc>
+                <a:spcPct val="95000"/>
+              </a:lnSpc>
+              <a:spcBef>
+                <a:spcPts val="1200"/>
+              </a:spcBef>
+              <a:spcAft>
+                <a:spcPts val="0"/>
+              </a:spcAft>
+              <a:buNone/>
+            </a:pPr>
+            <a:r>
+              <a:rPr lang="ja" sz="791"/>
+              <a:t>**使用上の注意点**</a:t>
+            </a:r>
+            <a:endParaRPr sz="791"/>
+          </a:p>
+          <a:p>
+            <a:pPr indent="0" lvl="0" marL="0" rtl="0" algn="l">
+              <a:lnSpc>
+                <a:spcPct val="95000"/>
+              </a:lnSpc>
+              <a:spcBef>
+                <a:spcPts val="1200"/>
+              </a:spcBef>
+              <a:spcAft>
+                <a:spcPts val="0"/>
+              </a:spcAft>
+              <a:buNone/>
+            </a:pPr>
+            <a:r>
+              <a:t/>
+            </a:r>
+            <a:endParaRPr sz="791"/>
+          </a:p>
+          <a:p>
+            <a:pPr indent="0" lvl="0" marL="0" rtl="0" algn="l">
+              <a:lnSpc>
+                <a:spcPct val="95000"/>
+              </a:lnSpc>
+              <a:spcBef>
+                <a:spcPts val="1200"/>
+              </a:spcBef>
+              <a:spcAft>
+                <a:spcPts val="0"/>
+              </a:spcAft>
+              <a:buNone/>
+            </a:pPr>
+            <a:r>
+              <a:rPr lang="ja" sz="791"/>
+              <a:t>- **アシスタントタスクの選択**: 目標タスクと適切な類似性を持つタスクを選ぶことが重要です。</a:t>
+            </a:r>
+            <a:endParaRPr sz="791"/>
+          </a:p>
+          <a:p>
+            <a:pPr indent="0" lvl="0" marL="0" rtl="0" algn="l">
+              <a:lnSpc>
+                <a:spcPct val="95000"/>
+              </a:lnSpc>
+              <a:spcBef>
+                <a:spcPts val="1200"/>
+              </a:spcBef>
+              <a:spcAft>
+                <a:spcPts val="0"/>
+              </a:spcAft>
+              <a:buNone/>
+            </a:pPr>
+            <a:r>
+              <a:rPr lang="ja" sz="791"/>
+              <a:t>- **モデルの容量**: T3フレームワークの効果を最大化するためには、十分なパラメータ容量を持つ大規模言語モデルを使用することが推奨されます。</a:t>
+            </a:r>
+            <a:endParaRPr sz="791"/>
+          </a:p>
+          <a:p>
+            <a:pPr indent="0" lvl="0" marL="0" rtl="0" algn="l">
+              <a:lnSpc>
+                <a:spcPct val="95000"/>
+              </a:lnSpc>
+              <a:spcBef>
+                <a:spcPts val="1200"/>
+              </a:spcBef>
+              <a:spcAft>
+                <a:spcPts val="1200"/>
+              </a:spcAft>
+              <a:buNone/>
+            </a:pPr>
+            <a:r>
+              <a:t/>
+            </a:r>
+            <a:endParaRPr sz="791"/>
+          </a:p>
+        </p:txBody>
+      </p:sp>
+    </p:spTree>
+  </p:cSld>
+  <p:clrMapOvr>
+    <a:masterClrMapping/>
+  </p:clrMapOvr>
+</p:sld>
+</file>
+
+<file path=ppt/slides/slide31.xml><?xml version="1.0" encoding="utf-8"?>
+<p:sld xmlns:a="http://schemas.openxmlformats.org/drawingml/2006/main" xmlns:r="http://schemas.openxmlformats.org/officeDocument/2006/relationships" xmlns:mc="http://schemas.openxmlformats.org/markup-compatibility/2006" xmlns:mv="urn:schemas-microsoft-com:mac:vml" xmlns:p="http://schemas.openxmlformats.org/presentationml/2006/main" xmlns:c="http://schemas.openxmlformats.org/drawingml/2006/chart" xmlns:dgm="http://schemas.openxmlformats.org/drawingml/2006/diagram" xmlns:o="urn:schemas-microsoft-com:office:office" xmlns:v="urn:schemas-microsoft-com:vml" xmlns:pvml="urn:schemas-microsoft-com:office:powerpoint" xmlns:com="http://schemas.openxmlformats.org/drawingml/2006/compatibility" xmlns:p14="http://schemas.microsoft.com/office/powerpoint/2010/main" xmlns:p15="http://schemas.microsoft.com/office/powerpoint/2012/main" xmlns:ahyp="http://schemas.microsoft.com/office/drawing/2018/hyperlinkcolor">
+  <p:cSld>
+    <p:spTree>
+      <p:nvGrpSpPr>
+        <p:cNvPr id="209" name="Shape 209"/>
+        <p:cNvGrpSpPr/>
+        <p:nvPr/>
+      </p:nvGrpSpPr>
+      <p:grpSpPr>
+        <a:xfrm>
+          <a:off x="0" y="0"/>
+          <a:ext cx="0" cy="0"/>
+          <a:chOff x="0" y="0"/>
+          <a:chExt cx="0" cy="0"/>
+        </a:xfrm>
+      </p:grpSpPr>
+      <p:sp>
+        <p:nvSpPr>
+          <p:cNvPr id="210" name="Google Shape;210;p43"/>
+          <p:cNvSpPr txBox="1"/>
+          <p:nvPr>
+            <p:ph idx="1" type="body"/>
+          </p:nvPr>
+        </p:nvSpPr>
+        <p:spPr>
+          <a:xfrm>
+            <a:off x="0" y="0"/>
+            <a:ext cx="9144000" cy="5049600"/>
+          </a:xfrm>
+          <a:prstGeom prst="rect">
+            <a:avLst/>
+          </a:prstGeom>
+        </p:spPr>
+        <p:txBody>
+          <a:bodyPr anchorCtr="0" anchor="t" bIns="91425" lIns="91425" spcFirstLastPara="1" rIns="91425" wrap="square" tIns="91425">
+            <a:noAutofit/>
+          </a:bodyPr>
+          <a:lstStyle/>
+          <a:p>
+            <a:pPr indent="0" lvl="0" marL="0" rtl="0" algn="l">
+              <a:lnSpc>
+                <a:spcPct val="95000"/>
+              </a:lnSpc>
+              <a:spcBef>
+                <a:spcPts val="1200"/>
+              </a:spcBef>
+              <a:spcAft>
+                <a:spcPts val="0"/>
+              </a:spcAft>
+              <a:buNone/>
+            </a:pPr>
+            <a:r>
+              <a:rPr lang="ja" sz="791"/>
+              <a:t># LML: Language Model Learning a Dataset for Data-Augmented Prediction LML: データ拡張予測のためのデータセットを学習する言語モデル</a:t>
+            </a:r>
+            <a:endParaRPr sz="791"/>
+          </a:p>
+          <a:p>
+            <a:pPr indent="0" lvl="0" marL="0" rtl="0" algn="l">
+              <a:lnSpc>
+                <a:spcPct val="95000"/>
+              </a:lnSpc>
+              <a:spcBef>
+                <a:spcPts val="1200"/>
+              </a:spcBef>
+              <a:spcAft>
+                <a:spcPts val="0"/>
+              </a:spcAft>
+              <a:buNone/>
+            </a:pPr>
+            <a:r>
+              <a:t/>
+            </a:r>
+            <a:endParaRPr sz="791"/>
+          </a:p>
+          <a:p>
+            <a:pPr indent="0" lvl="0" marL="0" rtl="0" algn="l">
+              <a:lnSpc>
+                <a:spcPct val="95000"/>
+              </a:lnSpc>
+              <a:spcBef>
+                <a:spcPts val="1200"/>
+              </a:spcBef>
+              <a:spcAft>
+                <a:spcPts val="0"/>
+              </a:spcAft>
+              <a:buNone/>
+            </a:pPr>
+            <a:r>
+              <a:rPr lang="ja" sz="791"/>
+              <a:t>概要: LLMで分離タスクを行うアプローチ言語モデル学習(LML)を提案し手法としてデータ拡張予測(DAP)を提案</a:t>
+            </a:r>
+            <a:endParaRPr sz="791"/>
+          </a:p>
+          <a:p>
+            <a:pPr indent="0" lvl="0" marL="0" rtl="0" algn="l">
+              <a:lnSpc>
+                <a:spcPct val="95000"/>
+              </a:lnSpc>
+              <a:spcBef>
+                <a:spcPts val="1200"/>
+              </a:spcBef>
+              <a:spcAft>
+                <a:spcPts val="0"/>
+              </a:spcAft>
+              <a:buNone/>
+            </a:pPr>
+            <a:r>
+              <a:rPr lang="ja" sz="791"/>
+              <a:t>推論時にデータを要約し、各ラベルの分類に最も寄与する行をLLMで特定</a:t>
+            </a:r>
+            <a:endParaRPr sz="791"/>
+          </a:p>
+          <a:p>
+            <a:pPr indent="0" lvl="0" marL="0" rtl="0" algn="l">
+              <a:lnSpc>
+                <a:spcPct val="95000"/>
+              </a:lnSpc>
+              <a:spcBef>
+                <a:spcPts val="1200"/>
+              </a:spcBef>
+              <a:spcAft>
+                <a:spcPts val="0"/>
+              </a:spcAft>
+              <a:buNone/>
+            </a:pPr>
+            <a:r>
+              <a:rPr lang="ja" sz="791"/>
+              <a:t>データ要約と取得した関連データをLLMに提供し、分類を生成します</a:t>
+            </a:r>
+            <a:endParaRPr sz="791"/>
+          </a:p>
+          <a:p>
+            <a:pPr indent="0" lvl="0" marL="0" rtl="0" algn="l">
+              <a:lnSpc>
+                <a:spcPct val="95000"/>
+              </a:lnSpc>
+              <a:spcBef>
+                <a:spcPts val="1200"/>
+              </a:spcBef>
+              <a:spcAft>
+                <a:spcPts val="0"/>
+              </a:spcAft>
+              <a:buNone/>
+            </a:pPr>
+            <a:r>
+              <a:t/>
+            </a:r>
+            <a:endParaRPr sz="791"/>
+          </a:p>
+          <a:p>
+            <a:pPr indent="0" lvl="0" marL="0" rtl="0" algn="l">
+              <a:lnSpc>
+                <a:spcPct val="95000"/>
+              </a:lnSpc>
+              <a:spcBef>
+                <a:spcPts val="1200"/>
+              </a:spcBef>
+              <a:spcAft>
+                <a:spcPts val="0"/>
+              </a:spcAft>
+              <a:buNone/>
+            </a:pPr>
+            <a:r>
+              <a:rPr lang="ja" sz="791"/>
+              <a:t>![Demo_LML.png](Demo_LML.png)</a:t>
+            </a:r>
+            <a:endParaRPr sz="791"/>
+          </a:p>
+          <a:p>
+            <a:pPr indent="0" lvl="0" marL="0" rtl="0" algn="l">
+              <a:lnSpc>
+                <a:spcPct val="95000"/>
+              </a:lnSpc>
+              <a:spcBef>
+                <a:spcPts val="1200"/>
+              </a:spcBef>
+              <a:spcAft>
+                <a:spcPts val="0"/>
+              </a:spcAft>
+              <a:buNone/>
+            </a:pPr>
+            <a:r>
+              <a:t/>
+            </a:r>
+            <a:endParaRPr sz="791"/>
+          </a:p>
+          <a:p>
+            <a:pPr indent="0" lvl="0" marL="0" rtl="0" algn="l">
+              <a:lnSpc>
+                <a:spcPct val="95000"/>
+              </a:lnSpc>
+              <a:spcBef>
+                <a:spcPts val="1200"/>
+              </a:spcBef>
+              <a:spcAft>
+                <a:spcPts val="0"/>
+              </a:spcAft>
+              <a:buNone/>
+            </a:pPr>
+            <a:r>
+              <a:rPr lang="ja" sz="791"/>
+              <a:t>![Demo_DAP.png](Demo_DAP.png)</a:t>
+            </a:r>
+            <a:endParaRPr sz="791"/>
+          </a:p>
+          <a:p>
+            <a:pPr indent="0" lvl="0" marL="0" rtl="0" algn="l">
+              <a:lnSpc>
+                <a:spcPct val="95000"/>
+              </a:lnSpc>
+              <a:spcBef>
+                <a:spcPts val="1200"/>
+              </a:spcBef>
+              <a:spcAft>
+                <a:spcPts val="0"/>
+              </a:spcAft>
+              <a:buNone/>
+            </a:pPr>
+            <a:r>
+              <a:t/>
+            </a:r>
+            <a:endParaRPr sz="791"/>
+          </a:p>
+          <a:p>
+            <a:pPr indent="0" lvl="0" marL="0" rtl="0" algn="l">
+              <a:lnSpc>
+                <a:spcPct val="95000"/>
+              </a:lnSpc>
+              <a:spcBef>
+                <a:spcPts val="1200"/>
+              </a:spcBef>
+              <a:spcAft>
+                <a:spcPts val="0"/>
+              </a:spcAft>
+              <a:buNone/>
+            </a:pPr>
+            <a:r>
+              <a:rPr lang="ja" sz="791"/>
+              <a:t>**先行研究と比べてどこがすごいのか:**</a:t>
+            </a:r>
+            <a:endParaRPr sz="791"/>
+          </a:p>
+          <a:p>
+            <a:pPr indent="0" lvl="0" marL="0" rtl="0" algn="l">
+              <a:lnSpc>
+                <a:spcPct val="95000"/>
+              </a:lnSpc>
+              <a:spcBef>
+                <a:spcPts val="1200"/>
+              </a:spcBef>
+              <a:spcAft>
+                <a:spcPts val="0"/>
+              </a:spcAft>
+              <a:buNone/>
+            </a:pPr>
+            <a:r>
+              <a:t/>
+            </a:r>
+            <a:endParaRPr sz="791"/>
+          </a:p>
+          <a:p>
+            <a:pPr indent="0" lvl="0" marL="0" rtl="0" algn="l">
+              <a:lnSpc>
+                <a:spcPct val="95000"/>
+              </a:lnSpc>
+              <a:spcBef>
+                <a:spcPts val="1200"/>
+              </a:spcBef>
+              <a:spcAft>
+                <a:spcPts val="0"/>
+              </a:spcAft>
+              <a:buNone/>
+            </a:pPr>
+            <a:r>
+              <a:rPr lang="ja" sz="791"/>
+              <a:t>- **解釈可能性と精度の両立:** 従来の機械学習モデルは、解釈可能性と精度の間でトレードオフが存在しました。しかし、本研究ではLLMを使用して、解釈可能な予測を高い精度で実現しています。</a:t>
+            </a:r>
+            <a:endParaRPr sz="791"/>
+          </a:p>
+          <a:p>
+            <a:pPr indent="0" lvl="0" marL="0" rtl="0" algn="l">
+              <a:lnSpc>
+                <a:spcPct val="95000"/>
+              </a:lnSpc>
+              <a:spcBef>
+                <a:spcPts val="1200"/>
+              </a:spcBef>
+              <a:spcAft>
+                <a:spcPts val="0"/>
+              </a:spcAft>
+              <a:buNone/>
+            </a:pPr>
+            <a:r>
+              <a:rPr lang="ja" sz="791"/>
+              <a:t>- **データ前処理の簡素化:** データクリーニングや特徴エンジニアリングに多大な時間を費やす必要がなく、LLMがテキストとしてデータを処理し、人間がデータを分析する方法に近い形で分類を行います。</a:t>
+            </a:r>
+            <a:endParaRPr sz="791"/>
+          </a:p>
+          <a:p>
+            <a:pPr indent="0" lvl="0" marL="0" rtl="0" algn="l">
+              <a:lnSpc>
+                <a:spcPct val="95000"/>
+              </a:lnSpc>
+              <a:spcBef>
+                <a:spcPts val="1200"/>
+              </a:spcBef>
+              <a:spcAft>
+                <a:spcPts val="0"/>
+              </a:spcAft>
+              <a:buNone/>
+            </a:pPr>
+            <a:r>
+              <a:rPr lang="ja" sz="791"/>
+              <a:t>- **Data-Augmented Prediction (DAP) の導入:** 予測時に関連するデータを取得し、データ要約と組み合わせてLLMに提供することで、コンテキストを考慮した意思決定が可能になります。</a:t>
+            </a:r>
+            <a:endParaRPr sz="791"/>
+          </a:p>
+          <a:p>
+            <a:pPr indent="0" lvl="0" marL="0" rtl="0" algn="l">
+              <a:lnSpc>
+                <a:spcPct val="95000"/>
+              </a:lnSpc>
+              <a:spcBef>
+                <a:spcPts val="1200"/>
+              </a:spcBef>
+              <a:spcAft>
+                <a:spcPts val="0"/>
+              </a:spcAft>
+              <a:buNone/>
+            </a:pPr>
+            <a:r>
+              <a:rPr lang="ja" sz="791"/>
+              <a:t>- **新しい概念の提案:** “Language Model Learning (LML)”と“Data-Augmented Prediction (DAP)”という新しい手法を提案し、LLMの能力を分類タスクに効果的に応用しています。</a:t>
+            </a:r>
+            <a:endParaRPr sz="791"/>
+          </a:p>
+          <a:p>
+            <a:pPr indent="0" lvl="0" marL="0" rtl="0" algn="l">
+              <a:lnSpc>
+                <a:spcPct val="95000"/>
+              </a:lnSpc>
+              <a:spcBef>
+                <a:spcPts val="1200"/>
+              </a:spcBef>
+              <a:spcAft>
+                <a:spcPts val="0"/>
+              </a:spcAft>
+              <a:buNone/>
+            </a:pPr>
+            <a:r>
+              <a:t/>
+            </a:r>
+            <a:endParaRPr sz="791"/>
+          </a:p>
+          <a:p>
+            <a:pPr indent="0" lvl="0" marL="0" rtl="0" algn="l">
+              <a:lnSpc>
+                <a:spcPct val="95000"/>
+              </a:lnSpc>
+              <a:spcBef>
+                <a:spcPts val="1200"/>
+              </a:spcBef>
+              <a:spcAft>
+                <a:spcPts val="0"/>
+              </a:spcAft>
+              <a:buNone/>
+            </a:pPr>
+            <a:r>
+              <a:rPr lang="ja" sz="791"/>
+              <a:t>---</a:t>
+            </a:r>
+            <a:endParaRPr sz="791"/>
+          </a:p>
+          <a:p>
+            <a:pPr indent="0" lvl="0" marL="0" rtl="0" algn="l">
+              <a:lnSpc>
+                <a:spcPct val="95000"/>
+              </a:lnSpc>
+              <a:spcBef>
+                <a:spcPts val="1200"/>
+              </a:spcBef>
+              <a:spcAft>
+                <a:spcPts val="0"/>
+              </a:spcAft>
+              <a:buNone/>
+            </a:pPr>
+            <a:r>
+              <a:t/>
+            </a:r>
+            <a:endParaRPr sz="791"/>
+          </a:p>
+          <a:p>
+            <a:pPr indent="0" lvl="0" marL="0" rtl="0" algn="l">
+              <a:lnSpc>
+                <a:spcPct val="95000"/>
+              </a:lnSpc>
+              <a:spcBef>
+                <a:spcPts val="1200"/>
+              </a:spcBef>
+              <a:spcAft>
+                <a:spcPts val="0"/>
+              </a:spcAft>
+              <a:buNone/>
+            </a:pPr>
+            <a:r>
+              <a:rPr lang="ja" sz="791"/>
+              <a:t>**技術や手法:**</a:t>
+            </a:r>
+            <a:endParaRPr sz="791"/>
+          </a:p>
+          <a:p>
+            <a:pPr indent="0" lvl="0" marL="0" rtl="0" algn="l">
+              <a:lnSpc>
+                <a:spcPct val="95000"/>
+              </a:lnSpc>
+              <a:spcBef>
+                <a:spcPts val="1200"/>
+              </a:spcBef>
+              <a:spcAft>
+                <a:spcPts val="0"/>
+              </a:spcAft>
+              <a:buNone/>
+            </a:pPr>
+            <a:r>
+              <a:t/>
+            </a:r>
+            <a:endParaRPr sz="791"/>
+          </a:p>
+          <a:p>
+            <a:pPr indent="0" lvl="0" marL="0" rtl="0" algn="l">
+              <a:lnSpc>
+                <a:spcPct val="95000"/>
+              </a:lnSpc>
+              <a:spcBef>
+                <a:spcPts val="1200"/>
+              </a:spcBef>
+              <a:spcAft>
+                <a:spcPts val="0"/>
+              </a:spcAft>
+              <a:buNone/>
+            </a:pPr>
+            <a:r>
+              <a:rPr lang="ja" sz="791"/>
+              <a:t>1. **Language Model Learning (LML):**</a:t>
+            </a:r>
+            <a:endParaRPr sz="791"/>
+          </a:p>
+          <a:p>
+            <a:pPr indent="0" lvl="0" marL="0" rtl="0" algn="l">
+              <a:lnSpc>
+                <a:spcPct val="95000"/>
+              </a:lnSpc>
+              <a:spcBef>
+                <a:spcPts val="1200"/>
+              </a:spcBef>
+              <a:spcAft>
+                <a:spcPts val="0"/>
+              </a:spcAft>
+              <a:buNone/>
+            </a:pPr>
+            <a:r>
+              <a:rPr lang="ja" sz="791"/>
+              <a:t>    - **データのチャンク分割と要約:**</a:t>
+            </a:r>
+            <a:endParaRPr sz="791"/>
+          </a:p>
+          <a:p>
+            <a:pPr indent="0" lvl="0" marL="0" rtl="0" algn="l">
+              <a:lnSpc>
+                <a:spcPct val="95000"/>
+              </a:lnSpc>
+              <a:spcBef>
+                <a:spcPts val="1200"/>
+              </a:spcBef>
+              <a:spcAft>
+                <a:spcPts val="0"/>
+              </a:spcAft>
+              <a:buNone/>
+            </a:pPr>
+            <a:r>
+              <a:rPr lang="ja" sz="791"/>
+              <a:t>        - 大規模なデータセットをLLMのコンテキストウィンドウの制限に合わせて小さなチャンクに分割します。</a:t>
+            </a:r>
+            <a:endParaRPr sz="791"/>
+          </a:p>
+          <a:p>
+            <a:pPr indent="0" lvl="0" marL="0" rtl="0" algn="l">
+              <a:lnSpc>
+                <a:spcPct val="95000"/>
+              </a:lnSpc>
+              <a:spcBef>
+                <a:spcPts val="1200"/>
+              </a:spcBef>
+              <a:spcAft>
+                <a:spcPts val="0"/>
+              </a:spcAft>
+              <a:buNone/>
+            </a:pPr>
+            <a:r>
+              <a:rPr lang="ja" sz="791"/>
+              <a:t>        - 各チャンクをLLMで処理し、各ラベルに関連する重要な特徴やパターンを要約します。</a:t>
+            </a:r>
+            <a:endParaRPr sz="791"/>
+          </a:p>
+          <a:p>
+            <a:pPr indent="0" lvl="0" marL="0" rtl="0" algn="l">
+              <a:lnSpc>
+                <a:spcPct val="95000"/>
+              </a:lnSpc>
+              <a:spcBef>
+                <a:spcPts val="1200"/>
+              </a:spcBef>
+              <a:spcAft>
+                <a:spcPts val="0"/>
+              </a:spcAft>
+              <a:buNone/>
+            </a:pPr>
+            <a:r>
+              <a:rPr lang="ja" sz="791"/>
+              <a:t>    - **最終要約の生成:**</a:t>
+            </a:r>
+            <a:endParaRPr sz="791"/>
+          </a:p>
+          <a:p>
+            <a:pPr indent="0" lvl="0" marL="0" rtl="0" algn="l">
+              <a:lnSpc>
+                <a:spcPct val="95000"/>
+              </a:lnSpc>
+              <a:spcBef>
+                <a:spcPts val="1200"/>
+              </a:spcBef>
+              <a:spcAft>
+                <a:spcPts val="0"/>
+              </a:spcAft>
+              <a:buNone/>
+            </a:pPr>
+            <a:r>
+              <a:rPr lang="ja" sz="791"/>
+              <a:t>        - 各チャンクの要約を統合して、データセット全体の包括的な要約を作成します。</a:t>
+            </a:r>
+            <a:endParaRPr sz="791"/>
+          </a:p>
+          <a:p>
+            <a:pPr indent="0" lvl="0" marL="0" rtl="0" algn="l">
+              <a:lnSpc>
+                <a:spcPct val="95000"/>
+              </a:lnSpc>
+              <a:spcBef>
+                <a:spcPts val="1200"/>
+              </a:spcBef>
+              <a:spcAft>
+                <a:spcPts val="0"/>
+              </a:spcAft>
+              <a:buNone/>
+            </a:pPr>
+            <a:r>
+              <a:rPr lang="ja" sz="791"/>
+              <a:t>        - これにより、モデルは全体的なデータパターンを理解し、重要な特徴を特定できます。</a:t>
+            </a:r>
+            <a:endParaRPr sz="791"/>
+          </a:p>
+          <a:p>
+            <a:pPr indent="0" lvl="0" marL="0" rtl="0" algn="l">
+              <a:lnSpc>
+                <a:spcPct val="95000"/>
+              </a:lnSpc>
+              <a:spcBef>
+                <a:spcPts val="1200"/>
+              </a:spcBef>
+              <a:spcAft>
+                <a:spcPts val="0"/>
+              </a:spcAft>
+              <a:buNone/>
+            </a:pPr>
+            <a:r>
+              <a:rPr lang="ja" sz="791"/>
+              <a:t>2. **Data-Augmented Prediction (DAP):**</a:t>
+            </a:r>
+            <a:endParaRPr sz="791"/>
+          </a:p>
+          <a:p>
+            <a:pPr indent="0" lvl="0" marL="0" rtl="0" algn="l">
+              <a:lnSpc>
+                <a:spcPct val="95000"/>
+              </a:lnSpc>
+              <a:spcBef>
+                <a:spcPts val="1200"/>
+              </a:spcBef>
+              <a:spcAft>
+                <a:spcPts val="0"/>
+              </a:spcAft>
+              <a:buNone/>
+            </a:pPr>
+            <a:r>
+              <a:rPr lang="ja" sz="791"/>
+              <a:t>    - **クエリの生成:**</a:t>
+            </a:r>
+            <a:endParaRPr sz="791"/>
+          </a:p>
+          <a:p>
+            <a:pPr indent="0" lvl="0" marL="0" rtl="0" algn="l">
+              <a:lnSpc>
+                <a:spcPct val="95000"/>
+              </a:lnSpc>
+              <a:spcBef>
+                <a:spcPts val="1200"/>
+              </a:spcBef>
+              <a:spcAft>
+                <a:spcPts val="0"/>
+              </a:spcAft>
+              <a:buNone/>
+            </a:pPr>
+            <a:r>
+              <a:rPr lang="ja" sz="791"/>
+              <a:t>        - テストデータに基づいて、データセットから関連する行を取得するためのクエリをLLMで自動的に生成します。</a:t>
+            </a:r>
+            <a:endParaRPr sz="791"/>
+          </a:p>
+          <a:p>
+            <a:pPr indent="0" lvl="0" marL="0" rtl="0" algn="l">
+              <a:lnSpc>
+                <a:spcPct val="95000"/>
+              </a:lnSpc>
+              <a:spcBef>
+                <a:spcPts val="1200"/>
+              </a:spcBef>
+              <a:spcAft>
+                <a:spcPts val="0"/>
+              </a:spcAft>
+              <a:buNone/>
+            </a:pPr>
+            <a:r>
+              <a:rPr lang="ja" sz="791"/>
+              <a:t>        - クエリはPythonのPandasライブラリの`df.query()`メソッドで使用できる形式です。</a:t>
+            </a:r>
+            <a:endParaRPr sz="791"/>
+          </a:p>
+          <a:p>
+            <a:pPr indent="0" lvl="0" marL="0" rtl="0" algn="l">
+              <a:lnSpc>
+                <a:spcPct val="95000"/>
+              </a:lnSpc>
+              <a:spcBef>
+                <a:spcPts val="1200"/>
+              </a:spcBef>
+              <a:spcAft>
+                <a:spcPts val="0"/>
+              </a:spcAft>
+              <a:buNone/>
+            </a:pPr>
+            <a:r>
+              <a:rPr lang="ja" sz="791"/>
+              <a:t>    - **関連データの取得:**</a:t>
+            </a:r>
+            <a:endParaRPr sz="791"/>
+          </a:p>
+          <a:p>
+            <a:pPr indent="0" lvl="0" marL="0" rtl="0" algn="l">
+              <a:lnSpc>
+                <a:spcPct val="95000"/>
+              </a:lnSpc>
+              <a:spcBef>
+                <a:spcPts val="1200"/>
+              </a:spcBef>
+              <a:spcAft>
+                <a:spcPts val="0"/>
+              </a:spcAft>
+              <a:buNone/>
+            </a:pPr>
+            <a:r>
+              <a:rPr lang="ja" sz="791"/>
+              <a:t>        - 生成されたクエリを使用して、データセットからテストデータに類似した行を取得します。</a:t>
+            </a:r>
+            <a:endParaRPr sz="791"/>
+          </a:p>
+          <a:p>
+            <a:pPr indent="0" lvl="0" marL="0" rtl="0" algn="l">
+              <a:lnSpc>
+                <a:spcPct val="95000"/>
+              </a:lnSpc>
+              <a:spcBef>
+                <a:spcPts val="1200"/>
+              </a:spcBef>
+              <a:spcAft>
+                <a:spcPts val="0"/>
+              </a:spcAft>
+              <a:buNone/>
+            </a:pPr>
+            <a:r>
+              <a:rPr lang="ja" sz="791"/>
+              <a:t>        - これにより、モデルはテストデータに関連するコンテキスト情報を得ることができます。</a:t>
+            </a:r>
+            <a:endParaRPr sz="791"/>
+          </a:p>
+          <a:p>
+            <a:pPr indent="0" lvl="0" marL="0" rtl="0" algn="l">
+              <a:lnSpc>
+                <a:spcPct val="95000"/>
+              </a:lnSpc>
+              <a:spcBef>
+                <a:spcPts val="1200"/>
+              </a:spcBef>
+              <a:spcAft>
+                <a:spcPts val="0"/>
+              </a:spcAft>
+              <a:buNone/>
+            </a:pPr>
+            <a:r>
+              <a:rPr lang="ja" sz="791"/>
+              <a:t>    - **分類の生成:**</a:t>
+            </a:r>
+            <a:endParaRPr sz="791"/>
+          </a:p>
+          <a:p>
+            <a:pPr indent="0" lvl="0" marL="0" rtl="0" algn="l">
+              <a:lnSpc>
+                <a:spcPct val="95000"/>
+              </a:lnSpc>
+              <a:spcBef>
+                <a:spcPts val="1200"/>
+              </a:spcBef>
+              <a:spcAft>
+                <a:spcPts val="0"/>
+              </a:spcAft>
+              <a:buNone/>
+            </a:pPr>
+            <a:r>
+              <a:rPr lang="ja" sz="791"/>
+              <a:t>        - データ要約と取得した関連データをLLMに提供し、テストデータの分類を行います。</a:t>
+            </a:r>
+            <a:endParaRPr sz="791"/>
+          </a:p>
+          <a:p>
+            <a:pPr indent="0" lvl="0" marL="0" rtl="0" algn="l">
+              <a:lnSpc>
+                <a:spcPct val="95000"/>
+              </a:lnSpc>
+              <a:spcBef>
+                <a:spcPts val="1200"/>
+              </a:spcBef>
+              <a:spcAft>
+                <a:spcPts val="0"/>
+              </a:spcAft>
+              <a:buNone/>
+            </a:pPr>
+            <a:r>
+              <a:rPr lang="ja" sz="791"/>
+              <a:t>        - プロンプトに「Explainable Machine Learning Model（説明可能な機械学習モデルとして振る舞う）」という指示を含め、モデルが予測の背後にある理由を提供します。</a:t>
+            </a:r>
+            <a:endParaRPr sz="791"/>
+          </a:p>
+          <a:p>
+            <a:pPr indent="0" lvl="0" marL="0" rtl="0" algn="l">
+              <a:lnSpc>
+                <a:spcPct val="95000"/>
+              </a:lnSpc>
+              <a:spcBef>
+                <a:spcPts val="1200"/>
+              </a:spcBef>
+              <a:spcAft>
+                <a:spcPts val="0"/>
+              </a:spcAft>
+              <a:buNone/>
+            </a:pPr>
+            <a:r>
+              <a:rPr lang="ja" sz="791"/>
+              <a:t>3. **エラー処理と再試行機能:**</a:t>
+            </a:r>
+            <a:endParaRPr sz="791"/>
+          </a:p>
+          <a:p>
+            <a:pPr indent="0" lvl="0" marL="0" rtl="0" algn="l">
+              <a:lnSpc>
+                <a:spcPct val="95000"/>
+              </a:lnSpc>
+              <a:spcBef>
+                <a:spcPts val="1200"/>
+              </a:spcBef>
+              <a:spcAft>
+                <a:spcPts val="0"/>
+              </a:spcAft>
+              <a:buNone/>
+            </a:pPr>
+            <a:r>
+              <a:rPr lang="ja" sz="791"/>
+              <a:t>    - 要約やクエリ生成時にエラーが発生した場合、自動的に再試行します。</a:t>
+            </a:r>
+            <a:endParaRPr sz="791"/>
+          </a:p>
+          <a:p>
+            <a:pPr indent="0" lvl="0" marL="0" rtl="0" algn="l">
+              <a:lnSpc>
+                <a:spcPct val="95000"/>
+              </a:lnSpc>
+              <a:spcBef>
+                <a:spcPts val="1200"/>
+              </a:spcBef>
+              <a:spcAft>
+                <a:spcPts val="0"/>
+              </a:spcAft>
+              <a:buNone/>
+            </a:pPr>
+            <a:r>
+              <a:rPr lang="ja" sz="791"/>
+              <a:t>    - これにより、モデルのロバスト性と信頼性が向上します。</a:t>
+            </a:r>
+            <a:endParaRPr sz="791"/>
+          </a:p>
+          <a:p>
+            <a:pPr indent="0" lvl="0" marL="0" rtl="0" algn="l">
+              <a:lnSpc>
+                <a:spcPct val="95000"/>
+              </a:lnSpc>
+              <a:spcBef>
+                <a:spcPts val="1200"/>
+              </a:spcBef>
+              <a:spcAft>
+                <a:spcPts val="0"/>
+              </a:spcAft>
+              <a:buNone/>
+            </a:pPr>
+            <a:r>
+              <a:rPr lang="ja" sz="791"/>
+              <a:t>4. **評価と結果:**</a:t>
+            </a:r>
+            <a:endParaRPr sz="791"/>
+          </a:p>
+          <a:p>
+            <a:pPr indent="0" lvl="0" marL="0" rtl="0" algn="l">
+              <a:lnSpc>
+                <a:spcPct val="95000"/>
+              </a:lnSpc>
+              <a:spcBef>
+                <a:spcPts val="1200"/>
+              </a:spcBef>
+              <a:spcAft>
+                <a:spcPts val="0"/>
+              </a:spcAft>
+              <a:buNone/>
+            </a:pPr>
+            <a:r>
+              <a:rPr lang="ja" sz="791"/>
+              <a:t>    - **データセット:** Iris、Wine、Zoo、Raisin、Rice、Mushroomなど、多様なデータセットを使用。</a:t>
+            </a:r>
+            <a:endParaRPr sz="791"/>
+          </a:p>
+          <a:p>
+            <a:pPr indent="0" lvl="0" marL="0" rtl="0" algn="l">
+              <a:lnSpc>
+                <a:spcPct val="95000"/>
+              </a:lnSpc>
+              <a:spcBef>
+                <a:spcPts val="1200"/>
+              </a:spcBef>
+              <a:spcAft>
+                <a:spcPts val="0"/>
+              </a:spcAft>
+              <a:buNone/>
+            </a:pPr>
+            <a:r>
+              <a:rPr lang="ja" sz="791"/>
+              <a:t>    - **LLMモデル:** Gemini 1.5 Flash (001)、GPT-4o mini、Llama 3.1 (70B)、Llama 3.1 (8B)を使用。</a:t>
+            </a:r>
+            <a:endParaRPr sz="791"/>
+          </a:p>
+          <a:p>
+            <a:pPr indent="0" lvl="0" marL="0" rtl="0" algn="l">
+              <a:lnSpc>
+                <a:spcPct val="95000"/>
+              </a:lnSpc>
+              <a:spcBef>
+                <a:spcPts val="1200"/>
+              </a:spcBef>
+              <a:spcAft>
+                <a:spcPts val="0"/>
+              </a:spcAft>
+              <a:buNone/>
+            </a:pPr>
+            <a:r>
+              <a:rPr lang="ja" sz="791"/>
+              <a:t>    - **結果:** 多くのテストケースで80%以上、場合によっては90%以上の高い精度を達成。</a:t>
+            </a:r>
+            <a:endParaRPr sz="791"/>
+          </a:p>
+          <a:p>
+            <a:pPr indent="0" lvl="0" marL="0" rtl="0" algn="l">
+              <a:lnSpc>
+                <a:spcPct val="95000"/>
+              </a:lnSpc>
+              <a:spcBef>
+                <a:spcPts val="1200"/>
+              </a:spcBef>
+              <a:spcAft>
+                <a:spcPts val="0"/>
+              </a:spcAft>
+              <a:buNone/>
+            </a:pPr>
+            <a:r>
+              <a:rPr lang="ja" sz="791"/>
+              <a:t>    - **評価指標:** システムの一般化能力を評価するため、未見のデータに対する正確性を計測。</a:t>
+            </a:r>
+            <a:endParaRPr sz="791"/>
+          </a:p>
+          <a:p>
+            <a:pPr indent="0" lvl="0" marL="0" rtl="0" algn="l">
+              <a:lnSpc>
+                <a:spcPct val="95000"/>
+              </a:lnSpc>
+              <a:spcBef>
+                <a:spcPts val="1200"/>
+              </a:spcBef>
+              <a:spcAft>
+                <a:spcPts val="0"/>
+              </a:spcAft>
+              <a:buNone/>
+            </a:pPr>
+            <a:r>
+              <a:t/>
+            </a:r>
+            <a:endParaRPr sz="791"/>
+          </a:p>
+          <a:p>
+            <a:pPr indent="0" lvl="0" marL="0" rtl="0" algn="l">
+              <a:lnSpc>
+                <a:spcPct val="95000"/>
+              </a:lnSpc>
+              <a:spcBef>
+                <a:spcPts val="1200"/>
+              </a:spcBef>
+              <a:spcAft>
+                <a:spcPts val="0"/>
+              </a:spcAft>
+              <a:buNone/>
+            </a:pPr>
+            <a:r>
+              <a:rPr lang="ja" sz="791"/>
+              <a:t>---</a:t>
+            </a:r>
+            <a:endParaRPr sz="791"/>
+          </a:p>
+          <a:p>
+            <a:pPr indent="0" lvl="0" marL="0" rtl="0" algn="l">
+              <a:lnSpc>
+                <a:spcPct val="95000"/>
+              </a:lnSpc>
+              <a:spcBef>
+                <a:spcPts val="1200"/>
+              </a:spcBef>
+              <a:spcAft>
+                <a:spcPts val="0"/>
+              </a:spcAft>
+              <a:buNone/>
+            </a:pPr>
+            <a:r>
+              <a:t/>
+            </a:r>
+            <a:endParaRPr sz="791"/>
+          </a:p>
+          <a:p>
+            <a:pPr indent="0" lvl="0" marL="0" rtl="0" algn="l">
+              <a:lnSpc>
+                <a:spcPct val="95000"/>
+              </a:lnSpc>
+              <a:spcBef>
+                <a:spcPts val="1200"/>
+              </a:spcBef>
+              <a:spcAft>
+                <a:spcPts val="0"/>
+              </a:spcAft>
+              <a:buNone/>
+            </a:pPr>
+            <a:r>
+              <a:rPr lang="ja" sz="791"/>
+              <a:t>**使用用途:**</a:t>
+            </a:r>
+            <a:endParaRPr sz="791"/>
+          </a:p>
+          <a:p>
+            <a:pPr indent="0" lvl="0" marL="0" rtl="0" algn="l">
+              <a:lnSpc>
+                <a:spcPct val="95000"/>
+              </a:lnSpc>
+              <a:spcBef>
+                <a:spcPts val="1200"/>
+              </a:spcBef>
+              <a:spcAft>
+                <a:spcPts val="0"/>
+              </a:spcAft>
+              <a:buNone/>
+            </a:pPr>
+            <a:r>
+              <a:t/>
+            </a:r>
+            <a:endParaRPr sz="791"/>
+          </a:p>
+          <a:p>
+            <a:pPr indent="0" lvl="0" marL="0" rtl="0" algn="l">
+              <a:lnSpc>
+                <a:spcPct val="95000"/>
+              </a:lnSpc>
+              <a:spcBef>
+                <a:spcPts val="1200"/>
+              </a:spcBef>
+              <a:spcAft>
+                <a:spcPts val="0"/>
+              </a:spcAft>
+              <a:buNone/>
+            </a:pPr>
+            <a:r>
+              <a:rPr lang="ja" sz="791"/>
+              <a:t>- **医療や法的システム:**</a:t>
+            </a:r>
+            <a:endParaRPr sz="791"/>
+          </a:p>
+          <a:p>
+            <a:pPr indent="0" lvl="0" marL="0" rtl="0" algn="l">
+              <a:lnSpc>
+                <a:spcPct val="95000"/>
+              </a:lnSpc>
+              <a:spcBef>
+                <a:spcPts val="1200"/>
+              </a:spcBef>
+              <a:spcAft>
+                <a:spcPts val="0"/>
+              </a:spcAft>
+              <a:buNone/>
+            </a:pPr>
+            <a:r>
+              <a:rPr lang="ja" sz="791"/>
+              <a:t>    - 予測の背後にある理由が重要な分野での分類タスクに適用可能。</a:t>
+            </a:r>
+            <a:endParaRPr sz="791"/>
+          </a:p>
+          <a:p>
+            <a:pPr indent="0" lvl="0" marL="0" rtl="0" algn="l">
+              <a:lnSpc>
+                <a:spcPct val="95000"/>
+              </a:lnSpc>
+              <a:spcBef>
+                <a:spcPts val="1200"/>
+              </a:spcBef>
+              <a:spcAft>
+                <a:spcPts val="0"/>
+              </a:spcAft>
+              <a:buNone/>
+            </a:pPr>
+            <a:r>
+              <a:rPr lang="ja" sz="791"/>
+              <a:t>    - 透明性と解釈可能性が要求される場面で有用。</a:t>
+            </a:r>
+            <a:endParaRPr sz="791"/>
+          </a:p>
+          <a:p>
+            <a:pPr indent="0" lvl="0" marL="0" rtl="0" algn="l">
+              <a:lnSpc>
+                <a:spcPct val="95000"/>
+              </a:lnSpc>
+              <a:spcBef>
+                <a:spcPts val="1200"/>
+              </a:spcBef>
+              <a:spcAft>
+                <a:spcPts val="0"/>
+              </a:spcAft>
+              <a:buNone/>
+            </a:pPr>
+            <a:r>
+              <a:rPr lang="ja" sz="791"/>
+              <a:t>- **サイバーセキュリティ分析:**</a:t>
+            </a:r>
+            <a:endParaRPr sz="791"/>
+          </a:p>
+          <a:p>
+            <a:pPr indent="0" lvl="0" marL="0" rtl="0" algn="l">
+              <a:lnSpc>
+                <a:spcPct val="95000"/>
+              </a:lnSpc>
+              <a:spcBef>
+                <a:spcPts val="1200"/>
+              </a:spcBef>
+              <a:spcAft>
+                <a:spcPts val="0"/>
+              </a:spcAft>
+              <a:buNone/>
+            </a:pPr>
+            <a:r>
+              <a:rPr lang="ja" sz="791"/>
+              <a:t>    - 不正行為やサイバー攻撃の検出において、予測の根拠を提供。</a:t>
+            </a:r>
+            <a:endParaRPr sz="791"/>
+          </a:p>
+          <a:p>
+            <a:pPr indent="0" lvl="0" marL="0" rtl="0" algn="l">
+              <a:lnSpc>
+                <a:spcPct val="95000"/>
+              </a:lnSpc>
+              <a:spcBef>
+                <a:spcPts val="1200"/>
+              </a:spcBef>
+              <a:spcAft>
+                <a:spcPts val="0"/>
+              </a:spcAft>
+              <a:buNone/>
+            </a:pPr>
+            <a:r>
+              <a:rPr lang="ja" sz="791"/>
+              <a:t>    - これにより、組織はリスクに対する迅速な対応が可能。</a:t>
+            </a:r>
+            <a:endParaRPr sz="791"/>
+          </a:p>
+          <a:p>
+            <a:pPr indent="0" lvl="0" marL="0" rtl="0" algn="l">
+              <a:lnSpc>
+                <a:spcPct val="95000"/>
+              </a:lnSpc>
+              <a:spcBef>
+                <a:spcPts val="1200"/>
+              </a:spcBef>
+              <a:spcAft>
+                <a:spcPts val="0"/>
+              </a:spcAft>
+              <a:buNone/>
+            </a:pPr>
+            <a:r>
+              <a:rPr lang="ja" sz="791"/>
+              <a:t>- **データ探索と特徴重要度の分析:**</a:t>
+            </a:r>
+            <a:endParaRPr sz="791"/>
+          </a:p>
+          <a:p>
+            <a:pPr indent="0" lvl="0" marL="0" rtl="0" algn="l">
+              <a:lnSpc>
+                <a:spcPct val="95000"/>
+              </a:lnSpc>
+              <a:spcBef>
+                <a:spcPts val="1200"/>
+              </a:spcBef>
+              <a:spcAft>
+                <a:spcPts val="0"/>
+              </a:spcAft>
+              <a:buNone/>
+            </a:pPr>
+            <a:r>
+              <a:rPr lang="ja" sz="791"/>
+              <a:t>    - データ要約を活用して、データセットの理解やバイアス検出に利用。</a:t>
+            </a:r>
+            <a:endParaRPr sz="791"/>
+          </a:p>
+          <a:p>
+            <a:pPr indent="0" lvl="0" marL="0" rtl="0" algn="l">
+              <a:lnSpc>
+                <a:spcPct val="95000"/>
+              </a:lnSpc>
+              <a:spcBef>
+                <a:spcPts val="1200"/>
+              </a:spcBef>
+              <a:spcAft>
+                <a:spcPts val="0"/>
+              </a:spcAft>
+              <a:buNone/>
+            </a:pPr>
+            <a:r>
+              <a:rPr lang="ja" sz="791"/>
+              <a:t>    - データの異常検知やデータ汚染攻撃の検出にも貢献。</a:t>
+            </a:r>
+            <a:endParaRPr sz="791"/>
+          </a:p>
+          <a:p>
+            <a:pPr indent="0" lvl="0" marL="0" rtl="0" algn="l">
+              <a:lnSpc>
+                <a:spcPct val="95000"/>
+              </a:lnSpc>
+              <a:spcBef>
+                <a:spcPts val="1200"/>
+              </a:spcBef>
+              <a:spcAft>
+                <a:spcPts val="0"/>
+              </a:spcAft>
+              <a:buNone/>
+            </a:pPr>
+            <a:r>
+              <a:rPr lang="ja" sz="791"/>
+              <a:t>- **低リソース環境での応用:**</a:t>
+            </a:r>
+            <a:endParaRPr sz="791"/>
+          </a:p>
+          <a:p>
+            <a:pPr indent="0" lvl="0" marL="0" rtl="0" algn="l">
+              <a:lnSpc>
+                <a:spcPct val="95000"/>
+              </a:lnSpc>
+              <a:spcBef>
+                <a:spcPts val="1200"/>
+              </a:spcBef>
+              <a:spcAft>
+                <a:spcPts val="0"/>
+              </a:spcAft>
+              <a:buNone/>
+            </a:pPr>
+            <a:r>
+              <a:rPr lang="ja" sz="791"/>
+              <a:t>    - 災害管理や緊急対応など、トレーニングデータが限られている領域で有効。</a:t>
+            </a:r>
+            <a:endParaRPr sz="791"/>
+          </a:p>
+          <a:p>
+            <a:pPr indent="0" lvl="0" marL="0" rtl="0" algn="l">
+              <a:lnSpc>
+                <a:spcPct val="95000"/>
+              </a:lnSpc>
+              <a:spcBef>
+                <a:spcPts val="1200"/>
+              </a:spcBef>
+              <a:spcAft>
+                <a:spcPts val="0"/>
+              </a:spcAft>
+              <a:buNone/>
+            </a:pPr>
+            <a:r>
+              <a:rPr lang="ja" sz="791"/>
+              <a:t>    - 少ないデータでも高精度な予測が可能。</a:t>
+            </a:r>
+            <a:endParaRPr sz="791"/>
+          </a:p>
+          <a:p>
+            <a:pPr indent="0" lvl="0" marL="0" rtl="0" algn="l">
+              <a:lnSpc>
+                <a:spcPct val="95000"/>
+              </a:lnSpc>
+              <a:spcBef>
+                <a:spcPts val="1200"/>
+              </a:spcBef>
+              <a:spcAft>
+                <a:spcPts val="0"/>
+              </a:spcAft>
+              <a:buNone/>
+            </a:pPr>
+            <a:r>
+              <a:t/>
+            </a:r>
+            <a:endParaRPr sz="791"/>
+          </a:p>
+          <a:p>
+            <a:pPr indent="0" lvl="0" marL="0" rtl="0" algn="l">
+              <a:lnSpc>
+                <a:spcPct val="95000"/>
+              </a:lnSpc>
+              <a:spcBef>
+                <a:spcPts val="1200"/>
+              </a:spcBef>
+              <a:spcAft>
+                <a:spcPts val="0"/>
+              </a:spcAft>
+              <a:buNone/>
+            </a:pPr>
+            <a:r>
+              <a:rPr lang="ja" sz="791"/>
+              <a:t>---</a:t>
+            </a:r>
+            <a:endParaRPr sz="791"/>
+          </a:p>
+          <a:p>
+            <a:pPr indent="0" lvl="0" marL="0" rtl="0" algn="l">
+              <a:lnSpc>
+                <a:spcPct val="95000"/>
+              </a:lnSpc>
+              <a:spcBef>
+                <a:spcPts val="1200"/>
+              </a:spcBef>
+              <a:spcAft>
+                <a:spcPts val="0"/>
+              </a:spcAft>
+              <a:buNone/>
+            </a:pPr>
+            <a:r>
+              <a:t/>
+            </a:r>
+            <a:endParaRPr sz="791"/>
+          </a:p>
+          <a:p>
+            <a:pPr indent="0" lvl="0" marL="0" rtl="0" algn="l">
+              <a:lnSpc>
+                <a:spcPct val="95000"/>
+              </a:lnSpc>
+              <a:spcBef>
+                <a:spcPts val="1200"/>
+              </a:spcBef>
+              <a:spcAft>
+                <a:spcPts val="0"/>
+              </a:spcAft>
+              <a:buNone/>
+            </a:pPr>
+            <a:r>
+              <a:rPr lang="ja" sz="791"/>
+              <a:t>**次に読むべき論文:**</a:t>
+            </a:r>
+            <a:endParaRPr sz="791"/>
+          </a:p>
+          <a:p>
+            <a:pPr indent="0" lvl="0" marL="0" rtl="0" algn="l">
+              <a:lnSpc>
+                <a:spcPct val="95000"/>
+              </a:lnSpc>
+              <a:spcBef>
+                <a:spcPts val="1200"/>
+              </a:spcBef>
+              <a:spcAft>
+                <a:spcPts val="0"/>
+              </a:spcAft>
+              <a:buNone/>
+            </a:pPr>
+            <a:r>
+              <a:t/>
+            </a:r>
+            <a:endParaRPr sz="791"/>
+          </a:p>
+          <a:p>
+            <a:pPr indent="0" lvl="0" marL="0" rtl="0" algn="l">
+              <a:lnSpc>
+                <a:spcPct val="95000"/>
+              </a:lnSpc>
+              <a:spcBef>
+                <a:spcPts val="1200"/>
+              </a:spcBef>
+              <a:spcAft>
+                <a:spcPts val="0"/>
+              </a:spcAft>
+              <a:buNone/>
+            </a:pPr>
+            <a:r>
+              <a:rPr lang="ja" sz="791"/>
+              <a:t>- **[16] H. Manikandan, Y. Jiang, and J. Z. Kolter, “Language Models are Weak Learners,” in Advances in Neural Information Processing Systems, 2023.**</a:t>
+            </a:r>
+            <a:endParaRPr sz="791"/>
+          </a:p>
+          <a:p>
+            <a:pPr indent="0" lvl="0" marL="0" rtl="0" algn="l">
+              <a:lnSpc>
+                <a:spcPct val="95000"/>
+              </a:lnSpc>
+              <a:spcBef>
+                <a:spcPts val="1200"/>
+              </a:spcBef>
+              <a:spcAft>
+                <a:spcPts val="0"/>
+              </a:spcAft>
+              <a:buNone/>
+            </a:pPr>
+            <a:r>
+              <a:rPr lang="ja" sz="791"/>
+              <a:t>    - LLMを用いた学習手法に関する最新の研究で、本論文のLMLの概念と関連性が高い。</a:t>
+            </a:r>
+            <a:endParaRPr sz="791"/>
+          </a:p>
+          <a:p>
+            <a:pPr indent="0" lvl="0" marL="0" rtl="0" algn="l">
+              <a:lnSpc>
+                <a:spcPct val="95000"/>
+              </a:lnSpc>
+              <a:spcBef>
+                <a:spcPts val="1200"/>
+              </a:spcBef>
+              <a:spcAft>
+                <a:spcPts val="0"/>
+              </a:spcAft>
+              <a:buNone/>
+            </a:pPr>
+            <a:r>
+              <a:rPr lang="ja" sz="791"/>
+              <a:t>- **[14] P. Lewis et al., “Retrieval-Augmented Generation for Knowledge-Intensive NLP Tasks,” in Advances in Neural Information Processing Systems, 2020.**</a:t>
+            </a:r>
+            <a:endParaRPr sz="791"/>
+          </a:p>
+          <a:p>
+            <a:pPr indent="0" lvl="0" marL="0" rtl="0" algn="l">
+              <a:lnSpc>
+                <a:spcPct val="95000"/>
+              </a:lnSpc>
+              <a:spcBef>
+                <a:spcPts val="1200"/>
+              </a:spcBef>
+              <a:spcAft>
+                <a:spcPts val="0"/>
+              </a:spcAft>
+              <a:buNone/>
+            </a:pPr>
+            <a:r>
+              <a:rPr lang="ja" sz="791"/>
+              <a:t>    - DAPと類似したRetrieval-Augmented Generation (RAG) の手法を提案しており、関連する知識の取得と生成に関する理解を深めることができます。</a:t>
+            </a:r>
+            <a:endParaRPr sz="791"/>
+          </a:p>
+          <a:p>
+            <a:pPr indent="0" lvl="0" marL="0" rtl="0" algn="l">
+              <a:lnSpc>
+                <a:spcPct val="95000"/>
+              </a:lnSpc>
+              <a:spcBef>
+                <a:spcPts val="1200"/>
+              </a:spcBef>
+              <a:spcAft>
+                <a:spcPts val="0"/>
+              </a:spcAft>
+              <a:buNone/>
+            </a:pPr>
+            <a:r>
+              <a:rPr lang="ja" sz="791"/>
+              <a:t>- **[17] H. Zamani et al., “Retrieval-Enhanced Machine Learning,” in Proceedings of the 45th International ACM SIGIR Conference, 2022.**</a:t>
+            </a:r>
+            <a:endParaRPr sz="791"/>
+          </a:p>
+          <a:p>
+            <a:pPr indent="0" lvl="0" marL="0" rtl="0" algn="l">
+              <a:lnSpc>
+                <a:spcPct val="95000"/>
+              </a:lnSpc>
+              <a:spcBef>
+                <a:spcPts val="1200"/>
+              </a:spcBef>
+              <a:spcAft>
+                <a:spcPts val="0"/>
+              </a:spcAft>
+              <a:buNone/>
+            </a:pPr>
+            <a:r>
+              <a:rPr lang="ja" sz="791"/>
+              <a:t>    - 情報検索技術を機械学習に統合する手法について述べており、本論文のDAP手法との比較や理解に役立ちます。</a:t>
+            </a:r>
+            <a:endParaRPr sz="791"/>
+          </a:p>
+          <a:p>
+            <a:pPr indent="0" lvl="0" marL="0" rtl="0" algn="l">
+              <a:lnSpc>
+                <a:spcPct val="95000"/>
+              </a:lnSpc>
+              <a:spcBef>
+                <a:spcPts val="1200"/>
+              </a:spcBef>
+              <a:spcAft>
+                <a:spcPts val="0"/>
+              </a:spcAft>
+              <a:buNone/>
+            </a:pPr>
+            <a:r>
+              <a:t/>
+            </a:r>
+            <a:endParaRPr sz="791"/>
+          </a:p>
+          <a:p>
+            <a:pPr indent="0" lvl="0" marL="0" rtl="0" algn="l">
+              <a:lnSpc>
+                <a:spcPct val="95000"/>
+              </a:lnSpc>
+              <a:spcBef>
+                <a:spcPts val="1200"/>
+              </a:spcBef>
+              <a:spcAft>
+                <a:spcPts val="0"/>
+              </a:spcAft>
+              <a:buNone/>
+            </a:pPr>
+            <a:r>
+              <a:rPr lang="ja" sz="791"/>
+              <a:t>---</a:t>
+            </a:r>
+            <a:endParaRPr sz="791"/>
+          </a:p>
+          <a:p>
+            <a:pPr indent="0" lvl="0" marL="0" rtl="0" algn="l">
+              <a:lnSpc>
+                <a:spcPct val="95000"/>
+              </a:lnSpc>
+              <a:spcBef>
+                <a:spcPts val="1200"/>
+              </a:spcBef>
+              <a:spcAft>
+                <a:spcPts val="0"/>
+              </a:spcAft>
+              <a:buNone/>
+            </a:pPr>
+            <a:r>
+              <a:t/>
+            </a:r>
+            <a:endParaRPr sz="791"/>
+          </a:p>
+          <a:p>
+            <a:pPr indent="0" lvl="0" marL="0" rtl="0" algn="l">
+              <a:lnSpc>
+                <a:spcPct val="95000"/>
+              </a:lnSpc>
+              <a:spcBef>
+                <a:spcPts val="1200"/>
+              </a:spcBef>
+              <a:spcAft>
+                <a:spcPts val="0"/>
+              </a:spcAft>
+              <a:buNone/>
+            </a:pPr>
+            <a:r>
+              <a:rPr lang="ja" sz="791"/>
+              <a:t>**技術や手法の詳細な説明:**</a:t>
+            </a:r>
+            <a:endParaRPr sz="791"/>
+          </a:p>
+          <a:p>
+            <a:pPr indent="0" lvl="0" marL="0" rtl="0" algn="l">
+              <a:lnSpc>
+                <a:spcPct val="95000"/>
+              </a:lnSpc>
+              <a:spcBef>
+                <a:spcPts val="1200"/>
+              </a:spcBef>
+              <a:spcAft>
+                <a:spcPts val="0"/>
+              </a:spcAft>
+              <a:buNone/>
+            </a:pPr>
+            <a:r>
+              <a:t/>
+            </a:r>
+            <a:endParaRPr sz="791"/>
+          </a:p>
+          <a:p>
+            <a:pPr indent="0" lvl="0" marL="0" rtl="0" algn="l">
+              <a:lnSpc>
+                <a:spcPct val="95000"/>
+              </a:lnSpc>
+              <a:spcBef>
+                <a:spcPts val="1200"/>
+              </a:spcBef>
+              <a:spcAft>
+                <a:spcPts val="0"/>
+              </a:spcAft>
+              <a:buNone/>
+            </a:pPr>
+            <a:r>
+              <a:rPr lang="ja" sz="791"/>
+              <a:t>1. **データの読み込みとLLMの設定:**</a:t>
+            </a:r>
+            <a:endParaRPr sz="791"/>
+          </a:p>
+          <a:p>
+            <a:pPr indent="0" lvl="0" marL="0" rtl="0" algn="l">
+              <a:lnSpc>
+                <a:spcPct val="95000"/>
+              </a:lnSpc>
+              <a:spcBef>
+                <a:spcPts val="1200"/>
+              </a:spcBef>
+              <a:spcAft>
+                <a:spcPts val="0"/>
+              </a:spcAft>
+              <a:buNone/>
+            </a:pPr>
+            <a:r>
+              <a:rPr lang="ja" sz="791"/>
+              <a:t>    - 複数のデータセット（Iris、Wine、Zooなど）とLLMモデル（Gemini 1.5 Flash (001)など）を使用。</a:t>
+            </a:r>
+            <a:endParaRPr sz="791"/>
+          </a:p>
+          <a:p>
+            <a:pPr indent="0" lvl="0" marL="0" rtl="0" algn="l">
+              <a:lnSpc>
+                <a:spcPct val="95000"/>
+              </a:lnSpc>
+              <a:spcBef>
+                <a:spcPts val="1200"/>
+              </a:spcBef>
+              <a:spcAft>
+                <a:spcPts val="0"/>
+              </a:spcAft>
+              <a:buNone/>
+            </a:pPr>
+            <a:r>
+              <a:rPr lang="ja" sz="791"/>
+              <a:t>    - 大規模なデータセットでも処理可能なように、コンテキストウィンドウが大きいモデルを選択。</a:t>
+            </a:r>
+            <a:endParaRPr sz="791"/>
+          </a:p>
+          <a:p>
+            <a:pPr indent="0" lvl="0" marL="0" rtl="0" algn="l">
+              <a:lnSpc>
+                <a:spcPct val="95000"/>
+              </a:lnSpc>
+              <a:spcBef>
+                <a:spcPts val="1200"/>
+              </a:spcBef>
+              <a:spcAft>
+                <a:spcPts val="0"/>
+              </a:spcAft>
+              <a:buNone/>
+            </a:pPr>
+            <a:r>
+              <a:rPr lang="ja" sz="791"/>
+              <a:t>2. **テストデータの作成:**</a:t>
+            </a:r>
+            <a:endParaRPr sz="791"/>
+          </a:p>
+          <a:p>
+            <a:pPr indent="0" lvl="0" marL="0" rtl="0" algn="l">
+              <a:lnSpc>
+                <a:spcPct val="95000"/>
+              </a:lnSpc>
+              <a:spcBef>
+                <a:spcPts val="1200"/>
+              </a:spcBef>
+              <a:spcAft>
+                <a:spcPts val="0"/>
+              </a:spcAft>
+              <a:buNone/>
+            </a:pPr>
+            <a:r>
+              <a:rPr lang="ja" sz="791"/>
+              <a:t>    - トレーニングデータからランダムに選択し、新しいテストデータを生成。</a:t>
+            </a:r>
+            <a:endParaRPr sz="791"/>
+          </a:p>
+          <a:p>
+            <a:pPr indent="0" lvl="0" marL="0" rtl="0" algn="l">
+              <a:lnSpc>
+                <a:spcPct val="95000"/>
+              </a:lnSpc>
+              <a:spcBef>
+                <a:spcPts val="1200"/>
+              </a:spcBef>
+              <a:spcAft>
+                <a:spcPts val="0"/>
+              </a:spcAft>
+              <a:buNone/>
+            </a:pPr>
+            <a:r>
+              <a:rPr lang="ja" sz="791"/>
+              <a:t>    - テストデータは各クラスから20%を選び、元のデータのパターンを保持しつつ微小な変動を加える。</a:t>
+            </a:r>
+            <a:endParaRPr sz="791"/>
+          </a:p>
+          <a:p>
+            <a:pPr indent="0" lvl="0" marL="0" rtl="0" algn="l">
+              <a:lnSpc>
+                <a:spcPct val="95000"/>
+              </a:lnSpc>
+              <a:spcBef>
+                <a:spcPts val="1200"/>
+              </a:spcBef>
+              <a:spcAft>
+                <a:spcPts val="0"/>
+              </a:spcAft>
+              <a:buNone/>
+            </a:pPr>
+            <a:r>
+              <a:rPr lang="ja" sz="791"/>
+              <a:t>3. **データのチャンク分割:**</a:t>
+            </a:r>
+            <a:endParaRPr sz="791"/>
+          </a:p>
+          <a:p>
+            <a:pPr indent="0" lvl="0" marL="0" rtl="0" algn="l">
+              <a:lnSpc>
+                <a:spcPct val="95000"/>
+              </a:lnSpc>
+              <a:spcBef>
+                <a:spcPts val="1200"/>
+              </a:spcBef>
+              <a:spcAft>
+                <a:spcPts val="0"/>
+              </a:spcAft>
+              <a:buNone/>
+            </a:pPr>
+            <a:r>
+              <a:rPr lang="ja" sz="791"/>
+              <a:t>    - LLMのコンテキストウィンドウの制限を考慮して、データセットを適切なサイズのチャンクに分割。</a:t>
+            </a:r>
+            <a:endParaRPr sz="791"/>
+          </a:p>
+          <a:p>
+            <a:pPr indent="0" lvl="0" marL="0" rtl="0" algn="l">
+              <a:lnSpc>
+                <a:spcPct val="95000"/>
+              </a:lnSpc>
+              <a:spcBef>
+                <a:spcPts val="1200"/>
+              </a:spcBef>
+              <a:spcAft>
+                <a:spcPts val="0"/>
+              </a:spcAft>
+              <a:buNone/>
+            </a:pPr>
+            <a:r>
+              <a:rPr lang="ja" sz="791"/>
+              <a:t>    - 各チャンクのサイズは自動的に計算され、モデルが効率的に処理できるようにする。</a:t>
+            </a:r>
+            <a:endParaRPr sz="791"/>
+          </a:p>
+          <a:p>
+            <a:pPr indent="0" lvl="0" marL="0" rtl="0" algn="l">
+              <a:lnSpc>
+                <a:spcPct val="95000"/>
+              </a:lnSpc>
+              <a:spcBef>
+                <a:spcPts val="1200"/>
+              </a:spcBef>
+              <a:spcAft>
+                <a:spcPts val="0"/>
+              </a:spcAft>
+              <a:buNone/>
+            </a:pPr>
+            <a:r>
+              <a:rPr lang="ja" sz="791"/>
+              <a:t>4. **各チャンクの要約生成:**</a:t>
+            </a:r>
+            <a:endParaRPr sz="791"/>
+          </a:p>
+          <a:p>
+            <a:pPr indent="0" lvl="0" marL="0" rtl="0" algn="l">
+              <a:lnSpc>
+                <a:spcPct val="95000"/>
+              </a:lnSpc>
+              <a:spcBef>
+                <a:spcPts val="1200"/>
+              </a:spcBef>
+              <a:spcAft>
+                <a:spcPts val="0"/>
+              </a:spcAft>
+              <a:buNone/>
+            </a:pPr>
+            <a:r>
+              <a:rPr lang="ja" sz="791"/>
+              <a:t>    - 各チャンクをLLMで処理し、重要な特徴やパターンを要約。</a:t>
+            </a:r>
+            <a:endParaRPr sz="791"/>
+          </a:p>
+          <a:p>
+            <a:pPr indent="0" lvl="0" marL="0" rtl="0" algn="l">
+              <a:lnSpc>
+                <a:spcPct val="95000"/>
+              </a:lnSpc>
+              <a:spcBef>
+                <a:spcPts val="1200"/>
+              </a:spcBef>
+              <a:spcAft>
+                <a:spcPts val="0"/>
+              </a:spcAft>
+              <a:buNone/>
+            </a:pPr>
+            <a:r>
+              <a:rPr lang="ja" sz="791"/>
+              <a:t>    - プロンプトテンプレートを使用して、一貫性のある要約を取得。</a:t>
+            </a:r>
+            <a:endParaRPr sz="791"/>
+          </a:p>
+          <a:p>
+            <a:pPr indent="0" lvl="0" marL="0" rtl="0" algn="l">
+              <a:lnSpc>
+                <a:spcPct val="95000"/>
+              </a:lnSpc>
+              <a:spcBef>
+                <a:spcPts val="1200"/>
+              </a:spcBef>
+              <a:spcAft>
+                <a:spcPts val="0"/>
+              </a:spcAft>
+              <a:buNone/>
+            </a:pPr>
+            <a:r>
+              <a:rPr lang="ja" sz="791"/>
+              <a:t>    </a:t>
+            </a:r>
+            <a:endParaRPr sz="791"/>
+          </a:p>
+          <a:p>
+            <a:pPr indent="0" lvl="0" marL="0" rtl="0" algn="l">
+              <a:lnSpc>
+                <a:spcPct val="95000"/>
+              </a:lnSpc>
+              <a:spcBef>
+                <a:spcPts val="1200"/>
+              </a:spcBef>
+              <a:spcAft>
+                <a:spcPts val="0"/>
+              </a:spcAft>
+              <a:buNone/>
+            </a:pPr>
+            <a:r>
+              <a:rPr lang="ja" sz="791"/>
+              <a:t>    **プロンプトテンプレートの例（要約用）:**</a:t>
+            </a:r>
+            <a:endParaRPr sz="791"/>
+          </a:p>
+          <a:p>
+            <a:pPr indent="0" lvl="0" marL="0" rtl="0" algn="l">
+              <a:lnSpc>
+                <a:spcPct val="95000"/>
+              </a:lnSpc>
+              <a:spcBef>
+                <a:spcPts val="1200"/>
+              </a:spcBef>
+              <a:spcAft>
+                <a:spcPts val="0"/>
+              </a:spcAft>
+              <a:buNone/>
+            </a:pPr>
+            <a:r>
+              <a:rPr lang="ja" sz="791"/>
+              <a:t>    </a:t>
+            </a:r>
+            <a:endParaRPr sz="791"/>
+          </a:p>
+          <a:p>
+            <a:pPr indent="0" lvl="0" marL="0" rtl="0" algn="l">
+              <a:lnSpc>
+                <a:spcPct val="95000"/>
+              </a:lnSpc>
+              <a:spcBef>
+                <a:spcPts val="1200"/>
+              </a:spcBef>
+              <a:spcAft>
+                <a:spcPts val="0"/>
+              </a:spcAft>
+              <a:buNone/>
+            </a:pPr>
+            <a:r>
+              <a:rPr lang="ja" sz="791"/>
+              <a:t>    ```markdown</a:t>
+            </a:r>
+            <a:endParaRPr sz="791"/>
+          </a:p>
+          <a:p>
+            <a:pPr indent="0" lvl="0" marL="0" rtl="0" algn="l">
+              <a:lnSpc>
+                <a:spcPct val="95000"/>
+              </a:lnSpc>
+              <a:spcBef>
+                <a:spcPts val="1200"/>
+              </a:spcBef>
+              <a:spcAft>
+                <a:spcPts val="0"/>
+              </a:spcAft>
+              <a:buNone/>
+            </a:pPr>
+            <a:r>
+              <a:rPr lang="ja" sz="791"/>
+              <a:t>    markdown</a:t>
+            </a:r>
+            <a:endParaRPr sz="791"/>
+          </a:p>
+          <a:p>
+            <a:pPr indent="0" lvl="0" marL="0" rtl="0" algn="l">
+              <a:lnSpc>
+                <a:spcPct val="95000"/>
+              </a:lnSpc>
+              <a:spcBef>
+                <a:spcPts val="1200"/>
+              </a:spcBef>
+              <a:spcAft>
+                <a:spcPts val="0"/>
+              </a:spcAft>
+              <a:buNone/>
+            </a:pPr>
+            <a:r>
+              <a:rPr lang="ja" sz="791"/>
+              <a:t>    コードをコピーする</a:t>
+            </a:r>
+            <a:endParaRPr sz="791"/>
+          </a:p>
+          <a:p>
+            <a:pPr indent="0" lvl="0" marL="0" rtl="0" algn="l">
+              <a:lnSpc>
+                <a:spcPct val="95000"/>
+              </a:lnSpc>
+              <a:spcBef>
+                <a:spcPts val="1200"/>
+              </a:spcBef>
+              <a:spcAft>
+                <a:spcPts val="0"/>
+              </a:spcAft>
+              <a:buNone/>
+            </a:pPr>
+            <a:r>
+              <a:rPr lang="ja" sz="791"/>
+              <a:t>    {train_data_chunk}</a:t>
+            </a:r>
+            <a:endParaRPr sz="791"/>
+          </a:p>
+          <a:p>
+            <a:pPr indent="0" lvl="0" marL="0" rtl="0" algn="l">
+              <a:lnSpc>
+                <a:spcPct val="95000"/>
+              </a:lnSpc>
+              <a:spcBef>
+                <a:spcPts val="1200"/>
+              </a:spcBef>
+              <a:spcAft>
+                <a:spcPts val="0"/>
+              </a:spcAft>
+              <a:buNone/>
+            </a:pPr>
+            <a:r>
+              <a:rPr lang="ja" sz="791"/>
+              <a:t>    --</a:t>
+            </a:r>
+            <a:endParaRPr sz="791"/>
+          </a:p>
+          <a:p>
+            <a:pPr indent="0" lvl="0" marL="0" rtl="0" algn="l">
+              <a:lnSpc>
+                <a:spcPct val="95000"/>
+              </a:lnSpc>
+              <a:spcBef>
+                <a:spcPts val="1200"/>
+              </a:spcBef>
+              <a:spcAft>
+                <a:spcPts val="0"/>
+              </a:spcAft>
+              <a:buNone/>
+            </a:pPr>
+            <a:r>
+              <a:rPr lang="ja" sz="791"/>
+              <a:t>    Act as an Explainable Machine Learning Model. Don't write code.</a:t>
+            </a:r>
+            <a:endParaRPr sz="791"/>
+          </a:p>
+          <a:p>
+            <a:pPr indent="0" lvl="0" marL="0" rtl="0" algn="l">
+              <a:lnSpc>
+                <a:spcPct val="95000"/>
+              </a:lnSpc>
+              <a:spcBef>
+                <a:spcPts val="1200"/>
+              </a:spcBef>
+              <a:spcAft>
+                <a:spcPts val="0"/>
+              </a:spcAft>
+              <a:buNone/>
+            </a:pPr>
+            <a:r>
+              <a:rPr lang="ja" sz="791"/>
+              <a:t>    ...</a:t>
+            </a:r>
+            <a:endParaRPr sz="791"/>
+          </a:p>
+          <a:p>
+            <a:pPr indent="0" lvl="0" marL="0" rtl="0" algn="l">
+              <a:lnSpc>
+                <a:spcPct val="95000"/>
+              </a:lnSpc>
+              <a:spcBef>
+                <a:spcPts val="1200"/>
+              </a:spcBef>
+              <a:spcAft>
+                <a:spcPts val="0"/>
+              </a:spcAft>
+              <a:buNone/>
+            </a:pPr>
+            <a:r>
+              <a:rPr lang="ja" sz="791"/>
+              <a:t>    </a:t>
+            </a:r>
+            <a:endParaRPr sz="791"/>
+          </a:p>
+          <a:p>
+            <a:pPr indent="0" lvl="0" marL="0" rtl="0" algn="l">
+              <a:lnSpc>
+                <a:spcPct val="95000"/>
+              </a:lnSpc>
+              <a:spcBef>
+                <a:spcPts val="1200"/>
+              </a:spcBef>
+              <a:spcAft>
+                <a:spcPts val="0"/>
+              </a:spcAft>
+              <a:buNone/>
+            </a:pPr>
+            <a:r>
+              <a:rPr lang="ja" sz="791"/>
+              <a:t>    ```</a:t>
+            </a:r>
+            <a:endParaRPr sz="791"/>
+          </a:p>
+          <a:p>
+            <a:pPr indent="0" lvl="0" marL="0" rtl="0" algn="l">
+              <a:lnSpc>
+                <a:spcPct val="95000"/>
+              </a:lnSpc>
+              <a:spcBef>
+                <a:spcPts val="1200"/>
+              </a:spcBef>
+              <a:spcAft>
+                <a:spcPts val="0"/>
+              </a:spcAft>
+              <a:buNone/>
+            </a:pPr>
+            <a:r>
+              <a:rPr lang="ja" sz="791"/>
+              <a:t>    </a:t>
+            </a:r>
+            <a:endParaRPr sz="791"/>
+          </a:p>
+          <a:p>
+            <a:pPr indent="0" lvl="0" marL="0" rtl="0" algn="l">
+              <a:lnSpc>
+                <a:spcPct val="95000"/>
+              </a:lnSpc>
+              <a:spcBef>
+                <a:spcPts val="1200"/>
+              </a:spcBef>
+              <a:spcAft>
+                <a:spcPts val="0"/>
+              </a:spcAft>
+              <a:buNone/>
+            </a:pPr>
+            <a:r>
+              <a:rPr lang="ja" sz="791"/>
+              <a:t>5. **最終要約の生成:**</a:t>
+            </a:r>
+            <a:endParaRPr sz="791"/>
+          </a:p>
+          <a:p>
+            <a:pPr indent="0" lvl="0" marL="0" rtl="0" algn="l">
+              <a:lnSpc>
+                <a:spcPct val="95000"/>
+              </a:lnSpc>
+              <a:spcBef>
+                <a:spcPts val="1200"/>
+              </a:spcBef>
+              <a:spcAft>
+                <a:spcPts val="0"/>
+              </a:spcAft>
+              <a:buNone/>
+            </a:pPr>
+            <a:r>
+              <a:rPr lang="ja" sz="791"/>
+              <a:t>    - 各チャンクの要約を統合し、データセット全体の要約を作成。</a:t>
+            </a:r>
+            <a:endParaRPr sz="791"/>
+          </a:p>
+          <a:p>
+            <a:pPr indent="0" lvl="0" marL="0" rtl="0" algn="l">
+              <a:lnSpc>
+                <a:spcPct val="95000"/>
+              </a:lnSpc>
+              <a:spcBef>
+                <a:spcPts val="1200"/>
+              </a:spcBef>
+              <a:spcAft>
+                <a:spcPts val="0"/>
+              </a:spcAft>
+              <a:buNone/>
+            </a:pPr>
+            <a:r>
+              <a:rPr lang="ja" sz="791"/>
+              <a:t>    - これにより、モデルは全体的なパターンや特徴の関連性を理解。</a:t>
+            </a:r>
+            <a:endParaRPr sz="791"/>
+          </a:p>
+          <a:p>
+            <a:pPr indent="0" lvl="0" marL="0" rtl="0" algn="l">
+              <a:lnSpc>
+                <a:spcPct val="95000"/>
+              </a:lnSpc>
+              <a:spcBef>
+                <a:spcPts val="1200"/>
+              </a:spcBef>
+              <a:spcAft>
+                <a:spcPts val="0"/>
+              </a:spcAft>
+              <a:buNone/>
+            </a:pPr>
+            <a:r>
+              <a:rPr lang="ja" sz="791"/>
+              <a:t>6. **関連データの取得:**</a:t>
+            </a:r>
+            <a:endParaRPr sz="791"/>
+          </a:p>
+          <a:p>
+            <a:pPr indent="0" lvl="0" marL="0" rtl="0" algn="l">
+              <a:lnSpc>
+                <a:spcPct val="95000"/>
+              </a:lnSpc>
+              <a:spcBef>
+                <a:spcPts val="1200"/>
+              </a:spcBef>
+              <a:spcAft>
+                <a:spcPts val="0"/>
+              </a:spcAft>
+              <a:buNone/>
+            </a:pPr>
+            <a:r>
+              <a:rPr lang="ja" sz="791"/>
+              <a:t>    - テストデータに基づき、LLMがクエリを生成し、関連するデータを取得。</a:t>
+            </a:r>
+            <a:endParaRPr sz="791"/>
+          </a:p>
+          <a:p>
+            <a:pPr indent="0" lvl="0" marL="0" rtl="0" algn="l">
+              <a:lnSpc>
+                <a:spcPct val="95000"/>
+              </a:lnSpc>
+              <a:spcBef>
+                <a:spcPts val="1200"/>
+              </a:spcBef>
+              <a:spcAft>
+                <a:spcPts val="0"/>
+              </a:spcAft>
+              <a:buNone/>
+            </a:pPr>
+            <a:r>
+              <a:rPr lang="ja" sz="791"/>
+              <a:t>    - クエリは短く簡潔で、テストデータに類似した行を効率的に取得。</a:t>
+            </a:r>
+            <a:endParaRPr sz="791"/>
+          </a:p>
+          <a:p>
+            <a:pPr indent="0" lvl="0" marL="0" rtl="0" algn="l">
+              <a:lnSpc>
+                <a:spcPct val="95000"/>
+              </a:lnSpc>
+              <a:spcBef>
+                <a:spcPts val="1200"/>
+              </a:spcBef>
+              <a:spcAft>
+                <a:spcPts val="0"/>
+              </a:spcAft>
+              <a:buNone/>
+            </a:pPr>
+            <a:r>
+              <a:rPr lang="ja" sz="791"/>
+              <a:t>    </a:t>
+            </a:r>
+            <a:endParaRPr sz="791"/>
+          </a:p>
+          <a:p>
+            <a:pPr indent="0" lvl="0" marL="0" rtl="0" algn="l">
+              <a:lnSpc>
+                <a:spcPct val="95000"/>
+              </a:lnSpc>
+              <a:spcBef>
+                <a:spcPts val="1200"/>
+              </a:spcBef>
+              <a:spcAft>
+                <a:spcPts val="0"/>
+              </a:spcAft>
+              <a:buNone/>
+            </a:pPr>
+            <a:r>
+              <a:rPr lang="ja" sz="791"/>
+              <a:t>    **プロンプトテンプレートの例（クエリ生成用）:**</a:t>
+            </a:r>
+            <a:endParaRPr sz="791"/>
+          </a:p>
+          <a:p>
+            <a:pPr indent="0" lvl="0" marL="0" rtl="0" algn="l">
+              <a:lnSpc>
+                <a:spcPct val="95000"/>
+              </a:lnSpc>
+              <a:spcBef>
+                <a:spcPts val="1200"/>
+              </a:spcBef>
+              <a:spcAft>
+                <a:spcPts val="0"/>
+              </a:spcAft>
+              <a:buNone/>
+            </a:pPr>
+            <a:r>
+              <a:rPr lang="ja" sz="791"/>
+              <a:t>    </a:t>
+            </a:r>
+            <a:endParaRPr sz="791"/>
+          </a:p>
+          <a:p>
+            <a:pPr indent="0" lvl="0" marL="0" rtl="0" algn="l">
+              <a:lnSpc>
+                <a:spcPct val="95000"/>
+              </a:lnSpc>
+              <a:spcBef>
+                <a:spcPts val="1200"/>
+              </a:spcBef>
+              <a:spcAft>
+                <a:spcPts val="0"/>
+              </a:spcAft>
+              <a:buNone/>
+            </a:pPr>
+            <a:r>
+              <a:rPr lang="ja" sz="791"/>
+              <a:t>    ```yaml</a:t>
+            </a:r>
+            <a:endParaRPr sz="791"/>
+          </a:p>
+          <a:p>
+            <a:pPr indent="0" lvl="0" marL="0" rtl="0" algn="l">
+              <a:lnSpc>
+                <a:spcPct val="95000"/>
+              </a:lnSpc>
+              <a:spcBef>
+                <a:spcPts val="1200"/>
+              </a:spcBef>
+              <a:spcAft>
+                <a:spcPts val="0"/>
+              </a:spcAft>
+              <a:buNone/>
+            </a:pPr>
+            <a:r>
+              <a:rPr lang="ja" sz="791"/>
+              <a:t>    yaml</a:t>
+            </a:r>
+            <a:endParaRPr sz="791"/>
+          </a:p>
+          <a:p>
+            <a:pPr indent="0" lvl="0" marL="0" rtl="0" algn="l">
+              <a:lnSpc>
+                <a:spcPct val="95000"/>
+              </a:lnSpc>
+              <a:spcBef>
+                <a:spcPts val="1200"/>
+              </a:spcBef>
+              <a:spcAft>
+                <a:spcPts val="0"/>
+              </a:spcAft>
+              <a:buNone/>
+            </a:pPr>
+            <a:r>
+              <a:rPr lang="ja" sz="791"/>
+              <a:t>    コードをコピーする</a:t>
+            </a:r>
+            <a:endParaRPr sz="791"/>
+          </a:p>
+          <a:p>
+            <a:pPr indent="0" lvl="0" marL="0" rtl="0" algn="l">
+              <a:lnSpc>
+                <a:spcPct val="95000"/>
+              </a:lnSpc>
+              <a:spcBef>
+                <a:spcPts val="1200"/>
+              </a:spcBef>
+              <a:spcAft>
+                <a:spcPts val="0"/>
+              </a:spcAft>
+              <a:buNone/>
+            </a:pPr>
+            <a:r>
+              <a:rPr lang="ja" sz="791"/>
+              <a:t>    Data types of the columns:</a:t>
+            </a:r>
+            <a:endParaRPr sz="791"/>
+          </a:p>
+          <a:p>
+            <a:pPr indent="0" lvl="0" marL="0" rtl="0" algn="l">
+              <a:lnSpc>
+                <a:spcPct val="95000"/>
+              </a:lnSpc>
+              <a:spcBef>
+                <a:spcPts val="1200"/>
+              </a:spcBef>
+              <a:spcAft>
+                <a:spcPts val="0"/>
+              </a:spcAft>
+              <a:buNone/>
+            </a:pPr>
+            <a:r>
+              <a:rPr lang="ja" sz="791"/>
+              <a:t>    {dtypes_data}</a:t>
+            </a:r>
+            <a:endParaRPr sz="791"/>
+          </a:p>
+          <a:p>
+            <a:pPr indent="0" lvl="0" marL="0" rtl="0" algn="l">
+              <a:lnSpc>
+                <a:spcPct val="95000"/>
+              </a:lnSpc>
+              <a:spcBef>
+                <a:spcPts val="1200"/>
+              </a:spcBef>
+              <a:spcAft>
+                <a:spcPts val="0"/>
+              </a:spcAft>
+              <a:buNone/>
+            </a:pPr>
+            <a:r>
+              <a:rPr lang="ja" sz="791"/>
+              <a:t>    ---</a:t>
+            </a:r>
+            <a:endParaRPr sz="791"/>
+          </a:p>
+          <a:p>
+            <a:pPr indent="0" lvl="0" marL="0" rtl="0" algn="l">
+              <a:lnSpc>
+                <a:spcPct val="95000"/>
+              </a:lnSpc>
+              <a:spcBef>
+                <a:spcPts val="1200"/>
+              </a:spcBef>
+              <a:spcAft>
+                <a:spcPts val="0"/>
+              </a:spcAft>
+              <a:buNone/>
+            </a:pPr>
+            <a:r>
+              <a:rPr lang="ja" sz="791"/>
+              <a:t>    Summary of the data:</a:t>
+            </a:r>
+            <a:endParaRPr sz="791"/>
+          </a:p>
+          <a:p>
+            <a:pPr indent="0" lvl="0" marL="0" rtl="0" algn="l">
+              <a:lnSpc>
+                <a:spcPct val="95000"/>
+              </a:lnSpc>
+              <a:spcBef>
+                <a:spcPts val="1200"/>
+              </a:spcBef>
+              <a:spcAft>
+                <a:spcPts val="0"/>
+              </a:spcAft>
+              <a:buNone/>
+            </a:pPr>
+            <a:r>
+              <a:rPr lang="ja" sz="791"/>
+              <a:t>    {summary_data}</a:t>
+            </a:r>
+            <a:endParaRPr sz="791"/>
+          </a:p>
+          <a:p>
+            <a:pPr indent="0" lvl="0" marL="0" rtl="0" algn="l">
+              <a:lnSpc>
+                <a:spcPct val="95000"/>
+              </a:lnSpc>
+              <a:spcBef>
+                <a:spcPts val="1200"/>
+              </a:spcBef>
+              <a:spcAft>
+                <a:spcPts val="0"/>
+              </a:spcAft>
+              <a:buNone/>
+            </a:pPr>
+            <a:r>
+              <a:rPr lang="ja" sz="791"/>
+              <a:t>    ---</a:t>
+            </a:r>
+            <a:endParaRPr sz="791"/>
+          </a:p>
+          <a:p>
+            <a:pPr indent="0" lvl="0" marL="0" rtl="0" algn="l">
+              <a:lnSpc>
+                <a:spcPct val="95000"/>
+              </a:lnSpc>
+              <a:spcBef>
+                <a:spcPts val="1200"/>
+              </a:spcBef>
+              <a:spcAft>
+                <a:spcPts val="0"/>
+              </a:spcAft>
+              <a:buNone/>
+            </a:pPr>
+            <a:r>
+              <a:rPr lang="ja" sz="791"/>
+              <a:t>    Test data:</a:t>
+            </a:r>
+            <a:endParaRPr sz="791"/>
+          </a:p>
+          <a:p>
+            <a:pPr indent="0" lvl="0" marL="0" rtl="0" algn="l">
+              <a:lnSpc>
+                <a:spcPct val="95000"/>
+              </a:lnSpc>
+              <a:spcBef>
+                <a:spcPts val="1200"/>
+              </a:spcBef>
+              <a:spcAft>
+                <a:spcPts val="0"/>
+              </a:spcAft>
+              <a:buNone/>
+            </a:pPr>
+            <a:r>
+              <a:rPr lang="ja" sz="791"/>
+              <a:t>    {test_df}</a:t>
+            </a:r>
+            <a:endParaRPr sz="791"/>
+          </a:p>
+          <a:p>
+            <a:pPr indent="0" lvl="0" marL="0" rtl="0" algn="l">
+              <a:lnSpc>
+                <a:spcPct val="95000"/>
+              </a:lnSpc>
+              <a:spcBef>
+                <a:spcPts val="1200"/>
+              </a:spcBef>
+              <a:spcAft>
+                <a:spcPts val="0"/>
+              </a:spcAft>
+              <a:buNone/>
+            </a:pPr>
+            <a:r>
+              <a:rPr lang="ja" sz="791"/>
+              <a:t>    ---</a:t>
+            </a:r>
+            <a:endParaRPr sz="791"/>
+          </a:p>
+          <a:p>
+            <a:pPr indent="0" lvl="0" marL="0" rtl="0" algn="l">
+              <a:lnSpc>
+                <a:spcPct val="95000"/>
+              </a:lnSpc>
+              <a:spcBef>
+                <a:spcPts val="1200"/>
+              </a:spcBef>
+              <a:spcAft>
+                <a:spcPts val="0"/>
+              </a:spcAft>
+              <a:buNone/>
+            </a:pPr>
+            <a:r>
+              <a:rPr lang="ja" sz="791"/>
+              <a:t>    Act as an Explainable Machine Learning Model.</a:t>
+            </a:r>
+            <a:endParaRPr sz="791"/>
+          </a:p>
+          <a:p>
+            <a:pPr indent="0" lvl="0" marL="0" rtl="0" algn="l">
+              <a:lnSpc>
+                <a:spcPct val="95000"/>
+              </a:lnSpc>
+              <a:spcBef>
+                <a:spcPts val="1200"/>
+              </a:spcBef>
+              <a:spcAft>
+                <a:spcPts val="0"/>
+              </a:spcAft>
+              <a:buNone/>
+            </a:pPr>
+            <a:r>
+              <a:rPr lang="ja" sz="791"/>
+              <a:t>    ...</a:t>
+            </a:r>
+            <a:endParaRPr sz="791"/>
+          </a:p>
+          <a:p>
+            <a:pPr indent="0" lvl="0" marL="0" rtl="0" algn="l">
+              <a:lnSpc>
+                <a:spcPct val="95000"/>
+              </a:lnSpc>
+              <a:spcBef>
+                <a:spcPts val="1200"/>
+              </a:spcBef>
+              <a:spcAft>
+                <a:spcPts val="0"/>
+              </a:spcAft>
+              <a:buNone/>
+            </a:pPr>
+            <a:r>
+              <a:rPr lang="ja" sz="791"/>
+              <a:t>    </a:t>
+            </a:r>
+            <a:endParaRPr sz="791"/>
+          </a:p>
+          <a:p>
+            <a:pPr indent="0" lvl="0" marL="0" rtl="0" algn="l">
+              <a:lnSpc>
+                <a:spcPct val="95000"/>
+              </a:lnSpc>
+              <a:spcBef>
+                <a:spcPts val="1200"/>
+              </a:spcBef>
+              <a:spcAft>
+                <a:spcPts val="0"/>
+              </a:spcAft>
+              <a:buNone/>
+            </a:pPr>
+            <a:r>
+              <a:rPr lang="ja" sz="791"/>
+              <a:t>    ```</a:t>
+            </a:r>
+            <a:endParaRPr sz="791"/>
+          </a:p>
+          <a:p>
+            <a:pPr indent="0" lvl="0" marL="0" rtl="0" algn="l">
+              <a:lnSpc>
+                <a:spcPct val="95000"/>
+              </a:lnSpc>
+              <a:spcBef>
+                <a:spcPts val="1200"/>
+              </a:spcBef>
+              <a:spcAft>
+                <a:spcPts val="0"/>
+              </a:spcAft>
+              <a:buNone/>
+            </a:pPr>
+            <a:r>
+              <a:rPr lang="ja" sz="791"/>
+              <a:t>    </a:t>
+            </a:r>
+            <a:endParaRPr sz="791"/>
+          </a:p>
+          <a:p>
+            <a:pPr indent="0" lvl="0" marL="0" rtl="0" algn="l">
+              <a:lnSpc>
+                <a:spcPct val="95000"/>
+              </a:lnSpc>
+              <a:spcBef>
+                <a:spcPts val="1200"/>
+              </a:spcBef>
+              <a:spcAft>
+                <a:spcPts val="0"/>
+              </a:spcAft>
+              <a:buNone/>
+            </a:pPr>
+            <a:r>
+              <a:rPr lang="ja" sz="791"/>
+              <a:t>7. **分類の生成と精度計算:**</a:t>
+            </a:r>
+            <a:endParaRPr sz="791"/>
+          </a:p>
+          <a:p>
+            <a:pPr indent="0" lvl="0" marL="0" rtl="0" algn="l">
+              <a:lnSpc>
+                <a:spcPct val="95000"/>
+              </a:lnSpc>
+              <a:spcBef>
+                <a:spcPts val="1200"/>
+              </a:spcBef>
+              <a:spcAft>
+                <a:spcPts val="0"/>
+              </a:spcAft>
+              <a:buNone/>
+            </a:pPr>
+            <a:r>
+              <a:rPr lang="ja" sz="791"/>
+              <a:t>    - データ要約と取得した関連データをLLMに提供し、分類を生成。</a:t>
+            </a:r>
+            <a:endParaRPr sz="791"/>
+          </a:p>
+          <a:p>
+            <a:pPr indent="0" lvl="0" marL="0" rtl="0" algn="l">
+              <a:lnSpc>
+                <a:spcPct val="95000"/>
+              </a:lnSpc>
+              <a:spcBef>
+                <a:spcPts val="1200"/>
+              </a:spcBef>
+              <a:spcAft>
+                <a:spcPts val="0"/>
+              </a:spcAft>
+              <a:buNone/>
+            </a:pPr>
+            <a:r>
+              <a:rPr lang="ja" sz="791"/>
+              <a:t>    - 予測結果と実際のラベルを比較し、精度を計算。</a:t>
+            </a:r>
+            <a:endParaRPr sz="791"/>
+          </a:p>
+          <a:p>
+            <a:pPr indent="0" lvl="0" marL="0" rtl="0" algn="l">
+              <a:lnSpc>
+                <a:spcPct val="95000"/>
+              </a:lnSpc>
+              <a:spcBef>
+                <a:spcPts val="1200"/>
+              </a:spcBef>
+              <a:spcAft>
+                <a:spcPts val="0"/>
+              </a:spcAft>
+              <a:buNone/>
+            </a:pPr>
+            <a:r>
+              <a:rPr lang="ja" sz="791"/>
+              <a:t>8. **結果の評価:**</a:t>
+            </a:r>
+            <a:endParaRPr sz="791"/>
+          </a:p>
+          <a:p>
+            <a:pPr indent="0" lvl="0" marL="0" rtl="0" algn="l">
+              <a:lnSpc>
+                <a:spcPct val="95000"/>
+              </a:lnSpc>
+              <a:spcBef>
+                <a:spcPts val="1200"/>
+              </a:spcBef>
+              <a:spcAft>
+                <a:spcPts val="0"/>
+              </a:spcAft>
+              <a:buNone/>
+            </a:pPr>
+            <a:r>
+              <a:rPr lang="ja" sz="791"/>
+              <a:t>    - 多くのデータセットとモデルでテストし、高い精度を確認。</a:t>
+            </a:r>
+            <a:endParaRPr sz="791"/>
+          </a:p>
+          <a:p>
+            <a:pPr indent="0" lvl="0" marL="0" rtl="0" algn="l">
+              <a:lnSpc>
+                <a:spcPct val="95000"/>
+              </a:lnSpc>
+              <a:spcBef>
+                <a:spcPts val="1200"/>
+              </a:spcBef>
+              <a:spcAft>
+                <a:spcPts val="0"/>
+              </a:spcAft>
+              <a:buNone/>
+            </a:pPr>
+            <a:r>
+              <a:rPr lang="ja" sz="791"/>
+              <a:t>    - 一部の複雑なデータセットではさらなる改善の余地がある。</a:t>
+            </a:r>
+            <a:endParaRPr sz="791"/>
+          </a:p>
+          <a:p>
+            <a:pPr indent="0" lvl="0" marL="0" rtl="0" algn="l">
+              <a:lnSpc>
+                <a:spcPct val="95000"/>
+              </a:lnSpc>
+              <a:spcBef>
+                <a:spcPts val="1200"/>
+              </a:spcBef>
+              <a:spcAft>
+                <a:spcPts val="0"/>
+              </a:spcAft>
+              <a:buNone/>
+            </a:pPr>
+            <a:r>
+              <a:t/>
+            </a:r>
+            <a:endParaRPr sz="791"/>
+          </a:p>
+          <a:p>
+            <a:pPr indent="0" lvl="0" marL="0" rtl="0" algn="l">
+              <a:lnSpc>
+                <a:spcPct val="95000"/>
+              </a:lnSpc>
+              <a:spcBef>
+                <a:spcPts val="1200"/>
+              </a:spcBef>
+              <a:spcAft>
+                <a:spcPts val="0"/>
+              </a:spcAft>
+              <a:buNone/>
+            </a:pPr>
+            <a:r>
+              <a:rPr lang="ja" sz="791"/>
+              <a:t>---</a:t>
+            </a:r>
+            <a:endParaRPr sz="791"/>
+          </a:p>
+          <a:p>
+            <a:pPr indent="0" lvl="0" marL="0" rtl="0" algn="l">
+              <a:lnSpc>
+                <a:spcPct val="95000"/>
+              </a:lnSpc>
+              <a:spcBef>
+                <a:spcPts val="1200"/>
+              </a:spcBef>
+              <a:spcAft>
+                <a:spcPts val="0"/>
+              </a:spcAft>
+              <a:buNone/>
+            </a:pPr>
+            <a:r>
+              <a:t/>
+            </a:r>
+            <a:endParaRPr sz="791"/>
+          </a:p>
+          <a:p>
+            <a:pPr indent="0" lvl="0" marL="0" rtl="0" algn="l">
+              <a:lnSpc>
+                <a:spcPct val="95000"/>
+              </a:lnSpc>
+              <a:spcBef>
+                <a:spcPts val="1200"/>
+              </a:spcBef>
+              <a:spcAft>
+                <a:spcPts val="0"/>
+              </a:spcAft>
+              <a:buNone/>
+            </a:pPr>
+            <a:r>
+              <a:rPr lang="ja" sz="791"/>
+              <a:t>**数式の説明:**</a:t>
+            </a:r>
+            <a:endParaRPr sz="791"/>
+          </a:p>
+          <a:p>
+            <a:pPr indent="0" lvl="0" marL="0" rtl="0" algn="l">
+              <a:lnSpc>
+                <a:spcPct val="95000"/>
+              </a:lnSpc>
+              <a:spcBef>
+                <a:spcPts val="1200"/>
+              </a:spcBef>
+              <a:spcAft>
+                <a:spcPts val="0"/>
+              </a:spcAft>
+              <a:buNone/>
+            </a:pPr>
+            <a:r>
+              <a:t/>
+            </a:r>
+            <a:endParaRPr sz="791"/>
+          </a:p>
+          <a:p>
+            <a:pPr indent="0" lvl="0" marL="0" rtl="0" algn="l">
+              <a:lnSpc>
+                <a:spcPct val="95000"/>
+              </a:lnSpc>
+              <a:spcBef>
+                <a:spcPts val="1200"/>
+              </a:spcBef>
+              <a:spcAft>
+                <a:spcPts val="0"/>
+              </a:spcAft>
+              <a:buNone/>
+            </a:pPr>
+            <a:r>
+              <a:rPr lang="ja" sz="791"/>
+              <a:t>本論文では、主にLLMを用いた手法に焦点を当てており、具体的な数式は提示されていません。ただし、以下の点で数式的な概念が含まれます。</a:t>
+            </a:r>
+            <a:endParaRPr sz="791"/>
+          </a:p>
+          <a:p>
+            <a:pPr indent="0" lvl="0" marL="0" rtl="0" algn="l">
+              <a:lnSpc>
+                <a:spcPct val="95000"/>
+              </a:lnSpc>
+              <a:spcBef>
+                <a:spcPts val="1200"/>
+              </a:spcBef>
+              <a:spcAft>
+                <a:spcPts val="0"/>
+              </a:spcAft>
+              <a:buNone/>
+            </a:pPr>
+            <a:r>
+              <a:t/>
+            </a:r>
+            <a:endParaRPr sz="791"/>
+          </a:p>
+          <a:p>
+            <a:pPr indent="0" lvl="0" marL="0" rtl="0" algn="l">
+              <a:lnSpc>
+                <a:spcPct val="95000"/>
+              </a:lnSpc>
+              <a:spcBef>
+                <a:spcPts val="1200"/>
+              </a:spcBef>
+              <a:spcAft>
+                <a:spcPts val="0"/>
+              </a:spcAft>
+              <a:buNone/>
+            </a:pPr>
+            <a:r>
+              <a:rPr lang="ja" sz="791"/>
+              <a:t>- **テストデータの生成:** 平均化やランダム選択を用いてテストデータを作成。</a:t>
+            </a:r>
+            <a:endParaRPr sz="791"/>
+          </a:p>
+          <a:p>
+            <a:pPr indent="0" lvl="0" marL="0" rtl="0" algn="l">
+              <a:lnSpc>
+                <a:spcPct val="95000"/>
+              </a:lnSpc>
+              <a:spcBef>
+                <a:spcPts val="1200"/>
+              </a:spcBef>
+              <a:spcAft>
+                <a:spcPts val="0"/>
+              </a:spcAft>
+              <a:buNone/>
+            </a:pPr>
+            <a:r>
+              <a:rPr lang="ja" sz="791"/>
+              <a:t>- **精度の計算:** 精度 = （正しく分類されたテストサンプル数）/（総テストサンプル数）</a:t>
+            </a:r>
+            <a:endParaRPr sz="791"/>
+          </a:p>
+          <a:p>
+            <a:pPr indent="0" lvl="0" marL="0" rtl="0" algn="l">
+              <a:lnSpc>
+                <a:spcPct val="95000"/>
+              </a:lnSpc>
+              <a:spcBef>
+                <a:spcPts val="1200"/>
+              </a:spcBef>
+              <a:spcAft>
+                <a:spcPts val="1200"/>
+              </a:spcAft>
+              <a:buNone/>
+            </a:pPr>
+            <a:r>
+              <a:t/>
+            </a:r>
+            <a:endParaRPr sz="791"/>
+          </a:p>
+        </p:txBody>
+      </p:sp>
+    </p:spTree>
+  </p:cSld>
+  <p:clrMapOvr>
+    <a:masterClrMapping/>
+  </p:clrMapOvr>
+</p:sld>
+</file>
+
+<file path=ppt/slides/slide32.xml><?xml version="1.0" encoding="utf-8"?>
+<p:sld xmlns:a="http://schemas.openxmlformats.org/drawingml/2006/main" xmlns:r="http://schemas.openxmlformats.org/officeDocument/2006/relationships" xmlns:mc="http://schemas.openxmlformats.org/markup-compatibility/2006" xmlns:mv="urn:schemas-microsoft-com:mac:vml" xmlns:p="http://schemas.openxmlformats.org/presentationml/2006/main" xmlns:c="http://schemas.openxmlformats.org/drawingml/2006/chart" xmlns:dgm="http://schemas.openxmlformats.org/drawingml/2006/diagram" xmlns:o="urn:schemas-microsoft-com:office:office" xmlns:v="urn:schemas-microsoft-com:vml" xmlns:pvml="urn:schemas-microsoft-com:office:powerpoint" xmlns:com="http://schemas.openxmlformats.org/drawingml/2006/compatibility" xmlns:p14="http://schemas.microsoft.com/office/powerpoint/2010/main" xmlns:p15="http://schemas.microsoft.com/office/powerpoint/2012/main" xmlns:ahyp="http://schemas.microsoft.com/office/drawing/2018/hyperlinkcolor">
+  <p:cSld>
+    <p:spTree>
+      <p:nvGrpSpPr>
+        <p:cNvPr id="214" name="Shape 214"/>
+        <p:cNvGrpSpPr/>
+        <p:nvPr/>
+      </p:nvGrpSpPr>
+      <p:grpSpPr>
+        <a:xfrm>
+          <a:off x="0" y="0"/>
+          <a:ext cx="0" cy="0"/>
+          <a:chOff x="0" y="0"/>
+          <a:chExt cx="0" cy="0"/>
+        </a:xfrm>
+      </p:grpSpPr>
+      <p:sp>
+        <p:nvSpPr>
+          <p:cNvPr id="215" name="Google Shape;215;p44"/>
+          <p:cNvSpPr txBox="1"/>
+          <p:nvPr>
             <p:ph type="title"/>
           </p:nvPr>
         </p:nvSpPr>
